--- a/上課教材/Week2.pptx
+++ b/上課教材/Week2.pptx
@@ -6,25 +6,26 @@
   </p:sldMasterIdLst>
   <p:sldIdLst>
     <p:sldId id="257" r:id="rId2"/>
-    <p:sldId id="298" r:id="rId3"/>
-    <p:sldId id="289" r:id="rId4"/>
-    <p:sldId id="288" r:id="rId5"/>
-    <p:sldId id="290" r:id="rId6"/>
-    <p:sldId id="299" r:id="rId7"/>
-    <p:sldId id="272" r:id="rId8"/>
-    <p:sldId id="300" r:id="rId9"/>
-    <p:sldId id="301" r:id="rId10"/>
-    <p:sldId id="302" r:id="rId11"/>
-    <p:sldId id="304" r:id="rId12"/>
-    <p:sldId id="305" r:id="rId13"/>
-    <p:sldId id="306" r:id="rId14"/>
-    <p:sldId id="307" r:id="rId15"/>
-    <p:sldId id="313" r:id="rId16"/>
-    <p:sldId id="315" r:id="rId17"/>
-    <p:sldId id="309" r:id="rId18"/>
-    <p:sldId id="310" r:id="rId19"/>
-    <p:sldId id="259" r:id="rId20"/>
-    <p:sldId id="312" r:id="rId21"/>
+    <p:sldId id="309" r:id="rId3"/>
+    <p:sldId id="310" r:id="rId4"/>
+    <p:sldId id="316" r:id="rId5"/>
+    <p:sldId id="298" r:id="rId6"/>
+    <p:sldId id="289" r:id="rId7"/>
+    <p:sldId id="288" r:id="rId8"/>
+    <p:sldId id="290" r:id="rId9"/>
+    <p:sldId id="299" r:id="rId10"/>
+    <p:sldId id="272" r:id="rId11"/>
+    <p:sldId id="300" r:id="rId12"/>
+    <p:sldId id="301" r:id="rId13"/>
+    <p:sldId id="302" r:id="rId14"/>
+    <p:sldId id="304" r:id="rId15"/>
+    <p:sldId id="305" r:id="rId16"/>
+    <p:sldId id="306" r:id="rId17"/>
+    <p:sldId id="307" r:id="rId18"/>
+    <p:sldId id="313" r:id="rId19"/>
+    <p:sldId id="315" r:id="rId20"/>
+    <p:sldId id="259" r:id="rId21"/>
+    <p:sldId id="312" r:id="rId22"/>
   </p:sldIdLst>
   <p:sldSz cx="12192000" cy="6858000"/>
   <p:notesSz cx="6858000" cy="9144000"/>
@@ -134,8 +135,7 @@
 <file path=ppt/revisionInfo.xml><?xml version="1.0" encoding="utf-8"?>
 <p1510:revInfo xmlns:a="http://schemas.openxmlformats.org/drawingml/2006/main" xmlns:r="http://schemas.openxmlformats.org/officeDocument/2006/relationships" xmlns:p1510="http://schemas.microsoft.com/office/powerpoint/2015/10/main">
   <p1510:revLst>
-    <p1510:client id="{794224D3-789D-47BB-A0D2-62C663EDB1CA}" v="219" dt="2020-06-01T23:07:13.750"/>
-    <p1510:client id="{F1FA031A-4D31-4AEE-8DCB-44C85EA436EB}" v="215" dt="2020-06-02T00:22:12.083"/>
+    <p1510:client id="{F1FA031A-4D31-4AEE-8DCB-44C85EA436EB}" v="246" dt="2020-06-05T07:12:57.610"/>
   </p1510:revLst>
 </p1510:revInfo>
 </file>
@@ -1243,7 +1243,7 @@
   <pc:docChgLst>
     <pc:chgData name="Ming-Chih Lin" userId="f1ba3ba5-e185-404b-b55f-b2be90e2bdc2" providerId="ADAL" clId="{F1FA031A-4D31-4AEE-8DCB-44C85EA436EB}"/>
     <pc:docChg chg="undo custSel addSld delSld modSld sldOrd">
-      <pc:chgData name="Ming-Chih Lin" userId="f1ba3ba5-e185-404b-b55f-b2be90e2bdc2" providerId="ADAL" clId="{F1FA031A-4D31-4AEE-8DCB-44C85EA436EB}" dt="2020-06-02T00:22:12.083" v="1137" actId="207"/>
+      <pc:chgData name="Ming-Chih Lin" userId="f1ba3ba5-e185-404b-b55f-b2be90e2bdc2" providerId="ADAL" clId="{F1FA031A-4D31-4AEE-8DCB-44C85EA436EB}" dt="2020-06-05T07:13:10.557" v="1232" actId="6549"/>
       <pc:docMkLst>
         <pc:docMk/>
       </pc:docMkLst>
@@ -1753,14 +1753,14 @@
           </ac:spMkLst>
         </pc:spChg>
       </pc:sldChg>
-      <pc:sldChg chg="modSp add mod">
-        <pc:chgData name="Ming-Chih Lin" userId="f1ba3ba5-e185-404b-b55f-b2be90e2bdc2" providerId="ADAL" clId="{F1FA031A-4D31-4AEE-8DCB-44C85EA436EB}" dt="2020-06-01T23:16:11.863" v="435"/>
+      <pc:sldChg chg="modSp add mod ord">
+        <pc:chgData name="Ming-Chih Lin" userId="f1ba3ba5-e185-404b-b55f-b2be90e2bdc2" providerId="ADAL" clId="{F1FA031A-4D31-4AEE-8DCB-44C85EA436EB}" dt="2020-06-05T07:03:17.196" v="1156"/>
         <pc:sldMkLst>
           <pc:docMk/>
           <pc:sldMk cId="2022201700" sldId="309"/>
         </pc:sldMkLst>
         <pc:spChg chg="mod">
-          <ac:chgData name="Ming-Chih Lin" userId="f1ba3ba5-e185-404b-b55f-b2be90e2bdc2" providerId="ADAL" clId="{F1FA031A-4D31-4AEE-8DCB-44C85EA436EB}" dt="2020-06-01T23:16:11.863" v="435"/>
+          <ac:chgData name="Ming-Chih Lin" userId="f1ba3ba5-e185-404b-b55f-b2be90e2bdc2" providerId="ADAL" clId="{F1FA031A-4D31-4AEE-8DCB-44C85EA436EB}" dt="2020-06-05T07:03:17.196" v="1156"/>
           <ac:spMkLst>
             <pc:docMk/>
             <pc:sldMk cId="2022201700" sldId="309"/>
@@ -1769,7 +1769,7 @@
         </pc:spChg>
       </pc:sldChg>
       <pc:sldChg chg="addSp delSp modSp add mod ord">
-        <pc:chgData name="Ming-Chih Lin" userId="f1ba3ba5-e185-404b-b55f-b2be90e2bdc2" providerId="ADAL" clId="{F1FA031A-4D31-4AEE-8DCB-44C85EA436EB}" dt="2020-06-02T00:22:12.083" v="1137" actId="207"/>
+        <pc:chgData name="Ming-Chih Lin" userId="f1ba3ba5-e185-404b-b55f-b2be90e2bdc2" providerId="ADAL" clId="{F1FA031A-4D31-4AEE-8DCB-44C85EA436EB}" dt="2020-06-05T07:03:08.804" v="1146"/>
         <pc:sldMkLst>
           <pc:docMk/>
           <pc:sldMk cId="1680955994" sldId="310"/>
@@ -1922,6 +1922,29 @@
           </ac:spMkLst>
         </pc:spChg>
       </pc:sldChg>
+      <pc:sldChg chg="modSp new mod ord">
+        <pc:chgData name="Ming-Chih Lin" userId="f1ba3ba5-e185-404b-b55f-b2be90e2bdc2" providerId="ADAL" clId="{F1FA031A-4D31-4AEE-8DCB-44C85EA436EB}" dt="2020-06-05T07:13:10.557" v="1232" actId="6549"/>
+        <pc:sldMkLst>
+          <pc:docMk/>
+          <pc:sldMk cId="134334159" sldId="316"/>
+        </pc:sldMkLst>
+        <pc:spChg chg="mod">
+          <ac:chgData name="Ming-Chih Lin" userId="f1ba3ba5-e185-404b-b55f-b2be90e2bdc2" providerId="ADAL" clId="{F1FA031A-4D31-4AEE-8DCB-44C85EA436EB}" dt="2020-06-05T07:13:10.557" v="1232" actId="6549"/>
+          <ac:spMkLst>
+            <pc:docMk/>
+            <pc:sldMk cId="134334159" sldId="316"/>
+            <ac:spMk id="2" creationId="{4081B7A7-6FE7-41CF-9EB4-A0E9B61DCCC4}"/>
+          </ac:spMkLst>
+        </pc:spChg>
+        <pc:spChg chg="mod">
+          <ac:chgData name="Ming-Chih Lin" userId="f1ba3ba5-e185-404b-b55f-b2be90e2bdc2" providerId="ADAL" clId="{F1FA031A-4D31-4AEE-8DCB-44C85EA436EB}" dt="2020-06-05T07:05:45.819" v="1206"/>
+          <ac:spMkLst>
+            <pc:docMk/>
+            <pc:sldMk cId="134334159" sldId="316"/>
+            <ac:spMk id="3" creationId="{2063B519-CE41-4415-8828-F8BEC96E3CEB}"/>
+          </ac:spMkLst>
+        </pc:spChg>
+      </pc:sldChg>
       <pc:sldChg chg="modSp add del mod">
         <pc:chgData name="Ming-Chih Lin" userId="f1ba3ba5-e185-404b-b55f-b2be90e2bdc2" providerId="ADAL" clId="{F1FA031A-4D31-4AEE-8DCB-44C85EA436EB}" dt="2020-06-01T23:41:30.159" v="1000" actId="47"/>
         <pc:sldMkLst>
@@ -5641,7 +5664,7 @@
           <a:p>
             <a:fld id="{FA1E3ED8-1BB4-4BD2-AB23-359644E070C2}" type="datetimeFigureOut">
               <a:rPr lang="zh-TW" altLang="en-US" smtClean="0"/>
-              <a:t>2020/6/2</a:t>
+              <a:t>2020/6/5</a:t>
             </a:fld>
             <a:endParaRPr lang="zh-TW" altLang="en-US"/>
           </a:p>
@@ -10817,10 +10840,10 @@
       </p:grpSpPr>
       <p:sp>
         <p:nvSpPr>
-          <p:cNvPr id="5" name="內容版面配置區 4">
-            <a:extLst>
-              <a:ext uri="{FF2B5EF4-FFF2-40B4-BE49-F238E27FC236}">
-                <a16:creationId xmlns:a16="http://schemas.microsoft.com/office/drawing/2014/main" id="{B37260B8-3B0D-40A3-8B25-1D9D532C9BED}"/>
+          <p:cNvPr id="4" name="文字版面配置區 3">
+            <a:extLst>
+              <a:ext uri="{FF2B5EF4-FFF2-40B4-BE49-F238E27FC236}">
+                <a16:creationId xmlns:a16="http://schemas.microsoft.com/office/drawing/2014/main" id="{2FA54F75-D405-4104-B6BB-EA44A23A109A}"/>
               </a:ext>
             </a:extLst>
           </p:cNvPr>
@@ -10828,7 +10851,7 @@
             <a:spLocks noGrp="1"/>
           </p:cNvSpPr>
           <p:nvPr>
-            <p:ph idx="1"/>
+            <p:ph type="body" sz="quarter" idx="10"/>
           </p:nvPr>
         </p:nvSpPr>
         <p:spPr/>
@@ -10836,29 +10859,19 @@
           <a:bodyPr/>
           <a:lstStyle/>
           <a:p>
-            <a:pPr marL="0" indent="0">
-              <a:buNone/>
-            </a:pPr>
             <a:r>
               <a:rPr lang="zh-TW" altLang="en-US" dirty="0"/>
-              <a:t>以“如何標定物件”為例，使用者該如何表示要複製的物件？可以是名稱，可以是某一類材料的物件，可以是符合某一種幾何結構的物件，也可以是某一種顏色的物件，又或者是框選到的物件。</a:t>
-            </a:r>
-            <a:endParaRPr lang="en-US" altLang="zh-TW" dirty="0"/>
-          </a:p>
-          <a:p>
-            <a:pPr marL="0" indent="0">
-              <a:buNone/>
-            </a:pPr>
-            <a:endParaRPr lang="en-US" altLang="zh-TW" dirty="0"/>
-          </a:p>
-        </p:txBody>
-      </p:sp>
-      <p:sp>
-        <p:nvSpPr>
-          <p:cNvPr id="4" name="標題 3">
-            <a:extLst>
-              <a:ext uri="{FF2B5EF4-FFF2-40B4-BE49-F238E27FC236}">
-                <a16:creationId xmlns:a16="http://schemas.microsoft.com/office/drawing/2014/main" id="{42223639-7737-4ADF-9CCC-84644374FFB5}"/>
+              <a:t>範例解說</a:t>
+            </a:r>
+          </a:p>
+        </p:txBody>
+      </p:sp>
+      <p:sp>
+        <p:nvSpPr>
+          <p:cNvPr id="5" name="文字版面配置區 4">
+            <a:extLst>
+              <a:ext uri="{FF2B5EF4-FFF2-40B4-BE49-F238E27FC236}">
+                <a16:creationId xmlns:a16="http://schemas.microsoft.com/office/drawing/2014/main" id="{CEE2A55E-C73D-43FF-AA36-95C0FF95B7B1}"/>
               </a:ext>
             </a:extLst>
           </p:cNvPr>
@@ -10866,7 +10879,7 @@
             <a:spLocks noGrp="1"/>
           </p:cNvSpPr>
           <p:nvPr>
-            <p:ph type="title"/>
+            <p:ph type="body" sz="quarter" idx="12"/>
           </p:nvPr>
         </p:nvSpPr>
         <p:spPr/>
@@ -10874,33 +10887,14 @@
           <a:bodyPr/>
           <a:lstStyle/>
           <a:p>
-            <a:r>
-              <a:rPr lang="zh-TW" altLang="en-US" dirty="0"/>
-              <a:t>分析問題</a:t>
-            </a:r>
-            <a:r>
-              <a:rPr lang="en-US" altLang="zh-TW" dirty="0"/>
-              <a:t>1:”</a:t>
-            </a:r>
-            <a:r>
-              <a:rPr lang="zh-TW" altLang="en-US" dirty="0"/>
-              <a:t>如何標定物件</a:t>
-            </a:r>
-            <a:r>
-              <a:rPr lang="en-US" altLang="zh-TW" dirty="0"/>
-              <a:t>”</a:t>
-            </a:r>
-            <a:r>
-              <a:rPr lang="zh-TW" altLang="en-US" dirty="0"/>
-              <a:t>並找出代碼</a:t>
-            </a:r>
+            <a:endParaRPr lang="zh-TW" altLang="en-US"/>
           </a:p>
         </p:txBody>
       </p:sp>
     </p:spTree>
     <p:extLst>
       <p:ext uri="{BB962C8B-B14F-4D97-AF65-F5344CB8AC3E}">
-        <p14:creationId xmlns:p14="http://schemas.microsoft.com/office/powerpoint/2010/main" val="2002684050"/>
+        <p14:creationId xmlns:p14="http://schemas.microsoft.com/office/powerpoint/2010/main" val="2189207556"/>
       </p:ext>
     </p:extLst>
   </p:cSld>
@@ -10987,35 +10981,23 @@
           <a:p>
             <a:r>
               <a:rPr lang="zh-TW" altLang="en-US" dirty="0"/>
-              <a:t>分析問題</a:t>
+              <a:t>如何根據</a:t>
             </a:r>
             <a:r>
               <a:rPr lang="en-US" altLang="zh-TW" dirty="0"/>
-              <a:t>2:”</a:t>
+              <a:t>CSV</a:t>
             </a:r>
             <a:r>
               <a:rPr lang="zh-TW" altLang="en-US" dirty="0"/>
-              <a:t>如何定義物件的參考點</a:t>
-            </a:r>
-            <a:r>
-              <a:rPr lang="en-US" altLang="zh-TW" dirty="0"/>
-              <a:t>”</a:t>
-            </a:r>
-            <a:r>
-              <a:rPr lang="zh-TW" altLang="en-US" dirty="0"/>
-              <a:t>並找出代碼</a:t>
-            </a:r>
-            <a:br>
-              <a:rPr lang="en-US" altLang="zh-TW" dirty="0"/>
-            </a:br>
-            <a:endParaRPr lang="zh-TW" altLang="en-US" dirty="0"/>
+              <a:t>複製物件</a:t>
+            </a:r>
           </a:p>
         </p:txBody>
       </p:sp>
     </p:spTree>
     <p:extLst>
       <p:ext uri="{BB962C8B-B14F-4D97-AF65-F5344CB8AC3E}">
-        <p14:creationId xmlns:p14="http://schemas.microsoft.com/office/powerpoint/2010/main" val="3346354504"/>
+        <p14:creationId xmlns:p14="http://schemas.microsoft.com/office/powerpoint/2010/main" val="1415465906"/>
       </p:ext>
     </p:extLst>
   </p:cSld>
@@ -11075,7 +11057,80 @@
           <a:bodyPr/>
           <a:lstStyle/>
           <a:p>
-            <a:endParaRPr lang="zh-TW" altLang="en-US"/>
+            <a:pPr marL="0" indent="0">
+              <a:buNone/>
+            </a:pPr>
+            <a:r>
+              <a:rPr lang="zh-TW" altLang="en-US" dirty="0"/>
+              <a:t>問題可分解如下：</a:t>
+            </a:r>
+            <a:endParaRPr lang="en-US" altLang="zh-TW" dirty="0"/>
+          </a:p>
+          <a:p>
+            <a:r>
+              <a:rPr lang="zh-TW" altLang="en-US" dirty="0"/>
+              <a:t>如何標定物件？ </a:t>
+            </a:r>
+            <a:endParaRPr lang="en-US" altLang="zh-TW" dirty="0"/>
+          </a:p>
+          <a:p>
+            <a:r>
+              <a:rPr lang="zh-TW" altLang="en-US" dirty="0"/>
+              <a:t>如何定義物件的參考點？</a:t>
+            </a:r>
+            <a:endParaRPr lang="en-US" altLang="zh-TW" dirty="0"/>
+          </a:p>
+          <a:p>
+            <a:r>
+              <a:rPr lang="zh-TW" altLang="en-US" dirty="0"/>
+              <a:t>複製的函式碼為何？ </a:t>
+            </a:r>
+            <a:endParaRPr lang="en-US" altLang="zh-TW" dirty="0"/>
+          </a:p>
+          <a:p>
+            <a:r>
+              <a:rPr lang="en-US" altLang="zh-TW" dirty="0"/>
+              <a:t>csv</a:t>
+            </a:r>
+            <a:r>
+              <a:rPr lang="zh-TW" altLang="en-US" dirty="0"/>
+              <a:t>的座標格式如何定義？ </a:t>
+            </a:r>
+            <a:endParaRPr lang="en-US" altLang="zh-TW" dirty="0"/>
+          </a:p>
+          <a:p>
+            <a:r>
+              <a:rPr lang="zh-TW" altLang="en-US" dirty="0"/>
+              <a:t>選擇何種資料結構來儲存座標？</a:t>
+            </a:r>
+            <a:endParaRPr lang="en-US" altLang="zh-TW" dirty="0"/>
+          </a:p>
+          <a:p>
+            <a:r>
+              <a:rPr lang="zh-TW" altLang="en-US" dirty="0"/>
+              <a:t>如何讀取</a:t>
+            </a:r>
+            <a:r>
+              <a:rPr lang="en-US" altLang="zh-TW" dirty="0"/>
+              <a:t>csv</a:t>
+            </a:r>
+            <a:r>
+              <a:rPr lang="zh-TW" altLang="en-US" dirty="0"/>
+              <a:t>檔的資料到資料結構當中？ </a:t>
+            </a:r>
+            <a:endParaRPr lang="en-US" altLang="zh-TW" dirty="0"/>
+          </a:p>
+          <a:p>
+            <a:pPr marL="0" indent="0">
+              <a:buNone/>
+            </a:pPr>
+            <a:r>
+              <a:rPr lang="zh-TW" altLang="en-US" dirty="0"/>
+              <a:t>只要能從題目中找出這些底層的問題，便是成功的第一步。接下來便是要從程式設計的角度及使用者的預期來回答這些問題。這需要做一些小的代碼片段編程及測試，從各式的方法找到最適合的解答。當找出了所有的代碼片段，最後就是將它們組合起來即可。</a:t>
+            </a:r>
+          </a:p>
+          <a:p>
+            <a:endParaRPr lang="zh-TW" altLang="en-US" dirty="0"/>
           </a:p>
         </p:txBody>
       </p:sp>
@@ -11102,23 +11157,7 @@
           <a:p>
             <a:r>
               <a:rPr lang="zh-TW" altLang="en-US" dirty="0"/>
-              <a:t>分析問題</a:t>
-            </a:r>
-            <a:r>
-              <a:rPr lang="en-US" altLang="zh-TW" dirty="0"/>
-              <a:t>3:”</a:t>
-            </a:r>
-            <a:r>
-              <a:rPr lang="zh-TW" altLang="en-US" dirty="0"/>
-              <a:t>複製的函式碼為何</a:t>
-            </a:r>
-            <a:r>
-              <a:rPr lang="en-US" altLang="zh-TW" dirty="0"/>
-              <a:t>”</a:t>
-            </a:r>
-            <a:r>
-              <a:rPr lang="zh-TW" altLang="en-US" dirty="0"/>
-              <a:t>並找出代碼</a:t>
+              <a:t>分解問題</a:t>
             </a:r>
           </a:p>
         </p:txBody>
@@ -11126,7 +11165,7 @@
     </p:spTree>
     <p:extLst>
       <p:ext uri="{BB962C8B-B14F-4D97-AF65-F5344CB8AC3E}">
-        <p14:creationId xmlns:p14="http://schemas.microsoft.com/office/powerpoint/2010/main" val="1699586139"/>
+        <p14:creationId xmlns:p14="http://schemas.microsoft.com/office/powerpoint/2010/main" val="1171545912"/>
       </p:ext>
     </p:extLst>
   </p:cSld>
@@ -11186,7 +11225,20 @@
           <a:bodyPr/>
           <a:lstStyle/>
           <a:p>
-            <a:endParaRPr lang="zh-TW" altLang="en-US"/>
+            <a:pPr marL="0" indent="0">
+              <a:buNone/>
+            </a:pPr>
+            <a:r>
+              <a:rPr lang="zh-TW" altLang="en-US" dirty="0"/>
+              <a:t>以“如何標定物件”為例，使用者該如何表示要複製的物件？可以是名稱，可以是某一類材料的物件，可以是符合某一種幾何結構的物件，也可以是某一種顏色的物件，又或者是框選到的物件。</a:t>
+            </a:r>
+            <a:endParaRPr lang="en-US" altLang="zh-TW" dirty="0"/>
+          </a:p>
+          <a:p>
+            <a:pPr marL="0" indent="0">
+              <a:buNone/>
+            </a:pPr>
+            <a:endParaRPr lang="en-US" altLang="zh-TW" dirty="0"/>
           </a:p>
         </p:txBody>
       </p:sp>
@@ -11217,11 +11269,11 @@
             </a:r>
             <a:r>
               <a:rPr lang="en-US" altLang="zh-TW" dirty="0"/>
-              <a:t>4:”csv</a:t>
+              <a:t>1:”</a:t>
             </a:r>
             <a:r>
               <a:rPr lang="zh-TW" altLang="en-US" dirty="0"/>
-              <a:t>的座標格式如何定義</a:t>
+              <a:t>如何標定物件</a:t>
             </a:r>
             <a:r>
               <a:rPr lang="en-US" altLang="zh-TW" dirty="0"/>
@@ -11237,7 +11289,7 @@
     </p:spTree>
     <p:extLst>
       <p:ext uri="{BB962C8B-B14F-4D97-AF65-F5344CB8AC3E}">
-        <p14:creationId xmlns:p14="http://schemas.microsoft.com/office/powerpoint/2010/main" val="1220209127"/>
+        <p14:creationId xmlns:p14="http://schemas.microsoft.com/office/powerpoint/2010/main" val="2002684050"/>
       </p:ext>
     </p:extLst>
   </p:cSld>
@@ -11328,11 +11380,11 @@
             </a:r>
             <a:r>
               <a:rPr lang="en-US" altLang="zh-TW" dirty="0"/>
-              <a:t>5:”</a:t>
+              <a:t>2:”</a:t>
             </a:r>
             <a:r>
               <a:rPr lang="zh-TW" altLang="en-US" dirty="0"/>
-              <a:t>選擇何種資料結構來儲存座標</a:t>
+              <a:t>如何定義物件的參考點</a:t>
             </a:r>
             <a:r>
               <a:rPr lang="en-US" altLang="zh-TW" dirty="0"/>
@@ -11342,13 +11394,17 @@
               <a:rPr lang="zh-TW" altLang="en-US" dirty="0"/>
               <a:t>並找出代碼</a:t>
             </a:r>
+            <a:br>
+              <a:rPr lang="en-US" altLang="zh-TW" dirty="0"/>
+            </a:br>
+            <a:endParaRPr lang="zh-TW" altLang="en-US" dirty="0"/>
           </a:p>
         </p:txBody>
       </p:sp>
     </p:spTree>
     <p:extLst>
       <p:ext uri="{BB962C8B-B14F-4D97-AF65-F5344CB8AC3E}">
-        <p14:creationId xmlns:p14="http://schemas.microsoft.com/office/powerpoint/2010/main" val="236770104"/>
+        <p14:creationId xmlns:p14="http://schemas.microsoft.com/office/powerpoint/2010/main" val="3346354504"/>
       </p:ext>
     </p:extLst>
   </p:cSld>
@@ -11439,19 +11495,11 @@
             </a:r>
             <a:r>
               <a:rPr lang="en-US" altLang="zh-TW" dirty="0"/>
-              <a:t>6:”</a:t>
+              <a:t>3:”</a:t>
             </a:r>
             <a:r>
               <a:rPr lang="zh-TW" altLang="en-US" dirty="0"/>
-              <a:t>如何讀取</a:t>
-            </a:r>
-            <a:r>
-              <a:rPr lang="en-US" altLang="zh-TW" dirty="0"/>
-              <a:t>csv</a:t>
-            </a:r>
-            <a:r>
-              <a:rPr lang="zh-TW" altLang="en-US" dirty="0"/>
-              <a:t>檔的資料到資料結構</a:t>
+              <a:t>複製的函式碼為何</a:t>
             </a:r>
             <a:r>
               <a:rPr lang="en-US" altLang="zh-TW" dirty="0"/>
@@ -11467,7 +11515,7 @@
     </p:spTree>
     <p:extLst>
       <p:ext uri="{BB962C8B-B14F-4D97-AF65-F5344CB8AC3E}">
-        <p14:creationId xmlns:p14="http://schemas.microsoft.com/office/powerpoint/2010/main" val="1608459360"/>
+        <p14:creationId xmlns:p14="http://schemas.microsoft.com/office/powerpoint/2010/main" val="1699586139"/>
       </p:ext>
     </p:extLst>
   </p:cSld>
@@ -11508,10 +11556,10 @@
       </p:grpSpPr>
       <p:sp>
         <p:nvSpPr>
-          <p:cNvPr id="2" name="內容版面配置區 1">
-            <a:extLst>
-              <a:ext uri="{FF2B5EF4-FFF2-40B4-BE49-F238E27FC236}">
-                <a16:creationId xmlns:a16="http://schemas.microsoft.com/office/drawing/2014/main" id="{567A20AA-1DA8-4D9E-9700-FCAA92EDF8F2}"/>
+          <p:cNvPr id="5" name="內容版面配置區 4">
+            <a:extLst>
+              <a:ext uri="{FF2B5EF4-FFF2-40B4-BE49-F238E27FC236}">
+                <a16:creationId xmlns:a16="http://schemas.microsoft.com/office/drawing/2014/main" id="{B37260B8-3B0D-40A3-8B25-1D9D532C9BED}"/>
               </a:ext>
             </a:extLst>
           </p:cNvPr>
@@ -11533,10 +11581,10 @@
       </p:sp>
       <p:sp>
         <p:nvSpPr>
-          <p:cNvPr id="3" name="標題 2">
-            <a:extLst>
-              <a:ext uri="{FF2B5EF4-FFF2-40B4-BE49-F238E27FC236}">
-                <a16:creationId xmlns:a16="http://schemas.microsoft.com/office/drawing/2014/main" id="{2DC53AD1-5967-4F57-9A42-A7D2F1A9323D}"/>
+          <p:cNvPr id="4" name="標題 3">
+            <a:extLst>
+              <a:ext uri="{FF2B5EF4-FFF2-40B4-BE49-F238E27FC236}">
+                <a16:creationId xmlns:a16="http://schemas.microsoft.com/office/drawing/2014/main" id="{42223639-7737-4ADF-9CCC-84644374FFB5}"/>
               </a:ext>
             </a:extLst>
           </p:cNvPr>
@@ -11554,7 +11602,23 @@
           <a:p>
             <a:r>
               <a:rPr lang="zh-TW" altLang="en-US" dirty="0"/>
-              <a:t>拚湊完整解答</a:t>
+              <a:t>分析問題</a:t>
+            </a:r>
+            <a:r>
+              <a:rPr lang="en-US" altLang="zh-TW" dirty="0"/>
+              <a:t>4:”csv</a:t>
+            </a:r>
+            <a:r>
+              <a:rPr lang="zh-TW" altLang="en-US" dirty="0"/>
+              <a:t>的座標格式如何定義</a:t>
+            </a:r>
+            <a:r>
+              <a:rPr lang="en-US" altLang="zh-TW" dirty="0"/>
+              <a:t>”</a:t>
+            </a:r>
+            <a:r>
+              <a:rPr lang="zh-TW" altLang="en-US" dirty="0"/>
+              <a:t>並找出代碼</a:t>
             </a:r>
           </a:p>
         </p:txBody>
@@ -11562,7 +11626,7 @@
     </p:spTree>
     <p:extLst>
       <p:ext uri="{BB962C8B-B14F-4D97-AF65-F5344CB8AC3E}">
-        <p14:creationId xmlns:p14="http://schemas.microsoft.com/office/powerpoint/2010/main" val="3053501639"/>
+        <p14:creationId xmlns:p14="http://schemas.microsoft.com/office/powerpoint/2010/main" val="1220209127"/>
       </p:ext>
     </p:extLst>
   </p:cSld>
@@ -11603,6 +11667,331 @@
       </p:grpSpPr>
       <p:sp>
         <p:nvSpPr>
+          <p:cNvPr id="5" name="內容版面配置區 4">
+            <a:extLst>
+              <a:ext uri="{FF2B5EF4-FFF2-40B4-BE49-F238E27FC236}">
+                <a16:creationId xmlns:a16="http://schemas.microsoft.com/office/drawing/2014/main" id="{B37260B8-3B0D-40A3-8B25-1D9D532C9BED}"/>
+              </a:ext>
+            </a:extLst>
+          </p:cNvPr>
+          <p:cNvSpPr>
+            <a:spLocks noGrp="1"/>
+          </p:cNvSpPr>
+          <p:nvPr>
+            <p:ph idx="1"/>
+          </p:nvPr>
+        </p:nvSpPr>
+        <p:spPr/>
+        <p:txBody>
+          <a:bodyPr/>
+          <a:lstStyle/>
+          <a:p>
+            <a:endParaRPr lang="zh-TW" altLang="en-US"/>
+          </a:p>
+        </p:txBody>
+      </p:sp>
+      <p:sp>
+        <p:nvSpPr>
+          <p:cNvPr id="4" name="標題 3">
+            <a:extLst>
+              <a:ext uri="{FF2B5EF4-FFF2-40B4-BE49-F238E27FC236}">
+                <a16:creationId xmlns:a16="http://schemas.microsoft.com/office/drawing/2014/main" id="{42223639-7737-4ADF-9CCC-84644374FFB5}"/>
+              </a:ext>
+            </a:extLst>
+          </p:cNvPr>
+          <p:cNvSpPr>
+            <a:spLocks noGrp="1"/>
+          </p:cNvSpPr>
+          <p:nvPr>
+            <p:ph type="title"/>
+          </p:nvPr>
+        </p:nvSpPr>
+        <p:spPr/>
+        <p:txBody>
+          <a:bodyPr/>
+          <a:lstStyle/>
+          <a:p>
+            <a:r>
+              <a:rPr lang="zh-TW" altLang="en-US" dirty="0"/>
+              <a:t>分析問題</a:t>
+            </a:r>
+            <a:r>
+              <a:rPr lang="en-US" altLang="zh-TW" dirty="0"/>
+              <a:t>5:”</a:t>
+            </a:r>
+            <a:r>
+              <a:rPr lang="zh-TW" altLang="en-US" dirty="0"/>
+              <a:t>選擇何種資料結構來儲存座標</a:t>
+            </a:r>
+            <a:r>
+              <a:rPr lang="en-US" altLang="zh-TW" dirty="0"/>
+              <a:t>”</a:t>
+            </a:r>
+            <a:r>
+              <a:rPr lang="zh-TW" altLang="en-US" dirty="0"/>
+              <a:t>並找出代碼</a:t>
+            </a:r>
+          </a:p>
+        </p:txBody>
+      </p:sp>
+    </p:spTree>
+    <p:extLst>
+      <p:ext uri="{BB962C8B-B14F-4D97-AF65-F5344CB8AC3E}">
+        <p14:creationId xmlns:p14="http://schemas.microsoft.com/office/powerpoint/2010/main" val="236770104"/>
+      </p:ext>
+    </p:extLst>
+  </p:cSld>
+  <p:clrMapOvr>
+    <a:masterClrMapping/>
+  </p:clrMapOvr>
+  <mc:AlternateContent xmlns:mc="http://schemas.openxmlformats.org/markup-compatibility/2006" xmlns:p14="http://schemas.microsoft.com/office/powerpoint/2010/main">
+    <mc:Choice Requires="p14">
+      <p:transition p14:dur="250">
+        <p:fade/>
+      </p:transition>
+    </mc:Choice>
+    <mc:Fallback xmlns="">
+      <p:transition>
+        <p:fade/>
+      </p:transition>
+    </mc:Fallback>
+  </mc:AlternateContent>
+</p:sld>
+</file>
+
+<file path=ppt/slides/slide18.xml><?xml version="1.0" encoding="utf-8"?>
+<p:sld xmlns:a="http://schemas.openxmlformats.org/drawingml/2006/main" xmlns:r="http://schemas.openxmlformats.org/officeDocument/2006/relationships" xmlns:p="http://schemas.openxmlformats.org/presentationml/2006/main">
+  <p:cSld>
+    <p:spTree>
+      <p:nvGrpSpPr>
+        <p:cNvPr id="1" name=""/>
+        <p:cNvGrpSpPr/>
+        <p:nvPr/>
+      </p:nvGrpSpPr>
+      <p:grpSpPr>
+        <a:xfrm>
+          <a:off x="0" y="0"/>
+          <a:ext cx="0" cy="0"/>
+          <a:chOff x="0" y="0"/>
+          <a:chExt cx="0" cy="0"/>
+        </a:xfrm>
+      </p:grpSpPr>
+      <p:sp>
+        <p:nvSpPr>
+          <p:cNvPr id="5" name="內容版面配置區 4">
+            <a:extLst>
+              <a:ext uri="{FF2B5EF4-FFF2-40B4-BE49-F238E27FC236}">
+                <a16:creationId xmlns:a16="http://schemas.microsoft.com/office/drawing/2014/main" id="{B37260B8-3B0D-40A3-8B25-1D9D532C9BED}"/>
+              </a:ext>
+            </a:extLst>
+          </p:cNvPr>
+          <p:cNvSpPr>
+            <a:spLocks noGrp="1"/>
+          </p:cNvSpPr>
+          <p:nvPr>
+            <p:ph idx="1"/>
+          </p:nvPr>
+        </p:nvSpPr>
+        <p:spPr/>
+        <p:txBody>
+          <a:bodyPr/>
+          <a:lstStyle/>
+          <a:p>
+            <a:endParaRPr lang="zh-TW" altLang="en-US"/>
+          </a:p>
+        </p:txBody>
+      </p:sp>
+      <p:sp>
+        <p:nvSpPr>
+          <p:cNvPr id="4" name="標題 3">
+            <a:extLst>
+              <a:ext uri="{FF2B5EF4-FFF2-40B4-BE49-F238E27FC236}">
+                <a16:creationId xmlns:a16="http://schemas.microsoft.com/office/drawing/2014/main" id="{42223639-7737-4ADF-9CCC-84644374FFB5}"/>
+              </a:ext>
+            </a:extLst>
+          </p:cNvPr>
+          <p:cNvSpPr>
+            <a:spLocks noGrp="1"/>
+          </p:cNvSpPr>
+          <p:nvPr>
+            <p:ph type="title"/>
+          </p:nvPr>
+        </p:nvSpPr>
+        <p:spPr/>
+        <p:txBody>
+          <a:bodyPr/>
+          <a:lstStyle/>
+          <a:p>
+            <a:r>
+              <a:rPr lang="zh-TW" altLang="en-US" dirty="0"/>
+              <a:t>分析問題</a:t>
+            </a:r>
+            <a:r>
+              <a:rPr lang="en-US" altLang="zh-TW" dirty="0"/>
+              <a:t>6:”</a:t>
+            </a:r>
+            <a:r>
+              <a:rPr lang="zh-TW" altLang="en-US" dirty="0"/>
+              <a:t>如何讀取</a:t>
+            </a:r>
+            <a:r>
+              <a:rPr lang="en-US" altLang="zh-TW" dirty="0"/>
+              <a:t>csv</a:t>
+            </a:r>
+            <a:r>
+              <a:rPr lang="zh-TW" altLang="en-US" dirty="0"/>
+              <a:t>檔的資料到資料結構</a:t>
+            </a:r>
+            <a:r>
+              <a:rPr lang="en-US" altLang="zh-TW" dirty="0"/>
+              <a:t>”</a:t>
+            </a:r>
+            <a:r>
+              <a:rPr lang="zh-TW" altLang="en-US" dirty="0"/>
+              <a:t>並找出代碼</a:t>
+            </a:r>
+          </a:p>
+        </p:txBody>
+      </p:sp>
+    </p:spTree>
+    <p:extLst>
+      <p:ext uri="{BB962C8B-B14F-4D97-AF65-F5344CB8AC3E}">
+        <p14:creationId xmlns:p14="http://schemas.microsoft.com/office/powerpoint/2010/main" val="1608459360"/>
+      </p:ext>
+    </p:extLst>
+  </p:cSld>
+  <p:clrMapOvr>
+    <a:masterClrMapping/>
+  </p:clrMapOvr>
+  <mc:AlternateContent xmlns:mc="http://schemas.openxmlformats.org/markup-compatibility/2006" xmlns:p14="http://schemas.microsoft.com/office/powerpoint/2010/main">
+    <mc:Choice Requires="p14">
+      <p:transition p14:dur="250">
+        <p:fade/>
+      </p:transition>
+    </mc:Choice>
+    <mc:Fallback xmlns="">
+      <p:transition>
+        <p:fade/>
+      </p:transition>
+    </mc:Fallback>
+  </mc:AlternateContent>
+</p:sld>
+</file>
+
+<file path=ppt/slides/slide19.xml><?xml version="1.0" encoding="utf-8"?>
+<p:sld xmlns:a="http://schemas.openxmlformats.org/drawingml/2006/main" xmlns:r="http://schemas.openxmlformats.org/officeDocument/2006/relationships" xmlns:p="http://schemas.openxmlformats.org/presentationml/2006/main">
+  <p:cSld>
+    <p:spTree>
+      <p:nvGrpSpPr>
+        <p:cNvPr id="1" name=""/>
+        <p:cNvGrpSpPr/>
+        <p:nvPr/>
+      </p:nvGrpSpPr>
+      <p:grpSpPr>
+        <a:xfrm>
+          <a:off x="0" y="0"/>
+          <a:ext cx="0" cy="0"/>
+          <a:chOff x="0" y="0"/>
+          <a:chExt cx="0" cy="0"/>
+        </a:xfrm>
+      </p:grpSpPr>
+      <p:sp>
+        <p:nvSpPr>
+          <p:cNvPr id="2" name="內容版面配置區 1">
+            <a:extLst>
+              <a:ext uri="{FF2B5EF4-FFF2-40B4-BE49-F238E27FC236}">
+                <a16:creationId xmlns:a16="http://schemas.microsoft.com/office/drawing/2014/main" id="{567A20AA-1DA8-4D9E-9700-FCAA92EDF8F2}"/>
+              </a:ext>
+            </a:extLst>
+          </p:cNvPr>
+          <p:cNvSpPr>
+            <a:spLocks noGrp="1"/>
+          </p:cNvSpPr>
+          <p:nvPr>
+            <p:ph idx="1"/>
+          </p:nvPr>
+        </p:nvSpPr>
+        <p:spPr/>
+        <p:txBody>
+          <a:bodyPr/>
+          <a:lstStyle/>
+          <a:p>
+            <a:endParaRPr lang="zh-TW" altLang="en-US"/>
+          </a:p>
+        </p:txBody>
+      </p:sp>
+      <p:sp>
+        <p:nvSpPr>
+          <p:cNvPr id="3" name="標題 2">
+            <a:extLst>
+              <a:ext uri="{FF2B5EF4-FFF2-40B4-BE49-F238E27FC236}">
+                <a16:creationId xmlns:a16="http://schemas.microsoft.com/office/drawing/2014/main" id="{2DC53AD1-5967-4F57-9A42-A7D2F1A9323D}"/>
+              </a:ext>
+            </a:extLst>
+          </p:cNvPr>
+          <p:cNvSpPr>
+            <a:spLocks noGrp="1"/>
+          </p:cNvSpPr>
+          <p:nvPr>
+            <p:ph type="title"/>
+          </p:nvPr>
+        </p:nvSpPr>
+        <p:spPr/>
+        <p:txBody>
+          <a:bodyPr/>
+          <a:lstStyle/>
+          <a:p>
+            <a:r>
+              <a:rPr lang="zh-TW" altLang="en-US" dirty="0"/>
+              <a:t>拚湊完整解答</a:t>
+            </a:r>
+          </a:p>
+        </p:txBody>
+      </p:sp>
+    </p:spTree>
+    <p:extLst>
+      <p:ext uri="{BB962C8B-B14F-4D97-AF65-F5344CB8AC3E}">
+        <p14:creationId xmlns:p14="http://schemas.microsoft.com/office/powerpoint/2010/main" val="3053501639"/>
+      </p:ext>
+    </p:extLst>
+  </p:cSld>
+  <p:clrMapOvr>
+    <a:masterClrMapping/>
+  </p:clrMapOvr>
+  <mc:AlternateContent xmlns:mc="http://schemas.openxmlformats.org/markup-compatibility/2006" xmlns:p14="http://schemas.microsoft.com/office/powerpoint/2010/main">
+    <mc:Choice Requires="p14">
+      <p:transition p14:dur="250">
+        <p:fade/>
+      </p:transition>
+    </mc:Choice>
+    <mc:Fallback xmlns="">
+      <p:transition>
+        <p:fade/>
+      </p:transition>
+    </mc:Fallback>
+  </mc:AlternateContent>
+</p:sld>
+</file>
+
+<file path=ppt/slides/slide2.xml><?xml version="1.0" encoding="utf-8"?>
+<p:sld xmlns:a="http://schemas.openxmlformats.org/drawingml/2006/main" xmlns:r="http://schemas.openxmlformats.org/officeDocument/2006/relationships" xmlns:p="http://schemas.openxmlformats.org/presentationml/2006/main">
+  <p:cSld>
+    <p:spTree>
+      <p:nvGrpSpPr>
+        <p:cNvPr id="1" name=""/>
+        <p:cNvGrpSpPr/>
+        <p:nvPr/>
+      </p:nvGrpSpPr>
+      <p:grpSpPr>
+        <a:xfrm>
+          <a:off x="0" y="0"/>
+          <a:ext cx="0" cy="0"/>
+          <a:chOff x="0" y="0"/>
+          <a:chExt cx="0" cy="0"/>
+        </a:xfrm>
+      </p:grpSpPr>
+      <p:sp>
+        <p:nvSpPr>
           <p:cNvPr id="4" name="文字版面配置區 3">
             <a:extLst>
               <a:ext uri="{FF2B5EF4-FFF2-40B4-BE49-F238E27FC236}">
@@ -11630,6 +12019,19 @@
               <a:rPr lang="zh-TW" altLang="en-US" dirty="0"/>
               <a:t>基本語法簡介</a:t>
             </a:r>
+            <a:r>
+              <a:rPr lang="en-US" altLang="zh-TW" dirty="0"/>
+              <a:t>(</a:t>
+            </a:r>
+            <a:r>
+              <a:rPr lang="zh-TW" altLang="en-US" dirty="0"/>
+              <a:t>上</a:t>
+            </a:r>
+            <a:r>
+              <a:rPr lang="en-US" altLang="zh-TW" dirty="0"/>
+              <a:t>)</a:t>
+            </a:r>
+            <a:endParaRPr lang="zh-TW" altLang="en-US" dirty="0"/>
           </a:p>
         </p:txBody>
       </p:sp>
@@ -11683,7 +12085,245 @@
 </p:sld>
 </file>
 
-<file path=ppt/slides/slide18.xml><?xml version="1.0" encoding="utf-8"?>
+<file path=ppt/slides/slide20.xml><?xml version="1.0" encoding="utf-8"?>
+<p:sld xmlns:a="http://schemas.openxmlformats.org/drawingml/2006/main" xmlns:r="http://schemas.openxmlformats.org/officeDocument/2006/relationships" xmlns:p="http://schemas.openxmlformats.org/presentationml/2006/main">
+  <p:cSld>
+    <p:spTree>
+      <p:nvGrpSpPr>
+        <p:cNvPr id="1" name=""/>
+        <p:cNvGrpSpPr/>
+        <p:nvPr/>
+      </p:nvGrpSpPr>
+      <p:grpSpPr>
+        <a:xfrm>
+          <a:off x="0" y="0"/>
+          <a:ext cx="0" cy="0"/>
+          <a:chOff x="0" y="0"/>
+          <a:chExt cx="0" cy="0"/>
+        </a:xfrm>
+      </p:grpSpPr>
+      <p:sp>
+        <p:nvSpPr>
+          <p:cNvPr id="4" name="文字版面配置區 3">
+            <a:extLst>
+              <a:ext uri="{FF2B5EF4-FFF2-40B4-BE49-F238E27FC236}">
+                <a16:creationId xmlns:a16="http://schemas.microsoft.com/office/drawing/2014/main" id="{2FA54F75-D405-4104-B6BB-EA44A23A109A}"/>
+              </a:ext>
+            </a:extLst>
+          </p:cNvPr>
+          <p:cNvSpPr>
+            <a:spLocks noGrp="1"/>
+          </p:cNvSpPr>
+          <p:nvPr>
+            <p:ph type="body" sz="quarter" idx="10"/>
+          </p:nvPr>
+        </p:nvSpPr>
+        <p:spPr/>
+        <p:txBody>
+          <a:bodyPr/>
+          <a:lstStyle/>
+          <a:p>
+            <a:r>
+              <a:rPr lang="zh-TW" altLang="en-US" dirty="0"/>
+              <a:t>專題討論 </a:t>
+            </a:r>
+          </a:p>
+        </p:txBody>
+      </p:sp>
+      <p:sp>
+        <p:nvSpPr>
+          <p:cNvPr id="5" name="文字版面配置區 4">
+            <a:extLst>
+              <a:ext uri="{FF2B5EF4-FFF2-40B4-BE49-F238E27FC236}">
+                <a16:creationId xmlns:a16="http://schemas.microsoft.com/office/drawing/2014/main" id="{CEE2A55E-C73D-43FF-AA36-95C0FF95B7B1}"/>
+              </a:ext>
+            </a:extLst>
+          </p:cNvPr>
+          <p:cNvSpPr>
+            <a:spLocks noGrp="1"/>
+          </p:cNvSpPr>
+          <p:nvPr>
+            <p:ph type="body" sz="quarter" idx="12"/>
+          </p:nvPr>
+        </p:nvSpPr>
+        <p:spPr/>
+        <p:txBody>
+          <a:bodyPr/>
+          <a:lstStyle/>
+          <a:p>
+            <a:endParaRPr lang="zh-TW" altLang="en-US"/>
+          </a:p>
+        </p:txBody>
+      </p:sp>
+    </p:spTree>
+    <p:extLst>
+      <p:ext uri="{BB962C8B-B14F-4D97-AF65-F5344CB8AC3E}">
+        <p14:creationId xmlns:p14="http://schemas.microsoft.com/office/powerpoint/2010/main" val="929909194"/>
+      </p:ext>
+    </p:extLst>
+  </p:cSld>
+  <p:clrMapOvr>
+    <a:masterClrMapping/>
+  </p:clrMapOvr>
+  <mc:AlternateContent xmlns:mc="http://schemas.openxmlformats.org/markup-compatibility/2006" xmlns:p14="http://schemas.microsoft.com/office/powerpoint/2010/main">
+    <mc:Choice Requires="p14">
+      <p:transition p14:dur="250">
+        <p:fade/>
+      </p:transition>
+    </mc:Choice>
+    <mc:Fallback xmlns="">
+      <p:transition>
+        <p:fade/>
+      </p:transition>
+    </mc:Fallback>
+  </mc:AlternateContent>
+</p:sld>
+</file>
+
+<file path=ppt/slides/slide21.xml><?xml version="1.0" encoding="utf-8"?>
+<p:sld xmlns:a="http://schemas.openxmlformats.org/drawingml/2006/main" xmlns:r="http://schemas.openxmlformats.org/officeDocument/2006/relationships" xmlns:p="http://schemas.openxmlformats.org/presentationml/2006/main">
+  <p:cSld>
+    <p:spTree>
+      <p:nvGrpSpPr>
+        <p:cNvPr id="1" name=""/>
+        <p:cNvGrpSpPr/>
+        <p:nvPr/>
+      </p:nvGrpSpPr>
+      <p:grpSpPr>
+        <a:xfrm>
+          <a:off x="0" y="0"/>
+          <a:ext cx="0" cy="0"/>
+          <a:chOff x="0" y="0"/>
+          <a:chExt cx="0" cy="0"/>
+        </a:xfrm>
+      </p:grpSpPr>
+      <p:sp>
+        <p:nvSpPr>
+          <p:cNvPr id="5" name="內容版面配置區 4">
+            <a:extLst>
+              <a:ext uri="{FF2B5EF4-FFF2-40B4-BE49-F238E27FC236}">
+                <a16:creationId xmlns:a16="http://schemas.microsoft.com/office/drawing/2014/main" id="{221EB24A-D4DB-45CB-BE7B-D41F7B493329}"/>
+              </a:ext>
+            </a:extLst>
+          </p:cNvPr>
+          <p:cNvSpPr>
+            <a:spLocks noGrp="1"/>
+          </p:cNvSpPr>
+          <p:nvPr>
+            <p:ph idx="1"/>
+          </p:nvPr>
+        </p:nvSpPr>
+        <p:spPr/>
+        <p:txBody>
+          <a:bodyPr/>
+          <a:lstStyle/>
+          <a:p>
+            <a:r>
+              <a:rPr lang="zh-TW" altLang="en-US" dirty="0"/>
+              <a:t>題目</a:t>
+            </a:r>
+            <a:r>
+              <a:rPr lang="en-US" altLang="zh-TW" dirty="0"/>
+              <a:t>:</a:t>
+            </a:r>
+          </a:p>
+          <a:p>
+            <a:r>
+              <a:rPr lang="zh-TW" altLang="en-US" dirty="0"/>
+              <a:t>緣由</a:t>
+            </a:r>
+            <a:r>
+              <a:rPr lang="en-US" altLang="zh-TW" dirty="0"/>
+              <a:t>:</a:t>
+            </a:r>
+          </a:p>
+          <a:p>
+            <a:r>
+              <a:rPr lang="zh-TW" altLang="en-US" dirty="0"/>
+              <a:t>輸入</a:t>
+            </a:r>
+            <a:r>
+              <a:rPr lang="en-US" altLang="zh-TW" dirty="0"/>
+              <a:t>:</a:t>
+            </a:r>
+          </a:p>
+          <a:p>
+            <a:r>
+              <a:rPr lang="zh-TW" altLang="en-US" dirty="0"/>
+              <a:t>輸出</a:t>
+            </a:r>
+            <a:r>
+              <a:rPr lang="en-US" altLang="zh-TW" dirty="0"/>
+              <a:t>:</a:t>
+            </a:r>
+          </a:p>
+          <a:p>
+            <a:r>
+              <a:rPr lang="zh-TW" altLang="en-US" dirty="0"/>
+              <a:t>該如何分解題目</a:t>
+            </a:r>
+            <a:r>
+              <a:rPr lang="en-US" altLang="zh-TW" dirty="0"/>
+              <a:t>:</a:t>
+            </a:r>
+            <a:endParaRPr lang="zh-TW" altLang="en-US" dirty="0"/>
+          </a:p>
+        </p:txBody>
+      </p:sp>
+      <p:sp>
+        <p:nvSpPr>
+          <p:cNvPr id="4" name="標題 3">
+            <a:extLst>
+              <a:ext uri="{FF2B5EF4-FFF2-40B4-BE49-F238E27FC236}">
+                <a16:creationId xmlns:a16="http://schemas.microsoft.com/office/drawing/2014/main" id="{1854605A-57A1-476A-82F9-537D284E62C2}"/>
+              </a:ext>
+            </a:extLst>
+          </p:cNvPr>
+          <p:cNvSpPr>
+            <a:spLocks noGrp="1"/>
+          </p:cNvSpPr>
+          <p:nvPr>
+            <p:ph type="title"/>
+          </p:nvPr>
+        </p:nvSpPr>
+        <p:spPr/>
+        <p:txBody>
+          <a:bodyPr/>
+          <a:lstStyle/>
+          <a:p>
+            <a:r>
+              <a:rPr lang="zh-TW" altLang="en-US" dirty="0"/>
+              <a:t>個人專題分享</a:t>
+            </a:r>
+          </a:p>
+        </p:txBody>
+      </p:sp>
+    </p:spTree>
+    <p:extLst>
+      <p:ext uri="{BB962C8B-B14F-4D97-AF65-F5344CB8AC3E}">
+        <p14:creationId xmlns:p14="http://schemas.microsoft.com/office/powerpoint/2010/main" val="1266417032"/>
+      </p:ext>
+    </p:extLst>
+  </p:cSld>
+  <p:clrMapOvr>
+    <a:masterClrMapping/>
+  </p:clrMapOvr>
+  <mc:AlternateContent xmlns:mc="http://schemas.openxmlformats.org/markup-compatibility/2006" xmlns:p14="http://schemas.microsoft.com/office/powerpoint/2010/main">
+    <mc:Choice Requires="p14">
+      <p:transition p14:dur="250">
+        <p:fade/>
+      </p:transition>
+    </mc:Choice>
+    <mc:Fallback xmlns="">
+      <p:transition>
+        <p:fade/>
+      </p:transition>
+    </mc:Fallback>
+  </mc:AlternateContent>
+</p:sld>
+</file>
+
+<file path=ppt/slides/slide3.xml><?xml version="1.0" encoding="utf-8"?>
 <p:sld xmlns:a="http://schemas.openxmlformats.org/drawingml/2006/main" xmlns:r="http://schemas.openxmlformats.org/officeDocument/2006/relationships" xmlns:p="http://schemas.openxmlformats.org/presentationml/2006/main">
   <p:cSld>
     <p:spTree>
@@ -11803,434 +12443,6 @@
 </p:sld>
 </file>
 
-<file path=ppt/slides/slide19.xml><?xml version="1.0" encoding="utf-8"?>
-<p:sld xmlns:a="http://schemas.openxmlformats.org/drawingml/2006/main" xmlns:r="http://schemas.openxmlformats.org/officeDocument/2006/relationships" xmlns:p="http://schemas.openxmlformats.org/presentationml/2006/main">
-  <p:cSld>
-    <p:spTree>
-      <p:nvGrpSpPr>
-        <p:cNvPr id="1" name=""/>
-        <p:cNvGrpSpPr/>
-        <p:nvPr/>
-      </p:nvGrpSpPr>
-      <p:grpSpPr>
-        <a:xfrm>
-          <a:off x="0" y="0"/>
-          <a:ext cx="0" cy="0"/>
-          <a:chOff x="0" y="0"/>
-          <a:chExt cx="0" cy="0"/>
-        </a:xfrm>
-      </p:grpSpPr>
-      <p:sp>
-        <p:nvSpPr>
-          <p:cNvPr id="4" name="文字版面配置區 3">
-            <a:extLst>
-              <a:ext uri="{FF2B5EF4-FFF2-40B4-BE49-F238E27FC236}">
-                <a16:creationId xmlns:a16="http://schemas.microsoft.com/office/drawing/2014/main" id="{2FA54F75-D405-4104-B6BB-EA44A23A109A}"/>
-              </a:ext>
-            </a:extLst>
-          </p:cNvPr>
-          <p:cNvSpPr>
-            <a:spLocks noGrp="1"/>
-          </p:cNvSpPr>
-          <p:nvPr>
-            <p:ph type="body" sz="quarter" idx="10"/>
-          </p:nvPr>
-        </p:nvSpPr>
-        <p:spPr/>
-        <p:txBody>
-          <a:bodyPr/>
-          <a:lstStyle/>
-          <a:p>
-            <a:r>
-              <a:rPr lang="zh-TW" altLang="en-US" dirty="0"/>
-              <a:t>專題討論 </a:t>
-            </a:r>
-          </a:p>
-        </p:txBody>
-      </p:sp>
-      <p:sp>
-        <p:nvSpPr>
-          <p:cNvPr id="5" name="文字版面配置區 4">
-            <a:extLst>
-              <a:ext uri="{FF2B5EF4-FFF2-40B4-BE49-F238E27FC236}">
-                <a16:creationId xmlns:a16="http://schemas.microsoft.com/office/drawing/2014/main" id="{CEE2A55E-C73D-43FF-AA36-95C0FF95B7B1}"/>
-              </a:ext>
-            </a:extLst>
-          </p:cNvPr>
-          <p:cNvSpPr>
-            <a:spLocks noGrp="1"/>
-          </p:cNvSpPr>
-          <p:nvPr>
-            <p:ph type="body" sz="quarter" idx="12"/>
-          </p:nvPr>
-        </p:nvSpPr>
-        <p:spPr/>
-        <p:txBody>
-          <a:bodyPr/>
-          <a:lstStyle/>
-          <a:p>
-            <a:endParaRPr lang="zh-TW" altLang="en-US"/>
-          </a:p>
-        </p:txBody>
-      </p:sp>
-    </p:spTree>
-    <p:extLst>
-      <p:ext uri="{BB962C8B-B14F-4D97-AF65-F5344CB8AC3E}">
-        <p14:creationId xmlns:p14="http://schemas.microsoft.com/office/powerpoint/2010/main" val="929909194"/>
-      </p:ext>
-    </p:extLst>
-  </p:cSld>
-  <p:clrMapOvr>
-    <a:masterClrMapping/>
-  </p:clrMapOvr>
-  <mc:AlternateContent xmlns:mc="http://schemas.openxmlformats.org/markup-compatibility/2006" xmlns:p14="http://schemas.microsoft.com/office/powerpoint/2010/main">
-    <mc:Choice Requires="p14">
-      <p:transition p14:dur="250">
-        <p:fade/>
-      </p:transition>
-    </mc:Choice>
-    <mc:Fallback xmlns="">
-      <p:transition>
-        <p:fade/>
-      </p:transition>
-    </mc:Fallback>
-  </mc:AlternateContent>
-</p:sld>
-</file>
-
-<file path=ppt/slides/slide2.xml><?xml version="1.0" encoding="utf-8"?>
-<p:sld xmlns:a="http://schemas.openxmlformats.org/drawingml/2006/main" xmlns:r="http://schemas.openxmlformats.org/officeDocument/2006/relationships" xmlns:p="http://schemas.openxmlformats.org/presentationml/2006/main">
-  <p:cSld>
-    <p:spTree>
-      <p:nvGrpSpPr>
-        <p:cNvPr id="1" name=""/>
-        <p:cNvGrpSpPr/>
-        <p:nvPr/>
-      </p:nvGrpSpPr>
-      <p:grpSpPr>
-        <a:xfrm>
-          <a:off x="0" y="0"/>
-          <a:ext cx="0" cy="0"/>
-          <a:chOff x="0" y="0"/>
-          <a:chExt cx="0" cy="0"/>
-        </a:xfrm>
-      </p:grpSpPr>
-      <p:sp>
-        <p:nvSpPr>
-          <p:cNvPr id="2" name="文字版面配置區 1">
-            <a:extLst>
-              <a:ext uri="{FF2B5EF4-FFF2-40B4-BE49-F238E27FC236}">
-                <a16:creationId xmlns:a16="http://schemas.microsoft.com/office/drawing/2014/main" id="{A8BA54D6-C8F9-4AAC-8CAA-D399FA342724}"/>
-              </a:ext>
-            </a:extLst>
-          </p:cNvPr>
-          <p:cNvSpPr>
-            <a:spLocks noGrp="1"/>
-          </p:cNvSpPr>
-          <p:nvPr>
-            <p:ph type="body" sz="quarter" idx="10"/>
-          </p:nvPr>
-        </p:nvSpPr>
-        <p:spPr/>
-        <p:txBody>
-          <a:bodyPr/>
-          <a:lstStyle/>
-          <a:p>
-            <a:r>
-              <a:rPr lang="zh-TW" altLang="en-US" dirty="0"/>
-              <a:t>自動化程式開發流程</a:t>
-            </a:r>
-          </a:p>
-        </p:txBody>
-      </p:sp>
-      <p:sp>
-        <p:nvSpPr>
-          <p:cNvPr id="3" name="文字版面配置區 2">
-            <a:extLst>
-              <a:ext uri="{FF2B5EF4-FFF2-40B4-BE49-F238E27FC236}">
-                <a16:creationId xmlns:a16="http://schemas.microsoft.com/office/drawing/2014/main" id="{E5826541-8182-4A3B-9B53-86E069C3337C}"/>
-              </a:ext>
-            </a:extLst>
-          </p:cNvPr>
-          <p:cNvSpPr>
-            <a:spLocks noGrp="1"/>
-          </p:cNvSpPr>
-          <p:nvPr>
-            <p:ph type="body" sz="quarter" idx="12"/>
-          </p:nvPr>
-        </p:nvSpPr>
-        <p:spPr/>
-        <p:txBody>
-          <a:bodyPr/>
-          <a:lstStyle/>
-          <a:p>
-            <a:endParaRPr lang="zh-TW" altLang="en-US"/>
-          </a:p>
-        </p:txBody>
-      </p:sp>
-    </p:spTree>
-    <p:extLst>
-      <p:ext uri="{BB962C8B-B14F-4D97-AF65-F5344CB8AC3E}">
-        <p14:creationId xmlns:p14="http://schemas.microsoft.com/office/powerpoint/2010/main" val="888648973"/>
-      </p:ext>
-    </p:extLst>
-  </p:cSld>
-  <p:clrMapOvr>
-    <a:masterClrMapping/>
-  </p:clrMapOvr>
-  <mc:AlternateContent xmlns:mc="http://schemas.openxmlformats.org/markup-compatibility/2006" xmlns:p14="http://schemas.microsoft.com/office/powerpoint/2010/main">
-    <mc:Choice Requires="p14">
-      <p:transition p14:dur="250">
-        <p:fade/>
-      </p:transition>
-    </mc:Choice>
-    <mc:Fallback xmlns="">
-      <p:transition>
-        <p:fade/>
-      </p:transition>
-    </mc:Fallback>
-  </mc:AlternateContent>
-</p:sld>
-</file>
-
-<file path=ppt/slides/slide20.xml><?xml version="1.0" encoding="utf-8"?>
-<p:sld xmlns:a="http://schemas.openxmlformats.org/drawingml/2006/main" xmlns:r="http://schemas.openxmlformats.org/officeDocument/2006/relationships" xmlns:p="http://schemas.openxmlformats.org/presentationml/2006/main">
-  <p:cSld>
-    <p:spTree>
-      <p:nvGrpSpPr>
-        <p:cNvPr id="1" name=""/>
-        <p:cNvGrpSpPr/>
-        <p:nvPr/>
-      </p:nvGrpSpPr>
-      <p:grpSpPr>
-        <a:xfrm>
-          <a:off x="0" y="0"/>
-          <a:ext cx="0" cy="0"/>
-          <a:chOff x="0" y="0"/>
-          <a:chExt cx="0" cy="0"/>
-        </a:xfrm>
-      </p:grpSpPr>
-      <p:sp>
-        <p:nvSpPr>
-          <p:cNvPr id="5" name="內容版面配置區 4">
-            <a:extLst>
-              <a:ext uri="{FF2B5EF4-FFF2-40B4-BE49-F238E27FC236}">
-                <a16:creationId xmlns:a16="http://schemas.microsoft.com/office/drawing/2014/main" id="{221EB24A-D4DB-45CB-BE7B-D41F7B493329}"/>
-              </a:ext>
-            </a:extLst>
-          </p:cNvPr>
-          <p:cNvSpPr>
-            <a:spLocks noGrp="1"/>
-          </p:cNvSpPr>
-          <p:nvPr>
-            <p:ph idx="1"/>
-          </p:nvPr>
-        </p:nvSpPr>
-        <p:spPr/>
-        <p:txBody>
-          <a:bodyPr/>
-          <a:lstStyle/>
-          <a:p>
-            <a:r>
-              <a:rPr lang="zh-TW" altLang="en-US" dirty="0"/>
-              <a:t>題目</a:t>
-            </a:r>
-            <a:r>
-              <a:rPr lang="en-US" altLang="zh-TW" dirty="0"/>
-              <a:t>:</a:t>
-            </a:r>
-          </a:p>
-          <a:p>
-            <a:r>
-              <a:rPr lang="zh-TW" altLang="en-US" dirty="0"/>
-              <a:t>緣由</a:t>
-            </a:r>
-            <a:r>
-              <a:rPr lang="en-US" altLang="zh-TW" dirty="0"/>
-              <a:t>:</a:t>
-            </a:r>
-          </a:p>
-          <a:p>
-            <a:r>
-              <a:rPr lang="zh-TW" altLang="en-US" dirty="0"/>
-              <a:t>輸入</a:t>
-            </a:r>
-            <a:r>
-              <a:rPr lang="en-US" altLang="zh-TW" dirty="0"/>
-              <a:t>:</a:t>
-            </a:r>
-          </a:p>
-          <a:p>
-            <a:r>
-              <a:rPr lang="zh-TW" altLang="en-US" dirty="0"/>
-              <a:t>輸出</a:t>
-            </a:r>
-            <a:r>
-              <a:rPr lang="en-US" altLang="zh-TW" dirty="0"/>
-              <a:t>:</a:t>
-            </a:r>
-          </a:p>
-          <a:p>
-            <a:r>
-              <a:rPr lang="zh-TW" altLang="en-US" dirty="0"/>
-              <a:t>該如何分解題目</a:t>
-            </a:r>
-            <a:r>
-              <a:rPr lang="en-US" altLang="zh-TW" dirty="0"/>
-              <a:t>:</a:t>
-            </a:r>
-            <a:endParaRPr lang="zh-TW" altLang="en-US" dirty="0"/>
-          </a:p>
-        </p:txBody>
-      </p:sp>
-      <p:sp>
-        <p:nvSpPr>
-          <p:cNvPr id="4" name="標題 3">
-            <a:extLst>
-              <a:ext uri="{FF2B5EF4-FFF2-40B4-BE49-F238E27FC236}">
-                <a16:creationId xmlns:a16="http://schemas.microsoft.com/office/drawing/2014/main" id="{1854605A-57A1-476A-82F9-537D284E62C2}"/>
-              </a:ext>
-            </a:extLst>
-          </p:cNvPr>
-          <p:cNvSpPr>
-            <a:spLocks noGrp="1"/>
-          </p:cNvSpPr>
-          <p:nvPr>
-            <p:ph type="title"/>
-          </p:nvPr>
-        </p:nvSpPr>
-        <p:spPr/>
-        <p:txBody>
-          <a:bodyPr/>
-          <a:lstStyle/>
-          <a:p>
-            <a:r>
-              <a:rPr lang="zh-TW" altLang="en-US" dirty="0"/>
-              <a:t>個人專題分享</a:t>
-            </a:r>
-          </a:p>
-        </p:txBody>
-      </p:sp>
-    </p:spTree>
-    <p:extLst>
-      <p:ext uri="{BB962C8B-B14F-4D97-AF65-F5344CB8AC3E}">
-        <p14:creationId xmlns:p14="http://schemas.microsoft.com/office/powerpoint/2010/main" val="1266417032"/>
-      </p:ext>
-    </p:extLst>
-  </p:cSld>
-  <p:clrMapOvr>
-    <a:masterClrMapping/>
-  </p:clrMapOvr>
-  <mc:AlternateContent xmlns:mc="http://schemas.openxmlformats.org/markup-compatibility/2006" xmlns:p14="http://schemas.microsoft.com/office/powerpoint/2010/main">
-    <mc:Choice Requires="p14">
-      <p:transition p14:dur="250">
-        <p:fade/>
-      </p:transition>
-    </mc:Choice>
-    <mc:Fallback xmlns="">
-      <p:transition>
-        <p:fade/>
-      </p:transition>
-    </mc:Fallback>
-  </mc:AlternateContent>
-</p:sld>
-</file>
-
-<file path=ppt/slides/slide3.xml><?xml version="1.0" encoding="utf-8"?>
-<p:sld xmlns:a="http://schemas.openxmlformats.org/drawingml/2006/main" xmlns:r="http://schemas.openxmlformats.org/officeDocument/2006/relationships" xmlns:p="http://schemas.openxmlformats.org/presentationml/2006/main">
-  <p:cSld>
-    <p:spTree>
-      <p:nvGrpSpPr>
-        <p:cNvPr id="1" name=""/>
-        <p:cNvGrpSpPr/>
-        <p:nvPr/>
-      </p:nvGrpSpPr>
-      <p:grpSpPr>
-        <a:xfrm>
-          <a:off x="0" y="0"/>
-          <a:ext cx="0" cy="0"/>
-          <a:chOff x="0" y="0"/>
-          <a:chExt cx="0" cy="0"/>
-        </a:xfrm>
-      </p:grpSpPr>
-      <p:sp>
-        <p:nvSpPr>
-          <p:cNvPr id="2" name="內容版面配置區 1">
-            <a:extLst>
-              <a:ext uri="{FF2B5EF4-FFF2-40B4-BE49-F238E27FC236}">
-                <a16:creationId xmlns:a16="http://schemas.microsoft.com/office/drawing/2014/main" id="{39ECB457-4D4F-4A33-A3B9-6B135073BD8A}"/>
-              </a:ext>
-            </a:extLst>
-          </p:cNvPr>
-          <p:cNvSpPr>
-            <a:spLocks noGrp="1"/>
-          </p:cNvSpPr>
-          <p:nvPr>
-            <p:ph idx="1"/>
-          </p:nvPr>
-        </p:nvSpPr>
-        <p:spPr/>
-        <p:txBody>
-          <a:bodyPr/>
-          <a:lstStyle/>
-          <a:p>
-            <a:endParaRPr lang="zh-TW" altLang="en-US"/>
-          </a:p>
-        </p:txBody>
-      </p:sp>
-      <p:sp>
-        <p:nvSpPr>
-          <p:cNvPr id="4" name="標題 3">
-            <a:extLst>
-              <a:ext uri="{FF2B5EF4-FFF2-40B4-BE49-F238E27FC236}">
-                <a16:creationId xmlns:a16="http://schemas.microsoft.com/office/drawing/2014/main" id="{A96425F9-195D-4693-9E6E-3A6A87237F5E}"/>
-              </a:ext>
-            </a:extLst>
-          </p:cNvPr>
-          <p:cNvSpPr>
-            <a:spLocks noGrp="1"/>
-          </p:cNvSpPr>
-          <p:nvPr>
-            <p:ph type="title"/>
-          </p:nvPr>
-        </p:nvSpPr>
-        <p:spPr/>
-        <p:txBody>
-          <a:bodyPr/>
-          <a:lstStyle/>
-          <a:p>
-            <a:r>
-              <a:rPr lang="zh-TW" altLang="en-US" dirty="0"/>
-              <a:t>找出模擬工作的瓶頸並定義題目</a:t>
-            </a:r>
-          </a:p>
-        </p:txBody>
-      </p:sp>
-    </p:spTree>
-    <p:extLst>
-      <p:ext uri="{BB962C8B-B14F-4D97-AF65-F5344CB8AC3E}">
-        <p14:creationId xmlns:p14="http://schemas.microsoft.com/office/powerpoint/2010/main" val="1061609012"/>
-      </p:ext>
-    </p:extLst>
-  </p:cSld>
-  <p:clrMapOvr>
-    <a:masterClrMapping/>
-  </p:clrMapOvr>
-  <mc:AlternateContent xmlns:mc="http://schemas.openxmlformats.org/markup-compatibility/2006" xmlns:p14="http://schemas.microsoft.com/office/powerpoint/2010/main">
-    <mc:Choice Requires="p14">
-      <p:transition p14:dur="250">
-        <p:fade/>
-      </p:transition>
-    </mc:Choice>
-    <mc:Fallback xmlns="">
-      <p:transition>
-        <p:fade/>
-      </p:transition>
-    </mc:Fallback>
-  </mc:AlternateContent>
-</p:sld>
-</file>
-
 <file path=ppt/slides/slide4.xml><?xml version="1.0" encoding="utf-8"?>
 <p:sld xmlns:a="http://schemas.openxmlformats.org/drawingml/2006/main" xmlns:r="http://schemas.openxmlformats.org/officeDocument/2006/relationships" xmlns:p="http://schemas.openxmlformats.org/presentationml/2006/main">
   <p:cSld>
@@ -12253,7 +12465,7 @@
           <p:cNvPr id="2" name="內容版面配置區 1">
             <a:extLst>
               <a:ext uri="{FF2B5EF4-FFF2-40B4-BE49-F238E27FC236}">
-                <a16:creationId xmlns:a16="http://schemas.microsoft.com/office/drawing/2014/main" id="{9AB95A1D-731F-4754-8CC5-5B2A6DACC14C}"/>
+                <a16:creationId xmlns:a16="http://schemas.microsoft.com/office/drawing/2014/main" id="{4081B7A7-6FE7-41CF-9EB4-A0E9B61DCCC4}"/>
               </a:ext>
             </a:extLst>
           </p:cNvPr>
@@ -12266,19 +12478,138 @@
         </p:nvSpPr>
         <p:spPr/>
         <p:txBody>
-          <a:bodyPr/>
+          <a:bodyPr numCol="2">
+            <a:normAutofit/>
+          </a:bodyPr>
           <a:lstStyle/>
           <a:p>
-            <a:endParaRPr lang="zh-TW" altLang="en-US"/>
-          </a:p>
-        </p:txBody>
-      </p:sp>
-      <p:sp>
-        <p:nvSpPr>
-          <p:cNvPr id="5" name="標題 4">
-            <a:extLst>
-              <a:ext uri="{FF2B5EF4-FFF2-40B4-BE49-F238E27FC236}">
-                <a16:creationId xmlns:a16="http://schemas.microsoft.com/office/drawing/2014/main" id="{D9BE9DE2-8245-4CD7-8644-BCDBABA8D1A8}"/>
+            <a:r>
+              <a:rPr lang="en-US" altLang="zh-TW" dirty="0"/>
+              <a:t>Lines and Indentation</a:t>
+            </a:r>
+          </a:p>
+          <a:p>
+            <a:r>
+              <a:rPr lang="en-US" altLang="zh-TW" dirty="0"/>
+              <a:t>Comments in Python</a:t>
+            </a:r>
+          </a:p>
+          <a:p>
+            <a:r>
+              <a:rPr lang="en-US" altLang="zh-TW" dirty="0"/>
+              <a:t>Multiple Assignment</a:t>
+            </a:r>
+          </a:p>
+          <a:p>
+            <a:r>
+              <a:rPr lang="en-US" altLang="zh-TW" dirty="0"/>
+              <a:t>Standard Data Types</a:t>
+            </a:r>
+          </a:p>
+          <a:p>
+            <a:r>
+              <a:rPr lang="en-US" altLang="zh-TW" dirty="0"/>
+              <a:t>Python Strings</a:t>
+            </a:r>
+          </a:p>
+          <a:p>
+            <a:r>
+              <a:rPr lang="en-US" altLang="zh-TW" dirty="0"/>
+              <a:t>Python Lists</a:t>
+            </a:r>
+          </a:p>
+          <a:p>
+            <a:r>
+              <a:rPr lang="en-US" altLang="zh-TW" dirty="0"/>
+              <a:t>Python Tuples</a:t>
+            </a:r>
+          </a:p>
+          <a:p>
+            <a:r>
+              <a:rPr lang="en-US" altLang="zh-TW" dirty="0"/>
+              <a:t>Python Dictionary</a:t>
+            </a:r>
+          </a:p>
+          <a:p>
+            <a:r>
+              <a:rPr lang="en-US" altLang="zh-TW" dirty="0"/>
+              <a:t>Data Type Conversion</a:t>
+            </a:r>
+          </a:p>
+          <a:p>
+            <a:endParaRPr lang="en-US" altLang="zh-TW" dirty="0"/>
+          </a:p>
+          <a:p>
+            <a:r>
+              <a:rPr lang="en-US" altLang="zh-TW" dirty="0"/>
+              <a:t>Types of Operator</a:t>
+            </a:r>
+          </a:p>
+          <a:p>
+            <a:pPr lvl="1"/>
+            <a:r>
+              <a:rPr lang="en-US" altLang="zh-TW" dirty="0"/>
+              <a:t>Python </a:t>
+            </a:r>
+            <a:r>
+              <a:rPr lang="en-US" altLang="zh-TW"/>
+              <a:t>Membership Operators</a:t>
+            </a:r>
+            <a:endParaRPr lang="en-US" altLang="zh-TW" dirty="0"/>
+          </a:p>
+          <a:p>
+            <a:r>
+              <a:rPr lang="en-US" altLang="zh-TW" dirty="0"/>
+              <a:t>Decision Making</a:t>
+            </a:r>
+          </a:p>
+          <a:p>
+            <a:r>
+              <a:rPr lang="en-US" altLang="zh-TW" dirty="0"/>
+              <a:t>Loops</a:t>
+            </a:r>
+          </a:p>
+          <a:p>
+            <a:r>
+              <a:rPr lang="en-US" altLang="zh-TW" dirty="0"/>
+              <a:t>Mathematical Functions</a:t>
+            </a:r>
+          </a:p>
+          <a:p>
+            <a:r>
+              <a:rPr lang="en-US" altLang="zh-TW" dirty="0"/>
+              <a:t>Accessing Values in Strings</a:t>
+            </a:r>
+          </a:p>
+          <a:p>
+            <a:r>
+              <a:rPr lang="en-US" altLang="zh-TW" dirty="0"/>
+              <a:t>Escape Characters</a:t>
+            </a:r>
+          </a:p>
+          <a:p>
+            <a:r>
+              <a:rPr lang="en-US" altLang="zh-TW" dirty="0"/>
+              <a:t>String Special Operators</a:t>
+            </a:r>
+          </a:p>
+          <a:p>
+            <a:r>
+              <a:rPr lang="en-US" altLang="zh-TW" dirty="0"/>
+              <a:t>Built-in String Methods</a:t>
+            </a:r>
+          </a:p>
+          <a:p>
+            <a:endParaRPr lang="zh-TW" altLang="en-US" dirty="0"/>
+          </a:p>
+        </p:txBody>
+      </p:sp>
+      <p:sp>
+        <p:nvSpPr>
+          <p:cNvPr id="3" name="標題 2">
+            <a:extLst>
+              <a:ext uri="{FF2B5EF4-FFF2-40B4-BE49-F238E27FC236}">
+                <a16:creationId xmlns:a16="http://schemas.microsoft.com/office/drawing/2014/main" id="{2063B519-CE41-4415-8828-F8BEC96E3CEB}"/>
               </a:ext>
             </a:extLst>
           </p:cNvPr>
@@ -12296,7 +12627,7 @@
           <a:p>
             <a:r>
               <a:rPr lang="zh-TW" altLang="en-US" dirty="0"/>
-              <a:t>分析題目並拆解為更小的問題</a:t>
+              <a:t>重點</a:t>
             </a:r>
           </a:p>
         </p:txBody>
@@ -12304,7 +12635,7 @@
     </p:spTree>
     <p:extLst>
       <p:ext uri="{BB962C8B-B14F-4D97-AF65-F5344CB8AC3E}">
-        <p14:creationId xmlns:p14="http://schemas.microsoft.com/office/powerpoint/2010/main" val="2773999239"/>
+        <p14:creationId xmlns:p14="http://schemas.microsoft.com/office/powerpoint/2010/main" val="134334159"/>
       </p:ext>
     </p:extLst>
   </p:cSld>
@@ -12345,10 +12676,10 @@
       </p:grpSpPr>
       <p:sp>
         <p:nvSpPr>
-          <p:cNvPr id="2" name="內容版面配置區 1">
-            <a:extLst>
-              <a:ext uri="{FF2B5EF4-FFF2-40B4-BE49-F238E27FC236}">
-                <a16:creationId xmlns:a16="http://schemas.microsoft.com/office/drawing/2014/main" id="{F11FD2CA-F942-45B8-9174-40F6B5B42065}"/>
+          <p:cNvPr id="2" name="文字版面配置區 1">
+            <a:extLst>
+              <a:ext uri="{FF2B5EF4-FFF2-40B4-BE49-F238E27FC236}">
+                <a16:creationId xmlns:a16="http://schemas.microsoft.com/office/drawing/2014/main" id="{A8BA54D6-C8F9-4AAC-8CAA-D399FA342724}"/>
               </a:ext>
             </a:extLst>
           </p:cNvPr>
@@ -12356,7 +12687,7 @@
             <a:spLocks noGrp="1"/>
           </p:cNvSpPr>
           <p:nvPr>
-            <p:ph idx="1"/>
+            <p:ph type="body" sz="quarter" idx="10"/>
           </p:nvPr>
         </p:nvSpPr>
         <p:spPr/>
@@ -12364,16 +12695,19 @@
           <a:bodyPr/>
           <a:lstStyle/>
           <a:p>
-            <a:endParaRPr lang="zh-TW" altLang="en-US"/>
-          </a:p>
-        </p:txBody>
-      </p:sp>
-      <p:sp>
-        <p:nvSpPr>
-          <p:cNvPr id="3" name="標題 2">
-            <a:extLst>
-              <a:ext uri="{FF2B5EF4-FFF2-40B4-BE49-F238E27FC236}">
-                <a16:creationId xmlns:a16="http://schemas.microsoft.com/office/drawing/2014/main" id="{FDA2CCF4-8156-43AA-A2A5-BCE09F7AF6E8}"/>
+            <a:r>
+              <a:rPr lang="zh-TW" altLang="en-US" dirty="0"/>
+              <a:t>自動化程式開發流程</a:t>
+            </a:r>
+          </a:p>
+        </p:txBody>
+      </p:sp>
+      <p:sp>
+        <p:nvSpPr>
+          <p:cNvPr id="3" name="文字版面配置區 2">
+            <a:extLst>
+              <a:ext uri="{FF2B5EF4-FFF2-40B4-BE49-F238E27FC236}">
+                <a16:creationId xmlns:a16="http://schemas.microsoft.com/office/drawing/2014/main" id="{E5826541-8182-4A3B-9B53-86E069C3337C}"/>
               </a:ext>
             </a:extLst>
           </p:cNvPr>
@@ -12381,7 +12715,7 @@
             <a:spLocks noGrp="1"/>
           </p:cNvSpPr>
           <p:nvPr>
-            <p:ph type="title"/>
+            <p:ph type="body" sz="quarter" idx="12"/>
           </p:nvPr>
         </p:nvSpPr>
         <p:spPr/>
@@ -12389,17 +12723,14 @@
           <a:bodyPr/>
           <a:lstStyle/>
           <a:p>
-            <a:r>
-              <a:rPr lang="zh-TW" altLang="en-US" dirty="0"/>
-              <a:t>針對每個小問題找出對應的代碼</a:t>
-            </a:r>
+            <a:endParaRPr lang="zh-TW" altLang="en-US"/>
           </a:p>
         </p:txBody>
       </p:sp>
     </p:spTree>
     <p:extLst>
       <p:ext uri="{BB962C8B-B14F-4D97-AF65-F5344CB8AC3E}">
-        <p14:creationId xmlns:p14="http://schemas.microsoft.com/office/powerpoint/2010/main" val="1663756997"/>
+        <p14:creationId xmlns:p14="http://schemas.microsoft.com/office/powerpoint/2010/main" val="888648973"/>
       </p:ext>
     </p:extLst>
   </p:cSld>
@@ -12443,7 +12774,7 @@
           <p:cNvPr id="2" name="內容版面配置區 1">
             <a:extLst>
               <a:ext uri="{FF2B5EF4-FFF2-40B4-BE49-F238E27FC236}">
-                <a16:creationId xmlns:a16="http://schemas.microsoft.com/office/drawing/2014/main" id="{F11FD2CA-F942-45B8-9174-40F6B5B42065}"/>
+                <a16:creationId xmlns:a16="http://schemas.microsoft.com/office/drawing/2014/main" id="{39ECB457-4D4F-4A33-A3B9-6B135073BD8A}"/>
               </a:ext>
             </a:extLst>
           </p:cNvPr>
@@ -12465,10 +12796,10 @@
       </p:sp>
       <p:sp>
         <p:nvSpPr>
-          <p:cNvPr id="3" name="標題 2">
-            <a:extLst>
-              <a:ext uri="{FF2B5EF4-FFF2-40B4-BE49-F238E27FC236}">
-                <a16:creationId xmlns:a16="http://schemas.microsoft.com/office/drawing/2014/main" id="{FDA2CCF4-8156-43AA-A2A5-BCE09F7AF6E8}"/>
+          <p:cNvPr id="4" name="標題 3">
+            <a:extLst>
+              <a:ext uri="{FF2B5EF4-FFF2-40B4-BE49-F238E27FC236}">
+                <a16:creationId xmlns:a16="http://schemas.microsoft.com/office/drawing/2014/main" id="{A96425F9-195D-4693-9E6E-3A6A87237F5E}"/>
               </a:ext>
             </a:extLst>
           </p:cNvPr>
@@ -12486,7 +12817,7 @@
           <a:p>
             <a:r>
               <a:rPr lang="zh-TW" altLang="en-US" dirty="0"/>
-              <a:t>將所有的代碼拼湊出來</a:t>
+              <a:t>找出模擬工作的瓶頸並定義題目</a:t>
             </a:r>
           </a:p>
         </p:txBody>
@@ -12494,7 +12825,7 @@
     </p:spTree>
     <p:extLst>
       <p:ext uri="{BB962C8B-B14F-4D97-AF65-F5344CB8AC3E}">
-        <p14:creationId xmlns:p14="http://schemas.microsoft.com/office/powerpoint/2010/main" val="101432508"/>
+        <p14:creationId xmlns:p14="http://schemas.microsoft.com/office/powerpoint/2010/main" val="1061609012"/>
       </p:ext>
     </p:extLst>
   </p:cSld>
@@ -12535,10 +12866,10 @@
       </p:grpSpPr>
       <p:sp>
         <p:nvSpPr>
-          <p:cNvPr id="4" name="文字版面配置區 3">
-            <a:extLst>
-              <a:ext uri="{FF2B5EF4-FFF2-40B4-BE49-F238E27FC236}">
-                <a16:creationId xmlns:a16="http://schemas.microsoft.com/office/drawing/2014/main" id="{2FA54F75-D405-4104-B6BB-EA44A23A109A}"/>
+          <p:cNvPr id="2" name="內容版面配置區 1">
+            <a:extLst>
+              <a:ext uri="{FF2B5EF4-FFF2-40B4-BE49-F238E27FC236}">
+                <a16:creationId xmlns:a16="http://schemas.microsoft.com/office/drawing/2014/main" id="{9AB95A1D-731F-4754-8CC5-5B2A6DACC14C}"/>
               </a:ext>
             </a:extLst>
           </p:cNvPr>
@@ -12546,7 +12877,7 @@
             <a:spLocks noGrp="1"/>
           </p:cNvSpPr>
           <p:nvPr>
-            <p:ph type="body" sz="quarter" idx="10"/>
+            <p:ph idx="1"/>
           </p:nvPr>
         </p:nvSpPr>
         <p:spPr/>
@@ -12554,19 +12885,16 @@
           <a:bodyPr/>
           <a:lstStyle/>
           <a:p>
-            <a:r>
-              <a:rPr lang="zh-TW" altLang="en-US" dirty="0"/>
-              <a:t>範例解說</a:t>
-            </a:r>
-          </a:p>
-        </p:txBody>
-      </p:sp>
-      <p:sp>
-        <p:nvSpPr>
-          <p:cNvPr id="5" name="文字版面配置區 4">
-            <a:extLst>
-              <a:ext uri="{FF2B5EF4-FFF2-40B4-BE49-F238E27FC236}">
-                <a16:creationId xmlns:a16="http://schemas.microsoft.com/office/drawing/2014/main" id="{CEE2A55E-C73D-43FF-AA36-95C0FF95B7B1}"/>
+            <a:endParaRPr lang="zh-TW" altLang="en-US"/>
+          </a:p>
+        </p:txBody>
+      </p:sp>
+      <p:sp>
+        <p:nvSpPr>
+          <p:cNvPr id="5" name="標題 4">
+            <a:extLst>
+              <a:ext uri="{FF2B5EF4-FFF2-40B4-BE49-F238E27FC236}">
+                <a16:creationId xmlns:a16="http://schemas.microsoft.com/office/drawing/2014/main" id="{D9BE9DE2-8245-4CD7-8644-BCDBABA8D1A8}"/>
               </a:ext>
             </a:extLst>
           </p:cNvPr>
@@ -12574,7 +12902,7 @@
             <a:spLocks noGrp="1"/>
           </p:cNvSpPr>
           <p:nvPr>
-            <p:ph type="body" sz="quarter" idx="12"/>
+            <p:ph type="title"/>
           </p:nvPr>
         </p:nvSpPr>
         <p:spPr/>
@@ -12582,14 +12910,17 @@
           <a:bodyPr/>
           <a:lstStyle/>
           <a:p>
-            <a:endParaRPr lang="zh-TW" altLang="en-US"/>
+            <a:r>
+              <a:rPr lang="zh-TW" altLang="en-US" dirty="0"/>
+              <a:t>分析題目並拆解為更小的問題</a:t>
+            </a:r>
           </a:p>
         </p:txBody>
       </p:sp>
     </p:spTree>
     <p:extLst>
       <p:ext uri="{BB962C8B-B14F-4D97-AF65-F5344CB8AC3E}">
-        <p14:creationId xmlns:p14="http://schemas.microsoft.com/office/powerpoint/2010/main" val="2189207556"/>
+        <p14:creationId xmlns:p14="http://schemas.microsoft.com/office/powerpoint/2010/main" val="2773999239"/>
       </p:ext>
     </p:extLst>
   </p:cSld>
@@ -12630,10 +12961,10 @@
       </p:grpSpPr>
       <p:sp>
         <p:nvSpPr>
-          <p:cNvPr id="5" name="內容版面配置區 4">
-            <a:extLst>
-              <a:ext uri="{FF2B5EF4-FFF2-40B4-BE49-F238E27FC236}">
-                <a16:creationId xmlns:a16="http://schemas.microsoft.com/office/drawing/2014/main" id="{B37260B8-3B0D-40A3-8B25-1D9D532C9BED}"/>
+          <p:cNvPr id="2" name="內容版面配置區 1">
+            <a:extLst>
+              <a:ext uri="{FF2B5EF4-FFF2-40B4-BE49-F238E27FC236}">
+                <a16:creationId xmlns:a16="http://schemas.microsoft.com/office/drawing/2014/main" id="{F11FD2CA-F942-45B8-9174-40F6B5B42065}"/>
               </a:ext>
             </a:extLst>
           </p:cNvPr>
@@ -12655,10 +12986,10 @@
       </p:sp>
       <p:sp>
         <p:nvSpPr>
-          <p:cNvPr id="4" name="標題 3">
-            <a:extLst>
-              <a:ext uri="{FF2B5EF4-FFF2-40B4-BE49-F238E27FC236}">
-                <a16:creationId xmlns:a16="http://schemas.microsoft.com/office/drawing/2014/main" id="{42223639-7737-4ADF-9CCC-84644374FFB5}"/>
+          <p:cNvPr id="3" name="標題 2">
+            <a:extLst>
+              <a:ext uri="{FF2B5EF4-FFF2-40B4-BE49-F238E27FC236}">
+                <a16:creationId xmlns:a16="http://schemas.microsoft.com/office/drawing/2014/main" id="{FDA2CCF4-8156-43AA-A2A5-BCE09F7AF6E8}"/>
               </a:ext>
             </a:extLst>
           </p:cNvPr>
@@ -12676,15 +13007,7 @@
           <a:p>
             <a:r>
               <a:rPr lang="zh-TW" altLang="en-US" dirty="0"/>
-              <a:t>如何根據</a:t>
-            </a:r>
-            <a:r>
-              <a:rPr lang="en-US" altLang="zh-TW" dirty="0"/>
-              <a:t>CSV</a:t>
-            </a:r>
-            <a:r>
-              <a:rPr lang="zh-TW" altLang="en-US" dirty="0"/>
-              <a:t>複製物件</a:t>
+              <a:t>針對每個小問題找出對應的代碼</a:t>
             </a:r>
           </a:p>
         </p:txBody>
@@ -12692,7 +13015,7 @@
     </p:spTree>
     <p:extLst>
       <p:ext uri="{BB962C8B-B14F-4D97-AF65-F5344CB8AC3E}">
-        <p14:creationId xmlns:p14="http://schemas.microsoft.com/office/powerpoint/2010/main" val="1415465906"/>
+        <p14:creationId xmlns:p14="http://schemas.microsoft.com/office/powerpoint/2010/main" val="1663756997"/>
       </p:ext>
     </p:extLst>
   </p:cSld>
@@ -12733,10 +13056,10 @@
       </p:grpSpPr>
       <p:sp>
         <p:nvSpPr>
-          <p:cNvPr id="5" name="內容版面配置區 4">
-            <a:extLst>
-              <a:ext uri="{FF2B5EF4-FFF2-40B4-BE49-F238E27FC236}">
-                <a16:creationId xmlns:a16="http://schemas.microsoft.com/office/drawing/2014/main" id="{B37260B8-3B0D-40A3-8B25-1D9D532C9BED}"/>
+          <p:cNvPr id="2" name="內容版面配置區 1">
+            <a:extLst>
+              <a:ext uri="{FF2B5EF4-FFF2-40B4-BE49-F238E27FC236}">
+                <a16:creationId xmlns:a16="http://schemas.microsoft.com/office/drawing/2014/main" id="{F11FD2CA-F942-45B8-9174-40F6B5B42065}"/>
               </a:ext>
             </a:extLst>
           </p:cNvPr>
@@ -12752,89 +13075,16 @@
           <a:bodyPr/>
           <a:lstStyle/>
           <a:p>
-            <a:pPr marL="0" indent="0">
-              <a:buNone/>
-            </a:pPr>
-            <a:r>
-              <a:rPr lang="zh-TW" altLang="en-US" dirty="0"/>
-              <a:t>問題可分解如下：</a:t>
-            </a:r>
-            <a:endParaRPr lang="en-US" altLang="zh-TW" dirty="0"/>
-          </a:p>
-          <a:p>
-            <a:r>
-              <a:rPr lang="zh-TW" altLang="en-US" dirty="0"/>
-              <a:t>如何標定物件？ </a:t>
-            </a:r>
-            <a:endParaRPr lang="en-US" altLang="zh-TW" dirty="0"/>
-          </a:p>
-          <a:p>
-            <a:r>
-              <a:rPr lang="zh-TW" altLang="en-US" dirty="0"/>
-              <a:t>如何定義物件的參考點？</a:t>
-            </a:r>
-            <a:endParaRPr lang="en-US" altLang="zh-TW" dirty="0"/>
-          </a:p>
-          <a:p>
-            <a:r>
-              <a:rPr lang="zh-TW" altLang="en-US" dirty="0"/>
-              <a:t>複製的函式碼為何？ </a:t>
-            </a:r>
-            <a:endParaRPr lang="en-US" altLang="zh-TW" dirty="0"/>
-          </a:p>
-          <a:p>
-            <a:r>
-              <a:rPr lang="en-US" altLang="zh-TW" dirty="0"/>
-              <a:t>csv</a:t>
-            </a:r>
-            <a:r>
-              <a:rPr lang="zh-TW" altLang="en-US" dirty="0"/>
-              <a:t>的座標格式如何定義？ </a:t>
-            </a:r>
-            <a:endParaRPr lang="en-US" altLang="zh-TW" dirty="0"/>
-          </a:p>
-          <a:p>
-            <a:r>
-              <a:rPr lang="zh-TW" altLang="en-US" dirty="0"/>
-              <a:t>選擇何種資料結構來儲存座標？</a:t>
-            </a:r>
-            <a:endParaRPr lang="en-US" altLang="zh-TW" dirty="0"/>
-          </a:p>
-          <a:p>
-            <a:r>
-              <a:rPr lang="zh-TW" altLang="en-US" dirty="0"/>
-              <a:t>如何讀取</a:t>
-            </a:r>
-            <a:r>
-              <a:rPr lang="en-US" altLang="zh-TW" dirty="0"/>
-              <a:t>csv</a:t>
-            </a:r>
-            <a:r>
-              <a:rPr lang="zh-TW" altLang="en-US" dirty="0"/>
-              <a:t>檔的資料到資料結構當中？ </a:t>
-            </a:r>
-            <a:endParaRPr lang="en-US" altLang="zh-TW" dirty="0"/>
-          </a:p>
-          <a:p>
-            <a:pPr marL="0" indent="0">
-              <a:buNone/>
-            </a:pPr>
-            <a:r>
-              <a:rPr lang="zh-TW" altLang="en-US" dirty="0"/>
-              <a:t>只要能從題目中找出這些底層的問題，便是成功的第一步。接下來便是要從程式設計的角度及使用者的預期來回答這些問題。這需要做一些小的代碼片段編程及測試，從各式的方法找到最適合的解答。當找出了所有的代碼片段，最後就是將它們組合起來即可。</a:t>
-            </a:r>
-          </a:p>
-          <a:p>
-            <a:endParaRPr lang="zh-TW" altLang="en-US" dirty="0"/>
-          </a:p>
-        </p:txBody>
-      </p:sp>
-      <p:sp>
-        <p:nvSpPr>
-          <p:cNvPr id="4" name="標題 3">
-            <a:extLst>
-              <a:ext uri="{FF2B5EF4-FFF2-40B4-BE49-F238E27FC236}">
-                <a16:creationId xmlns:a16="http://schemas.microsoft.com/office/drawing/2014/main" id="{42223639-7737-4ADF-9CCC-84644374FFB5}"/>
+            <a:endParaRPr lang="zh-TW" altLang="en-US"/>
+          </a:p>
+        </p:txBody>
+      </p:sp>
+      <p:sp>
+        <p:nvSpPr>
+          <p:cNvPr id="3" name="標題 2">
+            <a:extLst>
+              <a:ext uri="{FF2B5EF4-FFF2-40B4-BE49-F238E27FC236}">
+                <a16:creationId xmlns:a16="http://schemas.microsoft.com/office/drawing/2014/main" id="{FDA2CCF4-8156-43AA-A2A5-BCE09F7AF6E8}"/>
               </a:ext>
             </a:extLst>
           </p:cNvPr>
@@ -12852,7 +13102,7 @@
           <a:p>
             <a:r>
               <a:rPr lang="zh-TW" altLang="en-US" dirty="0"/>
-              <a:t>分解問題</a:t>
+              <a:t>將所有的代碼拼湊出來</a:t>
             </a:r>
           </a:p>
         </p:txBody>
@@ -12860,7 +13110,7 @@
     </p:spTree>
     <p:extLst>
       <p:ext uri="{BB962C8B-B14F-4D97-AF65-F5344CB8AC3E}">
-        <p14:creationId xmlns:p14="http://schemas.microsoft.com/office/powerpoint/2010/main" val="1171545912"/>
+        <p14:creationId xmlns:p14="http://schemas.microsoft.com/office/powerpoint/2010/main" val="101432508"/>
       </p:ext>
     </p:extLst>
   </p:cSld>

--- a/上課教材/Week2.pptx
+++ b/上課教材/Week2.pptx
@@ -1243,7 +1243,7 @@
   <pc:docChgLst>
     <pc:chgData name="Ming-Chih Lin" userId="f1ba3ba5-e185-404b-b55f-b2be90e2bdc2" providerId="ADAL" clId="{F1FA031A-4D31-4AEE-8DCB-44C85EA436EB}"/>
     <pc:docChg chg="undo custSel addSld delSld modSld sldOrd">
-      <pc:chgData name="Ming-Chih Lin" userId="f1ba3ba5-e185-404b-b55f-b2be90e2bdc2" providerId="ADAL" clId="{F1FA031A-4D31-4AEE-8DCB-44C85EA436EB}" dt="2020-06-05T07:13:10.557" v="1232" actId="6549"/>
+      <pc:chgData name="Ming-Chih Lin" userId="f1ba3ba5-e185-404b-b55f-b2be90e2bdc2" providerId="ADAL" clId="{F1FA031A-4D31-4AEE-8DCB-44C85EA436EB}" dt="2020-06-07T23:53:47.977" v="1238" actId="20577"/>
       <pc:docMkLst>
         <pc:docMk/>
       </pc:docMkLst>
@@ -1563,7 +1563,7 @@
         </pc:spChg>
       </pc:sldChg>
       <pc:sldChg chg="addSp delSp modSp new mod modClrScheme chgLayout">
-        <pc:chgData name="Ming-Chih Lin" userId="f1ba3ba5-e185-404b-b55f-b2be90e2bdc2" providerId="ADAL" clId="{F1FA031A-4D31-4AEE-8DCB-44C85EA436EB}" dt="2020-06-01T23:18:37.024" v="538"/>
+        <pc:chgData name="Ming-Chih Lin" userId="f1ba3ba5-e185-404b-b55f-b2be90e2bdc2" providerId="ADAL" clId="{F1FA031A-4D31-4AEE-8DCB-44C85EA436EB}" dt="2020-06-07T23:53:47.977" v="1238" actId="20577"/>
         <pc:sldMkLst>
           <pc:docMk/>
           <pc:sldMk cId="1415465906" sldId="300"/>
@@ -1593,7 +1593,7 @@
           </ac:spMkLst>
         </pc:spChg>
         <pc:spChg chg="add mod ord">
-          <ac:chgData name="Ming-Chih Lin" userId="f1ba3ba5-e185-404b-b55f-b2be90e2bdc2" providerId="ADAL" clId="{F1FA031A-4D31-4AEE-8DCB-44C85EA436EB}" dt="2020-06-01T23:15:32.824" v="388" actId="700"/>
+          <ac:chgData name="Ming-Chih Lin" userId="f1ba3ba5-e185-404b-b55f-b2be90e2bdc2" providerId="ADAL" clId="{F1FA031A-4D31-4AEE-8DCB-44C85EA436EB}" dt="2020-06-07T23:53:47.977" v="1238" actId="20577"/>
           <ac:spMkLst>
             <pc:docMk/>
             <pc:sldMk cId="1415465906" sldId="300"/>
@@ -5664,7 +5664,7 @@
           <a:p>
             <a:fld id="{FA1E3ED8-1BB4-4BD2-AB23-359644E070C2}" type="datetimeFigureOut">
               <a:rPr lang="zh-TW" altLang="en-US" smtClean="0"/>
-              <a:t>2020/6/5</a:t>
+              <a:t>2020/6/8</a:t>
             </a:fld>
             <a:endParaRPr lang="zh-TW" altLang="en-US"/>
           </a:p>
@@ -10954,7 +10954,7 @@
           <a:bodyPr/>
           <a:lstStyle/>
           <a:p>
-            <a:endParaRPr lang="zh-TW" altLang="en-US"/>
+            <a:endParaRPr lang="zh-TW" altLang="en-US" dirty="0"/>
           </a:p>
         </p:txBody>
       </p:sp>
@@ -12790,7 +12790,7 @@
           <a:bodyPr/>
           <a:lstStyle/>
           <a:p>
-            <a:endParaRPr lang="zh-TW" altLang="en-US"/>
+            <a:endParaRPr lang="zh-TW" altLang="en-US" dirty="0"/>
           </a:p>
         </p:txBody>
       </p:sp>

--- a/上課教材/Week2.pptx
+++ b/上課教材/Week2.pptx
@@ -12,20 +12,10 @@
     <p:sldId id="298" r:id="rId6"/>
     <p:sldId id="289" r:id="rId7"/>
     <p:sldId id="288" r:id="rId8"/>
-    <p:sldId id="290" r:id="rId9"/>
-    <p:sldId id="299" r:id="rId10"/>
-    <p:sldId id="272" r:id="rId11"/>
-    <p:sldId id="300" r:id="rId12"/>
-    <p:sldId id="301" r:id="rId13"/>
-    <p:sldId id="302" r:id="rId14"/>
-    <p:sldId id="304" r:id="rId15"/>
-    <p:sldId id="305" r:id="rId16"/>
-    <p:sldId id="306" r:id="rId17"/>
-    <p:sldId id="307" r:id="rId18"/>
-    <p:sldId id="313" r:id="rId19"/>
-    <p:sldId id="315" r:id="rId20"/>
-    <p:sldId id="259" r:id="rId21"/>
-    <p:sldId id="312" r:id="rId22"/>
+    <p:sldId id="299" r:id="rId9"/>
+    <p:sldId id="272" r:id="rId10"/>
+    <p:sldId id="259" r:id="rId11"/>
+    <p:sldId id="312" r:id="rId12"/>
   </p:sldIdLst>
   <p:sldSz cx="12192000" cy="6858000"/>
   <p:notesSz cx="6858000" cy="9144000"/>
@@ -135,7 +125,7 @@
 <file path=ppt/revisionInfo.xml><?xml version="1.0" encoding="utf-8"?>
 <p1510:revInfo xmlns:a="http://schemas.openxmlformats.org/drawingml/2006/main" xmlns:r="http://schemas.openxmlformats.org/officeDocument/2006/relationships" xmlns:p1510="http://schemas.microsoft.com/office/powerpoint/2015/10/main">
   <p1510:revLst>
-    <p1510:client id="{F1FA031A-4D31-4AEE-8DCB-44C85EA436EB}" v="246" dt="2020-06-05T07:12:57.610"/>
+    <p1510:client id="{F1FA031A-4D31-4AEE-8DCB-44C85EA436EB}" v="280" dt="2020-06-08T23:36:51.283"/>
   </p1510:revLst>
 </p1510:revInfo>
 </file>
@@ -1243,7 +1233,7 @@
   <pc:docChgLst>
     <pc:chgData name="Ming-Chih Lin" userId="f1ba3ba5-e185-404b-b55f-b2be90e2bdc2" providerId="ADAL" clId="{F1FA031A-4D31-4AEE-8DCB-44C85EA436EB}"/>
     <pc:docChg chg="undo custSel addSld delSld modSld sldOrd">
-      <pc:chgData name="Ming-Chih Lin" userId="f1ba3ba5-e185-404b-b55f-b2be90e2bdc2" providerId="ADAL" clId="{F1FA031A-4D31-4AEE-8DCB-44C85EA436EB}" dt="2020-06-07T23:53:47.977" v="1238" actId="20577"/>
+      <pc:chgData name="Ming-Chih Lin" userId="f1ba3ba5-e185-404b-b55f-b2be90e2bdc2" providerId="ADAL" clId="{F1FA031A-4D31-4AEE-8DCB-44C85EA436EB}" dt="2020-06-08T23:38:55.563" v="1355" actId="1076"/>
       <pc:docMkLst>
         <pc:docMk/>
       </pc:docMkLst>
@@ -1361,13 +1351,13 @@
         </pc:sldMkLst>
       </pc:sldChg>
       <pc:sldChg chg="modSp mod">
-        <pc:chgData name="Ming-Chih Lin" userId="f1ba3ba5-e185-404b-b55f-b2be90e2bdc2" providerId="ADAL" clId="{F1FA031A-4D31-4AEE-8DCB-44C85EA436EB}" dt="2020-06-01T23:15:24.433" v="386"/>
+        <pc:chgData name="Ming-Chih Lin" userId="f1ba3ba5-e185-404b-b55f-b2be90e2bdc2" providerId="ADAL" clId="{F1FA031A-4D31-4AEE-8DCB-44C85EA436EB}" dt="2020-06-08T23:36:51.283" v="1352"/>
         <pc:sldMkLst>
           <pc:docMk/>
           <pc:sldMk cId="2189207556" sldId="272"/>
         </pc:sldMkLst>
         <pc:spChg chg="mod">
-          <ac:chgData name="Ming-Chih Lin" userId="f1ba3ba5-e185-404b-b55f-b2be90e2bdc2" providerId="ADAL" clId="{F1FA031A-4D31-4AEE-8DCB-44C85EA436EB}" dt="2020-06-01T23:15:24.433" v="386"/>
+          <ac:chgData name="Ming-Chih Lin" userId="f1ba3ba5-e185-404b-b55f-b2be90e2bdc2" providerId="ADAL" clId="{F1FA031A-4D31-4AEE-8DCB-44C85EA436EB}" dt="2020-06-08T23:36:51.283" v="1352"/>
           <ac:spMkLst>
             <pc:docMk/>
             <pc:sldMk cId="2189207556" sldId="272"/>
@@ -1439,12 +1429,20 @@
         </pc:sldMkLst>
       </pc:sldChg>
       <pc:sldChg chg="modSp mod">
-        <pc:chgData name="Ming-Chih Lin" userId="f1ba3ba5-e185-404b-b55f-b2be90e2bdc2" providerId="ADAL" clId="{F1FA031A-4D31-4AEE-8DCB-44C85EA436EB}" dt="2020-06-01T23:13:24.905" v="277"/>
+        <pc:chgData name="Ming-Chih Lin" userId="f1ba3ba5-e185-404b-b55f-b2be90e2bdc2" providerId="ADAL" clId="{F1FA031A-4D31-4AEE-8DCB-44C85EA436EB}" dt="2020-06-08T23:31:07.485" v="1288" actId="113"/>
         <pc:sldMkLst>
           <pc:docMk/>
           <pc:sldMk cId="2773999239" sldId="288"/>
         </pc:sldMkLst>
         <pc:spChg chg="mod">
+          <ac:chgData name="Ming-Chih Lin" userId="f1ba3ba5-e185-404b-b55f-b2be90e2bdc2" providerId="ADAL" clId="{F1FA031A-4D31-4AEE-8DCB-44C85EA436EB}" dt="2020-06-08T23:31:07.485" v="1288" actId="113"/>
+          <ac:spMkLst>
+            <pc:docMk/>
+            <pc:sldMk cId="2773999239" sldId="288"/>
+            <ac:spMk id="2" creationId="{9AB95A1D-731F-4754-8CC5-5B2A6DACC14C}"/>
+          </ac:spMkLst>
+        </pc:spChg>
+        <pc:spChg chg="mod">
           <ac:chgData name="Ming-Chih Lin" userId="f1ba3ba5-e185-404b-b55f-b2be90e2bdc2" providerId="ADAL" clId="{F1FA031A-4D31-4AEE-8DCB-44C85EA436EB}" dt="2020-06-01T23:13:24.905" v="277"/>
           <ac:spMkLst>
             <pc:docMk/>
@@ -1454,12 +1452,20 @@
         </pc:spChg>
       </pc:sldChg>
       <pc:sldChg chg="modSp mod">
-        <pc:chgData name="Ming-Chih Lin" userId="f1ba3ba5-e185-404b-b55f-b2be90e2bdc2" providerId="ADAL" clId="{F1FA031A-4D31-4AEE-8DCB-44C85EA436EB}" dt="2020-06-01T23:11:56.151" v="172"/>
+        <pc:chgData name="Ming-Chih Lin" userId="f1ba3ba5-e185-404b-b55f-b2be90e2bdc2" providerId="ADAL" clId="{F1FA031A-4D31-4AEE-8DCB-44C85EA436EB}" dt="2020-06-08T23:30:43.503" v="1284" actId="113"/>
         <pc:sldMkLst>
           <pc:docMk/>
           <pc:sldMk cId="1061609012" sldId="289"/>
         </pc:sldMkLst>
         <pc:spChg chg="mod">
+          <ac:chgData name="Ming-Chih Lin" userId="f1ba3ba5-e185-404b-b55f-b2be90e2bdc2" providerId="ADAL" clId="{F1FA031A-4D31-4AEE-8DCB-44C85EA436EB}" dt="2020-06-08T23:30:43.503" v="1284" actId="113"/>
+          <ac:spMkLst>
+            <pc:docMk/>
+            <pc:sldMk cId="1061609012" sldId="289"/>
+            <ac:spMk id="2" creationId="{39ECB457-4D4F-4A33-A3B9-6B135073BD8A}"/>
+          </ac:spMkLst>
+        </pc:spChg>
+        <pc:spChg chg="mod">
           <ac:chgData name="Ming-Chih Lin" userId="f1ba3ba5-e185-404b-b55f-b2be90e2bdc2" providerId="ADAL" clId="{F1FA031A-4D31-4AEE-8DCB-44C85EA436EB}" dt="2020-06-01T23:11:56.151" v="172"/>
           <ac:spMkLst>
             <pc:docMk/>
@@ -1468,12 +1474,20 @@
           </ac:spMkLst>
         </pc:spChg>
       </pc:sldChg>
-      <pc:sldChg chg="modSp mod">
-        <pc:chgData name="Ming-Chih Lin" userId="f1ba3ba5-e185-404b-b55f-b2be90e2bdc2" providerId="ADAL" clId="{F1FA031A-4D31-4AEE-8DCB-44C85EA436EB}" dt="2020-06-01T23:22:46.379" v="630"/>
+      <pc:sldChg chg="modSp del mod">
+        <pc:chgData name="Ming-Chih Lin" userId="f1ba3ba5-e185-404b-b55f-b2be90e2bdc2" providerId="ADAL" clId="{F1FA031A-4D31-4AEE-8DCB-44C85EA436EB}" dt="2020-06-08T23:31:30.054" v="1291" actId="47"/>
         <pc:sldMkLst>
           <pc:docMk/>
           <pc:sldMk cId="1663756997" sldId="290"/>
         </pc:sldMkLst>
+        <pc:spChg chg="mod">
+          <ac:chgData name="Ming-Chih Lin" userId="f1ba3ba5-e185-404b-b55f-b2be90e2bdc2" providerId="ADAL" clId="{F1FA031A-4D31-4AEE-8DCB-44C85EA436EB}" dt="2020-06-08T23:31:24.122" v="1289"/>
+          <ac:spMkLst>
+            <pc:docMk/>
+            <pc:sldMk cId="1663756997" sldId="290"/>
+            <ac:spMk id="2" creationId="{F11FD2CA-F942-45B8-9174-40F6B5B42065}"/>
+          </ac:spMkLst>
+        </pc:spChg>
         <pc:spChg chg="mod">
           <ac:chgData name="Ming-Chih Lin" userId="f1ba3ba5-e185-404b-b55f-b2be90e2bdc2" providerId="ADAL" clId="{F1FA031A-4D31-4AEE-8DCB-44C85EA436EB}" dt="2020-06-01T23:22:46.379" v="630"/>
           <ac:spMkLst>
@@ -1547,13 +1561,21 @@
           </ac:spMkLst>
         </pc:spChg>
       </pc:sldChg>
-      <pc:sldChg chg="modSp add mod">
-        <pc:chgData name="Ming-Chih Lin" userId="f1ba3ba5-e185-404b-b55f-b2be90e2bdc2" providerId="ADAL" clId="{F1FA031A-4D31-4AEE-8DCB-44C85EA436EB}" dt="2020-06-01T23:14:32.055" v="369"/>
+      <pc:sldChg chg="addSp delSp modSp add mod">
+        <pc:chgData name="Ming-Chih Lin" userId="f1ba3ba5-e185-404b-b55f-b2be90e2bdc2" providerId="ADAL" clId="{F1FA031A-4D31-4AEE-8DCB-44C85EA436EB}" dt="2020-06-08T23:35:19.265" v="1316" actId="14100"/>
         <pc:sldMkLst>
           <pc:docMk/>
           <pc:sldMk cId="101432508" sldId="299"/>
         </pc:sldMkLst>
         <pc:spChg chg="mod">
+          <ac:chgData name="Ming-Chih Lin" userId="f1ba3ba5-e185-404b-b55f-b2be90e2bdc2" providerId="ADAL" clId="{F1FA031A-4D31-4AEE-8DCB-44C85EA436EB}" dt="2020-06-08T23:35:19.265" v="1316" actId="14100"/>
+          <ac:spMkLst>
+            <pc:docMk/>
+            <pc:sldMk cId="101432508" sldId="299"/>
+            <ac:spMk id="2" creationId="{F11FD2CA-F942-45B8-9174-40F6B5B42065}"/>
+          </ac:spMkLst>
+        </pc:spChg>
+        <pc:spChg chg="mod">
           <ac:chgData name="Ming-Chih Lin" userId="f1ba3ba5-e185-404b-b55f-b2be90e2bdc2" providerId="ADAL" clId="{F1FA031A-4D31-4AEE-8DCB-44C85EA436EB}" dt="2020-06-01T23:14:32.055" v="369"/>
           <ac:spMkLst>
             <pc:docMk/>
@@ -1561,9 +1583,25 @@
             <ac:spMk id="3" creationId="{FDA2CCF4-8156-43AA-A2A5-BCE09F7AF6E8}"/>
           </ac:spMkLst>
         </pc:spChg>
+        <pc:picChg chg="add mod">
+          <ac:chgData name="Ming-Chih Lin" userId="f1ba3ba5-e185-404b-b55f-b2be90e2bdc2" providerId="ADAL" clId="{F1FA031A-4D31-4AEE-8DCB-44C85EA436EB}" dt="2020-06-08T23:35:14.351" v="1315" actId="1076"/>
+          <ac:picMkLst>
+            <pc:docMk/>
+            <pc:sldMk cId="101432508" sldId="299"/>
+            <ac:picMk id="4" creationId="{6FB5FDE6-1EF5-4D36-B4AB-3539895B20C5}"/>
+          </ac:picMkLst>
+        </pc:picChg>
+        <pc:picChg chg="add del mod">
+          <ac:chgData name="Ming-Chih Lin" userId="f1ba3ba5-e185-404b-b55f-b2be90e2bdc2" providerId="ADAL" clId="{F1FA031A-4D31-4AEE-8DCB-44C85EA436EB}" dt="2020-06-08T23:34:23.990" v="1300"/>
+          <ac:picMkLst>
+            <pc:docMk/>
+            <pc:sldMk cId="101432508" sldId="299"/>
+            <ac:picMk id="1026" creationId="{A376FEA8-1644-40D7-83D6-180290289924}"/>
+          </ac:picMkLst>
+        </pc:picChg>
       </pc:sldChg>
-      <pc:sldChg chg="addSp delSp modSp new mod modClrScheme chgLayout">
-        <pc:chgData name="Ming-Chih Lin" userId="f1ba3ba5-e185-404b-b55f-b2be90e2bdc2" providerId="ADAL" clId="{F1FA031A-4D31-4AEE-8DCB-44C85EA436EB}" dt="2020-06-07T23:53:47.977" v="1238" actId="20577"/>
+      <pc:sldChg chg="addSp delSp modSp new add del mod modClrScheme chgLayout">
+        <pc:chgData name="Ming-Chih Lin" userId="f1ba3ba5-e185-404b-b55f-b2be90e2bdc2" providerId="ADAL" clId="{F1FA031A-4D31-4AEE-8DCB-44C85EA436EB}" dt="2020-06-08T23:36:57.808" v="1353" actId="47"/>
         <pc:sldMkLst>
           <pc:docMk/>
           <pc:sldMk cId="1415465906" sldId="300"/>
@@ -1601,8 +1639,8 @@
           </ac:spMkLst>
         </pc:spChg>
       </pc:sldChg>
-      <pc:sldChg chg="modSp add mod">
-        <pc:chgData name="Ming-Chih Lin" userId="f1ba3ba5-e185-404b-b55f-b2be90e2bdc2" providerId="ADAL" clId="{F1FA031A-4D31-4AEE-8DCB-44C85EA436EB}" dt="2020-06-01T23:26:30.522" v="688" actId="20577"/>
+      <pc:sldChg chg="modSp add del mod">
+        <pc:chgData name="Ming-Chih Lin" userId="f1ba3ba5-e185-404b-b55f-b2be90e2bdc2" providerId="ADAL" clId="{F1FA031A-4D31-4AEE-8DCB-44C85EA436EB}" dt="2020-06-08T23:36:57.808" v="1353" actId="47"/>
         <pc:sldMkLst>
           <pc:docMk/>
           <pc:sldMk cId="1171545912" sldId="301"/>
@@ -1616,7 +1654,7 @@
           </ac:spMkLst>
         </pc:spChg>
         <pc:spChg chg="mod">
-          <ac:chgData name="Ming-Chih Lin" userId="f1ba3ba5-e185-404b-b55f-b2be90e2bdc2" providerId="ADAL" clId="{F1FA031A-4D31-4AEE-8DCB-44C85EA436EB}" dt="2020-06-01T23:26:30.522" v="688" actId="20577"/>
+          <ac:chgData name="Ming-Chih Lin" userId="f1ba3ba5-e185-404b-b55f-b2be90e2bdc2" providerId="ADAL" clId="{F1FA031A-4D31-4AEE-8DCB-44C85EA436EB}" dt="2020-06-08T23:35:43.119" v="1317" actId="20577"/>
           <ac:spMkLst>
             <pc:docMk/>
             <pc:sldMk cId="1171545912" sldId="301"/>
@@ -1624,8 +1662,8 @@
           </ac:spMkLst>
         </pc:spChg>
       </pc:sldChg>
-      <pc:sldChg chg="modSp add mod">
-        <pc:chgData name="Ming-Chih Lin" userId="f1ba3ba5-e185-404b-b55f-b2be90e2bdc2" providerId="ADAL" clId="{F1FA031A-4D31-4AEE-8DCB-44C85EA436EB}" dt="2020-06-01T23:27:59.481" v="710" actId="20577"/>
+      <pc:sldChg chg="modSp add del mod">
+        <pc:chgData name="Ming-Chih Lin" userId="f1ba3ba5-e185-404b-b55f-b2be90e2bdc2" providerId="ADAL" clId="{F1FA031A-4D31-4AEE-8DCB-44C85EA436EB}" dt="2020-06-08T23:36:57.808" v="1353" actId="47"/>
         <pc:sldMkLst>
           <pc:docMk/>
           <pc:sldMk cId="2002684050" sldId="302"/>
@@ -1670,8 +1708,8 @@
           </ac:spMkLst>
         </pc:spChg>
       </pc:sldChg>
-      <pc:sldChg chg="modSp add mod">
-        <pc:chgData name="Ming-Chih Lin" userId="f1ba3ba5-e185-404b-b55f-b2be90e2bdc2" providerId="ADAL" clId="{F1FA031A-4D31-4AEE-8DCB-44C85EA436EB}" dt="2020-06-01T23:28:13.818" v="713" actId="6549"/>
+      <pc:sldChg chg="modSp add del mod">
+        <pc:chgData name="Ming-Chih Lin" userId="f1ba3ba5-e185-404b-b55f-b2be90e2bdc2" providerId="ADAL" clId="{F1FA031A-4D31-4AEE-8DCB-44C85EA436EB}" dt="2020-06-08T23:36:57.808" v="1353" actId="47"/>
         <pc:sldMkLst>
           <pc:docMk/>
           <pc:sldMk cId="3346354504" sldId="304"/>
@@ -1685,8 +1723,8 @@
           </ac:spMkLst>
         </pc:spChg>
       </pc:sldChg>
-      <pc:sldChg chg="modSp add mod">
-        <pc:chgData name="Ming-Chih Lin" userId="f1ba3ba5-e185-404b-b55f-b2be90e2bdc2" providerId="ADAL" clId="{F1FA031A-4D31-4AEE-8DCB-44C85EA436EB}" dt="2020-06-01T23:28:27.201" v="714"/>
+      <pc:sldChg chg="modSp add del mod">
+        <pc:chgData name="Ming-Chih Lin" userId="f1ba3ba5-e185-404b-b55f-b2be90e2bdc2" providerId="ADAL" clId="{F1FA031A-4D31-4AEE-8DCB-44C85EA436EB}" dt="2020-06-08T23:36:57.808" v="1353" actId="47"/>
         <pc:sldMkLst>
           <pc:docMk/>
           <pc:sldMk cId="1699586139" sldId="305"/>
@@ -1700,8 +1738,8 @@
           </ac:spMkLst>
         </pc:spChg>
       </pc:sldChg>
-      <pc:sldChg chg="modSp add mod">
-        <pc:chgData name="Ming-Chih Lin" userId="f1ba3ba5-e185-404b-b55f-b2be90e2bdc2" providerId="ADAL" clId="{F1FA031A-4D31-4AEE-8DCB-44C85EA436EB}" dt="2020-06-01T23:27:17.368" v="703" actId="20577"/>
+      <pc:sldChg chg="modSp add del mod">
+        <pc:chgData name="Ming-Chih Lin" userId="f1ba3ba5-e185-404b-b55f-b2be90e2bdc2" providerId="ADAL" clId="{F1FA031A-4D31-4AEE-8DCB-44C85EA436EB}" dt="2020-06-08T23:36:57.808" v="1353" actId="47"/>
         <pc:sldMkLst>
           <pc:docMk/>
           <pc:sldMk cId="1220209127" sldId="306"/>
@@ -1715,8 +1753,8 @@
           </ac:spMkLst>
         </pc:spChg>
       </pc:sldChg>
-      <pc:sldChg chg="modSp add mod">
-        <pc:chgData name="Ming-Chih Lin" userId="f1ba3ba5-e185-404b-b55f-b2be90e2bdc2" providerId="ADAL" clId="{F1FA031A-4D31-4AEE-8DCB-44C85EA436EB}" dt="2020-06-01T23:28:43.758" v="715"/>
+      <pc:sldChg chg="modSp add del mod">
+        <pc:chgData name="Ming-Chih Lin" userId="f1ba3ba5-e185-404b-b55f-b2be90e2bdc2" providerId="ADAL" clId="{F1FA031A-4D31-4AEE-8DCB-44C85EA436EB}" dt="2020-06-08T23:36:57.808" v="1353" actId="47"/>
         <pc:sldMkLst>
           <pc:docMk/>
           <pc:sldMk cId="236770104" sldId="307"/>
@@ -1769,7 +1807,7 @@
         </pc:spChg>
       </pc:sldChg>
       <pc:sldChg chg="addSp delSp modSp add mod ord">
-        <pc:chgData name="Ming-Chih Lin" userId="f1ba3ba5-e185-404b-b55f-b2be90e2bdc2" providerId="ADAL" clId="{F1FA031A-4D31-4AEE-8DCB-44C85EA436EB}" dt="2020-06-05T07:03:08.804" v="1146"/>
+        <pc:chgData name="Ming-Chih Lin" userId="f1ba3ba5-e185-404b-b55f-b2be90e2bdc2" providerId="ADAL" clId="{F1FA031A-4D31-4AEE-8DCB-44C85EA436EB}" dt="2020-06-08T23:38:55.563" v="1355" actId="1076"/>
         <pc:sldMkLst>
           <pc:docMk/>
           <pc:sldMk cId="1680955994" sldId="310"/>
@@ -1823,7 +1861,7 @@
           </ac:picMkLst>
         </pc:picChg>
         <pc:picChg chg="add mod">
-          <ac:chgData name="Ming-Chih Lin" userId="f1ba3ba5-e185-404b-b55f-b2be90e2bdc2" providerId="ADAL" clId="{F1FA031A-4D31-4AEE-8DCB-44C85EA436EB}" dt="2020-06-02T00:21:24.875" v="1135" actId="14100"/>
+          <ac:chgData name="Ming-Chih Lin" userId="f1ba3ba5-e185-404b-b55f-b2be90e2bdc2" providerId="ADAL" clId="{F1FA031A-4D31-4AEE-8DCB-44C85EA436EB}" dt="2020-06-08T23:38:55.563" v="1355" actId="1076"/>
           <ac:picMkLst>
             <pc:docMk/>
             <pc:sldMk cId="1680955994" sldId="310"/>
@@ -1885,8 +1923,8 @@
           </ac:spMkLst>
         </pc:spChg>
       </pc:sldChg>
-      <pc:sldChg chg="modSp add mod">
-        <pc:chgData name="Ming-Chih Lin" userId="f1ba3ba5-e185-404b-b55f-b2be90e2bdc2" providerId="ADAL" clId="{F1FA031A-4D31-4AEE-8DCB-44C85EA436EB}" dt="2020-06-01T23:29:05.962" v="718" actId="20577"/>
+      <pc:sldChg chg="modSp add del mod">
+        <pc:chgData name="Ming-Chih Lin" userId="f1ba3ba5-e185-404b-b55f-b2be90e2bdc2" providerId="ADAL" clId="{F1FA031A-4D31-4AEE-8DCB-44C85EA436EB}" dt="2020-06-08T23:36:57.808" v="1353" actId="47"/>
         <pc:sldMkLst>
           <pc:docMk/>
           <pc:sldMk cId="1608459360" sldId="313"/>
@@ -1907,8 +1945,8 @@
           <pc:sldMk cId="3592365506" sldId="314"/>
         </pc:sldMkLst>
       </pc:sldChg>
-      <pc:sldChg chg="modSp new mod">
-        <pc:chgData name="Ming-Chih Lin" userId="f1ba3ba5-e185-404b-b55f-b2be90e2bdc2" providerId="ADAL" clId="{F1FA031A-4D31-4AEE-8DCB-44C85EA436EB}" dt="2020-06-01T23:30:49.844" v="761"/>
+      <pc:sldChg chg="modSp new add del mod">
+        <pc:chgData name="Ming-Chih Lin" userId="f1ba3ba5-e185-404b-b55f-b2be90e2bdc2" providerId="ADAL" clId="{F1FA031A-4D31-4AEE-8DCB-44C85EA436EB}" dt="2020-06-08T23:36:57.808" v="1353" actId="47"/>
         <pc:sldMkLst>
           <pc:docMk/>
           <pc:sldMk cId="3053501639" sldId="315"/>
@@ -5664,7 +5702,7 @@
           <a:p>
             <a:fld id="{FA1E3ED8-1BB4-4BD2-AB23-359644E070C2}" type="datetimeFigureOut">
               <a:rPr lang="zh-TW" altLang="en-US" smtClean="0"/>
-              <a:t>2020/6/8</a:t>
+              <a:t>2020/6/9</a:t>
             </a:fld>
             <a:endParaRPr lang="zh-TW" altLang="en-US"/>
           </a:p>
@@ -10861,7 +10899,7 @@
           <a:p>
             <a:r>
               <a:rPr lang="zh-TW" altLang="en-US" dirty="0"/>
-              <a:t>範例解說</a:t>
+              <a:t>專題討論 </a:t>
             </a:r>
           </a:p>
         </p:txBody>
@@ -10894,7 +10932,7 @@
     </p:spTree>
     <p:extLst>
       <p:ext uri="{BB962C8B-B14F-4D97-AF65-F5344CB8AC3E}">
-        <p14:creationId xmlns:p14="http://schemas.microsoft.com/office/powerpoint/2010/main" val="2189207556"/>
+        <p14:creationId xmlns:p14="http://schemas.microsoft.com/office/powerpoint/2010/main" val="929909194"/>
       </p:ext>
     </p:extLst>
   </p:cSld>
@@ -10938,7 +10976,7 @@
           <p:cNvPr id="5" name="內容版面配置區 4">
             <a:extLst>
               <a:ext uri="{FF2B5EF4-FFF2-40B4-BE49-F238E27FC236}">
-                <a16:creationId xmlns:a16="http://schemas.microsoft.com/office/drawing/2014/main" id="{B37260B8-3B0D-40A3-8B25-1D9D532C9BED}"/>
+                <a16:creationId xmlns:a16="http://schemas.microsoft.com/office/drawing/2014/main" id="{221EB24A-D4DB-45CB-BE7B-D41F7B493329}"/>
               </a:ext>
             </a:extLst>
           </p:cNvPr>
@@ -10954,6 +10992,54 @@
           <a:bodyPr/>
           <a:lstStyle/>
           <a:p>
+            <a:r>
+              <a:rPr lang="zh-TW" altLang="en-US" dirty="0"/>
+              <a:t>題目</a:t>
+            </a:r>
+            <a:r>
+              <a:rPr lang="en-US" altLang="zh-TW" dirty="0"/>
+              <a:t>:</a:t>
+            </a:r>
+          </a:p>
+          <a:p>
+            <a:r>
+              <a:rPr lang="zh-TW" altLang="en-US" dirty="0"/>
+              <a:t>緣由</a:t>
+            </a:r>
+            <a:r>
+              <a:rPr lang="en-US" altLang="zh-TW" dirty="0"/>
+              <a:t>:</a:t>
+            </a:r>
+          </a:p>
+          <a:p>
+            <a:r>
+              <a:rPr lang="zh-TW" altLang="en-US" dirty="0"/>
+              <a:t>輸入</a:t>
+            </a:r>
+            <a:r>
+              <a:rPr lang="en-US" altLang="zh-TW" dirty="0"/>
+              <a:t>:</a:t>
+            </a:r>
+          </a:p>
+          <a:p>
+            <a:r>
+              <a:rPr lang="zh-TW" altLang="en-US" dirty="0"/>
+              <a:t>輸出</a:t>
+            </a:r>
+            <a:r>
+              <a:rPr lang="en-US" altLang="zh-TW" dirty="0"/>
+              <a:t>:</a:t>
+            </a:r>
+          </a:p>
+          <a:p>
+            <a:r>
+              <a:rPr lang="zh-TW" altLang="en-US" dirty="0"/>
+              <a:t>該如何分解題目</a:t>
+            </a:r>
+            <a:r>
+              <a:rPr lang="en-US" altLang="zh-TW" dirty="0"/>
+              <a:t>:</a:t>
+            </a:r>
             <a:endParaRPr lang="zh-TW" altLang="en-US" dirty="0"/>
           </a:p>
         </p:txBody>
@@ -10963,7 +11049,7 @@
           <p:cNvPr id="4" name="標題 3">
             <a:extLst>
               <a:ext uri="{FF2B5EF4-FFF2-40B4-BE49-F238E27FC236}">
-                <a16:creationId xmlns:a16="http://schemas.microsoft.com/office/drawing/2014/main" id="{42223639-7737-4ADF-9CCC-84644374FFB5}"/>
+                <a16:creationId xmlns:a16="http://schemas.microsoft.com/office/drawing/2014/main" id="{1854605A-57A1-476A-82F9-537D284E62C2}"/>
               </a:ext>
             </a:extLst>
           </p:cNvPr>
@@ -10981,15 +11067,7 @@
           <a:p>
             <a:r>
               <a:rPr lang="zh-TW" altLang="en-US" dirty="0"/>
-              <a:t>如何根據</a:t>
-            </a:r>
-            <a:r>
-              <a:rPr lang="en-US" altLang="zh-TW" dirty="0"/>
-              <a:t>CSV</a:t>
-            </a:r>
-            <a:r>
-              <a:rPr lang="zh-TW" altLang="en-US" dirty="0"/>
-              <a:t>複製物件</a:t>
+              <a:t>個人專題分享</a:t>
             </a:r>
           </a:p>
         </p:txBody>
@@ -10997,961 +11075,7 @@
     </p:spTree>
     <p:extLst>
       <p:ext uri="{BB962C8B-B14F-4D97-AF65-F5344CB8AC3E}">
-        <p14:creationId xmlns:p14="http://schemas.microsoft.com/office/powerpoint/2010/main" val="1415465906"/>
-      </p:ext>
-    </p:extLst>
-  </p:cSld>
-  <p:clrMapOvr>
-    <a:masterClrMapping/>
-  </p:clrMapOvr>
-  <mc:AlternateContent xmlns:mc="http://schemas.openxmlformats.org/markup-compatibility/2006" xmlns:p14="http://schemas.microsoft.com/office/powerpoint/2010/main">
-    <mc:Choice Requires="p14">
-      <p:transition p14:dur="250">
-        <p:fade/>
-      </p:transition>
-    </mc:Choice>
-    <mc:Fallback xmlns="">
-      <p:transition>
-        <p:fade/>
-      </p:transition>
-    </mc:Fallback>
-  </mc:AlternateContent>
-</p:sld>
-</file>
-
-<file path=ppt/slides/slide12.xml><?xml version="1.0" encoding="utf-8"?>
-<p:sld xmlns:a="http://schemas.openxmlformats.org/drawingml/2006/main" xmlns:r="http://schemas.openxmlformats.org/officeDocument/2006/relationships" xmlns:p="http://schemas.openxmlformats.org/presentationml/2006/main">
-  <p:cSld>
-    <p:spTree>
-      <p:nvGrpSpPr>
-        <p:cNvPr id="1" name=""/>
-        <p:cNvGrpSpPr/>
-        <p:nvPr/>
-      </p:nvGrpSpPr>
-      <p:grpSpPr>
-        <a:xfrm>
-          <a:off x="0" y="0"/>
-          <a:ext cx="0" cy="0"/>
-          <a:chOff x="0" y="0"/>
-          <a:chExt cx="0" cy="0"/>
-        </a:xfrm>
-      </p:grpSpPr>
-      <p:sp>
-        <p:nvSpPr>
-          <p:cNvPr id="5" name="內容版面配置區 4">
-            <a:extLst>
-              <a:ext uri="{FF2B5EF4-FFF2-40B4-BE49-F238E27FC236}">
-                <a16:creationId xmlns:a16="http://schemas.microsoft.com/office/drawing/2014/main" id="{B37260B8-3B0D-40A3-8B25-1D9D532C9BED}"/>
-              </a:ext>
-            </a:extLst>
-          </p:cNvPr>
-          <p:cNvSpPr>
-            <a:spLocks noGrp="1"/>
-          </p:cNvSpPr>
-          <p:nvPr>
-            <p:ph idx="1"/>
-          </p:nvPr>
-        </p:nvSpPr>
-        <p:spPr/>
-        <p:txBody>
-          <a:bodyPr/>
-          <a:lstStyle/>
-          <a:p>
-            <a:pPr marL="0" indent="0">
-              <a:buNone/>
-            </a:pPr>
-            <a:r>
-              <a:rPr lang="zh-TW" altLang="en-US" dirty="0"/>
-              <a:t>問題可分解如下：</a:t>
-            </a:r>
-            <a:endParaRPr lang="en-US" altLang="zh-TW" dirty="0"/>
-          </a:p>
-          <a:p>
-            <a:r>
-              <a:rPr lang="zh-TW" altLang="en-US" dirty="0"/>
-              <a:t>如何標定物件？ </a:t>
-            </a:r>
-            <a:endParaRPr lang="en-US" altLang="zh-TW" dirty="0"/>
-          </a:p>
-          <a:p>
-            <a:r>
-              <a:rPr lang="zh-TW" altLang="en-US" dirty="0"/>
-              <a:t>如何定義物件的參考點？</a:t>
-            </a:r>
-            <a:endParaRPr lang="en-US" altLang="zh-TW" dirty="0"/>
-          </a:p>
-          <a:p>
-            <a:r>
-              <a:rPr lang="zh-TW" altLang="en-US" dirty="0"/>
-              <a:t>複製的函式碼為何？ </a:t>
-            </a:r>
-            <a:endParaRPr lang="en-US" altLang="zh-TW" dirty="0"/>
-          </a:p>
-          <a:p>
-            <a:r>
-              <a:rPr lang="en-US" altLang="zh-TW" dirty="0"/>
-              <a:t>csv</a:t>
-            </a:r>
-            <a:r>
-              <a:rPr lang="zh-TW" altLang="en-US" dirty="0"/>
-              <a:t>的座標格式如何定義？ </a:t>
-            </a:r>
-            <a:endParaRPr lang="en-US" altLang="zh-TW" dirty="0"/>
-          </a:p>
-          <a:p>
-            <a:r>
-              <a:rPr lang="zh-TW" altLang="en-US" dirty="0"/>
-              <a:t>選擇何種資料結構來儲存座標？</a:t>
-            </a:r>
-            <a:endParaRPr lang="en-US" altLang="zh-TW" dirty="0"/>
-          </a:p>
-          <a:p>
-            <a:r>
-              <a:rPr lang="zh-TW" altLang="en-US" dirty="0"/>
-              <a:t>如何讀取</a:t>
-            </a:r>
-            <a:r>
-              <a:rPr lang="en-US" altLang="zh-TW" dirty="0"/>
-              <a:t>csv</a:t>
-            </a:r>
-            <a:r>
-              <a:rPr lang="zh-TW" altLang="en-US" dirty="0"/>
-              <a:t>檔的資料到資料結構當中？ </a:t>
-            </a:r>
-            <a:endParaRPr lang="en-US" altLang="zh-TW" dirty="0"/>
-          </a:p>
-          <a:p>
-            <a:pPr marL="0" indent="0">
-              <a:buNone/>
-            </a:pPr>
-            <a:r>
-              <a:rPr lang="zh-TW" altLang="en-US" dirty="0"/>
-              <a:t>只要能從題目中找出這些底層的問題，便是成功的第一步。接下來便是要從程式設計的角度及使用者的預期來回答這些問題。這需要做一些小的代碼片段編程及測試，從各式的方法找到最適合的解答。當找出了所有的代碼片段，最後就是將它們組合起來即可。</a:t>
-            </a:r>
-          </a:p>
-          <a:p>
-            <a:endParaRPr lang="zh-TW" altLang="en-US" dirty="0"/>
-          </a:p>
-        </p:txBody>
-      </p:sp>
-      <p:sp>
-        <p:nvSpPr>
-          <p:cNvPr id="4" name="標題 3">
-            <a:extLst>
-              <a:ext uri="{FF2B5EF4-FFF2-40B4-BE49-F238E27FC236}">
-                <a16:creationId xmlns:a16="http://schemas.microsoft.com/office/drawing/2014/main" id="{42223639-7737-4ADF-9CCC-84644374FFB5}"/>
-              </a:ext>
-            </a:extLst>
-          </p:cNvPr>
-          <p:cNvSpPr>
-            <a:spLocks noGrp="1"/>
-          </p:cNvSpPr>
-          <p:nvPr>
-            <p:ph type="title"/>
-          </p:nvPr>
-        </p:nvSpPr>
-        <p:spPr/>
-        <p:txBody>
-          <a:bodyPr/>
-          <a:lstStyle/>
-          <a:p>
-            <a:r>
-              <a:rPr lang="zh-TW" altLang="en-US" dirty="0"/>
-              <a:t>分解問題</a:t>
-            </a:r>
-          </a:p>
-        </p:txBody>
-      </p:sp>
-    </p:spTree>
-    <p:extLst>
-      <p:ext uri="{BB962C8B-B14F-4D97-AF65-F5344CB8AC3E}">
-        <p14:creationId xmlns:p14="http://schemas.microsoft.com/office/powerpoint/2010/main" val="1171545912"/>
-      </p:ext>
-    </p:extLst>
-  </p:cSld>
-  <p:clrMapOvr>
-    <a:masterClrMapping/>
-  </p:clrMapOvr>
-  <mc:AlternateContent xmlns:mc="http://schemas.openxmlformats.org/markup-compatibility/2006" xmlns:p14="http://schemas.microsoft.com/office/powerpoint/2010/main">
-    <mc:Choice Requires="p14">
-      <p:transition p14:dur="250">
-        <p:fade/>
-      </p:transition>
-    </mc:Choice>
-    <mc:Fallback xmlns="">
-      <p:transition>
-        <p:fade/>
-      </p:transition>
-    </mc:Fallback>
-  </mc:AlternateContent>
-</p:sld>
-</file>
-
-<file path=ppt/slides/slide13.xml><?xml version="1.0" encoding="utf-8"?>
-<p:sld xmlns:a="http://schemas.openxmlformats.org/drawingml/2006/main" xmlns:r="http://schemas.openxmlformats.org/officeDocument/2006/relationships" xmlns:p="http://schemas.openxmlformats.org/presentationml/2006/main">
-  <p:cSld>
-    <p:spTree>
-      <p:nvGrpSpPr>
-        <p:cNvPr id="1" name=""/>
-        <p:cNvGrpSpPr/>
-        <p:nvPr/>
-      </p:nvGrpSpPr>
-      <p:grpSpPr>
-        <a:xfrm>
-          <a:off x="0" y="0"/>
-          <a:ext cx="0" cy="0"/>
-          <a:chOff x="0" y="0"/>
-          <a:chExt cx="0" cy="0"/>
-        </a:xfrm>
-      </p:grpSpPr>
-      <p:sp>
-        <p:nvSpPr>
-          <p:cNvPr id="5" name="內容版面配置區 4">
-            <a:extLst>
-              <a:ext uri="{FF2B5EF4-FFF2-40B4-BE49-F238E27FC236}">
-                <a16:creationId xmlns:a16="http://schemas.microsoft.com/office/drawing/2014/main" id="{B37260B8-3B0D-40A3-8B25-1D9D532C9BED}"/>
-              </a:ext>
-            </a:extLst>
-          </p:cNvPr>
-          <p:cNvSpPr>
-            <a:spLocks noGrp="1"/>
-          </p:cNvSpPr>
-          <p:nvPr>
-            <p:ph idx="1"/>
-          </p:nvPr>
-        </p:nvSpPr>
-        <p:spPr/>
-        <p:txBody>
-          <a:bodyPr/>
-          <a:lstStyle/>
-          <a:p>
-            <a:pPr marL="0" indent="0">
-              <a:buNone/>
-            </a:pPr>
-            <a:r>
-              <a:rPr lang="zh-TW" altLang="en-US" dirty="0"/>
-              <a:t>以“如何標定物件”為例，使用者該如何表示要複製的物件？可以是名稱，可以是某一類材料的物件，可以是符合某一種幾何結構的物件，也可以是某一種顏色的物件，又或者是框選到的物件。</a:t>
-            </a:r>
-            <a:endParaRPr lang="en-US" altLang="zh-TW" dirty="0"/>
-          </a:p>
-          <a:p>
-            <a:pPr marL="0" indent="0">
-              <a:buNone/>
-            </a:pPr>
-            <a:endParaRPr lang="en-US" altLang="zh-TW" dirty="0"/>
-          </a:p>
-        </p:txBody>
-      </p:sp>
-      <p:sp>
-        <p:nvSpPr>
-          <p:cNvPr id="4" name="標題 3">
-            <a:extLst>
-              <a:ext uri="{FF2B5EF4-FFF2-40B4-BE49-F238E27FC236}">
-                <a16:creationId xmlns:a16="http://schemas.microsoft.com/office/drawing/2014/main" id="{42223639-7737-4ADF-9CCC-84644374FFB5}"/>
-              </a:ext>
-            </a:extLst>
-          </p:cNvPr>
-          <p:cNvSpPr>
-            <a:spLocks noGrp="1"/>
-          </p:cNvSpPr>
-          <p:nvPr>
-            <p:ph type="title"/>
-          </p:nvPr>
-        </p:nvSpPr>
-        <p:spPr/>
-        <p:txBody>
-          <a:bodyPr/>
-          <a:lstStyle/>
-          <a:p>
-            <a:r>
-              <a:rPr lang="zh-TW" altLang="en-US" dirty="0"/>
-              <a:t>分析問題</a:t>
-            </a:r>
-            <a:r>
-              <a:rPr lang="en-US" altLang="zh-TW" dirty="0"/>
-              <a:t>1:”</a:t>
-            </a:r>
-            <a:r>
-              <a:rPr lang="zh-TW" altLang="en-US" dirty="0"/>
-              <a:t>如何標定物件</a:t>
-            </a:r>
-            <a:r>
-              <a:rPr lang="en-US" altLang="zh-TW" dirty="0"/>
-              <a:t>”</a:t>
-            </a:r>
-            <a:r>
-              <a:rPr lang="zh-TW" altLang="en-US" dirty="0"/>
-              <a:t>並找出代碼</a:t>
-            </a:r>
-          </a:p>
-        </p:txBody>
-      </p:sp>
-    </p:spTree>
-    <p:extLst>
-      <p:ext uri="{BB962C8B-B14F-4D97-AF65-F5344CB8AC3E}">
-        <p14:creationId xmlns:p14="http://schemas.microsoft.com/office/powerpoint/2010/main" val="2002684050"/>
-      </p:ext>
-    </p:extLst>
-  </p:cSld>
-  <p:clrMapOvr>
-    <a:masterClrMapping/>
-  </p:clrMapOvr>
-  <mc:AlternateContent xmlns:mc="http://schemas.openxmlformats.org/markup-compatibility/2006" xmlns:p14="http://schemas.microsoft.com/office/powerpoint/2010/main">
-    <mc:Choice Requires="p14">
-      <p:transition p14:dur="250">
-        <p:fade/>
-      </p:transition>
-    </mc:Choice>
-    <mc:Fallback xmlns="">
-      <p:transition>
-        <p:fade/>
-      </p:transition>
-    </mc:Fallback>
-  </mc:AlternateContent>
-</p:sld>
-</file>
-
-<file path=ppt/slides/slide14.xml><?xml version="1.0" encoding="utf-8"?>
-<p:sld xmlns:a="http://schemas.openxmlformats.org/drawingml/2006/main" xmlns:r="http://schemas.openxmlformats.org/officeDocument/2006/relationships" xmlns:p="http://schemas.openxmlformats.org/presentationml/2006/main">
-  <p:cSld>
-    <p:spTree>
-      <p:nvGrpSpPr>
-        <p:cNvPr id="1" name=""/>
-        <p:cNvGrpSpPr/>
-        <p:nvPr/>
-      </p:nvGrpSpPr>
-      <p:grpSpPr>
-        <a:xfrm>
-          <a:off x="0" y="0"/>
-          <a:ext cx="0" cy="0"/>
-          <a:chOff x="0" y="0"/>
-          <a:chExt cx="0" cy="0"/>
-        </a:xfrm>
-      </p:grpSpPr>
-      <p:sp>
-        <p:nvSpPr>
-          <p:cNvPr id="5" name="內容版面配置區 4">
-            <a:extLst>
-              <a:ext uri="{FF2B5EF4-FFF2-40B4-BE49-F238E27FC236}">
-                <a16:creationId xmlns:a16="http://schemas.microsoft.com/office/drawing/2014/main" id="{B37260B8-3B0D-40A3-8B25-1D9D532C9BED}"/>
-              </a:ext>
-            </a:extLst>
-          </p:cNvPr>
-          <p:cNvSpPr>
-            <a:spLocks noGrp="1"/>
-          </p:cNvSpPr>
-          <p:nvPr>
-            <p:ph idx="1"/>
-          </p:nvPr>
-        </p:nvSpPr>
-        <p:spPr/>
-        <p:txBody>
-          <a:bodyPr/>
-          <a:lstStyle/>
-          <a:p>
-            <a:endParaRPr lang="zh-TW" altLang="en-US"/>
-          </a:p>
-        </p:txBody>
-      </p:sp>
-      <p:sp>
-        <p:nvSpPr>
-          <p:cNvPr id="4" name="標題 3">
-            <a:extLst>
-              <a:ext uri="{FF2B5EF4-FFF2-40B4-BE49-F238E27FC236}">
-                <a16:creationId xmlns:a16="http://schemas.microsoft.com/office/drawing/2014/main" id="{42223639-7737-4ADF-9CCC-84644374FFB5}"/>
-              </a:ext>
-            </a:extLst>
-          </p:cNvPr>
-          <p:cNvSpPr>
-            <a:spLocks noGrp="1"/>
-          </p:cNvSpPr>
-          <p:nvPr>
-            <p:ph type="title"/>
-          </p:nvPr>
-        </p:nvSpPr>
-        <p:spPr/>
-        <p:txBody>
-          <a:bodyPr/>
-          <a:lstStyle/>
-          <a:p>
-            <a:r>
-              <a:rPr lang="zh-TW" altLang="en-US" dirty="0"/>
-              <a:t>分析問題</a:t>
-            </a:r>
-            <a:r>
-              <a:rPr lang="en-US" altLang="zh-TW" dirty="0"/>
-              <a:t>2:”</a:t>
-            </a:r>
-            <a:r>
-              <a:rPr lang="zh-TW" altLang="en-US" dirty="0"/>
-              <a:t>如何定義物件的參考點</a:t>
-            </a:r>
-            <a:r>
-              <a:rPr lang="en-US" altLang="zh-TW" dirty="0"/>
-              <a:t>”</a:t>
-            </a:r>
-            <a:r>
-              <a:rPr lang="zh-TW" altLang="en-US" dirty="0"/>
-              <a:t>並找出代碼</a:t>
-            </a:r>
-            <a:br>
-              <a:rPr lang="en-US" altLang="zh-TW" dirty="0"/>
-            </a:br>
-            <a:endParaRPr lang="zh-TW" altLang="en-US" dirty="0"/>
-          </a:p>
-        </p:txBody>
-      </p:sp>
-    </p:spTree>
-    <p:extLst>
-      <p:ext uri="{BB962C8B-B14F-4D97-AF65-F5344CB8AC3E}">
-        <p14:creationId xmlns:p14="http://schemas.microsoft.com/office/powerpoint/2010/main" val="3346354504"/>
-      </p:ext>
-    </p:extLst>
-  </p:cSld>
-  <p:clrMapOvr>
-    <a:masterClrMapping/>
-  </p:clrMapOvr>
-  <mc:AlternateContent xmlns:mc="http://schemas.openxmlformats.org/markup-compatibility/2006" xmlns:p14="http://schemas.microsoft.com/office/powerpoint/2010/main">
-    <mc:Choice Requires="p14">
-      <p:transition p14:dur="250">
-        <p:fade/>
-      </p:transition>
-    </mc:Choice>
-    <mc:Fallback xmlns="">
-      <p:transition>
-        <p:fade/>
-      </p:transition>
-    </mc:Fallback>
-  </mc:AlternateContent>
-</p:sld>
-</file>
-
-<file path=ppt/slides/slide15.xml><?xml version="1.0" encoding="utf-8"?>
-<p:sld xmlns:a="http://schemas.openxmlformats.org/drawingml/2006/main" xmlns:r="http://schemas.openxmlformats.org/officeDocument/2006/relationships" xmlns:p="http://schemas.openxmlformats.org/presentationml/2006/main">
-  <p:cSld>
-    <p:spTree>
-      <p:nvGrpSpPr>
-        <p:cNvPr id="1" name=""/>
-        <p:cNvGrpSpPr/>
-        <p:nvPr/>
-      </p:nvGrpSpPr>
-      <p:grpSpPr>
-        <a:xfrm>
-          <a:off x="0" y="0"/>
-          <a:ext cx="0" cy="0"/>
-          <a:chOff x="0" y="0"/>
-          <a:chExt cx="0" cy="0"/>
-        </a:xfrm>
-      </p:grpSpPr>
-      <p:sp>
-        <p:nvSpPr>
-          <p:cNvPr id="5" name="內容版面配置區 4">
-            <a:extLst>
-              <a:ext uri="{FF2B5EF4-FFF2-40B4-BE49-F238E27FC236}">
-                <a16:creationId xmlns:a16="http://schemas.microsoft.com/office/drawing/2014/main" id="{B37260B8-3B0D-40A3-8B25-1D9D532C9BED}"/>
-              </a:ext>
-            </a:extLst>
-          </p:cNvPr>
-          <p:cNvSpPr>
-            <a:spLocks noGrp="1"/>
-          </p:cNvSpPr>
-          <p:nvPr>
-            <p:ph idx="1"/>
-          </p:nvPr>
-        </p:nvSpPr>
-        <p:spPr/>
-        <p:txBody>
-          <a:bodyPr/>
-          <a:lstStyle/>
-          <a:p>
-            <a:endParaRPr lang="zh-TW" altLang="en-US"/>
-          </a:p>
-        </p:txBody>
-      </p:sp>
-      <p:sp>
-        <p:nvSpPr>
-          <p:cNvPr id="4" name="標題 3">
-            <a:extLst>
-              <a:ext uri="{FF2B5EF4-FFF2-40B4-BE49-F238E27FC236}">
-                <a16:creationId xmlns:a16="http://schemas.microsoft.com/office/drawing/2014/main" id="{42223639-7737-4ADF-9CCC-84644374FFB5}"/>
-              </a:ext>
-            </a:extLst>
-          </p:cNvPr>
-          <p:cNvSpPr>
-            <a:spLocks noGrp="1"/>
-          </p:cNvSpPr>
-          <p:nvPr>
-            <p:ph type="title"/>
-          </p:nvPr>
-        </p:nvSpPr>
-        <p:spPr/>
-        <p:txBody>
-          <a:bodyPr/>
-          <a:lstStyle/>
-          <a:p>
-            <a:r>
-              <a:rPr lang="zh-TW" altLang="en-US" dirty="0"/>
-              <a:t>分析問題</a:t>
-            </a:r>
-            <a:r>
-              <a:rPr lang="en-US" altLang="zh-TW" dirty="0"/>
-              <a:t>3:”</a:t>
-            </a:r>
-            <a:r>
-              <a:rPr lang="zh-TW" altLang="en-US" dirty="0"/>
-              <a:t>複製的函式碼為何</a:t>
-            </a:r>
-            <a:r>
-              <a:rPr lang="en-US" altLang="zh-TW" dirty="0"/>
-              <a:t>”</a:t>
-            </a:r>
-            <a:r>
-              <a:rPr lang="zh-TW" altLang="en-US" dirty="0"/>
-              <a:t>並找出代碼</a:t>
-            </a:r>
-          </a:p>
-        </p:txBody>
-      </p:sp>
-    </p:spTree>
-    <p:extLst>
-      <p:ext uri="{BB962C8B-B14F-4D97-AF65-F5344CB8AC3E}">
-        <p14:creationId xmlns:p14="http://schemas.microsoft.com/office/powerpoint/2010/main" val="1699586139"/>
-      </p:ext>
-    </p:extLst>
-  </p:cSld>
-  <p:clrMapOvr>
-    <a:masterClrMapping/>
-  </p:clrMapOvr>
-  <mc:AlternateContent xmlns:mc="http://schemas.openxmlformats.org/markup-compatibility/2006" xmlns:p14="http://schemas.microsoft.com/office/powerpoint/2010/main">
-    <mc:Choice Requires="p14">
-      <p:transition p14:dur="250">
-        <p:fade/>
-      </p:transition>
-    </mc:Choice>
-    <mc:Fallback xmlns="">
-      <p:transition>
-        <p:fade/>
-      </p:transition>
-    </mc:Fallback>
-  </mc:AlternateContent>
-</p:sld>
-</file>
-
-<file path=ppt/slides/slide16.xml><?xml version="1.0" encoding="utf-8"?>
-<p:sld xmlns:a="http://schemas.openxmlformats.org/drawingml/2006/main" xmlns:r="http://schemas.openxmlformats.org/officeDocument/2006/relationships" xmlns:p="http://schemas.openxmlformats.org/presentationml/2006/main">
-  <p:cSld>
-    <p:spTree>
-      <p:nvGrpSpPr>
-        <p:cNvPr id="1" name=""/>
-        <p:cNvGrpSpPr/>
-        <p:nvPr/>
-      </p:nvGrpSpPr>
-      <p:grpSpPr>
-        <a:xfrm>
-          <a:off x="0" y="0"/>
-          <a:ext cx="0" cy="0"/>
-          <a:chOff x="0" y="0"/>
-          <a:chExt cx="0" cy="0"/>
-        </a:xfrm>
-      </p:grpSpPr>
-      <p:sp>
-        <p:nvSpPr>
-          <p:cNvPr id="5" name="內容版面配置區 4">
-            <a:extLst>
-              <a:ext uri="{FF2B5EF4-FFF2-40B4-BE49-F238E27FC236}">
-                <a16:creationId xmlns:a16="http://schemas.microsoft.com/office/drawing/2014/main" id="{B37260B8-3B0D-40A3-8B25-1D9D532C9BED}"/>
-              </a:ext>
-            </a:extLst>
-          </p:cNvPr>
-          <p:cNvSpPr>
-            <a:spLocks noGrp="1"/>
-          </p:cNvSpPr>
-          <p:nvPr>
-            <p:ph idx="1"/>
-          </p:nvPr>
-        </p:nvSpPr>
-        <p:spPr/>
-        <p:txBody>
-          <a:bodyPr/>
-          <a:lstStyle/>
-          <a:p>
-            <a:endParaRPr lang="zh-TW" altLang="en-US"/>
-          </a:p>
-        </p:txBody>
-      </p:sp>
-      <p:sp>
-        <p:nvSpPr>
-          <p:cNvPr id="4" name="標題 3">
-            <a:extLst>
-              <a:ext uri="{FF2B5EF4-FFF2-40B4-BE49-F238E27FC236}">
-                <a16:creationId xmlns:a16="http://schemas.microsoft.com/office/drawing/2014/main" id="{42223639-7737-4ADF-9CCC-84644374FFB5}"/>
-              </a:ext>
-            </a:extLst>
-          </p:cNvPr>
-          <p:cNvSpPr>
-            <a:spLocks noGrp="1"/>
-          </p:cNvSpPr>
-          <p:nvPr>
-            <p:ph type="title"/>
-          </p:nvPr>
-        </p:nvSpPr>
-        <p:spPr/>
-        <p:txBody>
-          <a:bodyPr/>
-          <a:lstStyle/>
-          <a:p>
-            <a:r>
-              <a:rPr lang="zh-TW" altLang="en-US" dirty="0"/>
-              <a:t>分析問題</a:t>
-            </a:r>
-            <a:r>
-              <a:rPr lang="en-US" altLang="zh-TW" dirty="0"/>
-              <a:t>4:”csv</a:t>
-            </a:r>
-            <a:r>
-              <a:rPr lang="zh-TW" altLang="en-US" dirty="0"/>
-              <a:t>的座標格式如何定義</a:t>
-            </a:r>
-            <a:r>
-              <a:rPr lang="en-US" altLang="zh-TW" dirty="0"/>
-              <a:t>”</a:t>
-            </a:r>
-            <a:r>
-              <a:rPr lang="zh-TW" altLang="en-US" dirty="0"/>
-              <a:t>並找出代碼</a:t>
-            </a:r>
-          </a:p>
-        </p:txBody>
-      </p:sp>
-    </p:spTree>
-    <p:extLst>
-      <p:ext uri="{BB962C8B-B14F-4D97-AF65-F5344CB8AC3E}">
-        <p14:creationId xmlns:p14="http://schemas.microsoft.com/office/powerpoint/2010/main" val="1220209127"/>
-      </p:ext>
-    </p:extLst>
-  </p:cSld>
-  <p:clrMapOvr>
-    <a:masterClrMapping/>
-  </p:clrMapOvr>
-  <mc:AlternateContent xmlns:mc="http://schemas.openxmlformats.org/markup-compatibility/2006" xmlns:p14="http://schemas.microsoft.com/office/powerpoint/2010/main">
-    <mc:Choice Requires="p14">
-      <p:transition p14:dur="250">
-        <p:fade/>
-      </p:transition>
-    </mc:Choice>
-    <mc:Fallback xmlns="">
-      <p:transition>
-        <p:fade/>
-      </p:transition>
-    </mc:Fallback>
-  </mc:AlternateContent>
-</p:sld>
-</file>
-
-<file path=ppt/slides/slide17.xml><?xml version="1.0" encoding="utf-8"?>
-<p:sld xmlns:a="http://schemas.openxmlformats.org/drawingml/2006/main" xmlns:r="http://schemas.openxmlformats.org/officeDocument/2006/relationships" xmlns:p="http://schemas.openxmlformats.org/presentationml/2006/main">
-  <p:cSld>
-    <p:spTree>
-      <p:nvGrpSpPr>
-        <p:cNvPr id="1" name=""/>
-        <p:cNvGrpSpPr/>
-        <p:nvPr/>
-      </p:nvGrpSpPr>
-      <p:grpSpPr>
-        <a:xfrm>
-          <a:off x="0" y="0"/>
-          <a:ext cx="0" cy="0"/>
-          <a:chOff x="0" y="0"/>
-          <a:chExt cx="0" cy="0"/>
-        </a:xfrm>
-      </p:grpSpPr>
-      <p:sp>
-        <p:nvSpPr>
-          <p:cNvPr id="5" name="內容版面配置區 4">
-            <a:extLst>
-              <a:ext uri="{FF2B5EF4-FFF2-40B4-BE49-F238E27FC236}">
-                <a16:creationId xmlns:a16="http://schemas.microsoft.com/office/drawing/2014/main" id="{B37260B8-3B0D-40A3-8B25-1D9D532C9BED}"/>
-              </a:ext>
-            </a:extLst>
-          </p:cNvPr>
-          <p:cNvSpPr>
-            <a:spLocks noGrp="1"/>
-          </p:cNvSpPr>
-          <p:nvPr>
-            <p:ph idx="1"/>
-          </p:nvPr>
-        </p:nvSpPr>
-        <p:spPr/>
-        <p:txBody>
-          <a:bodyPr/>
-          <a:lstStyle/>
-          <a:p>
-            <a:endParaRPr lang="zh-TW" altLang="en-US"/>
-          </a:p>
-        </p:txBody>
-      </p:sp>
-      <p:sp>
-        <p:nvSpPr>
-          <p:cNvPr id="4" name="標題 3">
-            <a:extLst>
-              <a:ext uri="{FF2B5EF4-FFF2-40B4-BE49-F238E27FC236}">
-                <a16:creationId xmlns:a16="http://schemas.microsoft.com/office/drawing/2014/main" id="{42223639-7737-4ADF-9CCC-84644374FFB5}"/>
-              </a:ext>
-            </a:extLst>
-          </p:cNvPr>
-          <p:cNvSpPr>
-            <a:spLocks noGrp="1"/>
-          </p:cNvSpPr>
-          <p:nvPr>
-            <p:ph type="title"/>
-          </p:nvPr>
-        </p:nvSpPr>
-        <p:spPr/>
-        <p:txBody>
-          <a:bodyPr/>
-          <a:lstStyle/>
-          <a:p>
-            <a:r>
-              <a:rPr lang="zh-TW" altLang="en-US" dirty="0"/>
-              <a:t>分析問題</a:t>
-            </a:r>
-            <a:r>
-              <a:rPr lang="en-US" altLang="zh-TW" dirty="0"/>
-              <a:t>5:”</a:t>
-            </a:r>
-            <a:r>
-              <a:rPr lang="zh-TW" altLang="en-US" dirty="0"/>
-              <a:t>選擇何種資料結構來儲存座標</a:t>
-            </a:r>
-            <a:r>
-              <a:rPr lang="en-US" altLang="zh-TW" dirty="0"/>
-              <a:t>”</a:t>
-            </a:r>
-            <a:r>
-              <a:rPr lang="zh-TW" altLang="en-US" dirty="0"/>
-              <a:t>並找出代碼</a:t>
-            </a:r>
-          </a:p>
-        </p:txBody>
-      </p:sp>
-    </p:spTree>
-    <p:extLst>
-      <p:ext uri="{BB962C8B-B14F-4D97-AF65-F5344CB8AC3E}">
-        <p14:creationId xmlns:p14="http://schemas.microsoft.com/office/powerpoint/2010/main" val="236770104"/>
-      </p:ext>
-    </p:extLst>
-  </p:cSld>
-  <p:clrMapOvr>
-    <a:masterClrMapping/>
-  </p:clrMapOvr>
-  <mc:AlternateContent xmlns:mc="http://schemas.openxmlformats.org/markup-compatibility/2006" xmlns:p14="http://schemas.microsoft.com/office/powerpoint/2010/main">
-    <mc:Choice Requires="p14">
-      <p:transition p14:dur="250">
-        <p:fade/>
-      </p:transition>
-    </mc:Choice>
-    <mc:Fallback xmlns="">
-      <p:transition>
-        <p:fade/>
-      </p:transition>
-    </mc:Fallback>
-  </mc:AlternateContent>
-</p:sld>
-</file>
-
-<file path=ppt/slides/slide18.xml><?xml version="1.0" encoding="utf-8"?>
-<p:sld xmlns:a="http://schemas.openxmlformats.org/drawingml/2006/main" xmlns:r="http://schemas.openxmlformats.org/officeDocument/2006/relationships" xmlns:p="http://schemas.openxmlformats.org/presentationml/2006/main">
-  <p:cSld>
-    <p:spTree>
-      <p:nvGrpSpPr>
-        <p:cNvPr id="1" name=""/>
-        <p:cNvGrpSpPr/>
-        <p:nvPr/>
-      </p:nvGrpSpPr>
-      <p:grpSpPr>
-        <a:xfrm>
-          <a:off x="0" y="0"/>
-          <a:ext cx="0" cy="0"/>
-          <a:chOff x="0" y="0"/>
-          <a:chExt cx="0" cy="0"/>
-        </a:xfrm>
-      </p:grpSpPr>
-      <p:sp>
-        <p:nvSpPr>
-          <p:cNvPr id="5" name="內容版面配置區 4">
-            <a:extLst>
-              <a:ext uri="{FF2B5EF4-FFF2-40B4-BE49-F238E27FC236}">
-                <a16:creationId xmlns:a16="http://schemas.microsoft.com/office/drawing/2014/main" id="{B37260B8-3B0D-40A3-8B25-1D9D532C9BED}"/>
-              </a:ext>
-            </a:extLst>
-          </p:cNvPr>
-          <p:cNvSpPr>
-            <a:spLocks noGrp="1"/>
-          </p:cNvSpPr>
-          <p:nvPr>
-            <p:ph idx="1"/>
-          </p:nvPr>
-        </p:nvSpPr>
-        <p:spPr/>
-        <p:txBody>
-          <a:bodyPr/>
-          <a:lstStyle/>
-          <a:p>
-            <a:endParaRPr lang="zh-TW" altLang="en-US"/>
-          </a:p>
-        </p:txBody>
-      </p:sp>
-      <p:sp>
-        <p:nvSpPr>
-          <p:cNvPr id="4" name="標題 3">
-            <a:extLst>
-              <a:ext uri="{FF2B5EF4-FFF2-40B4-BE49-F238E27FC236}">
-                <a16:creationId xmlns:a16="http://schemas.microsoft.com/office/drawing/2014/main" id="{42223639-7737-4ADF-9CCC-84644374FFB5}"/>
-              </a:ext>
-            </a:extLst>
-          </p:cNvPr>
-          <p:cNvSpPr>
-            <a:spLocks noGrp="1"/>
-          </p:cNvSpPr>
-          <p:nvPr>
-            <p:ph type="title"/>
-          </p:nvPr>
-        </p:nvSpPr>
-        <p:spPr/>
-        <p:txBody>
-          <a:bodyPr/>
-          <a:lstStyle/>
-          <a:p>
-            <a:r>
-              <a:rPr lang="zh-TW" altLang="en-US" dirty="0"/>
-              <a:t>分析問題</a:t>
-            </a:r>
-            <a:r>
-              <a:rPr lang="en-US" altLang="zh-TW" dirty="0"/>
-              <a:t>6:”</a:t>
-            </a:r>
-            <a:r>
-              <a:rPr lang="zh-TW" altLang="en-US" dirty="0"/>
-              <a:t>如何讀取</a:t>
-            </a:r>
-            <a:r>
-              <a:rPr lang="en-US" altLang="zh-TW" dirty="0"/>
-              <a:t>csv</a:t>
-            </a:r>
-            <a:r>
-              <a:rPr lang="zh-TW" altLang="en-US" dirty="0"/>
-              <a:t>檔的資料到資料結構</a:t>
-            </a:r>
-            <a:r>
-              <a:rPr lang="en-US" altLang="zh-TW" dirty="0"/>
-              <a:t>”</a:t>
-            </a:r>
-            <a:r>
-              <a:rPr lang="zh-TW" altLang="en-US" dirty="0"/>
-              <a:t>並找出代碼</a:t>
-            </a:r>
-          </a:p>
-        </p:txBody>
-      </p:sp>
-    </p:spTree>
-    <p:extLst>
-      <p:ext uri="{BB962C8B-B14F-4D97-AF65-F5344CB8AC3E}">
-        <p14:creationId xmlns:p14="http://schemas.microsoft.com/office/powerpoint/2010/main" val="1608459360"/>
-      </p:ext>
-    </p:extLst>
-  </p:cSld>
-  <p:clrMapOvr>
-    <a:masterClrMapping/>
-  </p:clrMapOvr>
-  <mc:AlternateContent xmlns:mc="http://schemas.openxmlformats.org/markup-compatibility/2006" xmlns:p14="http://schemas.microsoft.com/office/powerpoint/2010/main">
-    <mc:Choice Requires="p14">
-      <p:transition p14:dur="250">
-        <p:fade/>
-      </p:transition>
-    </mc:Choice>
-    <mc:Fallback xmlns="">
-      <p:transition>
-        <p:fade/>
-      </p:transition>
-    </mc:Fallback>
-  </mc:AlternateContent>
-</p:sld>
-</file>
-
-<file path=ppt/slides/slide19.xml><?xml version="1.0" encoding="utf-8"?>
-<p:sld xmlns:a="http://schemas.openxmlformats.org/drawingml/2006/main" xmlns:r="http://schemas.openxmlformats.org/officeDocument/2006/relationships" xmlns:p="http://schemas.openxmlformats.org/presentationml/2006/main">
-  <p:cSld>
-    <p:spTree>
-      <p:nvGrpSpPr>
-        <p:cNvPr id="1" name=""/>
-        <p:cNvGrpSpPr/>
-        <p:nvPr/>
-      </p:nvGrpSpPr>
-      <p:grpSpPr>
-        <a:xfrm>
-          <a:off x="0" y="0"/>
-          <a:ext cx="0" cy="0"/>
-          <a:chOff x="0" y="0"/>
-          <a:chExt cx="0" cy="0"/>
-        </a:xfrm>
-      </p:grpSpPr>
-      <p:sp>
-        <p:nvSpPr>
-          <p:cNvPr id="2" name="內容版面配置區 1">
-            <a:extLst>
-              <a:ext uri="{FF2B5EF4-FFF2-40B4-BE49-F238E27FC236}">
-                <a16:creationId xmlns:a16="http://schemas.microsoft.com/office/drawing/2014/main" id="{567A20AA-1DA8-4D9E-9700-FCAA92EDF8F2}"/>
-              </a:ext>
-            </a:extLst>
-          </p:cNvPr>
-          <p:cNvSpPr>
-            <a:spLocks noGrp="1"/>
-          </p:cNvSpPr>
-          <p:nvPr>
-            <p:ph idx="1"/>
-          </p:nvPr>
-        </p:nvSpPr>
-        <p:spPr/>
-        <p:txBody>
-          <a:bodyPr/>
-          <a:lstStyle/>
-          <a:p>
-            <a:endParaRPr lang="zh-TW" altLang="en-US"/>
-          </a:p>
-        </p:txBody>
-      </p:sp>
-      <p:sp>
-        <p:nvSpPr>
-          <p:cNvPr id="3" name="標題 2">
-            <a:extLst>
-              <a:ext uri="{FF2B5EF4-FFF2-40B4-BE49-F238E27FC236}">
-                <a16:creationId xmlns:a16="http://schemas.microsoft.com/office/drawing/2014/main" id="{2DC53AD1-5967-4F57-9A42-A7D2F1A9323D}"/>
-              </a:ext>
-            </a:extLst>
-          </p:cNvPr>
-          <p:cNvSpPr>
-            <a:spLocks noGrp="1"/>
-          </p:cNvSpPr>
-          <p:nvPr>
-            <p:ph type="title"/>
-          </p:nvPr>
-        </p:nvSpPr>
-        <p:spPr/>
-        <p:txBody>
-          <a:bodyPr/>
-          <a:lstStyle/>
-          <a:p>
-            <a:r>
-              <a:rPr lang="zh-TW" altLang="en-US" dirty="0"/>
-              <a:t>拚湊完整解答</a:t>
-            </a:r>
-          </a:p>
-        </p:txBody>
-      </p:sp>
-    </p:spTree>
-    <p:extLst>
-      <p:ext uri="{BB962C8B-B14F-4D97-AF65-F5344CB8AC3E}">
-        <p14:creationId xmlns:p14="http://schemas.microsoft.com/office/powerpoint/2010/main" val="3053501639"/>
+        <p14:creationId xmlns:p14="http://schemas.microsoft.com/office/powerpoint/2010/main" val="1266417032"/>
       </p:ext>
     </p:extLst>
   </p:cSld>
@@ -12085,244 +11209,6 @@
 </p:sld>
 </file>
 
-<file path=ppt/slides/slide20.xml><?xml version="1.0" encoding="utf-8"?>
-<p:sld xmlns:a="http://schemas.openxmlformats.org/drawingml/2006/main" xmlns:r="http://schemas.openxmlformats.org/officeDocument/2006/relationships" xmlns:p="http://schemas.openxmlformats.org/presentationml/2006/main">
-  <p:cSld>
-    <p:spTree>
-      <p:nvGrpSpPr>
-        <p:cNvPr id="1" name=""/>
-        <p:cNvGrpSpPr/>
-        <p:nvPr/>
-      </p:nvGrpSpPr>
-      <p:grpSpPr>
-        <a:xfrm>
-          <a:off x="0" y="0"/>
-          <a:ext cx="0" cy="0"/>
-          <a:chOff x="0" y="0"/>
-          <a:chExt cx="0" cy="0"/>
-        </a:xfrm>
-      </p:grpSpPr>
-      <p:sp>
-        <p:nvSpPr>
-          <p:cNvPr id="4" name="文字版面配置區 3">
-            <a:extLst>
-              <a:ext uri="{FF2B5EF4-FFF2-40B4-BE49-F238E27FC236}">
-                <a16:creationId xmlns:a16="http://schemas.microsoft.com/office/drawing/2014/main" id="{2FA54F75-D405-4104-B6BB-EA44A23A109A}"/>
-              </a:ext>
-            </a:extLst>
-          </p:cNvPr>
-          <p:cNvSpPr>
-            <a:spLocks noGrp="1"/>
-          </p:cNvSpPr>
-          <p:nvPr>
-            <p:ph type="body" sz="quarter" idx="10"/>
-          </p:nvPr>
-        </p:nvSpPr>
-        <p:spPr/>
-        <p:txBody>
-          <a:bodyPr/>
-          <a:lstStyle/>
-          <a:p>
-            <a:r>
-              <a:rPr lang="zh-TW" altLang="en-US" dirty="0"/>
-              <a:t>專題討論 </a:t>
-            </a:r>
-          </a:p>
-        </p:txBody>
-      </p:sp>
-      <p:sp>
-        <p:nvSpPr>
-          <p:cNvPr id="5" name="文字版面配置區 4">
-            <a:extLst>
-              <a:ext uri="{FF2B5EF4-FFF2-40B4-BE49-F238E27FC236}">
-                <a16:creationId xmlns:a16="http://schemas.microsoft.com/office/drawing/2014/main" id="{CEE2A55E-C73D-43FF-AA36-95C0FF95B7B1}"/>
-              </a:ext>
-            </a:extLst>
-          </p:cNvPr>
-          <p:cNvSpPr>
-            <a:spLocks noGrp="1"/>
-          </p:cNvSpPr>
-          <p:nvPr>
-            <p:ph type="body" sz="quarter" idx="12"/>
-          </p:nvPr>
-        </p:nvSpPr>
-        <p:spPr/>
-        <p:txBody>
-          <a:bodyPr/>
-          <a:lstStyle/>
-          <a:p>
-            <a:endParaRPr lang="zh-TW" altLang="en-US"/>
-          </a:p>
-        </p:txBody>
-      </p:sp>
-    </p:spTree>
-    <p:extLst>
-      <p:ext uri="{BB962C8B-B14F-4D97-AF65-F5344CB8AC3E}">
-        <p14:creationId xmlns:p14="http://schemas.microsoft.com/office/powerpoint/2010/main" val="929909194"/>
-      </p:ext>
-    </p:extLst>
-  </p:cSld>
-  <p:clrMapOvr>
-    <a:masterClrMapping/>
-  </p:clrMapOvr>
-  <mc:AlternateContent xmlns:mc="http://schemas.openxmlformats.org/markup-compatibility/2006" xmlns:p14="http://schemas.microsoft.com/office/powerpoint/2010/main">
-    <mc:Choice Requires="p14">
-      <p:transition p14:dur="250">
-        <p:fade/>
-      </p:transition>
-    </mc:Choice>
-    <mc:Fallback xmlns="">
-      <p:transition>
-        <p:fade/>
-      </p:transition>
-    </mc:Fallback>
-  </mc:AlternateContent>
-</p:sld>
-</file>
-
-<file path=ppt/slides/slide21.xml><?xml version="1.0" encoding="utf-8"?>
-<p:sld xmlns:a="http://schemas.openxmlformats.org/drawingml/2006/main" xmlns:r="http://schemas.openxmlformats.org/officeDocument/2006/relationships" xmlns:p="http://schemas.openxmlformats.org/presentationml/2006/main">
-  <p:cSld>
-    <p:spTree>
-      <p:nvGrpSpPr>
-        <p:cNvPr id="1" name=""/>
-        <p:cNvGrpSpPr/>
-        <p:nvPr/>
-      </p:nvGrpSpPr>
-      <p:grpSpPr>
-        <a:xfrm>
-          <a:off x="0" y="0"/>
-          <a:ext cx="0" cy="0"/>
-          <a:chOff x="0" y="0"/>
-          <a:chExt cx="0" cy="0"/>
-        </a:xfrm>
-      </p:grpSpPr>
-      <p:sp>
-        <p:nvSpPr>
-          <p:cNvPr id="5" name="內容版面配置區 4">
-            <a:extLst>
-              <a:ext uri="{FF2B5EF4-FFF2-40B4-BE49-F238E27FC236}">
-                <a16:creationId xmlns:a16="http://schemas.microsoft.com/office/drawing/2014/main" id="{221EB24A-D4DB-45CB-BE7B-D41F7B493329}"/>
-              </a:ext>
-            </a:extLst>
-          </p:cNvPr>
-          <p:cNvSpPr>
-            <a:spLocks noGrp="1"/>
-          </p:cNvSpPr>
-          <p:nvPr>
-            <p:ph idx="1"/>
-          </p:nvPr>
-        </p:nvSpPr>
-        <p:spPr/>
-        <p:txBody>
-          <a:bodyPr/>
-          <a:lstStyle/>
-          <a:p>
-            <a:r>
-              <a:rPr lang="zh-TW" altLang="en-US" dirty="0"/>
-              <a:t>題目</a:t>
-            </a:r>
-            <a:r>
-              <a:rPr lang="en-US" altLang="zh-TW" dirty="0"/>
-              <a:t>:</a:t>
-            </a:r>
-          </a:p>
-          <a:p>
-            <a:r>
-              <a:rPr lang="zh-TW" altLang="en-US" dirty="0"/>
-              <a:t>緣由</a:t>
-            </a:r>
-            <a:r>
-              <a:rPr lang="en-US" altLang="zh-TW" dirty="0"/>
-              <a:t>:</a:t>
-            </a:r>
-          </a:p>
-          <a:p>
-            <a:r>
-              <a:rPr lang="zh-TW" altLang="en-US" dirty="0"/>
-              <a:t>輸入</a:t>
-            </a:r>
-            <a:r>
-              <a:rPr lang="en-US" altLang="zh-TW" dirty="0"/>
-              <a:t>:</a:t>
-            </a:r>
-          </a:p>
-          <a:p>
-            <a:r>
-              <a:rPr lang="zh-TW" altLang="en-US" dirty="0"/>
-              <a:t>輸出</a:t>
-            </a:r>
-            <a:r>
-              <a:rPr lang="en-US" altLang="zh-TW" dirty="0"/>
-              <a:t>:</a:t>
-            </a:r>
-          </a:p>
-          <a:p>
-            <a:r>
-              <a:rPr lang="zh-TW" altLang="en-US" dirty="0"/>
-              <a:t>該如何分解題目</a:t>
-            </a:r>
-            <a:r>
-              <a:rPr lang="en-US" altLang="zh-TW" dirty="0"/>
-              <a:t>:</a:t>
-            </a:r>
-            <a:endParaRPr lang="zh-TW" altLang="en-US" dirty="0"/>
-          </a:p>
-        </p:txBody>
-      </p:sp>
-      <p:sp>
-        <p:nvSpPr>
-          <p:cNvPr id="4" name="標題 3">
-            <a:extLst>
-              <a:ext uri="{FF2B5EF4-FFF2-40B4-BE49-F238E27FC236}">
-                <a16:creationId xmlns:a16="http://schemas.microsoft.com/office/drawing/2014/main" id="{1854605A-57A1-476A-82F9-537D284E62C2}"/>
-              </a:ext>
-            </a:extLst>
-          </p:cNvPr>
-          <p:cNvSpPr>
-            <a:spLocks noGrp="1"/>
-          </p:cNvSpPr>
-          <p:nvPr>
-            <p:ph type="title"/>
-          </p:nvPr>
-        </p:nvSpPr>
-        <p:spPr/>
-        <p:txBody>
-          <a:bodyPr/>
-          <a:lstStyle/>
-          <a:p>
-            <a:r>
-              <a:rPr lang="zh-TW" altLang="en-US" dirty="0"/>
-              <a:t>個人專題分享</a:t>
-            </a:r>
-          </a:p>
-        </p:txBody>
-      </p:sp>
-    </p:spTree>
-    <p:extLst>
-      <p:ext uri="{BB962C8B-B14F-4D97-AF65-F5344CB8AC3E}">
-        <p14:creationId xmlns:p14="http://schemas.microsoft.com/office/powerpoint/2010/main" val="1266417032"/>
-      </p:ext>
-    </p:extLst>
-  </p:cSld>
-  <p:clrMapOvr>
-    <a:masterClrMapping/>
-  </p:clrMapOvr>
-  <mc:AlternateContent xmlns:mc="http://schemas.openxmlformats.org/markup-compatibility/2006" xmlns:p14="http://schemas.microsoft.com/office/powerpoint/2010/main">
-    <mc:Choice Requires="p14">
-      <p:transition p14:dur="250">
-        <p:fade/>
-      </p:transition>
-    </mc:Choice>
-    <mc:Fallback xmlns="">
-      <p:transition>
-        <p:fade/>
-      </p:transition>
-    </mc:Fallback>
-  </mc:AlternateContent>
-</p:sld>
-</file>
-
 <file path=ppt/slides/slide3.xml><?xml version="1.0" encoding="utf-8"?>
 <p:sld xmlns:a="http://schemas.openxmlformats.org/drawingml/2006/main" xmlns:r="http://schemas.openxmlformats.org/officeDocument/2006/relationships" xmlns:p="http://schemas.openxmlformats.org/presentationml/2006/main">
   <p:cSld>
@@ -12410,8 +11296,8 @@
         </p:blipFill>
         <p:spPr>
           <a:xfrm>
-            <a:off x="3309033" y="1539676"/>
-            <a:ext cx="5573933" cy="3778648"/>
+            <a:off x="2758698" y="1166596"/>
+            <a:ext cx="6674604" cy="4524808"/>
           </a:xfrm>
           <a:prstGeom prst="rect">
             <a:avLst/>
@@ -12790,7 +11676,78 @@
           <a:bodyPr/>
           <a:lstStyle/>
           <a:p>
-            <a:endParaRPr lang="zh-TW" altLang="en-US" dirty="0"/>
+            <a:pPr marL="0" indent="0">
+              <a:buNone/>
+            </a:pPr>
+            <a:r>
+              <a:rPr lang="zh-TW" altLang="en-US" dirty="0"/>
+              <a:t>首先試著在問題中加入明確的輸入及輸出。舉例來說，“如何更快的畫出</a:t>
+            </a:r>
+            <a:r>
+              <a:rPr lang="en-US" altLang="zh-TW" dirty="0"/>
+              <a:t>3D</a:t>
+            </a:r>
+            <a:r>
+              <a:rPr lang="zh-TW" altLang="en-US" dirty="0"/>
+              <a:t>結構”就是屬於一個大問題，沒有明確的輸入及輸出。加入輸出入的問題會像是這樣子：</a:t>
+            </a:r>
+            <a:endParaRPr lang="en-US" altLang="zh-TW" dirty="0"/>
+          </a:p>
+          <a:p>
+            <a:r>
+              <a:rPr lang="zh-TW" altLang="en-US" b="1" dirty="0"/>
+              <a:t>“如何給定一條曲線（輸入），沿著線產生等間距的</a:t>
+            </a:r>
+            <a:r>
+              <a:rPr lang="en-US" altLang="zh-TW" b="1" dirty="0"/>
+              <a:t>via</a:t>
+            </a:r>
+            <a:r>
+              <a:rPr lang="zh-TW" altLang="en-US" b="1" dirty="0"/>
+              <a:t>（輸出）</a:t>
+            </a:r>
+            <a:r>
+              <a:rPr lang="zh-TW" altLang="en-US" dirty="0"/>
+              <a:t>”，或是</a:t>
+            </a:r>
+            <a:endParaRPr lang="en-US" altLang="zh-TW" dirty="0"/>
+          </a:p>
+          <a:p>
+            <a:r>
+              <a:rPr lang="zh-TW" altLang="en-US" b="1" dirty="0"/>
+              <a:t>“如何給定座標點（輸入），將物件（輸入）複製到座標點上面（輸出）”</a:t>
+            </a:r>
+            <a:r>
+              <a:rPr lang="zh-TW" altLang="en-US" dirty="0"/>
+              <a:t>或是，</a:t>
+            </a:r>
+            <a:endParaRPr lang="en-US" altLang="zh-TW" dirty="0"/>
+          </a:p>
+          <a:p>
+            <a:r>
+              <a:rPr lang="zh-TW" altLang="en-US" b="1" dirty="0"/>
+              <a:t>“選擇焊片（輸入），如何在上面自動產生錫球（輸出）”</a:t>
+            </a:r>
+            <a:r>
+              <a:rPr lang="zh-TW" altLang="en-US" dirty="0"/>
+              <a:t>。</a:t>
+            </a:r>
+            <a:endParaRPr lang="en-US" altLang="zh-TW" dirty="0"/>
+          </a:p>
+          <a:p>
+            <a:pPr marL="0" indent="0">
+              <a:buNone/>
+            </a:pPr>
+            <a:endParaRPr lang="en-US" altLang="zh-TW" dirty="0"/>
+          </a:p>
+          <a:p>
+            <a:pPr marL="0" indent="0">
+              <a:buNone/>
+            </a:pPr>
+            <a:r>
+              <a:rPr lang="zh-TW" altLang="en-US" dirty="0"/>
+              <a:t>加入了輸入及輸出的描述讓整個問題變得具體也更容易理解。</a:t>
+            </a:r>
           </a:p>
         </p:txBody>
       </p:sp>
@@ -12885,7 +11842,109 @@
           <a:bodyPr/>
           <a:lstStyle/>
           <a:p>
-            <a:endParaRPr lang="zh-TW" altLang="en-US"/>
+            <a:pPr marL="0" indent="0">
+              <a:buNone/>
+            </a:pPr>
+            <a:r>
+              <a:rPr lang="zh-TW" altLang="en-US" dirty="0"/>
+              <a:t>接下來要試著將上面的問題變成是（輸入</a:t>
+            </a:r>
+            <a:r>
+              <a:rPr lang="en-US" altLang="zh-TW" dirty="0"/>
+              <a:t>—</a:t>
+            </a:r>
+            <a:r>
+              <a:rPr lang="zh-TW" altLang="en-US" dirty="0"/>
+              <a:t>輸出）</a:t>
+            </a:r>
+            <a:r>
+              <a:rPr lang="en-US" altLang="zh-TW" dirty="0"/>
+              <a:t>—</a:t>
+            </a:r>
+            <a:r>
+              <a:rPr lang="zh-TW" altLang="en-US" dirty="0"/>
+              <a:t>（輸入</a:t>
+            </a:r>
+            <a:r>
+              <a:rPr lang="en-US" altLang="zh-TW" dirty="0"/>
+              <a:t>—</a:t>
+            </a:r>
+            <a:r>
+              <a:rPr lang="zh-TW" altLang="en-US" dirty="0"/>
+              <a:t>輸出）</a:t>
+            </a:r>
+            <a:r>
+              <a:rPr lang="en-US" altLang="zh-TW" dirty="0"/>
+              <a:t>—</a:t>
+            </a:r>
+            <a:r>
+              <a:rPr lang="zh-TW" altLang="en-US" dirty="0"/>
+              <a:t>（輸入</a:t>
+            </a:r>
+            <a:r>
+              <a:rPr lang="en-US" altLang="zh-TW" dirty="0"/>
+              <a:t>—</a:t>
+            </a:r>
+            <a:r>
+              <a:rPr lang="zh-TW" altLang="en-US" dirty="0"/>
+              <a:t>輸出）的格式，拆解問題的同時也是在回答問題，如同抽絲剝繭一般，這時候已經開始進入了程式開發的工作。舉例來說，</a:t>
+            </a:r>
+            <a:r>
+              <a:rPr lang="zh-TW" altLang="en-US" b="1" dirty="0"/>
+              <a:t>”如何給定座標點“</a:t>
+            </a:r>
+            <a:r>
+              <a:rPr lang="zh-TW" altLang="en-US" dirty="0"/>
+              <a:t>變成是</a:t>
+            </a:r>
+            <a:r>
+              <a:rPr lang="zh-TW" altLang="en-US" b="1" dirty="0"/>
+              <a:t>“如何將儲存在</a:t>
+            </a:r>
+            <a:r>
+              <a:rPr lang="en-US" altLang="zh-TW" b="1" dirty="0"/>
+              <a:t>csv</a:t>
+            </a:r>
+            <a:r>
+              <a:rPr lang="zh-TW" altLang="en-US" b="1" dirty="0"/>
+              <a:t>檔案的座標點讀到陣列當中“</a:t>
+            </a:r>
+            <a:r>
+              <a:rPr lang="zh-TW" altLang="en-US" dirty="0"/>
+              <a:t>以及</a:t>
+            </a:r>
+            <a:r>
+              <a:rPr lang="zh-TW" altLang="en-US" b="1" dirty="0"/>
+              <a:t>”如何將選擇的物件輸出名稱“</a:t>
+            </a:r>
+            <a:r>
+              <a:rPr lang="zh-TW" altLang="en-US" dirty="0"/>
+              <a:t>和</a:t>
+            </a:r>
+            <a:r>
+              <a:rPr lang="zh-TW" altLang="en-US" b="1" dirty="0"/>
+              <a:t>“如何將輸出物件根據陣列的座標位置進行複製”</a:t>
+            </a:r>
+            <a:r>
+              <a:rPr lang="zh-TW" altLang="en-US" dirty="0"/>
+              <a:t>。</a:t>
+            </a:r>
+            <a:endParaRPr lang="en-US" altLang="zh-TW" dirty="0"/>
+          </a:p>
+          <a:p>
+            <a:pPr marL="0" indent="0">
+              <a:buNone/>
+            </a:pPr>
+            <a:endParaRPr lang="en-US" altLang="zh-TW" dirty="0"/>
+          </a:p>
+          <a:p>
+            <a:pPr marL="0" indent="0">
+              <a:buNone/>
+            </a:pPr>
+            <a:r>
+              <a:rPr lang="zh-TW" altLang="en-US" dirty="0"/>
+              <a:t>要注意的是，除非你已經是有經驗的開發者，否則這些問題並不是你在程式開發初期就可以想的出來的，而是在程式碼開發過程當中，透過不斷嘗試去摸索出來的。過程當中答案也可能會一變再變，不斷嘗試不同的小程式碼片段去解決其中一個小問題，直到找到答案為止。</a:t>
+            </a:r>
           </a:p>
         </p:txBody>
       </p:sp>
@@ -12975,12 +12034,41 @@
             <p:ph idx="1"/>
           </p:nvPr>
         </p:nvSpPr>
-        <p:spPr/>
+        <p:spPr>
+          <a:xfrm>
+            <a:off x="609599" y="1371600"/>
+            <a:ext cx="6843624" cy="4762471"/>
+          </a:xfrm>
+        </p:spPr>
         <p:txBody>
-          <a:bodyPr/>
+          <a:bodyPr>
+            <a:normAutofit/>
+          </a:bodyPr>
           <a:lstStyle/>
           <a:p>
-            <a:endParaRPr lang="zh-TW" altLang="en-US"/>
+            <a:pPr marL="0" indent="0">
+              <a:buNone/>
+            </a:pPr>
+            <a:r>
+              <a:rPr lang="zh-TW" altLang="en-US" dirty="0"/>
+              <a:t>等到把所有的拼圖碎片找齊，最後便是拼圖的工作。這個階段不斷進行拼湊程式碼，測試，除錯的工作循環。就像拼圖一樣，先拼出邊邊角角比較容易的部分。將四個邊角完成之後在設法將這些大塊連結起來。</a:t>
+            </a:r>
+            <a:endParaRPr lang="en-US" altLang="zh-TW" dirty="0"/>
+          </a:p>
+          <a:p>
+            <a:pPr marL="0" indent="0">
+              <a:buNone/>
+            </a:pPr>
+            <a:endParaRPr lang="en-US" altLang="zh-TW" dirty="0"/>
+          </a:p>
+          <a:p>
+            <a:pPr marL="0" indent="0">
+              <a:buNone/>
+            </a:pPr>
+            <a:r>
+              <a:rPr lang="zh-TW" altLang="en-US" dirty="0"/>
+              <a:t>開發自動化程式很少是一氣呵成，一筆而就的。實際的過程更像是摸著石子過河，走到半途退回去另尋他路更是常有的事。就算是百轉千折，只要最終能到達對岸就是成功的達成任務，這也是學習程式開發的必經階段。至於對有開發經驗的設計師來說，可以快速的找出最短路徑，加上手上現有的工具，很快就能完成開發的工作。</a:t>
+            </a:r>
           </a:p>
         </p:txBody>
       </p:sp>
@@ -13007,15 +12095,56 @@
           <a:p>
             <a:r>
               <a:rPr lang="zh-TW" altLang="en-US" dirty="0"/>
-              <a:t>針對每個小問題找出對應的代碼</a:t>
+              <a:t>將所有的代碼拼湊出來</a:t>
             </a:r>
           </a:p>
         </p:txBody>
       </p:sp>
+      <p:pic>
+        <p:nvPicPr>
+          <p:cNvPr id="4" name="圖片 3">
+            <a:extLst>
+              <a:ext uri="{FF2B5EF4-FFF2-40B4-BE49-F238E27FC236}">
+                <a16:creationId xmlns:a16="http://schemas.microsoft.com/office/drawing/2014/main" id="{6FB5FDE6-1EF5-4D36-B4AB-3539895B20C5}"/>
+              </a:ext>
+            </a:extLst>
+          </p:cNvPr>
+          <p:cNvPicPr>
+            <a:picLocks noChangeAspect="1"/>
+          </p:cNvPicPr>
+          <p:nvPr/>
+        </p:nvPicPr>
+        <p:blipFill>
+          <a:blip r:embed="rId2">
+            <a:clrChange>
+              <a:clrFrom>
+                <a:srgbClr val="FBFBFB"/>
+              </a:clrFrom>
+              <a:clrTo>
+                <a:srgbClr val="FBFBFB">
+                  <a:alpha val="0"/>
+                </a:srgbClr>
+              </a:clrTo>
+            </a:clrChange>
+          </a:blip>
+          <a:stretch>
+            <a:fillRect/>
+          </a:stretch>
+        </p:blipFill>
+        <p:spPr>
+          <a:xfrm>
+            <a:off x="7542193" y="2178051"/>
+            <a:ext cx="4454275" cy="2743437"/>
+          </a:xfrm>
+          <a:prstGeom prst="rect">
+            <a:avLst/>
+          </a:prstGeom>
+        </p:spPr>
+      </p:pic>
     </p:spTree>
     <p:extLst>
       <p:ext uri="{BB962C8B-B14F-4D97-AF65-F5344CB8AC3E}">
-        <p14:creationId xmlns:p14="http://schemas.microsoft.com/office/powerpoint/2010/main" val="1663756997"/>
+        <p14:creationId xmlns:p14="http://schemas.microsoft.com/office/powerpoint/2010/main" val="101432508"/>
       </p:ext>
     </p:extLst>
   </p:cSld>
@@ -13056,10 +12185,10 @@
       </p:grpSpPr>
       <p:sp>
         <p:nvSpPr>
-          <p:cNvPr id="2" name="內容版面配置區 1">
-            <a:extLst>
-              <a:ext uri="{FF2B5EF4-FFF2-40B4-BE49-F238E27FC236}">
-                <a16:creationId xmlns:a16="http://schemas.microsoft.com/office/drawing/2014/main" id="{F11FD2CA-F942-45B8-9174-40F6B5B42065}"/>
+          <p:cNvPr id="4" name="文字版面配置區 3">
+            <a:extLst>
+              <a:ext uri="{FF2B5EF4-FFF2-40B4-BE49-F238E27FC236}">
+                <a16:creationId xmlns:a16="http://schemas.microsoft.com/office/drawing/2014/main" id="{2FA54F75-D405-4104-B6BB-EA44A23A109A}"/>
               </a:ext>
             </a:extLst>
           </p:cNvPr>
@@ -13067,7 +12196,7 @@
             <a:spLocks noGrp="1"/>
           </p:cNvSpPr>
           <p:nvPr>
-            <p:ph idx="1"/>
+            <p:ph type="body" sz="quarter" idx="10"/>
           </p:nvPr>
         </p:nvSpPr>
         <p:spPr/>
@@ -13075,16 +12204,27 @@
           <a:bodyPr/>
           <a:lstStyle/>
           <a:p>
-            <a:endParaRPr lang="zh-TW" altLang="en-US"/>
+            <a:r>
+              <a:rPr lang="zh-TW" altLang="en-US" dirty="0"/>
+              <a:t>範例解說：如何根據</a:t>
+            </a:r>
+            <a:r>
+              <a:rPr lang="en-US" altLang="zh-TW" dirty="0"/>
+              <a:t>CSV</a:t>
+            </a:r>
+            <a:r>
+              <a:rPr lang="zh-TW" altLang="en-US" dirty="0"/>
+              <a:t>紀錄的座標複製物件</a:t>
+            </a:r>
           </a:p>
         </p:txBody>
       </p:sp>
       <p:sp>
         <p:nvSpPr>
-          <p:cNvPr id="3" name="標題 2">
-            <a:extLst>
-              <a:ext uri="{FF2B5EF4-FFF2-40B4-BE49-F238E27FC236}">
-                <a16:creationId xmlns:a16="http://schemas.microsoft.com/office/drawing/2014/main" id="{FDA2CCF4-8156-43AA-A2A5-BCE09F7AF6E8}"/>
+          <p:cNvPr id="5" name="文字版面配置區 4">
+            <a:extLst>
+              <a:ext uri="{FF2B5EF4-FFF2-40B4-BE49-F238E27FC236}">
+                <a16:creationId xmlns:a16="http://schemas.microsoft.com/office/drawing/2014/main" id="{CEE2A55E-C73D-43FF-AA36-95C0FF95B7B1}"/>
               </a:ext>
             </a:extLst>
           </p:cNvPr>
@@ -13092,7 +12232,7 @@
             <a:spLocks noGrp="1"/>
           </p:cNvSpPr>
           <p:nvPr>
-            <p:ph type="title"/>
+            <p:ph type="body" sz="quarter" idx="12"/>
           </p:nvPr>
         </p:nvSpPr>
         <p:spPr/>
@@ -13100,17 +12240,14 @@
           <a:bodyPr/>
           <a:lstStyle/>
           <a:p>
-            <a:r>
-              <a:rPr lang="zh-TW" altLang="en-US" dirty="0"/>
-              <a:t>將所有的代碼拼湊出來</a:t>
-            </a:r>
+            <a:endParaRPr lang="zh-TW" altLang="en-US"/>
           </a:p>
         </p:txBody>
       </p:sp>
     </p:spTree>
     <p:extLst>
       <p:ext uri="{BB962C8B-B14F-4D97-AF65-F5344CB8AC3E}">
-        <p14:creationId xmlns:p14="http://schemas.microsoft.com/office/powerpoint/2010/main" val="101432508"/>
+        <p14:creationId xmlns:p14="http://schemas.microsoft.com/office/powerpoint/2010/main" val="2189207556"/>
       </p:ext>
     </p:extLst>
   </p:cSld>

--- a/上課教材/Week2.pptx
+++ b/上課教材/Week2.pptx
@@ -9,13 +9,14 @@
     <p:sldId id="309" r:id="rId3"/>
     <p:sldId id="310" r:id="rId4"/>
     <p:sldId id="316" r:id="rId5"/>
-    <p:sldId id="298" r:id="rId6"/>
-    <p:sldId id="289" r:id="rId7"/>
-    <p:sldId id="288" r:id="rId8"/>
-    <p:sldId id="299" r:id="rId9"/>
-    <p:sldId id="272" r:id="rId10"/>
-    <p:sldId id="259" r:id="rId11"/>
-    <p:sldId id="312" r:id="rId12"/>
+    <p:sldId id="317" r:id="rId6"/>
+    <p:sldId id="298" r:id="rId7"/>
+    <p:sldId id="289" r:id="rId8"/>
+    <p:sldId id="288" r:id="rId9"/>
+    <p:sldId id="299" r:id="rId10"/>
+    <p:sldId id="272" r:id="rId11"/>
+    <p:sldId id="259" r:id="rId12"/>
+    <p:sldId id="312" r:id="rId13"/>
   </p:sldIdLst>
   <p:sldSz cx="12192000" cy="6858000"/>
   <p:notesSz cx="6858000" cy="9144000"/>
@@ -125,7 +126,7 @@
 <file path=ppt/revisionInfo.xml><?xml version="1.0" encoding="utf-8"?>
 <p1510:revInfo xmlns:a="http://schemas.openxmlformats.org/drawingml/2006/main" xmlns:r="http://schemas.openxmlformats.org/officeDocument/2006/relationships" xmlns:p1510="http://schemas.microsoft.com/office/powerpoint/2015/10/main">
   <p1510:revLst>
-    <p1510:client id="{F1FA031A-4D31-4AEE-8DCB-44C85EA436EB}" v="280" dt="2020-06-08T23:36:51.283"/>
+    <p1510:client id="{F1FA031A-4D31-4AEE-8DCB-44C85EA436EB}" v="430" dt="2020-06-11T21:10:29.466"/>
   </p1510:revLst>
 </p1510:revInfo>
 </file>
@@ -1233,7 +1234,7 @@
   <pc:docChgLst>
     <pc:chgData name="Ming-Chih Lin" userId="f1ba3ba5-e185-404b-b55f-b2be90e2bdc2" providerId="ADAL" clId="{F1FA031A-4D31-4AEE-8DCB-44C85EA436EB}"/>
     <pc:docChg chg="undo custSel addSld delSld modSld sldOrd">
-      <pc:chgData name="Ming-Chih Lin" userId="f1ba3ba5-e185-404b-b55f-b2be90e2bdc2" providerId="ADAL" clId="{F1FA031A-4D31-4AEE-8DCB-44C85EA436EB}" dt="2020-06-08T23:38:55.563" v="1355" actId="1076"/>
+      <pc:chgData name="Ming-Chih Lin" userId="f1ba3ba5-e185-404b-b55f-b2be90e2bdc2" providerId="ADAL" clId="{F1FA031A-4D31-4AEE-8DCB-44C85EA436EB}" dt="2020-06-11T21:10:29.464" v="2309"/>
       <pc:docMkLst>
         <pc:docMk/>
       </pc:docMkLst>
@@ -1265,6 +1266,21 @@
           <pc:docMk/>
           <pc:sldMk cId="1322618313" sldId="258"/>
         </pc:sldMkLst>
+      </pc:sldChg>
+      <pc:sldChg chg="addSp modSp">
+        <pc:chgData name="Ming-Chih Lin" userId="f1ba3ba5-e185-404b-b55f-b2be90e2bdc2" providerId="ADAL" clId="{F1FA031A-4D31-4AEE-8DCB-44C85EA436EB}" dt="2020-06-11T21:10:02.939" v="2308"/>
+        <pc:sldMkLst>
+          <pc:docMk/>
+          <pc:sldMk cId="929909194" sldId="259"/>
+        </pc:sldMkLst>
+        <pc:graphicFrameChg chg="add mod">
+          <ac:chgData name="Ming-Chih Lin" userId="f1ba3ba5-e185-404b-b55f-b2be90e2bdc2" providerId="ADAL" clId="{F1FA031A-4D31-4AEE-8DCB-44C85EA436EB}" dt="2020-06-11T21:10:02.939" v="2308"/>
+          <ac:graphicFrameMkLst>
+            <pc:docMk/>
+            <pc:sldMk cId="929909194" sldId="259"/>
+            <ac:graphicFrameMk id="6" creationId="{B4AC816D-15B5-4DA5-91F2-29D807EAB969}"/>
+          </ac:graphicFrameMkLst>
+        </pc:graphicFrameChg>
       </pc:sldChg>
       <pc:sldChg chg="del">
         <pc:chgData name="Ming-Chih Lin" userId="f1ba3ba5-e185-404b-b55f-b2be90e2bdc2" providerId="ADAL" clId="{F1FA031A-4D31-4AEE-8DCB-44C85EA436EB}" dt="2020-06-01T23:15:08.393" v="370" actId="47"/>
@@ -1884,8 +1900,8 @@
           </ac:spMkLst>
         </pc:spChg>
       </pc:sldChg>
-      <pc:sldChg chg="addSp delSp modSp new mod modClrScheme chgLayout">
-        <pc:chgData name="Ming-Chih Lin" userId="f1ba3ba5-e185-404b-b55f-b2be90e2bdc2" providerId="ADAL" clId="{F1FA031A-4D31-4AEE-8DCB-44C85EA436EB}" dt="2020-06-02T00:07:11.358" v="1128" actId="20577"/>
+      <pc:sldChg chg="addSp delSp modSp new add del mod modClrScheme chgLayout">
+        <pc:chgData name="Ming-Chih Lin" userId="f1ba3ba5-e185-404b-b55f-b2be90e2bdc2" providerId="ADAL" clId="{F1FA031A-4D31-4AEE-8DCB-44C85EA436EB}" dt="2020-06-11T21:10:29.464" v="2309"/>
         <pc:sldMkLst>
           <pc:docMk/>
           <pc:sldMk cId="1266417032" sldId="312"/>
@@ -2028,6 +2044,53 @@
           </ac:spMkLst>
         </pc:spChg>
       </pc:sldChg>
+      <pc:sldChg chg="addSp modSp new mod">
+        <pc:chgData name="Ming-Chih Lin" userId="f1ba3ba5-e185-404b-b55f-b2be90e2bdc2" providerId="ADAL" clId="{F1FA031A-4D31-4AEE-8DCB-44C85EA436EB}" dt="2020-06-11T08:04:20.132" v="2305" actId="20577"/>
+        <pc:sldMkLst>
+          <pc:docMk/>
+          <pc:sldMk cId="1555247219" sldId="317"/>
+        </pc:sldMkLst>
+        <pc:spChg chg="mod">
+          <ac:chgData name="Ming-Chih Lin" userId="f1ba3ba5-e185-404b-b55f-b2be90e2bdc2" providerId="ADAL" clId="{F1FA031A-4D31-4AEE-8DCB-44C85EA436EB}" dt="2020-06-11T08:02:43.171" v="2284"/>
+          <ac:spMkLst>
+            <pc:docMk/>
+            <pc:sldMk cId="1555247219" sldId="317"/>
+            <ac:spMk id="2" creationId="{2E969B95-2A73-4997-A380-20B1D9CB2A08}"/>
+          </ac:spMkLst>
+        </pc:spChg>
+        <pc:spChg chg="mod">
+          <ac:chgData name="Ming-Chih Lin" userId="f1ba3ba5-e185-404b-b55f-b2be90e2bdc2" providerId="ADAL" clId="{F1FA031A-4D31-4AEE-8DCB-44C85EA436EB}" dt="2020-06-11T08:04:20.132" v="2305" actId="20577"/>
+          <ac:spMkLst>
+            <pc:docMk/>
+            <pc:sldMk cId="1555247219" sldId="317"/>
+            <ac:spMk id="3" creationId="{2A98E3D0-197E-4283-9374-014ACD4317AE}"/>
+          </ac:spMkLst>
+        </pc:spChg>
+        <pc:picChg chg="add mod">
+          <ac:chgData name="Ming-Chih Lin" userId="f1ba3ba5-e185-404b-b55f-b2be90e2bdc2" providerId="ADAL" clId="{F1FA031A-4D31-4AEE-8DCB-44C85EA436EB}" dt="2020-06-11T08:03:56.753" v="2293" actId="208"/>
+          <ac:picMkLst>
+            <pc:docMk/>
+            <pc:sldMk cId="1555247219" sldId="317"/>
+            <ac:picMk id="5" creationId="{D60D42ED-7EAA-46F5-8FEB-C037CD4BE2AA}"/>
+          </ac:picMkLst>
+        </pc:picChg>
+        <pc:picChg chg="add mod">
+          <ac:chgData name="Ming-Chih Lin" userId="f1ba3ba5-e185-404b-b55f-b2be90e2bdc2" providerId="ADAL" clId="{F1FA031A-4D31-4AEE-8DCB-44C85EA436EB}" dt="2020-06-11T08:03:59.549" v="2294" actId="1076"/>
+          <ac:picMkLst>
+            <pc:docMk/>
+            <pc:sldMk cId="1555247219" sldId="317"/>
+            <ac:picMk id="6" creationId="{E4961178-589B-4EDB-984E-FC6AB21A8483}"/>
+          </ac:picMkLst>
+        </pc:picChg>
+        <pc:picChg chg="add mod">
+          <ac:chgData name="Ming-Chih Lin" userId="f1ba3ba5-e185-404b-b55f-b2be90e2bdc2" providerId="ADAL" clId="{F1FA031A-4D31-4AEE-8DCB-44C85EA436EB}" dt="2020-06-11T08:04:00.519" v="2295" actId="1076"/>
+          <ac:picMkLst>
+            <pc:docMk/>
+            <pc:sldMk cId="1555247219" sldId="317"/>
+            <ac:picMk id="7" creationId="{0C51E3FF-8378-43AD-B331-3491724D4B4C}"/>
+          </ac:picMkLst>
+        </pc:picChg>
+      </pc:sldChg>
       <pc:sldChg chg="modSp add del mod">
         <pc:chgData name="Ming-Chih Lin" userId="f1ba3ba5-e185-404b-b55f-b2be90e2bdc2" providerId="ADAL" clId="{F1FA031A-4D31-4AEE-8DCB-44C85EA436EB}" dt="2020-06-01T23:41:30.159" v="1000" actId="47"/>
         <pc:sldMkLst>
@@ -2091,6 +2154,2921 @@
     </pc:docChg>
   </pc:docChgLst>
 </pc:chgInfo>
+</file>
+
+<file path=ppt/diagrams/colors1.xml><?xml version="1.0" encoding="utf-8"?>
+<dgm:colorsDef xmlns:dgm="http://schemas.openxmlformats.org/drawingml/2006/diagram" xmlns:a="http://schemas.openxmlformats.org/drawingml/2006/main" uniqueId="urn:microsoft.com/office/officeart/2005/8/colors/accent0_3">
+  <dgm:title val=""/>
+  <dgm:desc val=""/>
+  <dgm:catLst>
+    <dgm:cat type="mainScheme" pri="10300"/>
+  </dgm:catLst>
+  <dgm:styleLbl name="node0">
+    <dgm:fillClrLst meth="repeat">
+      <a:schemeClr val="dk2"/>
+    </dgm:fillClrLst>
+    <dgm:linClrLst meth="repeat">
+      <a:schemeClr val="lt2"/>
+    </dgm:linClrLst>
+    <dgm:effectClrLst/>
+    <dgm:txLinClrLst/>
+    <dgm:txFillClrLst/>
+    <dgm:txEffectClrLst/>
+  </dgm:styleLbl>
+  <dgm:styleLbl name="alignNode1">
+    <dgm:fillClrLst meth="repeat">
+      <a:schemeClr val="dk2"/>
+    </dgm:fillClrLst>
+    <dgm:linClrLst meth="repeat">
+      <a:schemeClr val="dk2"/>
+    </dgm:linClrLst>
+    <dgm:effectClrLst/>
+    <dgm:txLinClrLst/>
+    <dgm:txFillClrLst/>
+    <dgm:txEffectClrLst/>
+  </dgm:styleLbl>
+  <dgm:styleLbl name="node1">
+    <dgm:fillClrLst meth="repeat">
+      <a:schemeClr val="dk2"/>
+    </dgm:fillClrLst>
+    <dgm:linClrLst meth="repeat">
+      <a:schemeClr val="lt2"/>
+    </dgm:linClrLst>
+    <dgm:effectClrLst/>
+    <dgm:txLinClrLst/>
+    <dgm:txFillClrLst/>
+    <dgm:txEffectClrLst/>
+  </dgm:styleLbl>
+  <dgm:styleLbl name="lnNode1">
+    <dgm:fillClrLst meth="repeat">
+      <a:schemeClr val="dk2"/>
+    </dgm:fillClrLst>
+    <dgm:linClrLst meth="repeat">
+      <a:schemeClr val="lt2"/>
+    </dgm:linClrLst>
+    <dgm:effectClrLst/>
+    <dgm:txLinClrLst/>
+    <dgm:txFillClrLst/>
+    <dgm:txEffectClrLst/>
+  </dgm:styleLbl>
+  <dgm:styleLbl name="vennNode1">
+    <dgm:fillClrLst meth="repeat">
+      <a:schemeClr val="dk2">
+        <a:alpha val="50000"/>
+      </a:schemeClr>
+    </dgm:fillClrLst>
+    <dgm:linClrLst meth="repeat">
+      <a:schemeClr val="lt2"/>
+    </dgm:linClrLst>
+    <dgm:effectClrLst/>
+    <dgm:txLinClrLst/>
+    <dgm:txFillClrLst/>
+    <dgm:txEffectClrLst/>
+  </dgm:styleLbl>
+  <dgm:styleLbl name="node2">
+    <dgm:fillClrLst meth="repeat">
+      <a:schemeClr val="dk2"/>
+    </dgm:fillClrLst>
+    <dgm:linClrLst meth="repeat">
+      <a:schemeClr val="lt2"/>
+    </dgm:linClrLst>
+    <dgm:effectClrLst/>
+    <dgm:txLinClrLst/>
+    <dgm:txFillClrLst/>
+    <dgm:txEffectClrLst/>
+  </dgm:styleLbl>
+  <dgm:styleLbl name="node3">
+    <dgm:fillClrLst meth="repeat">
+      <a:schemeClr val="dk2"/>
+    </dgm:fillClrLst>
+    <dgm:linClrLst meth="repeat">
+      <a:schemeClr val="lt2"/>
+    </dgm:linClrLst>
+    <dgm:effectClrLst/>
+    <dgm:txLinClrLst/>
+    <dgm:txFillClrLst/>
+    <dgm:txEffectClrLst/>
+  </dgm:styleLbl>
+  <dgm:styleLbl name="node4">
+    <dgm:fillClrLst meth="repeat">
+      <a:schemeClr val="dk2"/>
+    </dgm:fillClrLst>
+    <dgm:linClrLst meth="repeat">
+      <a:schemeClr val="lt2"/>
+    </dgm:linClrLst>
+    <dgm:effectClrLst/>
+    <dgm:txLinClrLst/>
+    <dgm:txFillClrLst/>
+    <dgm:txEffectClrLst/>
+  </dgm:styleLbl>
+  <dgm:styleLbl name="fgImgPlace1">
+    <dgm:fillClrLst meth="repeat">
+      <a:schemeClr val="dk2">
+        <a:tint val="50000"/>
+      </a:schemeClr>
+    </dgm:fillClrLst>
+    <dgm:linClrLst meth="repeat">
+      <a:schemeClr val="lt2"/>
+    </dgm:linClrLst>
+    <dgm:effectClrLst/>
+    <dgm:txLinClrLst/>
+    <dgm:txFillClrLst meth="repeat">
+      <a:schemeClr val="lt2"/>
+    </dgm:txFillClrLst>
+    <dgm:txEffectClrLst/>
+  </dgm:styleLbl>
+  <dgm:styleLbl name="alignImgPlace1">
+    <dgm:fillClrLst meth="repeat">
+      <a:schemeClr val="dk2">
+        <a:tint val="50000"/>
+      </a:schemeClr>
+    </dgm:fillClrLst>
+    <dgm:linClrLst meth="repeat">
+      <a:schemeClr val="dk2">
+        <a:shade val="80000"/>
+      </a:schemeClr>
+    </dgm:linClrLst>
+    <dgm:effectClrLst/>
+    <dgm:txLinClrLst/>
+    <dgm:txFillClrLst meth="repeat">
+      <a:schemeClr val="lt2"/>
+    </dgm:txFillClrLst>
+    <dgm:txEffectClrLst/>
+  </dgm:styleLbl>
+  <dgm:styleLbl name="bgImgPlace1">
+    <dgm:fillClrLst meth="repeat">
+      <a:schemeClr val="dk2">
+        <a:tint val="50000"/>
+      </a:schemeClr>
+    </dgm:fillClrLst>
+    <dgm:linClrLst meth="repeat">
+      <a:schemeClr val="dk2">
+        <a:shade val="80000"/>
+      </a:schemeClr>
+    </dgm:linClrLst>
+    <dgm:effectClrLst/>
+    <dgm:txLinClrLst/>
+    <dgm:txFillClrLst meth="repeat">
+      <a:schemeClr val="lt2"/>
+    </dgm:txFillClrLst>
+    <dgm:txEffectClrLst/>
+  </dgm:styleLbl>
+  <dgm:styleLbl name="sibTrans2D1">
+    <dgm:fillClrLst meth="repeat">
+      <a:schemeClr val="dk2">
+        <a:tint val="60000"/>
+      </a:schemeClr>
+    </dgm:fillClrLst>
+    <dgm:linClrLst meth="repeat">
+      <a:schemeClr val="dk2">
+        <a:tint val="60000"/>
+      </a:schemeClr>
+    </dgm:linClrLst>
+    <dgm:effectClrLst/>
+    <dgm:txLinClrLst/>
+    <dgm:txFillClrLst/>
+    <dgm:txEffectClrLst/>
+  </dgm:styleLbl>
+  <dgm:styleLbl name="fgSibTrans2D1">
+    <dgm:fillClrLst meth="repeat">
+      <a:schemeClr val="dk2">
+        <a:tint val="60000"/>
+      </a:schemeClr>
+    </dgm:fillClrLst>
+    <dgm:linClrLst meth="repeat">
+      <a:schemeClr val="dk2">
+        <a:tint val="60000"/>
+      </a:schemeClr>
+    </dgm:linClrLst>
+    <dgm:effectClrLst/>
+    <dgm:txLinClrLst/>
+    <dgm:txFillClrLst/>
+    <dgm:txEffectClrLst/>
+  </dgm:styleLbl>
+  <dgm:styleLbl name="bgSibTrans2D1">
+    <dgm:fillClrLst meth="repeat">
+      <a:schemeClr val="dk2">
+        <a:tint val="60000"/>
+      </a:schemeClr>
+    </dgm:fillClrLst>
+    <dgm:linClrLst meth="repeat">
+      <a:schemeClr val="dk2">
+        <a:tint val="60000"/>
+      </a:schemeClr>
+    </dgm:linClrLst>
+    <dgm:effectClrLst/>
+    <dgm:txLinClrLst/>
+    <dgm:txFillClrLst/>
+    <dgm:txEffectClrLst/>
+  </dgm:styleLbl>
+  <dgm:styleLbl name="sibTrans1D1">
+    <dgm:fillClrLst meth="repeat">
+      <a:schemeClr val="dk2"/>
+    </dgm:fillClrLst>
+    <dgm:linClrLst meth="repeat">
+      <a:schemeClr val="dk2"/>
+    </dgm:linClrLst>
+    <dgm:effectClrLst/>
+    <dgm:txLinClrLst/>
+    <dgm:txFillClrLst meth="repeat">
+      <a:schemeClr val="lt2"/>
+    </dgm:txFillClrLst>
+    <dgm:txEffectClrLst/>
+  </dgm:styleLbl>
+  <dgm:styleLbl name="callout">
+    <dgm:fillClrLst meth="repeat">
+      <a:schemeClr val="dk2"/>
+    </dgm:fillClrLst>
+    <dgm:linClrLst meth="repeat">
+      <a:schemeClr val="dk2">
+        <a:tint val="50000"/>
+      </a:schemeClr>
+    </dgm:linClrLst>
+    <dgm:effectClrLst/>
+    <dgm:txLinClrLst/>
+    <dgm:txFillClrLst meth="repeat">
+      <a:schemeClr val="lt2"/>
+    </dgm:txFillClrLst>
+    <dgm:txEffectClrLst/>
+  </dgm:styleLbl>
+  <dgm:styleLbl name="asst0">
+    <dgm:fillClrLst meth="repeat">
+      <a:schemeClr val="dk2"/>
+    </dgm:fillClrLst>
+    <dgm:linClrLst meth="repeat">
+      <a:schemeClr val="lt2"/>
+    </dgm:linClrLst>
+    <dgm:effectClrLst/>
+    <dgm:txLinClrLst/>
+    <dgm:txFillClrLst/>
+    <dgm:txEffectClrLst/>
+  </dgm:styleLbl>
+  <dgm:styleLbl name="asst1">
+    <dgm:fillClrLst meth="repeat">
+      <a:schemeClr val="dk2"/>
+    </dgm:fillClrLst>
+    <dgm:linClrLst meth="repeat">
+      <a:schemeClr val="lt2"/>
+    </dgm:linClrLst>
+    <dgm:effectClrLst/>
+    <dgm:txLinClrLst/>
+    <dgm:txFillClrLst/>
+    <dgm:txEffectClrLst/>
+  </dgm:styleLbl>
+  <dgm:styleLbl name="asst2">
+    <dgm:fillClrLst meth="repeat">
+      <a:schemeClr val="dk2"/>
+    </dgm:fillClrLst>
+    <dgm:linClrLst meth="repeat">
+      <a:schemeClr val="lt2"/>
+    </dgm:linClrLst>
+    <dgm:effectClrLst/>
+    <dgm:txLinClrLst/>
+    <dgm:txFillClrLst/>
+    <dgm:txEffectClrLst/>
+  </dgm:styleLbl>
+  <dgm:styleLbl name="asst3">
+    <dgm:fillClrLst meth="repeat">
+      <a:schemeClr val="dk2"/>
+    </dgm:fillClrLst>
+    <dgm:linClrLst meth="repeat">
+      <a:schemeClr val="lt2"/>
+    </dgm:linClrLst>
+    <dgm:effectClrLst/>
+    <dgm:txLinClrLst/>
+    <dgm:txFillClrLst/>
+    <dgm:txEffectClrLst/>
+  </dgm:styleLbl>
+  <dgm:styleLbl name="asst4">
+    <dgm:fillClrLst meth="repeat">
+      <a:schemeClr val="dk2"/>
+    </dgm:fillClrLst>
+    <dgm:linClrLst meth="repeat">
+      <a:schemeClr val="lt2"/>
+    </dgm:linClrLst>
+    <dgm:effectClrLst/>
+    <dgm:txLinClrLst/>
+    <dgm:txFillClrLst/>
+    <dgm:txEffectClrLst/>
+  </dgm:styleLbl>
+  <dgm:styleLbl name="parChTrans2D1">
+    <dgm:fillClrLst meth="repeat">
+      <a:schemeClr val="dk2">
+        <a:tint val="60000"/>
+      </a:schemeClr>
+    </dgm:fillClrLst>
+    <dgm:linClrLst meth="repeat">
+      <a:schemeClr val="dk2">
+        <a:tint val="60000"/>
+      </a:schemeClr>
+    </dgm:linClrLst>
+    <dgm:effectClrLst/>
+    <dgm:txLinClrLst/>
+    <dgm:txFillClrLst meth="repeat">
+      <a:schemeClr val="lt2"/>
+    </dgm:txFillClrLst>
+    <dgm:txEffectClrLst/>
+  </dgm:styleLbl>
+  <dgm:styleLbl name="parChTrans2D2">
+    <dgm:fillClrLst meth="repeat">
+      <a:schemeClr val="dk2"/>
+    </dgm:fillClrLst>
+    <dgm:linClrLst meth="repeat">
+      <a:schemeClr val="dk2"/>
+    </dgm:linClrLst>
+    <dgm:effectClrLst/>
+    <dgm:txLinClrLst/>
+    <dgm:txFillClrLst meth="repeat">
+      <a:schemeClr val="lt2"/>
+    </dgm:txFillClrLst>
+    <dgm:txEffectClrLst/>
+  </dgm:styleLbl>
+  <dgm:styleLbl name="parChTrans2D3">
+    <dgm:fillClrLst meth="repeat">
+      <a:schemeClr val="dk2"/>
+    </dgm:fillClrLst>
+    <dgm:linClrLst meth="repeat">
+      <a:schemeClr val="dk2"/>
+    </dgm:linClrLst>
+    <dgm:effectClrLst/>
+    <dgm:txLinClrLst/>
+    <dgm:txFillClrLst meth="repeat">
+      <a:schemeClr val="lt2"/>
+    </dgm:txFillClrLst>
+    <dgm:txEffectClrLst/>
+  </dgm:styleLbl>
+  <dgm:styleLbl name="parChTrans2D4">
+    <dgm:fillClrLst meth="repeat">
+      <a:schemeClr val="dk2"/>
+    </dgm:fillClrLst>
+    <dgm:linClrLst meth="repeat">
+      <a:schemeClr val="dk2"/>
+    </dgm:linClrLst>
+    <dgm:effectClrLst/>
+    <dgm:txLinClrLst/>
+    <dgm:txFillClrLst meth="repeat">
+      <a:schemeClr val="lt2"/>
+    </dgm:txFillClrLst>
+    <dgm:txEffectClrLst/>
+  </dgm:styleLbl>
+  <dgm:styleLbl name="parChTrans1D1">
+    <dgm:fillClrLst meth="repeat">
+      <a:schemeClr val="dk2"/>
+    </dgm:fillClrLst>
+    <dgm:linClrLst meth="repeat">
+      <a:schemeClr val="dk2">
+        <a:shade val="60000"/>
+      </a:schemeClr>
+    </dgm:linClrLst>
+    <dgm:effectClrLst/>
+    <dgm:txLinClrLst/>
+    <dgm:txFillClrLst meth="repeat">
+      <a:schemeClr val="tx1"/>
+    </dgm:txFillClrLst>
+    <dgm:txEffectClrLst/>
+  </dgm:styleLbl>
+  <dgm:styleLbl name="parChTrans1D2">
+    <dgm:fillClrLst meth="repeat">
+      <a:schemeClr val="dk2"/>
+    </dgm:fillClrLst>
+    <dgm:linClrLst meth="repeat">
+      <a:schemeClr val="dk2">
+        <a:shade val="60000"/>
+      </a:schemeClr>
+    </dgm:linClrLst>
+    <dgm:effectClrLst/>
+    <dgm:txLinClrLst/>
+    <dgm:txFillClrLst meth="repeat">
+      <a:schemeClr val="tx1"/>
+    </dgm:txFillClrLst>
+    <dgm:txEffectClrLst/>
+  </dgm:styleLbl>
+  <dgm:styleLbl name="parChTrans1D3">
+    <dgm:fillClrLst meth="repeat">
+      <a:schemeClr val="dk2"/>
+    </dgm:fillClrLst>
+    <dgm:linClrLst meth="repeat">
+      <a:schemeClr val="dk2">
+        <a:shade val="80000"/>
+      </a:schemeClr>
+    </dgm:linClrLst>
+    <dgm:effectClrLst/>
+    <dgm:txLinClrLst/>
+    <dgm:txFillClrLst meth="repeat">
+      <a:schemeClr val="tx1"/>
+    </dgm:txFillClrLst>
+    <dgm:txEffectClrLst/>
+  </dgm:styleLbl>
+  <dgm:styleLbl name="parChTrans1D4">
+    <dgm:fillClrLst meth="repeat">
+      <a:schemeClr val="dk2"/>
+    </dgm:fillClrLst>
+    <dgm:linClrLst meth="repeat">
+      <a:schemeClr val="dk2">
+        <a:shade val="80000"/>
+      </a:schemeClr>
+    </dgm:linClrLst>
+    <dgm:effectClrLst/>
+    <dgm:txLinClrLst/>
+    <dgm:txFillClrLst meth="repeat">
+      <a:schemeClr val="tx1"/>
+    </dgm:txFillClrLst>
+    <dgm:txEffectClrLst/>
+  </dgm:styleLbl>
+  <dgm:styleLbl name="fgAcc1">
+    <dgm:fillClrLst meth="repeat">
+      <a:schemeClr val="lt2">
+        <a:alpha val="90000"/>
+      </a:schemeClr>
+    </dgm:fillClrLst>
+    <dgm:linClrLst meth="repeat">
+      <a:schemeClr val="dk2"/>
+    </dgm:linClrLst>
+    <dgm:effectClrLst/>
+    <dgm:txLinClrLst/>
+    <dgm:txFillClrLst meth="repeat">
+      <a:schemeClr val="dk1"/>
+    </dgm:txFillClrLst>
+    <dgm:txEffectClrLst/>
+  </dgm:styleLbl>
+  <dgm:styleLbl name="conFgAcc1">
+    <dgm:fillClrLst meth="repeat">
+      <a:schemeClr val="lt2">
+        <a:alpha val="90000"/>
+      </a:schemeClr>
+    </dgm:fillClrLst>
+    <dgm:linClrLst meth="repeat">
+      <a:schemeClr val="dk2"/>
+    </dgm:linClrLst>
+    <dgm:effectClrLst/>
+    <dgm:txLinClrLst/>
+    <dgm:txFillClrLst meth="repeat">
+      <a:schemeClr val="dk1"/>
+    </dgm:txFillClrLst>
+    <dgm:txEffectClrLst/>
+  </dgm:styleLbl>
+  <dgm:styleLbl name="alignAcc1">
+    <dgm:fillClrLst meth="repeat">
+      <a:schemeClr val="lt2">
+        <a:alpha val="90000"/>
+      </a:schemeClr>
+    </dgm:fillClrLst>
+    <dgm:linClrLst meth="repeat">
+      <a:schemeClr val="dk2"/>
+    </dgm:linClrLst>
+    <dgm:effectClrLst/>
+    <dgm:txLinClrLst/>
+    <dgm:txFillClrLst meth="repeat">
+      <a:schemeClr val="dk1"/>
+    </dgm:txFillClrLst>
+    <dgm:txEffectClrLst/>
+  </dgm:styleLbl>
+  <dgm:styleLbl name="trAlignAcc1">
+    <dgm:fillClrLst meth="repeat">
+      <a:schemeClr val="lt2">
+        <a:alpha val="40000"/>
+      </a:schemeClr>
+    </dgm:fillClrLst>
+    <dgm:linClrLst meth="repeat">
+      <a:schemeClr val="dk2"/>
+    </dgm:linClrLst>
+    <dgm:effectClrLst/>
+    <dgm:txLinClrLst/>
+    <dgm:txFillClrLst meth="repeat">
+      <a:schemeClr val="dk1"/>
+    </dgm:txFillClrLst>
+    <dgm:txEffectClrLst/>
+  </dgm:styleLbl>
+  <dgm:styleLbl name="bgAcc1">
+    <dgm:fillClrLst meth="repeat">
+      <a:schemeClr val="lt2">
+        <a:alpha val="90000"/>
+      </a:schemeClr>
+    </dgm:fillClrLst>
+    <dgm:linClrLst meth="repeat">
+      <a:schemeClr val="dk2"/>
+    </dgm:linClrLst>
+    <dgm:effectClrLst/>
+    <dgm:txLinClrLst/>
+    <dgm:txFillClrLst meth="repeat">
+      <a:schemeClr val="dk1"/>
+    </dgm:txFillClrLst>
+    <dgm:txEffectClrLst/>
+  </dgm:styleLbl>
+  <dgm:styleLbl name="solidFgAcc1">
+    <dgm:fillClrLst meth="repeat">
+      <a:schemeClr val="lt2"/>
+    </dgm:fillClrLst>
+    <dgm:linClrLst meth="repeat">
+      <a:schemeClr val="dk2"/>
+    </dgm:linClrLst>
+    <dgm:effectClrLst/>
+    <dgm:txLinClrLst/>
+    <dgm:txFillClrLst meth="repeat">
+      <a:schemeClr val="dk1"/>
+    </dgm:txFillClrLst>
+    <dgm:txEffectClrLst/>
+  </dgm:styleLbl>
+  <dgm:styleLbl name="solidAlignAcc1">
+    <dgm:fillClrLst meth="repeat">
+      <a:schemeClr val="lt2"/>
+    </dgm:fillClrLst>
+    <dgm:linClrLst meth="repeat">
+      <a:schemeClr val="dk2"/>
+    </dgm:linClrLst>
+    <dgm:effectClrLst/>
+    <dgm:txLinClrLst/>
+    <dgm:txFillClrLst meth="repeat">
+      <a:schemeClr val="dk1"/>
+    </dgm:txFillClrLst>
+    <dgm:txEffectClrLst/>
+  </dgm:styleLbl>
+  <dgm:styleLbl name="solidBgAcc1">
+    <dgm:fillClrLst meth="repeat">
+      <a:schemeClr val="lt2"/>
+    </dgm:fillClrLst>
+    <dgm:linClrLst meth="repeat">
+      <a:schemeClr val="dk2"/>
+    </dgm:linClrLst>
+    <dgm:effectClrLst/>
+    <dgm:txLinClrLst/>
+    <dgm:txFillClrLst meth="repeat">
+      <a:schemeClr val="dk1"/>
+    </dgm:txFillClrLst>
+    <dgm:txEffectClrLst/>
+  </dgm:styleLbl>
+  <dgm:styleLbl name="fgAccFollowNode1">
+    <dgm:fillClrLst meth="repeat">
+      <a:schemeClr val="dk2">
+        <a:alpha val="90000"/>
+        <a:tint val="40000"/>
+      </a:schemeClr>
+    </dgm:fillClrLst>
+    <dgm:linClrLst meth="repeat">
+      <a:schemeClr val="dk2">
+        <a:alpha val="90000"/>
+        <a:tint val="40000"/>
+      </a:schemeClr>
+    </dgm:linClrLst>
+    <dgm:effectClrLst/>
+    <dgm:txLinClrLst/>
+    <dgm:txFillClrLst meth="repeat">
+      <a:schemeClr val="dk1"/>
+    </dgm:txFillClrLst>
+    <dgm:txEffectClrLst/>
+  </dgm:styleLbl>
+  <dgm:styleLbl name="alignAccFollowNode1">
+    <dgm:fillClrLst meth="repeat">
+      <a:schemeClr val="dk2">
+        <a:alpha val="90000"/>
+        <a:tint val="40000"/>
+      </a:schemeClr>
+    </dgm:fillClrLst>
+    <dgm:linClrLst meth="repeat">
+      <a:schemeClr val="dk2">
+        <a:alpha val="90000"/>
+        <a:tint val="40000"/>
+      </a:schemeClr>
+    </dgm:linClrLst>
+    <dgm:effectClrLst/>
+    <dgm:txLinClrLst/>
+    <dgm:txFillClrLst meth="repeat">
+      <a:schemeClr val="dk1"/>
+    </dgm:txFillClrLst>
+    <dgm:txEffectClrLst/>
+  </dgm:styleLbl>
+  <dgm:styleLbl name="bgAccFollowNode1">
+    <dgm:fillClrLst meth="repeat">
+      <a:schemeClr val="dk2">
+        <a:alpha val="90000"/>
+        <a:tint val="40000"/>
+      </a:schemeClr>
+    </dgm:fillClrLst>
+    <dgm:linClrLst meth="repeat">
+      <a:schemeClr val="dk2">
+        <a:alpha val="90000"/>
+        <a:tint val="40000"/>
+      </a:schemeClr>
+    </dgm:linClrLst>
+    <dgm:effectClrLst/>
+    <dgm:txLinClrLst/>
+    <dgm:txFillClrLst meth="repeat">
+      <a:schemeClr val="dk1"/>
+    </dgm:txFillClrLst>
+    <dgm:txEffectClrLst/>
+  </dgm:styleLbl>
+  <dgm:styleLbl name="fgAcc0">
+    <dgm:fillClrLst meth="repeat">
+      <a:schemeClr val="lt2">
+        <a:alpha val="90000"/>
+      </a:schemeClr>
+    </dgm:fillClrLst>
+    <dgm:linClrLst meth="repeat">
+      <a:schemeClr val="dk2"/>
+    </dgm:linClrLst>
+    <dgm:effectClrLst/>
+    <dgm:txLinClrLst/>
+    <dgm:txFillClrLst meth="repeat">
+      <a:schemeClr val="dk1"/>
+    </dgm:txFillClrLst>
+    <dgm:txEffectClrLst/>
+  </dgm:styleLbl>
+  <dgm:styleLbl name="fgAcc2">
+    <dgm:fillClrLst meth="repeat">
+      <a:schemeClr val="lt2">
+        <a:alpha val="90000"/>
+      </a:schemeClr>
+    </dgm:fillClrLst>
+    <dgm:linClrLst meth="repeat">
+      <a:schemeClr val="dk2"/>
+    </dgm:linClrLst>
+    <dgm:effectClrLst/>
+    <dgm:txLinClrLst/>
+    <dgm:txFillClrLst meth="repeat">
+      <a:schemeClr val="dk1"/>
+    </dgm:txFillClrLst>
+    <dgm:txEffectClrLst/>
+  </dgm:styleLbl>
+  <dgm:styleLbl name="fgAcc3">
+    <dgm:fillClrLst meth="repeat">
+      <a:schemeClr val="lt2">
+        <a:alpha val="90000"/>
+      </a:schemeClr>
+    </dgm:fillClrLst>
+    <dgm:linClrLst meth="repeat">
+      <a:schemeClr val="dk2"/>
+    </dgm:linClrLst>
+    <dgm:effectClrLst/>
+    <dgm:txLinClrLst/>
+    <dgm:txFillClrLst meth="repeat">
+      <a:schemeClr val="dk1"/>
+    </dgm:txFillClrLst>
+    <dgm:txEffectClrLst/>
+  </dgm:styleLbl>
+  <dgm:styleLbl name="fgAcc4">
+    <dgm:fillClrLst meth="repeat">
+      <a:schemeClr val="lt2">
+        <a:alpha val="90000"/>
+      </a:schemeClr>
+    </dgm:fillClrLst>
+    <dgm:linClrLst meth="repeat">
+      <a:schemeClr val="dk2"/>
+    </dgm:linClrLst>
+    <dgm:effectClrLst/>
+    <dgm:txLinClrLst/>
+    <dgm:txFillClrLst meth="repeat">
+      <a:schemeClr val="dk1"/>
+    </dgm:txFillClrLst>
+    <dgm:txEffectClrLst/>
+  </dgm:styleLbl>
+  <dgm:styleLbl name="bgShp">
+    <dgm:fillClrLst meth="repeat">
+      <a:schemeClr val="dk2">
+        <a:tint val="40000"/>
+      </a:schemeClr>
+    </dgm:fillClrLst>
+    <dgm:linClrLst meth="repeat">
+      <a:schemeClr val="dk2"/>
+    </dgm:linClrLst>
+    <dgm:effectClrLst/>
+    <dgm:txLinClrLst/>
+    <dgm:txFillClrLst meth="repeat">
+      <a:schemeClr val="dk1"/>
+    </dgm:txFillClrLst>
+    <dgm:txEffectClrLst/>
+  </dgm:styleLbl>
+  <dgm:styleLbl name="dkBgShp">
+    <dgm:fillClrLst meth="repeat">
+      <a:schemeClr val="dk2">
+        <a:shade val="80000"/>
+      </a:schemeClr>
+    </dgm:fillClrLst>
+    <dgm:linClrLst meth="repeat">
+      <a:schemeClr val="dk2"/>
+    </dgm:linClrLst>
+    <dgm:effectClrLst/>
+    <dgm:txLinClrLst/>
+    <dgm:txFillClrLst meth="repeat">
+      <a:schemeClr val="lt1"/>
+    </dgm:txFillClrLst>
+    <dgm:txEffectClrLst/>
+  </dgm:styleLbl>
+  <dgm:styleLbl name="trBgShp">
+    <dgm:fillClrLst meth="repeat">
+      <a:schemeClr val="dk2">
+        <a:tint val="50000"/>
+        <a:alpha val="40000"/>
+      </a:schemeClr>
+    </dgm:fillClrLst>
+    <dgm:linClrLst meth="repeat">
+      <a:schemeClr val="dk2"/>
+    </dgm:linClrLst>
+    <dgm:effectClrLst/>
+    <dgm:txLinClrLst/>
+    <dgm:txFillClrLst meth="repeat">
+      <a:schemeClr val="lt1"/>
+    </dgm:txFillClrLst>
+    <dgm:txEffectClrLst/>
+  </dgm:styleLbl>
+  <dgm:styleLbl name="fgShp">
+    <dgm:fillClrLst meth="repeat">
+      <a:schemeClr val="dk2">
+        <a:tint val="60000"/>
+      </a:schemeClr>
+    </dgm:fillClrLst>
+    <dgm:linClrLst meth="repeat">
+      <a:schemeClr val="lt2"/>
+    </dgm:linClrLst>
+    <dgm:effectClrLst/>
+    <dgm:txLinClrLst/>
+    <dgm:txFillClrLst meth="repeat">
+      <a:schemeClr val="dk1"/>
+    </dgm:txFillClrLst>
+    <dgm:txEffectClrLst/>
+  </dgm:styleLbl>
+  <dgm:styleLbl name="revTx">
+    <dgm:fillClrLst meth="repeat">
+      <a:schemeClr val="lt2">
+        <a:alpha val="0"/>
+      </a:schemeClr>
+    </dgm:fillClrLst>
+    <dgm:linClrLst meth="repeat">
+      <a:schemeClr val="dk1">
+        <a:alpha val="0"/>
+      </a:schemeClr>
+    </dgm:linClrLst>
+    <dgm:effectClrLst/>
+    <dgm:txLinClrLst/>
+    <dgm:txFillClrLst meth="repeat">
+      <a:schemeClr val="tx1"/>
+    </dgm:txFillClrLst>
+    <dgm:txEffectClrLst/>
+  </dgm:styleLbl>
+</dgm:colorsDef>
+</file>
+
+<file path=ppt/diagrams/data1.xml><?xml version="1.0" encoding="utf-8"?>
+<dgm:dataModel xmlns:dgm="http://schemas.openxmlformats.org/drawingml/2006/diagram" xmlns:a="http://schemas.openxmlformats.org/drawingml/2006/main">
+  <dgm:ptLst>
+    <dgm:pt modelId="{C8DAE8DB-2897-4272-BC48-7C73B5E8118B}" type="doc">
+      <dgm:prSet loTypeId="urn:microsoft.com/office/officeart/2005/8/layout/list1" loCatId="list" qsTypeId="urn:microsoft.com/office/officeart/2005/8/quickstyle/simple2" qsCatId="simple" csTypeId="urn:microsoft.com/office/officeart/2005/8/colors/accent0_3" csCatId="mainScheme" phldr="1"/>
+      <dgm:spPr/>
+      <dgm:t>
+        <a:bodyPr/>
+        <a:lstStyle/>
+        <a:p>
+          <a:endParaRPr lang="en-US"/>
+        </a:p>
+      </dgm:t>
+    </dgm:pt>
+    <dgm:pt modelId="{D9D2555F-B744-4203-AC83-2B8B3C2CA34A}">
+      <dgm:prSet/>
+      <dgm:spPr/>
+      <dgm:t>
+        <a:bodyPr/>
+        <a:lstStyle/>
+        <a:p>
+          <a:r>
+            <a:rPr lang="zh-TW" b="0" i="0" baseline="0"/>
+            <a:t>題目</a:t>
+          </a:r>
+          <a:r>
+            <a:rPr lang="en-US" b="0" i="0" baseline="0"/>
+            <a:t>:</a:t>
+          </a:r>
+          <a:endParaRPr lang="en-US"/>
+        </a:p>
+      </dgm:t>
+    </dgm:pt>
+    <dgm:pt modelId="{FE11ED62-8508-4D64-A2B2-44CEA867467B}" type="parTrans" cxnId="{24BE4FEF-F4F0-4FEB-B8E2-EFCE63B470B3}">
+      <dgm:prSet/>
+      <dgm:spPr/>
+      <dgm:t>
+        <a:bodyPr/>
+        <a:lstStyle/>
+        <a:p>
+          <a:endParaRPr lang="en-US"/>
+        </a:p>
+      </dgm:t>
+    </dgm:pt>
+    <dgm:pt modelId="{A88B7D2C-5DE0-468E-9752-35B0F95227E6}" type="sibTrans" cxnId="{24BE4FEF-F4F0-4FEB-B8E2-EFCE63B470B3}">
+      <dgm:prSet/>
+      <dgm:spPr/>
+      <dgm:t>
+        <a:bodyPr/>
+        <a:lstStyle/>
+        <a:p>
+          <a:endParaRPr lang="en-US"/>
+        </a:p>
+      </dgm:t>
+    </dgm:pt>
+    <dgm:pt modelId="{32C5F357-6232-4A5C-B20F-9C86C61AD1D1}">
+      <dgm:prSet/>
+      <dgm:spPr/>
+      <dgm:t>
+        <a:bodyPr/>
+        <a:lstStyle/>
+        <a:p>
+          <a:r>
+            <a:rPr lang="zh-TW" b="0" i="0" baseline="0"/>
+            <a:t>緣由</a:t>
+          </a:r>
+          <a:r>
+            <a:rPr lang="en-US" b="0" i="0" baseline="0"/>
+            <a:t>:</a:t>
+          </a:r>
+          <a:endParaRPr lang="en-US"/>
+        </a:p>
+      </dgm:t>
+    </dgm:pt>
+    <dgm:pt modelId="{3D09B7E2-9542-4600-8E65-762C41647E70}" type="parTrans" cxnId="{FCAD16EF-E0D6-4D98-BDC0-3ADCBAAB71AD}">
+      <dgm:prSet/>
+      <dgm:spPr/>
+      <dgm:t>
+        <a:bodyPr/>
+        <a:lstStyle/>
+        <a:p>
+          <a:endParaRPr lang="en-US"/>
+        </a:p>
+      </dgm:t>
+    </dgm:pt>
+    <dgm:pt modelId="{9508CBCF-CE99-47D1-B4D5-A67575E20591}" type="sibTrans" cxnId="{FCAD16EF-E0D6-4D98-BDC0-3ADCBAAB71AD}">
+      <dgm:prSet/>
+      <dgm:spPr/>
+      <dgm:t>
+        <a:bodyPr/>
+        <a:lstStyle/>
+        <a:p>
+          <a:endParaRPr lang="en-US"/>
+        </a:p>
+      </dgm:t>
+    </dgm:pt>
+    <dgm:pt modelId="{3213A80C-7B25-4468-9256-7A2FA549C354}">
+      <dgm:prSet/>
+      <dgm:spPr/>
+      <dgm:t>
+        <a:bodyPr/>
+        <a:lstStyle/>
+        <a:p>
+          <a:r>
+            <a:rPr lang="zh-TW" b="0" i="0" baseline="0"/>
+            <a:t>輸入</a:t>
+          </a:r>
+          <a:r>
+            <a:rPr lang="en-US" b="0" i="0" baseline="0"/>
+            <a:t>:</a:t>
+          </a:r>
+          <a:endParaRPr lang="en-US"/>
+        </a:p>
+      </dgm:t>
+    </dgm:pt>
+    <dgm:pt modelId="{39C0DFF8-A6E0-4E1C-9072-534138327BCB}" type="parTrans" cxnId="{22C00523-673D-43D8-8867-75466AA8CA55}">
+      <dgm:prSet/>
+      <dgm:spPr/>
+      <dgm:t>
+        <a:bodyPr/>
+        <a:lstStyle/>
+        <a:p>
+          <a:endParaRPr lang="en-US"/>
+        </a:p>
+      </dgm:t>
+    </dgm:pt>
+    <dgm:pt modelId="{EC8BB826-2C46-4D98-8800-6E4E79DF80A2}" type="sibTrans" cxnId="{22C00523-673D-43D8-8867-75466AA8CA55}">
+      <dgm:prSet/>
+      <dgm:spPr/>
+      <dgm:t>
+        <a:bodyPr/>
+        <a:lstStyle/>
+        <a:p>
+          <a:endParaRPr lang="en-US"/>
+        </a:p>
+      </dgm:t>
+    </dgm:pt>
+    <dgm:pt modelId="{429324C4-6517-4F06-83CC-6176FAB80732}">
+      <dgm:prSet/>
+      <dgm:spPr/>
+      <dgm:t>
+        <a:bodyPr/>
+        <a:lstStyle/>
+        <a:p>
+          <a:r>
+            <a:rPr lang="zh-TW" b="0" i="0" baseline="0"/>
+            <a:t>輸出</a:t>
+          </a:r>
+          <a:r>
+            <a:rPr lang="en-US" b="0" i="0" baseline="0"/>
+            <a:t>:</a:t>
+          </a:r>
+          <a:endParaRPr lang="en-US"/>
+        </a:p>
+      </dgm:t>
+    </dgm:pt>
+    <dgm:pt modelId="{FF20E171-5D54-4046-B648-68FADBB12CF3}" type="parTrans" cxnId="{2035F843-054C-4A5B-8A4D-2A38E352A675}">
+      <dgm:prSet/>
+      <dgm:spPr/>
+      <dgm:t>
+        <a:bodyPr/>
+        <a:lstStyle/>
+        <a:p>
+          <a:endParaRPr lang="en-US"/>
+        </a:p>
+      </dgm:t>
+    </dgm:pt>
+    <dgm:pt modelId="{B8854CE7-FDE4-4729-A4A1-38234F7B8641}" type="sibTrans" cxnId="{2035F843-054C-4A5B-8A4D-2A38E352A675}">
+      <dgm:prSet/>
+      <dgm:spPr/>
+      <dgm:t>
+        <a:bodyPr/>
+        <a:lstStyle/>
+        <a:p>
+          <a:endParaRPr lang="en-US"/>
+        </a:p>
+      </dgm:t>
+    </dgm:pt>
+    <dgm:pt modelId="{1F22C270-408F-455E-8771-E063909F9E2B}" type="pres">
+      <dgm:prSet presAssocID="{C8DAE8DB-2897-4272-BC48-7C73B5E8118B}" presName="linear" presStyleCnt="0">
+        <dgm:presLayoutVars>
+          <dgm:dir/>
+          <dgm:animLvl val="lvl"/>
+          <dgm:resizeHandles val="exact"/>
+        </dgm:presLayoutVars>
+      </dgm:prSet>
+      <dgm:spPr/>
+    </dgm:pt>
+    <dgm:pt modelId="{93F6AA23-B1C4-4436-A2CA-EC8815416DFE}" type="pres">
+      <dgm:prSet presAssocID="{D9D2555F-B744-4203-AC83-2B8B3C2CA34A}" presName="parentLin" presStyleCnt="0"/>
+      <dgm:spPr/>
+    </dgm:pt>
+    <dgm:pt modelId="{970B85FB-64F5-4CD2-8137-7ED5E39FB8EF}" type="pres">
+      <dgm:prSet presAssocID="{D9D2555F-B744-4203-AC83-2B8B3C2CA34A}" presName="parentLeftMargin" presStyleLbl="node1" presStyleIdx="0" presStyleCnt="4"/>
+      <dgm:spPr/>
+    </dgm:pt>
+    <dgm:pt modelId="{17752AD4-0A5B-407D-AE6C-5FF4C59FD63D}" type="pres">
+      <dgm:prSet presAssocID="{D9D2555F-B744-4203-AC83-2B8B3C2CA34A}" presName="parentText" presStyleLbl="node1" presStyleIdx="0" presStyleCnt="4">
+        <dgm:presLayoutVars>
+          <dgm:chMax val="0"/>
+          <dgm:bulletEnabled val="1"/>
+        </dgm:presLayoutVars>
+      </dgm:prSet>
+      <dgm:spPr/>
+    </dgm:pt>
+    <dgm:pt modelId="{B2D1FA97-F0EA-4CBA-BADA-48ACDF320CEB}" type="pres">
+      <dgm:prSet presAssocID="{D9D2555F-B744-4203-AC83-2B8B3C2CA34A}" presName="negativeSpace" presStyleCnt="0"/>
+      <dgm:spPr/>
+    </dgm:pt>
+    <dgm:pt modelId="{61E931EC-5A92-4677-9FD1-06B39CD41F8A}" type="pres">
+      <dgm:prSet presAssocID="{D9D2555F-B744-4203-AC83-2B8B3C2CA34A}" presName="childText" presStyleLbl="conFgAcc1" presStyleIdx="0" presStyleCnt="4">
+        <dgm:presLayoutVars>
+          <dgm:bulletEnabled val="1"/>
+        </dgm:presLayoutVars>
+      </dgm:prSet>
+      <dgm:spPr/>
+    </dgm:pt>
+    <dgm:pt modelId="{CEC2ACDD-0335-403D-ABAE-63D0659E8DD4}" type="pres">
+      <dgm:prSet presAssocID="{A88B7D2C-5DE0-468E-9752-35B0F95227E6}" presName="spaceBetweenRectangles" presStyleCnt="0"/>
+      <dgm:spPr/>
+    </dgm:pt>
+    <dgm:pt modelId="{35659A4E-2BF9-417A-9140-AAEA1FDBAAD0}" type="pres">
+      <dgm:prSet presAssocID="{32C5F357-6232-4A5C-B20F-9C86C61AD1D1}" presName="parentLin" presStyleCnt="0"/>
+      <dgm:spPr/>
+    </dgm:pt>
+    <dgm:pt modelId="{D0CFEE95-6922-4321-94B4-912CA316EBCB}" type="pres">
+      <dgm:prSet presAssocID="{32C5F357-6232-4A5C-B20F-9C86C61AD1D1}" presName="parentLeftMargin" presStyleLbl="node1" presStyleIdx="0" presStyleCnt="4"/>
+      <dgm:spPr/>
+    </dgm:pt>
+    <dgm:pt modelId="{52AD053F-9931-475C-BD31-809FFE3B176F}" type="pres">
+      <dgm:prSet presAssocID="{32C5F357-6232-4A5C-B20F-9C86C61AD1D1}" presName="parentText" presStyleLbl="node1" presStyleIdx="1" presStyleCnt="4">
+        <dgm:presLayoutVars>
+          <dgm:chMax val="0"/>
+          <dgm:bulletEnabled val="1"/>
+        </dgm:presLayoutVars>
+      </dgm:prSet>
+      <dgm:spPr/>
+    </dgm:pt>
+    <dgm:pt modelId="{58DD734D-7E60-45F7-9CDD-62712780300A}" type="pres">
+      <dgm:prSet presAssocID="{32C5F357-6232-4A5C-B20F-9C86C61AD1D1}" presName="negativeSpace" presStyleCnt="0"/>
+      <dgm:spPr/>
+    </dgm:pt>
+    <dgm:pt modelId="{8068715E-AB30-4837-A506-0376AEB7EC04}" type="pres">
+      <dgm:prSet presAssocID="{32C5F357-6232-4A5C-B20F-9C86C61AD1D1}" presName="childText" presStyleLbl="conFgAcc1" presStyleIdx="1" presStyleCnt="4">
+        <dgm:presLayoutVars>
+          <dgm:bulletEnabled val="1"/>
+        </dgm:presLayoutVars>
+      </dgm:prSet>
+      <dgm:spPr/>
+    </dgm:pt>
+    <dgm:pt modelId="{110A3AD4-56BA-498B-96A2-A2C4AC29E30A}" type="pres">
+      <dgm:prSet presAssocID="{9508CBCF-CE99-47D1-B4D5-A67575E20591}" presName="spaceBetweenRectangles" presStyleCnt="0"/>
+      <dgm:spPr/>
+    </dgm:pt>
+    <dgm:pt modelId="{BAD273EC-61FC-45A6-9E9F-67375CBC259A}" type="pres">
+      <dgm:prSet presAssocID="{3213A80C-7B25-4468-9256-7A2FA549C354}" presName="parentLin" presStyleCnt="0"/>
+      <dgm:spPr/>
+    </dgm:pt>
+    <dgm:pt modelId="{DC66F130-7DAB-4D17-B689-9B35FBD875C3}" type="pres">
+      <dgm:prSet presAssocID="{3213A80C-7B25-4468-9256-7A2FA549C354}" presName="parentLeftMargin" presStyleLbl="node1" presStyleIdx="1" presStyleCnt="4"/>
+      <dgm:spPr/>
+    </dgm:pt>
+    <dgm:pt modelId="{7F40C168-AA37-4AC3-9A07-1C86C69E2150}" type="pres">
+      <dgm:prSet presAssocID="{3213A80C-7B25-4468-9256-7A2FA549C354}" presName="parentText" presStyleLbl="node1" presStyleIdx="2" presStyleCnt="4">
+        <dgm:presLayoutVars>
+          <dgm:chMax val="0"/>
+          <dgm:bulletEnabled val="1"/>
+        </dgm:presLayoutVars>
+      </dgm:prSet>
+      <dgm:spPr/>
+    </dgm:pt>
+    <dgm:pt modelId="{B40F912B-2AED-4836-B1ED-DEA47C747B15}" type="pres">
+      <dgm:prSet presAssocID="{3213A80C-7B25-4468-9256-7A2FA549C354}" presName="negativeSpace" presStyleCnt="0"/>
+      <dgm:spPr/>
+    </dgm:pt>
+    <dgm:pt modelId="{CF20D75A-5E76-4015-873F-8B7F46EFFB75}" type="pres">
+      <dgm:prSet presAssocID="{3213A80C-7B25-4468-9256-7A2FA549C354}" presName="childText" presStyleLbl="conFgAcc1" presStyleIdx="2" presStyleCnt="4">
+        <dgm:presLayoutVars>
+          <dgm:bulletEnabled val="1"/>
+        </dgm:presLayoutVars>
+      </dgm:prSet>
+      <dgm:spPr/>
+    </dgm:pt>
+    <dgm:pt modelId="{103EB84E-FF1A-4586-BB06-8E3A170B2E8D}" type="pres">
+      <dgm:prSet presAssocID="{EC8BB826-2C46-4D98-8800-6E4E79DF80A2}" presName="spaceBetweenRectangles" presStyleCnt="0"/>
+      <dgm:spPr/>
+    </dgm:pt>
+    <dgm:pt modelId="{CBC8B802-4CBB-47AF-A641-7677CA4025CF}" type="pres">
+      <dgm:prSet presAssocID="{429324C4-6517-4F06-83CC-6176FAB80732}" presName="parentLin" presStyleCnt="0"/>
+      <dgm:spPr/>
+    </dgm:pt>
+    <dgm:pt modelId="{A056FD34-C29D-443F-B129-C8700439E462}" type="pres">
+      <dgm:prSet presAssocID="{429324C4-6517-4F06-83CC-6176FAB80732}" presName="parentLeftMargin" presStyleLbl="node1" presStyleIdx="2" presStyleCnt="4"/>
+      <dgm:spPr/>
+    </dgm:pt>
+    <dgm:pt modelId="{0B275171-8729-42E5-B8F4-B9D78EB9B2A4}" type="pres">
+      <dgm:prSet presAssocID="{429324C4-6517-4F06-83CC-6176FAB80732}" presName="parentText" presStyleLbl="node1" presStyleIdx="3" presStyleCnt="4">
+        <dgm:presLayoutVars>
+          <dgm:chMax val="0"/>
+          <dgm:bulletEnabled val="1"/>
+        </dgm:presLayoutVars>
+      </dgm:prSet>
+      <dgm:spPr/>
+    </dgm:pt>
+    <dgm:pt modelId="{C4CD7BF0-6FC1-4CE7-BDD0-0864FD88BF62}" type="pres">
+      <dgm:prSet presAssocID="{429324C4-6517-4F06-83CC-6176FAB80732}" presName="negativeSpace" presStyleCnt="0"/>
+      <dgm:spPr/>
+    </dgm:pt>
+    <dgm:pt modelId="{49B3F383-DC9D-45B3-904C-F4A7FA7D4BBC}" type="pres">
+      <dgm:prSet presAssocID="{429324C4-6517-4F06-83CC-6176FAB80732}" presName="childText" presStyleLbl="conFgAcc1" presStyleIdx="3" presStyleCnt="4">
+        <dgm:presLayoutVars>
+          <dgm:bulletEnabled val="1"/>
+        </dgm:presLayoutVars>
+      </dgm:prSet>
+      <dgm:spPr/>
+    </dgm:pt>
+  </dgm:ptLst>
+  <dgm:cxnLst>
+    <dgm:cxn modelId="{221BD40E-B32A-45E5-A5B3-DE10D1D49C8E}" type="presOf" srcId="{429324C4-6517-4F06-83CC-6176FAB80732}" destId="{0B275171-8729-42E5-B8F4-B9D78EB9B2A4}" srcOrd="1" destOrd="0" presId="urn:microsoft.com/office/officeart/2005/8/layout/list1"/>
+    <dgm:cxn modelId="{22C00523-673D-43D8-8867-75466AA8CA55}" srcId="{C8DAE8DB-2897-4272-BC48-7C73B5E8118B}" destId="{3213A80C-7B25-4468-9256-7A2FA549C354}" srcOrd="2" destOrd="0" parTransId="{39C0DFF8-A6E0-4E1C-9072-534138327BCB}" sibTransId="{EC8BB826-2C46-4D98-8800-6E4E79DF80A2}"/>
+    <dgm:cxn modelId="{F8F18729-1034-4FB3-9803-6E8D20BCE27C}" type="presOf" srcId="{D9D2555F-B744-4203-AC83-2B8B3C2CA34A}" destId="{970B85FB-64F5-4CD2-8137-7ED5E39FB8EF}" srcOrd="0" destOrd="0" presId="urn:microsoft.com/office/officeart/2005/8/layout/list1"/>
+    <dgm:cxn modelId="{1E1AD736-45D9-4E31-AB32-C67252F27171}" type="presOf" srcId="{D9D2555F-B744-4203-AC83-2B8B3C2CA34A}" destId="{17752AD4-0A5B-407D-AE6C-5FF4C59FD63D}" srcOrd="1" destOrd="0" presId="urn:microsoft.com/office/officeart/2005/8/layout/list1"/>
+    <dgm:cxn modelId="{72C72D3A-2872-4FC2-B483-4197139117B5}" type="presOf" srcId="{32C5F357-6232-4A5C-B20F-9C86C61AD1D1}" destId="{52AD053F-9931-475C-BD31-809FFE3B176F}" srcOrd="1" destOrd="0" presId="urn:microsoft.com/office/officeart/2005/8/layout/list1"/>
+    <dgm:cxn modelId="{9D3B2B5D-F6B0-436E-BD22-0E9A6CABF790}" type="presOf" srcId="{C8DAE8DB-2897-4272-BC48-7C73B5E8118B}" destId="{1F22C270-408F-455E-8771-E063909F9E2B}" srcOrd="0" destOrd="0" presId="urn:microsoft.com/office/officeart/2005/8/layout/list1"/>
+    <dgm:cxn modelId="{2035F843-054C-4A5B-8A4D-2A38E352A675}" srcId="{C8DAE8DB-2897-4272-BC48-7C73B5E8118B}" destId="{429324C4-6517-4F06-83CC-6176FAB80732}" srcOrd="3" destOrd="0" parTransId="{FF20E171-5D54-4046-B648-68FADBB12CF3}" sibTransId="{B8854CE7-FDE4-4729-A4A1-38234F7B8641}"/>
+    <dgm:cxn modelId="{EC2F7B4F-1A04-4530-8D22-A880D555CFA3}" type="presOf" srcId="{429324C4-6517-4F06-83CC-6176FAB80732}" destId="{A056FD34-C29D-443F-B129-C8700439E462}" srcOrd="0" destOrd="0" presId="urn:microsoft.com/office/officeart/2005/8/layout/list1"/>
+    <dgm:cxn modelId="{A87C1BC8-3A39-406A-B432-66E4A2C22976}" type="presOf" srcId="{3213A80C-7B25-4468-9256-7A2FA549C354}" destId="{7F40C168-AA37-4AC3-9A07-1C86C69E2150}" srcOrd="1" destOrd="0" presId="urn:microsoft.com/office/officeart/2005/8/layout/list1"/>
+    <dgm:cxn modelId="{D27338CB-B398-425E-BCE7-E64024D457EF}" type="presOf" srcId="{32C5F357-6232-4A5C-B20F-9C86C61AD1D1}" destId="{D0CFEE95-6922-4321-94B4-912CA316EBCB}" srcOrd="0" destOrd="0" presId="urn:microsoft.com/office/officeart/2005/8/layout/list1"/>
+    <dgm:cxn modelId="{1B34AEEB-9D66-4C00-935E-7F23332052CD}" type="presOf" srcId="{3213A80C-7B25-4468-9256-7A2FA549C354}" destId="{DC66F130-7DAB-4D17-B689-9B35FBD875C3}" srcOrd="0" destOrd="0" presId="urn:microsoft.com/office/officeart/2005/8/layout/list1"/>
+    <dgm:cxn modelId="{FCAD16EF-E0D6-4D98-BDC0-3ADCBAAB71AD}" srcId="{C8DAE8DB-2897-4272-BC48-7C73B5E8118B}" destId="{32C5F357-6232-4A5C-B20F-9C86C61AD1D1}" srcOrd="1" destOrd="0" parTransId="{3D09B7E2-9542-4600-8E65-762C41647E70}" sibTransId="{9508CBCF-CE99-47D1-B4D5-A67575E20591}"/>
+    <dgm:cxn modelId="{24BE4FEF-F4F0-4FEB-B8E2-EFCE63B470B3}" srcId="{C8DAE8DB-2897-4272-BC48-7C73B5E8118B}" destId="{D9D2555F-B744-4203-AC83-2B8B3C2CA34A}" srcOrd="0" destOrd="0" parTransId="{FE11ED62-8508-4D64-A2B2-44CEA867467B}" sibTransId="{A88B7D2C-5DE0-468E-9752-35B0F95227E6}"/>
+    <dgm:cxn modelId="{98969722-8100-4EFB-B96B-388B4E0D2C81}" type="presParOf" srcId="{1F22C270-408F-455E-8771-E063909F9E2B}" destId="{93F6AA23-B1C4-4436-A2CA-EC8815416DFE}" srcOrd="0" destOrd="0" presId="urn:microsoft.com/office/officeart/2005/8/layout/list1"/>
+    <dgm:cxn modelId="{7E9F1BE3-98E5-4328-A8BA-DF5DAB7A3745}" type="presParOf" srcId="{93F6AA23-B1C4-4436-A2CA-EC8815416DFE}" destId="{970B85FB-64F5-4CD2-8137-7ED5E39FB8EF}" srcOrd="0" destOrd="0" presId="urn:microsoft.com/office/officeart/2005/8/layout/list1"/>
+    <dgm:cxn modelId="{E43AFB2D-5F4D-4F84-8B31-D825CECC6AA5}" type="presParOf" srcId="{93F6AA23-B1C4-4436-A2CA-EC8815416DFE}" destId="{17752AD4-0A5B-407D-AE6C-5FF4C59FD63D}" srcOrd="1" destOrd="0" presId="urn:microsoft.com/office/officeart/2005/8/layout/list1"/>
+    <dgm:cxn modelId="{0AF71A60-55B1-4632-A577-745A7EFCD163}" type="presParOf" srcId="{1F22C270-408F-455E-8771-E063909F9E2B}" destId="{B2D1FA97-F0EA-4CBA-BADA-48ACDF320CEB}" srcOrd="1" destOrd="0" presId="urn:microsoft.com/office/officeart/2005/8/layout/list1"/>
+    <dgm:cxn modelId="{AF2A2FBB-284F-4632-A8AB-C16D977CB1F2}" type="presParOf" srcId="{1F22C270-408F-455E-8771-E063909F9E2B}" destId="{61E931EC-5A92-4677-9FD1-06B39CD41F8A}" srcOrd="2" destOrd="0" presId="urn:microsoft.com/office/officeart/2005/8/layout/list1"/>
+    <dgm:cxn modelId="{FC4E4FA8-CE0B-4275-BF40-7AD019E47364}" type="presParOf" srcId="{1F22C270-408F-455E-8771-E063909F9E2B}" destId="{CEC2ACDD-0335-403D-ABAE-63D0659E8DD4}" srcOrd="3" destOrd="0" presId="urn:microsoft.com/office/officeart/2005/8/layout/list1"/>
+    <dgm:cxn modelId="{2DABE8DF-D86D-48A5-BFDF-1114FC57A017}" type="presParOf" srcId="{1F22C270-408F-455E-8771-E063909F9E2B}" destId="{35659A4E-2BF9-417A-9140-AAEA1FDBAAD0}" srcOrd="4" destOrd="0" presId="urn:microsoft.com/office/officeart/2005/8/layout/list1"/>
+    <dgm:cxn modelId="{D6C62A6E-8D73-4E78-AC11-BE1A30B6D2EA}" type="presParOf" srcId="{35659A4E-2BF9-417A-9140-AAEA1FDBAAD0}" destId="{D0CFEE95-6922-4321-94B4-912CA316EBCB}" srcOrd="0" destOrd="0" presId="urn:microsoft.com/office/officeart/2005/8/layout/list1"/>
+    <dgm:cxn modelId="{2C16E6C1-63B2-4BA6-975D-1A3849599D56}" type="presParOf" srcId="{35659A4E-2BF9-417A-9140-AAEA1FDBAAD0}" destId="{52AD053F-9931-475C-BD31-809FFE3B176F}" srcOrd="1" destOrd="0" presId="urn:microsoft.com/office/officeart/2005/8/layout/list1"/>
+    <dgm:cxn modelId="{61AF736B-B6BB-4C3C-80BD-134B88B08DE8}" type="presParOf" srcId="{1F22C270-408F-455E-8771-E063909F9E2B}" destId="{58DD734D-7E60-45F7-9CDD-62712780300A}" srcOrd="5" destOrd="0" presId="urn:microsoft.com/office/officeart/2005/8/layout/list1"/>
+    <dgm:cxn modelId="{D6113E89-B381-42ED-B78A-692DAB7B6D0C}" type="presParOf" srcId="{1F22C270-408F-455E-8771-E063909F9E2B}" destId="{8068715E-AB30-4837-A506-0376AEB7EC04}" srcOrd="6" destOrd="0" presId="urn:microsoft.com/office/officeart/2005/8/layout/list1"/>
+    <dgm:cxn modelId="{784B0B23-56F8-444B-9867-0B099CE4A2D3}" type="presParOf" srcId="{1F22C270-408F-455E-8771-E063909F9E2B}" destId="{110A3AD4-56BA-498B-96A2-A2C4AC29E30A}" srcOrd="7" destOrd="0" presId="urn:microsoft.com/office/officeart/2005/8/layout/list1"/>
+    <dgm:cxn modelId="{A727CC0A-A740-4A20-975F-25CD98690D34}" type="presParOf" srcId="{1F22C270-408F-455E-8771-E063909F9E2B}" destId="{BAD273EC-61FC-45A6-9E9F-67375CBC259A}" srcOrd="8" destOrd="0" presId="urn:microsoft.com/office/officeart/2005/8/layout/list1"/>
+    <dgm:cxn modelId="{C9122103-F60F-4386-A54A-C3227446FC19}" type="presParOf" srcId="{BAD273EC-61FC-45A6-9E9F-67375CBC259A}" destId="{DC66F130-7DAB-4D17-B689-9B35FBD875C3}" srcOrd="0" destOrd="0" presId="urn:microsoft.com/office/officeart/2005/8/layout/list1"/>
+    <dgm:cxn modelId="{F64AC4A5-B8C0-4CE8-80FE-77F0233D5389}" type="presParOf" srcId="{BAD273EC-61FC-45A6-9E9F-67375CBC259A}" destId="{7F40C168-AA37-4AC3-9A07-1C86C69E2150}" srcOrd="1" destOrd="0" presId="urn:microsoft.com/office/officeart/2005/8/layout/list1"/>
+    <dgm:cxn modelId="{2F3DB1B6-B928-456F-A2B3-DD2B2D66D7C1}" type="presParOf" srcId="{1F22C270-408F-455E-8771-E063909F9E2B}" destId="{B40F912B-2AED-4836-B1ED-DEA47C747B15}" srcOrd="9" destOrd="0" presId="urn:microsoft.com/office/officeart/2005/8/layout/list1"/>
+    <dgm:cxn modelId="{9DC8616A-B2CD-49D5-9E1C-10B0A99FF03B}" type="presParOf" srcId="{1F22C270-408F-455E-8771-E063909F9E2B}" destId="{CF20D75A-5E76-4015-873F-8B7F46EFFB75}" srcOrd="10" destOrd="0" presId="urn:microsoft.com/office/officeart/2005/8/layout/list1"/>
+    <dgm:cxn modelId="{C81BDEA8-C87E-4005-9805-8EC03F4F45BB}" type="presParOf" srcId="{1F22C270-408F-455E-8771-E063909F9E2B}" destId="{103EB84E-FF1A-4586-BB06-8E3A170B2E8D}" srcOrd="11" destOrd="0" presId="urn:microsoft.com/office/officeart/2005/8/layout/list1"/>
+    <dgm:cxn modelId="{84974288-BEA4-4A88-BAFA-0D9A678D3CCC}" type="presParOf" srcId="{1F22C270-408F-455E-8771-E063909F9E2B}" destId="{CBC8B802-4CBB-47AF-A641-7677CA4025CF}" srcOrd="12" destOrd="0" presId="urn:microsoft.com/office/officeart/2005/8/layout/list1"/>
+    <dgm:cxn modelId="{9E874145-720C-4540-AEDB-841176C0973E}" type="presParOf" srcId="{CBC8B802-4CBB-47AF-A641-7677CA4025CF}" destId="{A056FD34-C29D-443F-B129-C8700439E462}" srcOrd="0" destOrd="0" presId="urn:microsoft.com/office/officeart/2005/8/layout/list1"/>
+    <dgm:cxn modelId="{A2F72447-3D64-455F-B53D-D800FE820464}" type="presParOf" srcId="{CBC8B802-4CBB-47AF-A641-7677CA4025CF}" destId="{0B275171-8729-42E5-B8F4-B9D78EB9B2A4}" srcOrd="1" destOrd="0" presId="urn:microsoft.com/office/officeart/2005/8/layout/list1"/>
+    <dgm:cxn modelId="{7587C663-1C12-4DC9-ACCC-52BC4F979B82}" type="presParOf" srcId="{1F22C270-408F-455E-8771-E063909F9E2B}" destId="{C4CD7BF0-6FC1-4CE7-BDD0-0864FD88BF62}" srcOrd="13" destOrd="0" presId="urn:microsoft.com/office/officeart/2005/8/layout/list1"/>
+    <dgm:cxn modelId="{3F6A67F0-23F1-4FD7-8BED-610FACBB51DF}" type="presParOf" srcId="{1F22C270-408F-455E-8771-E063909F9E2B}" destId="{49B3F383-DC9D-45B3-904C-F4A7FA7D4BBC}" srcOrd="14" destOrd="0" presId="urn:microsoft.com/office/officeart/2005/8/layout/list1"/>
+  </dgm:cxnLst>
+  <dgm:bg/>
+  <dgm:whole/>
+  <dgm:extLst>
+    <a:ext uri="http://schemas.microsoft.com/office/drawing/2008/diagram">
+      <dsp:dataModelExt xmlns:dsp="http://schemas.microsoft.com/office/drawing/2008/diagram" relId="rId6" minVer="http://schemas.openxmlformats.org/drawingml/2006/diagram"/>
+    </a:ext>
+  </dgm:extLst>
+</dgm:dataModel>
+</file>
+
+<file path=ppt/diagrams/drawing1.xml><?xml version="1.0" encoding="utf-8"?>
+<dsp:drawing xmlns:dgm="http://schemas.openxmlformats.org/drawingml/2006/diagram" xmlns:dsp="http://schemas.microsoft.com/office/drawing/2008/diagram" xmlns:a="http://schemas.openxmlformats.org/drawingml/2006/main">
+  <dsp:spTree>
+    <dsp:nvGrpSpPr>
+      <dsp:cNvPr id="0" name=""/>
+      <dsp:cNvGrpSpPr/>
+    </dsp:nvGrpSpPr>
+    <dsp:grpSpPr/>
+    <dsp:sp modelId="{61E931EC-5A92-4677-9FD1-06B39CD41F8A}">
+      <dsp:nvSpPr>
+        <dsp:cNvPr id="0" name=""/>
+        <dsp:cNvSpPr/>
+      </dsp:nvSpPr>
+      <dsp:spPr>
+        <a:xfrm>
+          <a:off x="0" y="425547"/>
+          <a:ext cx="4816132" cy="655200"/>
+        </a:xfrm>
+        <a:prstGeom prst="rect">
+          <a:avLst/>
+        </a:prstGeom>
+        <a:solidFill>
+          <a:schemeClr val="lt2">
+            <a:alpha val="90000"/>
+            <a:hueOff val="0"/>
+            <a:satOff val="0"/>
+            <a:lumOff val="0"/>
+            <a:alphaOff val="0"/>
+          </a:schemeClr>
+        </a:solidFill>
+        <a:ln w="12700" cap="flat" cmpd="sng" algn="ctr">
+          <a:solidFill>
+            <a:schemeClr val="dk2">
+              <a:hueOff val="0"/>
+              <a:satOff val="0"/>
+              <a:lumOff val="0"/>
+              <a:alphaOff val="0"/>
+            </a:schemeClr>
+          </a:solidFill>
+          <a:prstDash val="solid"/>
+          <a:miter lim="800000"/>
+        </a:ln>
+        <a:effectLst/>
+      </dsp:spPr>
+      <dsp:style>
+        <a:lnRef idx="2">
+          <a:scrgbClr r="0" g="0" b="0"/>
+        </a:lnRef>
+        <a:fillRef idx="1">
+          <a:scrgbClr r="0" g="0" b="0"/>
+        </a:fillRef>
+        <a:effectRef idx="0">
+          <a:scrgbClr r="0" g="0" b="0"/>
+        </a:effectRef>
+        <a:fontRef idx="minor"/>
+      </dsp:style>
+    </dsp:sp>
+    <dsp:sp modelId="{17752AD4-0A5B-407D-AE6C-5FF4C59FD63D}">
+      <dsp:nvSpPr>
+        <dsp:cNvPr id="0" name=""/>
+        <dsp:cNvSpPr/>
+      </dsp:nvSpPr>
+      <dsp:spPr>
+        <a:xfrm>
+          <a:off x="240806" y="41787"/>
+          <a:ext cx="3371292" cy="767520"/>
+        </a:xfrm>
+        <a:prstGeom prst="roundRect">
+          <a:avLst/>
+        </a:prstGeom>
+        <a:solidFill>
+          <a:schemeClr val="dk2">
+            <a:hueOff val="0"/>
+            <a:satOff val="0"/>
+            <a:lumOff val="0"/>
+            <a:alphaOff val="0"/>
+          </a:schemeClr>
+        </a:solidFill>
+        <a:ln w="19050" cap="flat" cmpd="sng" algn="ctr">
+          <a:solidFill>
+            <a:schemeClr val="lt2">
+              <a:hueOff val="0"/>
+              <a:satOff val="0"/>
+              <a:lumOff val="0"/>
+              <a:alphaOff val="0"/>
+            </a:schemeClr>
+          </a:solidFill>
+          <a:prstDash val="solid"/>
+          <a:miter lim="800000"/>
+        </a:ln>
+        <a:effectLst/>
+      </dsp:spPr>
+      <dsp:style>
+        <a:lnRef idx="3">
+          <a:scrgbClr r="0" g="0" b="0"/>
+        </a:lnRef>
+        <a:fillRef idx="1">
+          <a:scrgbClr r="0" g="0" b="0"/>
+        </a:fillRef>
+        <a:effectRef idx="1">
+          <a:scrgbClr r="0" g="0" b="0"/>
+        </a:effectRef>
+        <a:fontRef idx="minor">
+          <a:schemeClr val="lt1"/>
+        </a:fontRef>
+      </dsp:style>
+      <dsp:txBody>
+        <a:bodyPr spcFirstLastPara="0" vert="horz" wrap="square" lIns="127427" tIns="0" rIns="127427" bIns="0" numCol="1" spcCol="1270" anchor="ctr" anchorCtr="0">
+          <a:noAutofit/>
+        </a:bodyPr>
+        <a:lstStyle/>
+        <a:p>
+          <a:pPr marL="0" lvl="0" indent="0" algn="l" defTabSz="1155700">
+            <a:lnSpc>
+              <a:spcPct val="90000"/>
+            </a:lnSpc>
+            <a:spcBef>
+              <a:spcPct val="0"/>
+            </a:spcBef>
+            <a:spcAft>
+              <a:spcPct val="35000"/>
+            </a:spcAft>
+            <a:buNone/>
+          </a:pPr>
+          <a:r>
+            <a:rPr lang="zh-TW" sz="2600" b="0" i="0" kern="1200" baseline="0"/>
+            <a:t>題目</a:t>
+          </a:r>
+          <a:r>
+            <a:rPr lang="en-US" sz="2600" b="0" i="0" kern="1200" baseline="0"/>
+            <a:t>:</a:t>
+          </a:r>
+          <a:endParaRPr lang="en-US" sz="2600" kern="1200"/>
+        </a:p>
+      </dsp:txBody>
+      <dsp:txXfrm>
+        <a:off x="278273" y="79254"/>
+        <a:ext cx="3296358" cy="692586"/>
+      </dsp:txXfrm>
+    </dsp:sp>
+    <dsp:sp modelId="{8068715E-AB30-4837-A506-0376AEB7EC04}">
+      <dsp:nvSpPr>
+        <dsp:cNvPr id="0" name=""/>
+        <dsp:cNvSpPr/>
+      </dsp:nvSpPr>
+      <dsp:spPr>
+        <a:xfrm>
+          <a:off x="0" y="1604907"/>
+          <a:ext cx="4816132" cy="655200"/>
+        </a:xfrm>
+        <a:prstGeom prst="rect">
+          <a:avLst/>
+        </a:prstGeom>
+        <a:solidFill>
+          <a:schemeClr val="lt2">
+            <a:alpha val="90000"/>
+            <a:hueOff val="0"/>
+            <a:satOff val="0"/>
+            <a:lumOff val="0"/>
+            <a:alphaOff val="0"/>
+          </a:schemeClr>
+        </a:solidFill>
+        <a:ln w="12700" cap="flat" cmpd="sng" algn="ctr">
+          <a:solidFill>
+            <a:schemeClr val="dk2">
+              <a:hueOff val="0"/>
+              <a:satOff val="0"/>
+              <a:lumOff val="0"/>
+              <a:alphaOff val="0"/>
+            </a:schemeClr>
+          </a:solidFill>
+          <a:prstDash val="solid"/>
+          <a:miter lim="800000"/>
+        </a:ln>
+        <a:effectLst/>
+      </dsp:spPr>
+      <dsp:style>
+        <a:lnRef idx="2">
+          <a:scrgbClr r="0" g="0" b="0"/>
+        </a:lnRef>
+        <a:fillRef idx="1">
+          <a:scrgbClr r="0" g="0" b="0"/>
+        </a:fillRef>
+        <a:effectRef idx="0">
+          <a:scrgbClr r="0" g="0" b="0"/>
+        </a:effectRef>
+        <a:fontRef idx="minor"/>
+      </dsp:style>
+    </dsp:sp>
+    <dsp:sp modelId="{52AD053F-9931-475C-BD31-809FFE3B176F}">
+      <dsp:nvSpPr>
+        <dsp:cNvPr id="0" name=""/>
+        <dsp:cNvSpPr/>
+      </dsp:nvSpPr>
+      <dsp:spPr>
+        <a:xfrm>
+          <a:off x="240806" y="1221147"/>
+          <a:ext cx="3371292" cy="767520"/>
+        </a:xfrm>
+        <a:prstGeom prst="roundRect">
+          <a:avLst/>
+        </a:prstGeom>
+        <a:solidFill>
+          <a:schemeClr val="dk2">
+            <a:hueOff val="0"/>
+            <a:satOff val="0"/>
+            <a:lumOff val="0"/>
+            <a:alphaOff val="0"/>
+          </a:schemeClr>
+        </a:solidFill>
+        <a:ln w="19050" cap="flat" cmpd="sng" algn="ctr">
+          <a:solidFill>
+            <a:schemeClr val="lt2">
+              <a:hueOff val="0"/>
+              <a:satOff val="0"/>
+              <a:lumOff val="0"/>
+              <a:alphaOff val="0"/>
+            </a:schemeClr>
+          </a:solidFill>
+          <a:prstDash val="solid"/>
+          <a:miter lim="800000"/>
+        </a:ln>
+        <a:effectLst/>
+      </dsp:spPr>
+      <dsp:style>
+        <a:lnRef idx="3">
+          <a:scrgbClr r="0" g="0" b="0"/>
+        </a:lnRef>
+        <a:fillRef idx="1">
+          <a:scrgbClr r="0" g="0" b="0"/>
+        </a:fillRef>
+        <a:effectRef idx="1">
+          <a:scrgbClr r="0" g="0" b="0"/>
+        </a:effectRef>
+        <a:fontRef idx="minor">
+          <a:schemeClr val="lt1"/>
+        </a:fontRef>
+      </dsp:style>
+      <dsp:txBody>
+        <a:bodyPr spcFirstLastPara="0" vert="horz" wrap="square" lIns="127427" tIns="0" rIns="127427" bIns="0" numCol="1" spcCol="1270" anchor="ctr" anchorCtr="0">
+          <a:noAutofit/>
+        </a:bodyPr>
+        <a:lstStyle/>
+        <a:p>
+          <a:pPr marL="0" lvl="0" indent="0" algn="l" defTabSz="1155700">
+            <a:lnSpc>
+              <a:spcPct val="90000"/>
+            </a:lnSpc>
+            <a:spcBef>
+              <a:spcPct val="0"/>
+            </a:spcBef>
+            <a:spcAft>
+              <a:spcPct val="35000"/>
+            </a:spcAft>
+            <a:buNone/>
+          </a:pPr>
+          <a:r>
+            <a:rPr lang="zh-TW" sz="2600" b="0" i="0" kern="1200" baseline="0"/>
+            <a:t>緣由</a:t>
+          </a:r>
+          <a:r>
+            <a:rPr lang="en-US" sz="2600" b="0" i="0" kern="1200" baseline="0"/>
+            <a:t>:</a:t>
+          </a:r>
+          <a:endParaRPr lang="en-US" sz="2600" kern="1200"/>
+        </a:p>
+      </dsp:txBody>
+      <dsp:txXfrm>
+        <a:off x="278273" y="1258614"/>
+        <a:ext cx="3296358" cy="692586"/>
+      </dsp:txXfrm>
+    </dsp:sp>
+    <dsp:sp modelId="{CF20D75A-5E76-4015-873F-8B7F46EFFB75}">
+      <dsp:nvSpPr>
+        <dsp:cNvPr id="0" name=""/>
+        <dsp:cNvSpPr/>
+      </dsp:nvSpPr>
+      <dsp:spPr>
+        <a:xfrm>
+          <a:off x="0" y="2784267"/>
+          <a:ext cx="4816132" cy="655200"/>
+        </a:xfrm>
+        <a:prstGeom prst="rect">
+          <a:avLst/>
+        </a:prstGeom>
+        <a:solidFill>
+          <a:schemeClr val="lt2">
+            <a:alpha val="90000"/>
+            <a:hueOff val="0"/>
+            <a:satOff val="0"/>
+            <a:lumOff val="0"/>
+            <a:alphaOff val="0"/>
+          </a:schemeClr>
+        </a:solidFill>
+        <a:ln w="12700" cap="flat" cmpd="sng" algn="ctr">
+          <a:solidFill>
+            <a:schemeClr val="dk2">
+              <a:hueOff val="0"/>
+              <a:satOff val="0"/>
+              <a:lumOff val="0"/>
+              <a:alphaOff val="0"/>
+            </a:schemeClr>
+          </a:solidFill>
+          <a:prstDash val="solid"/>
+          <a:miter lim="800000"/>
+        </a:ln>
+        <a:effectLst/>
+      </dsp:spPr>
+      <dsp:style>
+        <a:lnRef idx="2">
+          <a:scrgbClr r="0" g="0" b="0"/>
+        </a:lnRef>
+        <a:fillRef idx="1">
+          <a:scrgbClr r="0" g="0" b="0"/>
+        </a:fillRef>
+        <a:effectRef idx="0">
+          <a:scrgbClr r="0" g="0" b="0"/>
+        </a:effectRef>
+        <a:fontRef idx="minor"/>
+      </dsp:style>
+    </dsp:sp>
+    <dsp:sp modelId="{7F40C168-AA37-4AC3-9A07-1C86C69E2150}">
+      <dsp:nvSpPr>
+        <dsp:cNvPr id="0" name=""/>
+        <dsp:cNvSpPr/>
+      </dsp:nvSpPr>
+      <dsp:spPr>
+        <a:xfrm>
+          <a:off x="240806" y="2400507"/>
+          <a:ext cx="3371292" cy="767520"/>
+        </a:xfrm>
+        <a:prstGeom prst="roundRect">
+          <a:avLst/>
+        </a:prstGeom>
+        <a:solidFill>
+          <a:schemeClr val="dk2">
+            <a:hueOff val="0"/>
+            <a:satOff val="0"/>
+            <a:lumOff val="0"/>
+            <a:alphaOff val="0"/>
+          </a:schemeClr>
+        </a:solidFill>
+        <a:ln w="19050" cap="flat" cmpd="sng" algn="ctr">
+          <a:solidFill>
+            <a:schemeClr val="lt2">
+              <a:hueOff val="0"/>
+              <a:satOff val="0"/>
+              <a:lumOff val="0"/>
+              <a:alphaOff val="0"/>
+            </a:schemeClr>
+          </a:solidFill>
+          <a:prstDash val="solid"/>
+          <a:miter lim="800000"/>
+        </a:ln>
+        <a:effectLst/>
+      </dsp:spPr>
+      <dsp:style>
+        <a:lnRef idx="3">
+          <a:scrgbClr r="0" g="0" b="0"/>
+        </a:lnRef>
+        <a:fillRef idx="1">
+          <a:scrgbClr r="0" g="0" b="0"/>
+        </a:fillRef>
+        <a:effectRef idx="1">
+          <a:scrgbClr r="0" g="0" b="0"/>
+        </a:effectRef>
+        <a:fontRef idx="minor">
+          <a:schemeClr val="lt1"/>
+        </a:fontRef>
+      </dsp:style>
+      <dsp:txBody>
+        <a:bodyPr spcFirstLastPara="0" vert="horz" wrap="square" lIns="127427" tIns="0" rIns="127427" bIns="0" numCol="1" spcCol="1270" anchor="ctr" anchorCtr="0">
+          <a:noAutofit/>
+        </a:bodyPr>
+        <a:lstStyle/>
+        <a:p>
+          <a:pPr marL="0" lvl="0" indent="0" algn="l" defTabSz="1155700">
+            <a:lnSpc>
+              <a:spcPct val="90000"/>
+            </a:lnSpc>
+            <a:spcBef>
+              <a:spcPct val="0"/>
+            </a:spcBef>
+            <a:spcAft>
+              <a:spcPct val="35000"/>
+            </a:spcAft>
+            <a:buNone/>
+          </a:pPr>
+          <a:r>
+            <a:rPr lang="zh-TW" sz="2600" b="0" i="0" kern="1200" baseline="0"/>
+            <a:t>輸入</a:t>
+          </a:r>
+          <a:r>
+            <a:rPr lang="en-US" sz="2600" b="0" i="0" kern="1200" baseline="0"/>
+            <a:t>:</a:t>
+          </a:r>
+          <a:endParaRPr lang="en-US" sz="2600" kern="1200"/>
+        </a:p>
+      </dsp:txBody>
+      <dsp:txXfrm>
+        <a:off x="278273" y="2437974"/>
+        <a:ext cx="3296358" cy="692586"/>
+      </dsp:txXfrm>
+    </dsp:sp>
+    <dsp:sp modelId="{49B3F383-DC9D-45B3-904C-F4A7FA7D4BBC}">
+      <dsp:nvSpPr>
+        <dsp:cNvPr id="0" name=""/>
+        <dsp:cNvSpPr/>
+      </dsp:nvSpPr>
+      <dsp:spPr>
+        <a:xfrm>
+          <a:off x="0" y="3963628"/>
+          <a:ext cx="4816132" cy="655200"/>
+        </a:xfrm>
+        <a:prstGeom prst="rect">
+          <a:avLst/>
+        </a:prstGeom>
+        <a:solidFill>
+          <a:schemeClr val="lt2">
+            <a:alpha val="90000"/>
+            <a:hueOff val="0"/>
+            <a:satOff val="0"/>
+            <a:lumOff val="0"/>
+            <a:alphaOff val="0"/>
+          </a:schemeClr>
+        </a:solidFill>
+        <a:ln w="12700" cap="flat" cmpd="sng" algn="ctr">
+          <a:solidFill>
+            <a:schemeClr val="dk2">
+              <a:hueOff val="0"/>
+              <a:satOff val="0"/>
+              <a:lumOff val="0"/>
+              <a:alphaOff val="0"/>
+            </a:schemeClr>
+          </a:solidFill>
+          <a:prstDash val="solid"/>
+          <a:miter lim="800000"/>
+        </a:ln>
+        <a:effectLst/>
+      </dsp:spPr>
+      <dsp:style>
+        <a:lnRef idx="2">
+          <a:scrgbClr r="0" g="0" b="0"/>
+        </a:lnRef>
+        <a:fillRef idx="1">
+          <a:scrgbClr r="0" g="0" b="0"/>
+        </a:fillRef>
+        <a:effectRef idx="0">
+          <a:scrgbClr r="0" g="0" b="0"/>
+        </a:effectRef>
+        <a:fontRef idx="minor"/>
+      </dsp:style>
+    </dsp:sp>
+    <dsp:sp modelId="{0B275171-8729-42E5-B8F4-B9D78EB9B2A4}">
+      <dsp:nvSpPr>
+        <dsp:cNvPr id="0" name=""/>
+        <dsp:cNvSpPr/>
+      </dsp:nvSpPr>
+      <dsp:spPr>
+        <a:xfrm>
+          <a:off x="240806" y="3579868"/>
+          <a:ext cx="3371292" cy="767520"/>
+        </a:xfrm>
+        <a:prstGeom prst="roundRect">
+          <a:avLst/>
+        </a:prstGeom>
+        <a:solidFill>
+          <a:schemeClr val="dk2">
+            <a:hueOff val="0"/>
+            <a:satOff val="0"/>
+            <a:lumOff val="0"/>
+            <a:alphaOff val="0"/>
+          </a:schemeClr>
+        </a:solidFill>
+        <a:ln w="19050" cap="flat" cmpd="sng" algn="ctr">
+          <a:solidFill>
+            <a:schemeClr val="lt2">
+              <a:hueOff val="0"/>
+              <a:satOff val="0"/>
+              <a:lumOff val="0"/>
+              <a:alphaOff val="0"/>
+            </a:schemeClr>
+          </a:solidFill>
+          <a:prstDash val="solid"/>
+          <a:miter lim="800000"/>
+        </a:ln>
+        <a:effectLst/>
+      </dsp:spPr>
+      <dsp:style>
+        <a:lnRef idx="3">
+          <a:scrgbClr r="0" g="0" b="0"/>
+        </a:lnRef>
+        <a:fillRef idx="1">
+          <a:scrgbClr r="0" g="0" b="0"/>
+        </a:fillRef>
+        <a:effectRef idx="1">
+          <a:scrgbClr r="0" g="0" b="0"/>
+        </a:effectRef>
+        <a:fontRef idx="minor">
+          <a:schemeClr val="lt1"/>
+        </a:fontRef>
+      </dsp:style>
+      <dsp:txBody>
+        <a:bodyPr spcFirstLastPara="0" vert="horz" wrap="square" lIns="127427" tIns="0" rIns="127427" bIns="0" numCol="1" spcCol="1270" anchor="ctr" anchorCtr="0">
+          <a:noAutofit/>
+        </a:bodyPr>
+        <a:lstStyle/>
+        <a:p>
+          <a:pPr marL="0" lvl="0" indent="0" algn="l" defTabSz="1155700">
+            <a:lnSpc>
+              <a:spcPct val="90000"/>
+            </a:lnSpc>
+            <a:spcBef>
+              <a:spcPct val="0"/>
+            </a:spcBef>
+            <a:spcAft>
+              <a:spcPct val="35000"/>
+            </a:spcAft>
+            <a:buNone/>
+          </a:pPr>
+          <a:r>
+            <a:rPr lang="zh-TW" sz="2600" b="0" i="0" kern="1200" baseline="0"/>
+            <a:t>輸出</a:t>
+          </a:r>
+          <a:r>
+            <a:rPr lang="en-US" sz="2600" b="0" i="0" kern="1200" baseline="0"/>
+            <a:t>:</a:t>
+          </a:r>
+          <a:endParaRPr lang="en-US" sz="2600" kern="1200"/>
+        </a:p>
+      </dsp:txBody>
+      <dsp:txXfrm>
+        <a:off x="278273" y="3617335"/>
+        <a:ext cx="3296358" cy="692586"/>
+      </dsp:txXfrm>
+    </dsp:sp>
+  </dsp:spTree>
+</dsp:drawing>
+</file>
+
+<file path=ppt/diagrams/layout1.xml><?xml version="1.0" encoding="utf-8"?>
+<dgm:layoutDef xmlns:dgm="http://schemas.openxmlformats.org/drawingml/2006/diagram" xmlns:a="http://schemas.openxmlformats.org/drawingml/2006/main" uniqueId="urn:microsoft.com/office/officeart/2005/8/layout/list1">
+  <dgm:title val=""/>
+  <dgm:desc val=""/>
+  <dgm:catLst>
+    <dgm:cat type="list" pri="4000"/>
+  </dgm:catLst>
+  <dgm:sampData>
+    <dgm:dataModel>
+      <dgm:ptLst>
+        <dgm:pt modelId="0" type="doc"/>
+        <dgm:pt modelId="1">
+          <dgm:prSet phldr="1"/>
+        </dgm:pt>
+        <dgm:pt modelId="2">
+          <dgm:prSet phldr="1"/>
+        </dgm:pt>
+        <dgm:pt modelId="3">
+          <dgm:prSet phldr="1"/>
+        </dgm:pt>
+      </dgm:ptLst>
+      <dgm:cxnLst>
+        <dgm:cxn modelId="4" srcId="0" destId="1" srcOrd="0" destOrd="0"/>
+        <dgm:cxn modelId="5" srcId="0" destId="2" srcOrd="1" destOrd="0"/>
+        <dgm:cxn modelId="6" srcId="0" destId="3" srcOrd="2" destOrd="0"/>
+      </dgm:cxnLst>
+      <dgm:bg/>
+      <dgm:whole/>
+    </dgm:dataModel>
+  </dgm:sampData>
+  <dgm:styleData>
+    <dgm:dataModel>
+      <dgm:ptLst>
+        <dgm:pt modelId="0" type="doc"/>
+        <dgm:pt modelId="1"/>
+        <dgm:pt modelId="2"/>
+      </dgm:ptLst>
+      <dgm:cxnLst>
+        <dgm:cxn modelId="4" srcId="0" destId="1" srcOrd="0" destOrd="0"/>
+        <dgm:cxn modelId="5" srcId="0" destId="2" srcOrd="1" destOrd="0"/>
+      </dgm:cxnLst>
+      <dgm:bg/>
+      <dgm:whole/>
+    </dgm:dataModel>
+  </dgm:styleData>
+  <dgm:clrData>
+    <dgm:dataModel>
+      <dgm:ptLst>
+        <dgm:pt modelId="0" type="doc"/>
+        <dgm:pt modelId="1"/>
+        <dgm:pt modelId="2"/>
+        <dgm:pt modelId="3"/>
+        <dgm:pt modelId="4"/>
+      </dgm:ptLst>
+      <dgm:cxnLst>
+        <dgm:cxn modelId="5" srcId="0" destId="1" srcOrd="0" destOrd="0"/>
+        <dgm:cxn modelId="6" srcId="0" destId="2" srcOrd="1" destOrd="0"/>
+        <dgm:cxn modelId="7" srcId="0" destId="3" srcOrd="2" destOrd="0"/>
+        <dgm:cxn modelId="8" srcId="0" destId="4" srcOrd="3" destOrd="0"/>
+      </dgm:cxnLst>
+      <dgm:bg/>
+      <dgm:whole/>
+    </dgm:dataModel>
+  </dgm:clrData>
+  <dgm:layoutNode name="linear">
+    <dgm:varLst>
+      <dgm:dir/>
+      <dgm:animLvl val="lvl"/>
+      <dgm:resizeHandles val="exact"/>
+    </dgm:varLst>
+    <dgm:choose name="Name0">
+      <dgm:if name="Name1" func="var" arg="dir" op="equ" val="norm">
+        <dgm:alg type="lin">
+          <dgm:param type="linDir" val="fromT"/>
+          <dgm:param type="vertAlign" val="mid"/>
+          <dgm:param type="horzAlign" val="l"/>
+          <dgm:param type="nodeHorzAlign" val="l"/>
+        </dgm:alg>
+      </dgm:if>
+      <dgm:else name="Name2">
+        <dgm:alg type="lin">
+          <dgm:param type="linDir" val="fromT"/>
+          <dgm:param type="vertAlign" val="mid"/>
+          <dgm:param type="horzAlign" val="r"/>
+          <dgm:param type="nodeHorzAlign" val="r"/>
+        </dgm:alg>
+      </dgm:else>
+    </dgm:choose>
+    <dgm:shape xmlns:r="http://schemas.openxmlformats.org/officeDocument/2006/relationships" r:blip="">
+      <dgm:adjLst/>
+    </dgm:shape>
+    <dgm:presOf/>
+    <dgm:constrLst>
+      <dgm:constr type="w" for="ch" forName="parentLin" refType="w"/>
+      <dgm:constr type="h" for="ch" forName="parentLin" val="INF"/>
+      <dgm:constr type="w" for="des" forName="parentLeftMargin" refType="w" fact="0.05"/>
+      <dgm:constr type="w" for="des" forName="parentText" refType="w" fact="0.7"/>
+      <dgm:constr type="h" for="des" forName="parentText" refType="primFontSz" refFor="des" refForName="parentText" fact="0.82"/>
+      <dgm:constr type="h" for="ch" forName="negativeSpace" refType="primFontSz" refFor="des" refForName="parentText" fact="-0.41"/>
+      <dgm:constr type="h" for="ch" forName="negativeSpace" refType="h" refFor="des" refForName="parentText" op="lte" fact="-0.82"/>
+      <dgm:constr type="h" for="ch" forName="negativeSpace" refType="h" refFor="des" refForName="parentText" op="gte" fact="-0.82"/>
+      <dgm:constr type="w" for="ch" forName="childText" refType="w"/>
+      <dgm:constr type="h" for="ch" forName="childText" refType="primFontSz" refFor="des" refForName="parentText" fact="0.7"/>
+      <dgm:constr type="primFontSz" for="des" forName="parentText" val="65"/>
+      <dgm:constr type="primFontSz" for="ch" forName="childText" refType="primFontSz" refFor="des" refForName="parentText"/>
+      <dgm:constr type="tMarg" for="ch" forName="childText" refType="primFontSz" refFor="des" refForName="parentText" fact="1.64"/>
+      <dgm:constr type="tMarg" for="ch" forName="childText" refType="h" refFor="des" refForName="parentText" op="lte" fact="3.28"/>
+      <dgm:constr type="tMarg" for="ch" forName="childText" refType="h" refFor="des" refForName="parentText" op="gte" fact="3.28"/>
+      <dgm:constr type="lMarg" for="ch" forName="childText" refType="w" fact="0.22"/>
+      <dgm:constr type="rMarg" for="ch" forName="childText" refType="lMarg" refFor="ch" refForName="childText"/>
+      <dgm:constr type="lMarg" for="des" forName="parentText" refType="w" fact="0.075"/>
+      <dgm:constr type="rMarg" for="des" forName="parentText" refType="lMarg" refFor="des" refForName="parentText"/>
+      <dgm:constr type="h" for="ch" forName="spaceBetweenRectangles" refType="primFontSz" refFor="des" refForName="parentText" fact="0.15"/>
+    </dgm:constrLst>
+    <dgm:ruleLst>
+      <dgm:rule type="primFontSz" for="des" forName="parentText" val="5" fact="NaN" max="NaN"/>
+    </dgm:ruleLst>
+    <dgm:forEach name="Name3" axis="ch" ptType="node">
+      <dgm:layoutNode name="parentLin">
+        <dgm:choose name="Name4">
+          <dgm:if name="Name5" func="var" arg="dir" op="equ" val="norm">
+            <dgm:alg type="lin">
+              <dgm:param type="linDir" val="fromL"/>
+              <dgm:param type="horzAlign" val="l"/>
+              <dgm:param type="nodeHorzAlign" val="l"/>
+            </dgm:alg>
+          </dgm:if>
+          <dgm:else name="Name6">
+            <dgm:alg type="lin">
+              <dgm:param type="linDir" val="fromR"/>
+              <dgm:param type="horzAlign" val="r"/>
+              <dgm:param type="nodeHorzAlign" val="r"/>
+            </dgm:alg>
+          </dgm:else>
+        </dgm:choose>
+        <dgm:shape xmlns:r="http://schemas.openxmlformats.org/officeDocument/2006/relationships" r:blip="">
+          <dgm:adjLst/>
+        </dgm:shape>
+        <dgm:presOf/>
+        <dgm:constrLst/>
+        <dgm:ruleLst/>
+        <dgm:layoutNode name="parentLeftMargin">
+          <dgm:alg type="sp"/>
+          <dgm:shape xmlns:r="http://schemas.openxmlformats.org/officeDocument/2006/relationships" type="rect" r:blip="" hideGeom="1">
+            <dgm:adjLst/>
+          </dgm:shape>
+          <dgm:presOf axis="self"/>
+          <dgm:constrLst>
+            <dgm:constr type="h"/>
+          </dgm:constrLst>
+          <dgm:ruleLst/>
+        </dgm:layoutNode>
+        <dgm:layoutNode name="parentText" styleLbl="node1">
+          <dgm:varLst>
+            <dgm:chMax val="0"/>
+            <dgm:bulletEnabled val="1"/>
+          </dgm:varLst>
+          <dgm:choose name="Name7">
+            <dgm:if name="Name8" func="var" arg="dir" op="equ" val="norm">
+              <dgm:alg type="tx">
+                <dgm:param type="parTxLTRAlign" val="l"/>
+                <dgm:param type="parTxRTLAlign" val="l"/>
+              </dgm:alg>
+            </dgm:if>
+            <dgm:else name="Name9">
+              <dgm:alg type="tx">
+                <dgm:param type="parTxLTRAlign" val="r"/>
+                <dgm:param type="parTxRTLAlign" val="r"/>
+              </dgm:alg>
+            </dgm:else>
+          </dgm:choose>
+          <dgm:shape xmlns:r="http://schemas.openxmlformats.org/officeDocument/2006/relationships" type="roundRect" r:blip="">
+            <dgm:adjLst/>
+          </dgm:shape>
+          <dgm:presOf axis="self" ptType="node"/>
+          <dgm:constrLst>
+            <dgm:constr type="tMarg"/>
+            <dgm:constr type="bMarg"/>
+          </dgm:constrLst>
+          <dgm:ruleLst/>
+        </dgm:layoutNode>
+      </dgm:layoutNode>
+      <dgm:layoutNode name="negativeSpace">
+        <dgm:alg type="sp"/>
+        <dgm:shape xmlns:r="http://schemas.openxmlformats.org/officeDocument/2006/relationships" r:blip="">
+          <dgm:adjLst/>
+        </dgm:shape>
+        <dgm:presOf/>
+        <dgm:constrLst/>
+        <dgm:ruleLst/>
+      </dgm:layoutNode>
+      <dgm:layoutNode name="childText" styleLbl="conFgAcc1">
+        <dgm:varLst>
+          <dgm:bulletEnabled val="1"/>
+        </dgm:varLst>
+        <dgm:alg type="tx">
+          <dgm:param type="stBulletLvl" val="1"/>
+        </dgm:alg>
+        <dgm:shape xmlns:r="http://schemas.openxmlformats.org/officeDocument/2006/relationships" type="rect" r:blip="" zOrderOff="-2">
+          <dgm:adjLst/>
+        </dgm:shape>
+        <dgm:presOf axis="des" ptType="node"/>
+        <dgm:constrLst>
+          <dgm:constr type="secFontSz" refType="primFontSz"/>
+        </dgm:constrLst>
+        <dgm:ruleLst>
+          <dgm:rule type="h" val="INF" fact="NaN" max="NaN"/>
+        </dgm:ruleLst>
+      </dgm:layoutNode>
+      <dgm:forEach name="Name10" axis="followSib" ptType="sibTrans" cnt="1">
+        <dgm:layoutNode name="spaceBetweenRectangles">
+          <dgm:alg type="sp"/>
+          <dgm:shape xmlns:r="http://schemas.openxmlformats.org/officeDocument/2006/relationships" r:blip="">
+            <dgm:adjLst/>
+          </dgm:shape>
+          <dgm:presOf/>
+          <dgm:constrLst/>
+          <dgm:ruleLst/>
+        </dgm:layoutNode>
+      </dgm:forEach>
+    </dgm:forEach>
+  </dgm:layoutNode>
+</dgm:layoutDef>
+</file>
+
+<file path=ppt/diagrams/quickStyle1.xml><?xml version="1.0" encoding="utf-8"?>
+<dgm:styleDef xmlns:dgm="http://schemas.openxmlformats.org/drawingml/2006/diagram" xmlns:a="http://schemas.openxmlformats.org/drawingml/2006/main" uniqueId="urn:microsoft.com/office/officeart/2005/8/quickstyle/simple2">
+  <dgm:title val=""/>
+  <dgm:desc val=""/>
+  <dgm:catLst>
+    <dgm:cat type="simple" pri="10200"/>
+  </dgm:catLst>
+  <dgm:scene3d>
+    <a:camera prst="orthographicFront"/>
+    <a:lightRig rig="threePt" dir="t"/>
+  </dgm:scene3d>
+  <dgm:styleLbl name="node0">
+    <dgm:scene3d>
+      <a:camera prst="orthographicFront"/>
+      <a:lightRig rig="threePt" dir="t"/>
+    </dgm:scene3d>
+    <dgm:sp3d/>
+    <dgm:txPr/>
+    <dgm:style>
+      <a:lnRef idx="3">
+        <a:scrgbClr r="0" g="0" b="0"/>
+      </a:lnRef>
+      <a:fillRef idx="1">
+        <a:scrgbClr r="0" g="0" b="0"/>
+      </a:fillRef>
+      <a:effectRef idx="1">
+        <a:scrgbClr r="0" g="0" b="0"/>
+      </a:effectRef>
+      <a:fontRef idx="minor">
+        <a:schemeClr val="lt1"/>
+      </a:fontRef>
+    </dgm:style>
+  </dgm:styleLbl>
+  <dgm:styleLbl name="lnNode1">
+    <dgm:scene3d>
+      <a:camera prst="orthographicFront"/>
+      <a:lightRig rig="threePt" dir="t"/>
+    </dgm:scene3d>
+    <dgm:sp3d/>
+    <dgm:txPr/>
+    <dgm:style>
+      <a:lnRef idx="3">
+        <a:scrgbClr r="0" g="0" b="0"/>
+      </a:lnRef>
+      <a:fillRef idx="1">
+        <a:scrgbClr r="0" g="0" b="0"/>
+      </a:fillRef>
+      <a:effectRef idx="1">
+        <a:scrgbClr r="0" g="0" b="0"/>
+      </a:effectRef>
+      <a:fontRef idx="minor">
+        <a:schemeClr val="lt1"/>
+      </a:fontRef>
+    </dgm:style>
+  </dgm:styleLbl>
+  <dgm:styleLbl name="vennNode1">
+    <dgm:scene3d>
+      <a:camera prst="orthographicFront"/>
+      <a:lightRig rig="threePt" dir="t"/>
+    </dgm:scene3d>
+    <dgm:sp3d/>
+    <dgm:txPr/>
+    <dgm:style>
+      <a:lnRef idx="3">
+        <a:scrgbClr r="0" g="0" b="0"/>
+      </a:lnRef>
+      <a:fillRef idx="1">
+        <a:scrgbClr r="0" g="0" b="0"/>
+      </a:fillRef>
+      <a:effectRef idx="0">
+        <a:scrgbClr r="0" g="0" b="0"/>
+      </a:effectRef>
+      <a:fontRef idx="minor">
+        <a:schemeClr val="tx1"/>
+      </a:fontRef>
+    </dgm:style>
+  </dgm:styleLbl>
+  <dgm:styleLbl name="alignNode1">
+    <dgm:scene3d>
+      <a:camera prst="orthographicFront"/>
+      <a:lightRig rig="threePt" dir="t"/>
+    </dgm:scene3d>
+    <dgm:sp3d/>
+    <dgm:txPr/>
+    <dgm:style>
+      <a:lnRef idx="2">
+        <a:scrgbClr r="0" g="0" b="0"/>
+      </a:lnRef>
+      <a:fillRef idx="1">
+        <a:scrgbClr r="0" g="0" b="0"/>
+      </a:fillRef>
+      <a:effectRef idx="1">
+        <a:scrgbClr r="0" g="0" b="0"/>
+      </a:effectRef>
+      <a:fontRef idx="minor">
+        <a:schemeClr val="lt1"/>
+      </a:fontRef>
+    </dgm:style>
+  </dgm:styleLbl>
+  <dgm:styleLbl name="node1">
+    <dgm:scene3d>
+      <a:camera prst="orthographicFront"/>
+      <a:lightRig rig="threePt" dir="t"/>
+    </dgm:scene3d>
+    <dgm:sp3d/>
+    <dgm:txPr/>
+    <dgm:style>
+      <a:lnRef idx="3">
+        <a:scrgbClr r="0" g="0" b="0"/>
+      </a:lnRef>
+      <a:fillRef idx="1">
+        <a:scrgbClr r="0" g="0" b="0"/>
+      </a:fillRef>
+      <a:effectRef idx="1">
+        <a:scrgbClr r="0" g="0" b="0"/>
+      </a:effectRef>
+      <a:fontRef idx="minor">
+        <a:schemeClr val="lt1"/>
+      </a:fontRef>
+    </dgm:style>
+  </dgm:styleLbl>
+  <dgm:styleLbl name="node2">
+    <dgm:scene3d>
+      <a:camera prst="orthographicFront"/>
+      <a:lightRig rig="threePt" dir="t"/>
+    </dgm:scene3d>
+    <dgm:sp3d/>
+    <dgm:txPr/>
+    <dgm:style>
+      <a:lnRef idx="3">
+        <a:scrgbClr r="0" g="0" b="0"/>
+      </a:lnRef>
+      <a:fillRef idx="1">
+        <a:scrgbClr r="0" g="0" b="0"/>
+      </a:fillRef>
+      <a:effectRef idx="1">
+        <a:scrgbClr r="0" g="0" b="0"/>
+      </a:effectRef>
+      <a:fontRef idx="minor">
+        <a:schemeClr val="lt1"/>
+      </a:fontRef>
+    </dgm:style>
+  </dgm:styleLbl>
+  <dgm:styleLbl name="node3">
+    <dgm:scene3d>
+      <a:camera prst="orthographicFront"/>
+      <a:lightRig rig="threePt" dir="t"/>
+    </dgm:scene3d>
+    <dgm:sp3d/>
+    <dgm:txPr/>
+    <dgm:style>
+      <a:lnRef idx="3">
+        <a:scrgbClr r="0" g="0" b="0"/>
+      </a:lnRef>
+      <a:fillRef idx="1">
+        <a:scrgbClr r="0" g="0" b="0"/>
+      </a:fillRef>
+      <a:effectRef idx="1">
+        <a:scrgbClr r="0" g="0" b="0"/>
+      </a:effectRef>
+      <a:fontRef idx="minor">
+        <a:schemeClr val="lt1"/>
+      </a:fontRef>
+    </dgm:style>
+  </dgm:styleLbl>
+  <dgm:styleLbl name="node4">
+    <dgm:scene3d>
+      <a:camera prst="orthographicFront"/>
+      <a:lightRig rig="threePt" dir="t"/>
+    </dgm:scene3d>
+    <dgm:sp3d/>
+    <dgm:txPr/>
+    <dgm:style>
+      <a:lnRef idx="3">
+        <a:scrgbClr r="0" g="0" b="0"/>
+      </a:lnRef>
+      <a:fillRef idx="1">
+        <a:scrgbClr r="0" g="0" b="0"/>
+      </a:fillRef>
+      <a:effectRef idx="1">
+        <a:scrgbClr r="0" g="0" b="0"/>
+      </a:effectRef>
+      <a:fontRef idx="minor">
+        <a:schemeClr val="lt1"/>
+      </a:fontRef>
+    </dgm:style>
+  </dgm:styleLbl>
+  <dgm:styleLbl name="fgImgPlace1">
+    <dgm:scene3d>
+      <a:camera prst="orthographicFront"/>
+      <a:lightRig rig="threePt" dir="t"/>
+    </dgm:scene3d>
+    <dgm:sp3d/>
+    <dgm:txPr/>
+    <dgm:style>
+      <a:lnRef idx="3">
+        <a:scrgbClr r="0" g="0" b="0"/>
+      </a:lnRef>
+      <a:fillRef idx="1">
+        <a:scrgbClr r="0" g="0" b="0"/>
+      </a:fillRef>
+      <a:effectRef idx="1">
+        <a:scrgbClr r="0" g="0" b="0"/>
+      </a:effectRef>
+      <a:fontRef idx="minor"/>
+    </dgm:style>
+  </dgm:styleLbl>
+  <dgm:styleLbl name="alignImgPlace1">
+    <dgm:scene3d>
+      <a:camera prst="orthographicFront"/>
+      <a:lightRig rig="threePt" dir="t"/>
+    </dgm:scene3d>
+    <dgm:sp3d/>
+    <dgm:txPr/>
+    <dgm:style>
+      <a:lnRef idx="3">
+        <a:scrgbClr r="0" g="0" b="0"/>
+      </a:lnRef>
+      <a:fillRef idx="1">
+        <a:scrgbClr r="0" g="0" b="0"/>
+      </a:fillRef>
+      <a:effectRef idx="1">
+        <a:scrgbClr r="0" g="0" b="0"/>
+      </a:effectRef>
+      <a:fontRef idx="minor"/>
+    </dgm:style>
+  </dgm:styleLbl>
+  <dgm:styleLbl name="bgImgPlace1">
+    <dgm:scene3d>
+      <a:camera prst="orthographicFront"/>
+      <a:lightRig rig="threePt" dir="t"/>
+    </dgm:scene3d>
+    <dgm:sp3d/>
+    <dgm:txPr/>
+    <dgm:style>
+      <a:lnRef idx="3">
+        <a:scrgbClr r="0" g="0" b="0"/>
+      </a:lnRef>
+      <a:fillRef idx="1">
+        <a:scrgbClr r="0" g="0" b="0"/>
+      </a:fillRef>
+      <a:effectRef idx="1">
+        <a:scrgbClr r="0" g="0" b="0"/>
+      </a:effectRef>
+      <a:fontRef idx="minor"/>
+    </dgm:style>
+  </dgm:styleLbl>
+  <dgm:styleLbl name="sibTrans2D1">
+    <dgm:scene3d>
+      <a:camera prst="orthographicFront"/>
+      <a:lightRig rig="threePt" dir="t"/>
+    </dgm:scene3d>
+    <dgm:sp3d/>
+    <dgm:txPr/>
+    <dgm:style>
+      <a:lnRef idx="0">
+        <a:scrgbClr r="0" g="0" b="0"/>
+      </a:lnRef>
+      <a:fillRef idx="1">
+        <a:scrgbClr r="0" g="0" b="0"/>
+      </a:fillRef>
+      <a:effectRef idx="1">
+        <a:scrgbClr r="0" g="0" b="0"/>
+      </a:effectRef>
+      <a:fontRef idx="minor">
+        <a:schemeClr val="lt1"/>
+      </a:fontRef>
+    </dgm:style>
+  </dgm:styleLbl>
+  <dgm:styleLbl name="fgSibTrans2D1">
+    <dgm:scene3d>
+      <a:camera prst="orthographicFront"/>
+      <a:lightRig rig="threePt" dir="t"/>
+    </dgm:scene3d>
+    <dgm:sp3d/>
+    <dgm:txPr/>
+    <dgm:style>
+      <a:lnRef idx="0">
+        <a:scrgbClr r="0" g="0" b="0"/>
+      </a:lnRef>
+      <a:fillRef idx="1">
+        <a:scrgbClr r="0" g="0" b="0"/>
+      </a:fillRef>
+      <a:effectRef idx="1">
+        <a:scrgbClr r="0" g="0" b="0"/>
+      </a:effectRef>
+      <a:fontRef idx="minor">
+        <a:schemeClr val="lt1"/>
+      </a:fontRef>
+    </dgm:style>
+  </dgm:styleLbl>
+  <dgm:styleLbl name="bgSibTrans2D1">
+    <dgm:scene3d>
+      <a:camera prst="orthographicFront"/>
+      <a:lightRig rig="threePt" dir="t"/>
+    </dgm:scene3d>
+    <dgm:sp3d/>
+    <dgm:txPr/>
+    <dgm:style>
+      <a:lnRef idx="0">
+        <a:scrgbClr r="0" g="0" b="0"/>
+      </a:lnRef>
+      <a:fillRef idx="1">
+        <a:scrgbClr r="0" g="0" b="0"/>
+      </a:fillRef>
+      <a:effectRef idx="1">
+        <a:scrgbClr r="0" g="0" b="0"/>
+      </a:effectRef>
+      <a:fontRef idx="minor">
+        <a:schemeClr val="lt1"/>
+      </a:fontRef>
+    </dgm:style>
+  </dgm:styleLbl>
+  <dgm:styleLbl name="sibTrans1D1">
+    <dgm:scene3d>
+      <a:camera prst="orthographicFront"/>
+      <a:lightRig rig="threePt" dir="t"/>
+    </dgm:scene3d>
+    <dgm:sp3d/>
+    <dgm:txPr/>
+    <dgm:style>
+      <a:lnRef idx="1">
+        <a:scrgbClr r="0" g="0" b="0"/>
+      </a:lnRef>
+      <a:fillRef idx="0">
+        <a:scrgbClr r="0" g="0" b="0"/>
+      </a:fillRef>
+      <a:effectRef idx="0">
+        <a:scrgbClr r="0" g="0" b="0"/>
+      </a:effectRef>
+      <a:fontRef idx="minor"/>
+    </dgm:style>
+  </dgm:styleLbl>
+  <dgm:styleLbl name="callout">
+    <dgm:scene3d>
+      <a:camera prst="orthographicFront"/>
+      <a:lightRig rig="threePt" dir="t"/>
+    </dgm:scene3d>
+    <dgm:sp3d/>
+    <dgm:txPr/>
+    <dgm:style>
+      <a:lnRef idx="2">
+        <a:scrgbClr r="0" g="0" b="0"/>
+      </a:lnRef>
+      <a:fillRef idx="1">
+        <a:scrgbClr r="0" g="0" b="0"/>
+      </a:fillRef>
+      <a:effectRef idx="1">
+        <a:scrgbClr r="0" g="0" b="0"/>
+      </a:effectRef>
+      <a:fontRef idx="minor"/>
+    </dgm:style>
+  </dgm:styleLbl>
+  <dgm:styleLbl name="asst0">
+    <dgm:scene3d>
+      <a:camera prst="orthographicFront"/>
+      <a:lightRig rig="threePt" dir="t"/>
+    </dgm:scene3d>
+    <dgm:sp3d/>
+    <dgm:txPr/>
+    <dgm:style>
+      <a:lnRef idx="3">
+        <a:scrgbClr r="0" g="0" b="0"/>
+      </a:lnRef>
+      <a:fillRef idx="1">
+        <a:scrgbClr r="0" g="0" b="0"/>
+      </a:fillRef>
+      <a:effectRef idx="1">
+        <a:scrgbClr r="0" g="0" b="0"/>
+      </a:effectRef>
+      <a:fontRef idx="minor">
+        <a:schemeClr val="lt1"/>
+      </a:fontRef>
+    </dgm:style>
+  </dgm:styleLbl>
+  <dgm:styleLbl name="asst1">
+    <dgm:scene3d>
+      <a:camera prst="orthographicFront"/>
+      <a:lightRig rig="threePt" dir="t"/>
+    </dgm:scene3d>
+    <dgm:sp3d/>
+    <dgm:txPr/>
+    <dgm:style>
+      <a:lnRef idx="3">
+        <a:scrgbClr r="0" g="0" b="0"/>
+      </a:lnRef>
+      <a:fillRef idx="1">
+        <a:scrgbClr r="0" g="0" b="0"/>
+      </a:fillRef>
+      <a:effectRef idx="1">
+        <a:scrgbClr r="0" g="0" b="0"/>
+      </a:effectRef>
+      <a:fontRef idx="minor">
+        <a:schemeClr val="lt1"/>
+      </a:fontRef>
+    </dgm:style>
+  </dgm:styleLbl>
+  <dgm:styleLbl name="asst2">
+    <dgm:scene3d>
+      <a:camera prst="orthographicFront"/>
+      <a:lightRig rig="threePt" dir="t"/>
+    </dgm:scene3d>
+    <dgm:sp3d/>
+    <dgm:txPr/>
+    <dgm:style>
+      <a:lnRef idx="3">
+        <a:scrgbClr r="0" g="0" b="0"/>
+      </a:lnRef>
+      <a:fillRef idx="1">
+        <a:scrgbClr r="0" g="0" b="0"/>
+      </a:fillRef>
+      <a:effectRef idx="1">
+        <a:scrgbClr r="0" g="0" b="0"/>
+      </a:effectRef>
+      <a:fontRef idx="minor">
+        <a:schemeClr val="lt1"/>
+      </a:fontRef>
+    </dgm:style>
+  </dgm:styleLbl>
+  <dgm:styleLbl name="asst3">
+    <dgm:scene3d>
+      <a:camera prst="orthographicFront"/>
+      <a:lightRig rig="threePt" dir="t"/>
+    </dgm:scene3d>
+    <dgm:sp3d/>
+    <dgm:txPr/>
+    <dgm:style>
+      <a:lnRef idx="3">
+        <a:scrgbClr r="0" g="0" b="0"/>
+      </a:lnRef>
+      <a:fillRef idx="1">
+        <a:scrgbClr r="0" g="0" b="0"/>
+      </a:fillRef>
+      <a:effectRef idx="1">
+        <a:scrgbClr r="0" g="0" b="0"/>
+      </a:effectRef>
+      <a:fontRef idx="minor">
+        <a:schemeClr val="lt1"/>
+      </a:fontRef>
+    </dgm:style>
+  </dgm:styleLbl>
+  <dgm:styleLbl name="asst4">
+    <dgm:scene3d>
+      <a:camera prst="orthographicFront"/>
+      <a:lightRig rig="threePt" dir="t"/>
+    </dgm:scene3d>
+    <dgm:sp3d/>
+    <dgm:txPr/>
+    <dgm:style>
+      <a:lnRef idx="3">
+        <a:scrgbClr r="0" g="0" b="0"/>
+      </a:lnRef>
+      <a:fillRef idx="1">
+        <a:scrgbClr r="0" g="0" b="0"/>
+      </a:fillRef>
+      <a:effectRef idx="1">
+        <a:scrgbClr r="0" g="0" b="0"/>
+      </a:effectRef>
+      <a:fontRef idx="minor">
+        <a:schemeClr val="lt1"/>
+      </a:fontRef>
+    </dgm:style>
+  </dgm:styleLbl>
+  <dgm:styleLbl name="parChTrans2D1">
+    <dgm:scene3d>
+      <a:camera prst="orthographicFront"/>
+      <a:lightRig rig="threePt" dir="t"/>
+    </dgm:scene3d>
+    <dgm:sp3d/>
+    <dgm:txPr/>
+    <dgm:style>
+      <a:lnRef idx="3">
+        <a:scrgbClr r="0" g="0" b="0"/>
+      </a:lnRef>
+      <a:fillRef idx="1">
+        <a:scrgbClr r="0" g="0" b="0"/>
+      </a:fillRef>
+      <a:effectRef idx="1">
+        <a:scrgbClr r="0" g="0" b="0"/>
+      </a:effectRef>
+      <a:fontRef idx="minor">
+        <a:schemeClr val="lt1"/>
+      </a:fontRef>
+    </dgm:style>
+  </dgm:styleLbl>
+  <dgm:styleLbl name="parChTrans2D2">
+    <dgm:scene3d>
+      <a:camera prst="orthographicFront"/>
+      <a:lightRig rig="threePt" dir="t"/>
+    </dgm:scene3d>
+    <dgm:sp3d/>
+    <dgm:txPr/>
+    <dgm:style>
+      <a:lnRef idx="3">
+        <a:scrgbClr r="0" g="0" b="0"/>
+      </a:lnRef>
+      <a:fillRef idx="1">
+        <a:scrgbClr r="0" g="0" b="0"/>
+      </a:fillRef>
+      <a:effectRef idx="1">
+        <a:scrgbClr r="0" g="0" b="0"/>
+      </a:effectRef>
+      <a:fontRef idx="minor">
+        <a:schemeClr val="lt1"/>
+      </a:fontRef>
+    </dgm:style>
+  </dgm:styleLbl>
+  <dgm:styleLbl name="parChTrans2D3">
+    <dgm:scene3d>
+      <a:camera prst="orthographicFront"/>
+      <a:lightRig rig="threePt" dir="t"/>
+    </dgm:scene3d>
+    <dgm:sp3d/>
+    <dgm:txPr/>
+    <dgm:style>
+      <a:lnRef idx="3">
+        <a:scrgbClr r="0" g="0" b="0"/>
+      </a:lnRef>
+      <a:fillRef idx="1">
+        <a:scrgbClr r="0" g="0" b="0"/>
+      </a:fillRef>
+      <a:effectRef idx="1">
+        <a:scrgbClr r="0" g="0" b="0"/>
+      </a:effectRef>
+      <a:fontRef idx="minor">
+        <a:schemeClr val="lt1"/>
+      </a:fontRef>
+    </dgm:style>
+  </dgm:styleLbl>
+  <dgm:styleLbl name="parChTrans2D4">
+    <dgm:scene3d>
+      <a:camera prst="orthographicFront"/>
+      <a:lightRig rig="threePt" dir="t"/>
+    </dgm:scene3d>
+    <dgm:sp3d/>
+    <dgm:txPr/>
+    <dgm:style>
+      <a:lnRef idx="3">
+        <a:scrgbClr r="0" g="0" b="0"/>
+      </a:lnRef>
+      <a:fillRef idx="1">
+        <a:scrgbClr r="0" g="0" b="0"/>
+      </a:fillRef>
+      <a:effectRef idx="1">
+        <a:scrgbClr r="0" g="0" b="0"/>
+      </a:effectRef>
+      <a:fontRef idx="minor">
+        <a:schemeClr val="lt1"/>
+      </a:fontRef>
+    </dgm:style>
+  </dgm:styleLbl>
+  <dgm:styleLbl name="parChTrans1D1">
+    <dgm:scene3d>
+      <a:camera prst="orthographicFront"/>
+      <a:lightRig rig="threePt" dir="t"/>
+    </dgm:scene3d>
+    <dgm:sp3d/>
+    <dgm:txPr/>
+    <dgm:style>
+      <a:lnRef idx="2">
+        <a:scrgbClr r="0" g="0" b="0"/>
+      </a:lnRef>
+      <a:fillRef idx="0">
+        <a:scrgbClr r="0" g="0" b="0"/>
+      </a:fillRef>
+      <a:effectRef idx="0">
+        <a:scrgbClr r="0" g="0" b="0"/>
+      </a:effectRef>
+      <a:fontRef idx="minor"/>
+    </dgm:style>
+  </dgm:styleLbl>
+  <dgm:styleLbl name="parChTrans1D2">
+    <dgm:scene3d>
+      <a:camera prst="orthographicFront"/>
+      <a:lightRig rig="threePt" dir="t"/>
+    </dgm:scene3d>
+    <dgm:sp3d/>
+    <dgm:txPr/>
+    <dgm:style>
+      <a:lnRef idx="2">
+        <a:scrgbClr r="0" g="0" b="0"/>
+      </a:lnRef>
+      <a:fillRef idx="0">
+        <a:scrgbClr r="0" g="0" b="0"/>
+      </a:fillRef>
+      <a:effectRef idx="0">
+        <a:scrgbClr r="0" g="0" b="0"/>
+      </a:effectRef>
+      <a:fontRef idx="minor"/>
+    </dgm:style>
+  </dgm:styleLbl>
+  <dgm:styleLbl name="parChTrans1D3">
+    <dgm:scene3d>
+      <a:camera prst="orthographicFront"/>
+      <a:lightRig rig="threePt" dir="t"/>
+    </dgm:scene3d>
+    <dgm:sp3d/>
+    <dgm:txPr/>
+    <dgm:style>
+      <a:lnRef idx="2">
+        <a:scrgbClr r="0" g="0" b="0"/>
+      </a:lnRef>
+      <a:fillRef idx="0">
+        <a:scrgbClr r="0" g="0" b="0"/>
+      </a:fillRef>
+      <a:effectRef idx="0">
+        <a:scrgbClr r="0" g="0" b="0"/>
+      </a:effectRef>
+      <a:fontRef idx="minor"/>
+    </dgm:style>
+  </dgm:styleLbl>
+  <dgm:styleLbl name="parChTrans1D4">
+    <dgm:scene3d>
+      <a:camera prst="orthographicFront"/>
+      <a:lightRig rig="threePt" dir="t"/>
+    </dgm:scene3d>
+    <dgm:sp3d/>
+    <dgm:txPr/>
+    <dgm:style>
+      <a:lnRef idx="2">
+        <a:scrgbClr r="0" g="0" b="0"/>
+      </a:lnRef>
+      <a:fillRef idx="0">
+        <a:scrgbClr r="0" g="0" b="0"/>
+      </a:fillRef>
+      <a:effectRef idx="0">
+        <a:scrgbClr r="0" g="0" b="0"/>
+      </a:effectRef>
+      <a:fontRef idx="minor"/>
+    </dgm:style>
+  </dgm:styleLbl>
+  <dgm:styleLbl name="fgAcc1">
+    <dgm:scene3d>
+      <a:camera prst="orthographicFront"/>
+      <a:lightRig rig="threePt" dir="t"/>
+    </dgm:scene3d>
+    <dgm:sp3d/>
+    <dgm:txPr/>
+    <dgm:style>
+      <a:lnRef idx="2">
+        <a:scrgbClr r="0" g="0" b="0"/>
+      </a:lnRef>
+      <a:fillRef idx="1">
+        <a:scrgbClr r="0" g="0" b="0"/>
+      </a:fillRef>
+      <a:effectRef idx="0">
+        <a:scrgbClr r="0" g="0" b="0"/>
+      </a:effectRef>
+      <a:fontRef idx="minor"/>
+    </dgm:style>
+  </dgm:styleLbl>
+  <dgm:styleLbl name="conFgAcc1">
+    <dgm:scene3d>
+      <a:camera prst="orthographicFront"/>
+      <a:lightRig rig="threePt" dir="t"/>
+    </dgm:scene3d>
+    <dgm:sp3d/>
+    <dgm:txPr/>
+    <dgm:style>
+      <a:lnRef idx="2">
+        <a:scrgbClr r="0" g="0" b="0"/>
+      </a:lnRef>
+      <a:fillRef idx="1">
+        <a:scrgbClr r="0" g="0" b="0"/>
+      </a:fillRef>
+      <a:effectRef idx="0">
+        <a:scrgbClr r="0" g="0" b="0"/>
+      </a:effectRef>
+      <a:fontRef idx="minor"/>
+    </dgm:style>
+  </dgm:styleLbl>
+  <dgm:styleLbl name="alignAcc1">
+    <dgm:scene3d>
+      <a:camera prst="orthographicFront"/>
+      <a:lightRig rig="threePt" dir="t"/>
+    </dgm:scene3d>
+    <dgm:sp3d/>
+    <dgm:txPr/>
+    <dgm:style>
+      <a:lnRef idx="2">
+        <a:scrgbClr r="0" g="0" b="0"/>
+      </a:lnRef>
+      <a:fillRef idx="1">
+        <a:scrgbClr r="0" g="0" b="0"/>
+      </a:fillRef>
+      <a:effectRef idx="0">
+        <a:scrgbClr r="0" g="0" b="0"/>
+      </a:effectRef>
+      <a:fontRef idx="minor"/>
+    </dgm:style>
+  </dgm:styleLbl>
+  <dgm:styleLbl name="trAlignAcc1">
+    <dgm:scene3d>
+      <a:camera prst="orthographicFront"/>
+      <a:lightRig rig="threePt" dir="t"/>
+    </dgm:scene3d>
+    <dgm:sp3d/>
+    <dgm:txPr/>
+    <dgm:style>
+      <a:lnRef idx="1">
+        <a:scrgbClr r="0" g="0" b="0"/>
+      </a:lnRef>
+      <a:fillRef idx="1">
+        <a:scrgbClr r="0" g="0" b="0"/>
+      </a:fillRef>
+      <a:effectRef idx="0">
+        <a:scrgbClr r="0" g="0" b="0"/>
+      </a:effectRef>
+      <a:fontRef idx="minor"/>
+    </dgm:style>
+  </dgm:styleLbl>
+  <dgm:styleLbl name="bgAcc1">
+    <dgm:scene3d>
+      <a:camera prst="orthographicFront"/>
+      <a:lightRig rig="threePt" dir="t"/>
+    </dgm:scene3d>
+    <dgm:sp3d/>
+    <dgm:txPr/>
+    <dgm:style>
+      <a:lnRef idx="2">
+        <a:scrgbClr r="0" g="0" b="0"/>
+      </a:lnRef>
+      <a:fillRef idx="1">
+        <a:scrgbClr r="0" g="0" b="0"/>
+      </a:fillRef>
+      <a:effectRef idx="0">
+        <a:scrgbClr r="0" g="0" b="0"/>
+      </a:effectRef>
+      <a:fontRef idx="minor"/>
+    </dgm:style>
+  </dgm:styleLbl>
+  <dgm:styleLbl name="solidFgAcc1">
+    <dgm:scene3d>
+      <a:camera prst="orthographicFront"/>
+      <a:lightRig rig="threePt" dir="t"/>
+    </dgm:scene3d>
+    <dgm:sp3d/>
+    <dgm:txPr/>
+    <dgm:style>
+      <a:lnRef idx="2">
+        <a:scrgbClr r="0" g="0" b="0"/>
+      </a:lnRef>
+      <a:fillRef idx="1">
+        <a:scrgbClr r="0" g="0" b="0"/>
+      </a:fillRef>
+      <a:effectRef idx="0">
+        <a:scrgbClr r="0" g="0" b="0"/>
+      </a:effectRef>
+      <a:fontRef idx="minor"/>
+    </dgm:style>
+  </dgm:styleLbl>
+  <dgm:styleLbl name="solidAlignAcc1">
+    <dgm:scene3d>
+      <a:camera prst="orthographicFront"/>
+      <a:lightRig rig="threePt" dir="t"/>
+    </dgm:scene3d>
+    <dgm:sp3d/>
+    <dgm:txPr/>
+    <dgm:style>
+      <a:lnRef idx="2">
+        <a:scrgbClr r="0" g="0" b="0"/>
+      </a:lnRef>
+      <a:fillRef idx="1">
+        <a:scrgbClr r="0" g="0" b="0"/>
+      </a:fillRef>
+      <a:effectRef idx="0">
+        <a:scrgbClr r="0" g="0" b="0"/>
+      </a:effectRef>
+      <a:fontRef idx="minor"/>
+    </dgm:style>
+  </dgm:styleLbl>
+  <dgm:styleLbl name="solidBgAcc1">
+    <dgm:scene3d>
+      <a:camera prst="orthographicFront"/>
+      <a:lightRig rig="threePt" dir="t"/>
+    </dgm:scene3d>
+    <dgm:sp3d/>
+    <dgm:txPr/>
+    <dgm:style>
+      <a:lnRef idx="2">
+        <a:scrgbClr r="0" g="0" b="0"/>
+      </a:lnRef>
+      <a:fillRef idx="1">
+        <a:scrgbClr r="0" g="0" b="0"/>
+      </a:fillRef>
+      <a:effectRef idx="0">
+        <a:scrgbClr r="0" g="0" b="0"/>
+      </a:effectRef>
+      <a:fontRef idx="minor"/>
+    </dgm:style>
+  </dgm:styleLbl>
+  <dgm:styleLbl name="fgAccFollowNode1">
+    <dgm:scene3d>
+      <a:camera prst="orthographicFront"/>
+      <a:lightRig rig="threePt" dir="t"/>
+    </dgm:scene3d>
+    <dgm:sp3d/>
+    <dgm:txPr/>
+    <dgm:style>
+      <a:lnRef idx="2">
+        <a:scrgbClr r="0" g="0" b="0"/>
+      </a:lnRef>
+      <a:fillRef idx="1">
+        <a:scrgbClr r="0" g="0" b="0"/>
+      </a:fillRef>
+      <a:effectRef idx="0">
+        <a:scrgbClr r="0" g="0" b="0"/>
+      </a:effectRef>
+      <a:fontRef idx="minor"/>
+    </dgm:style>
+  </dgm:styleLbl>
+  <dgm:styleLbl name="alignAccFollowNode1">
+    <dgm:scene3d>
+      <a:camera prst="orthographicFront"/>
+      <a:lightRig rig="threePt" dir="t"/>
+    </dgm:scene3d>
+    <dgm:sp3d/>
+    <dgm:txPr/>
+    <dgm:style>
+      <a:lnRef idx="2">
+        <a:scrgbClr r="0" g="0" b="0"/>
+      </a:lnRef>
+      <a:fillRef idx="1">
+        <a:scrgbClr r="0" g="0" b="0"/>
+      </a:fillRef>
+      <a:effectRef idx="0">
+        <a:scrgbClr r="0" g="0" b="0"/>
+      </a:effectRef>
+      <a:fontRef idx="minor"/>
+    </dgm:style>
+  </dgm:styleLbl>
+  <dgm:styleLbl name="bgAccFollowNode1">
+    <dgm:scene3d>
+      <a:camera prst="orthographicFront"/>
+      <a:lightRig rig="threePt" dir="t"/>
+    </dgm:scene3d>
+    <dgm:sp3d/>
+    <dgm:txPr/>
+    <dgm:style>
+      <a:lnRef idx="2">
+        <a:scrgbClr r="0" g="0" b="0"/>
+      </a:lnRef>
+      <a:fillRef idx="1">
+        <a:scrgbClr r="0" g="0" b="0"/>
+      </a:fillRef>
+      <a:effectRef idx="0">
+        <a:scrgbClr r="0" g="0" b="0"/>
+      </a:effectRef>
+      <a:fontRef idx="minor"/>
+    </dgm:style>
+  </dgm:styleLbl>
+  <dgm:styleLbl name="fgAcc0">
+    <dgm:scene3d>
+      <a:camera prst="orthographicFront"/>
+      <a:lightRig rig="threePt" dir="t"/>
+    </dgm:scene3d>
+    <dgm:sp3d/>
+    <dgm:txPr/>
+    <dgm:style>
+      <a:lnRef idx="2">
+        <a:scrgbClr r="0" g="0" b="0"/>
+      </a:lnRef>
+      <a:fillRef idx="1">
+        <a:scrgbClr r="0" g="0" b="0"/>
+      </a:fillRef>
+      <a:effectRef idx="0">
+        <a:scrgbClr r="0" g="0" b="0"/>
+      </a:effectRef>
+      <a:fontRef idx="minor"/>
+    </dgm:style>
+  </dgm:styleLbl>
+  <dgm:styleLbl name="fgAcc2">
+    <dgm:scene3d>
+      <a:camera prst="orthographicFront"/>
+      <a:lightRig rig="threePt" dir="t"/>
+    </dgm:scene3d>
+    <dgm:sp3d/>
+    <dgm:txPr/>
+    <dgm:style>
+      <a:lnRef idx="2">
+        <a:scrgbClr r="0" g="0" b="0"/>
+      </a:lnRef>
+      <a:fillRef idx="1">
+        <a:scrgbClr r="0" g="0" b="0"/>
+      </a:fillRef>
+      <a:effectRef idx="0">
+        <a:scrgbClr r="0" g="0" b="0"/>
+      </a:effectRef>
+      <a:fontRef idx="minor"/>
+    </dgm:style>
+  </dgm:styleLbl>
+  <dgm:styleLbl name="fgAcc3">
+    <dgm:scene3d>
+      <a:camera prst="orthographicFront"/>
+      <a:lightRig rig="threePt" dir="t"/>
+    </dgm:scene3d>
+    <dgm:sp3d/>
+    <dgm:txPr/>
+    <dgm:style>
+      <a:lnRef idx="2">
+        <a:scrgbClr r="0" g="0" b="0"/>
+      </a:lnRef>
+      <a:fillRef idx="1">
+        <a:scrgbClr r="0" g="0" b="0"/>
+      </a:fillRef>
+      <a:effectRef idx="0">
+        <a:scrgbClr r="0" g="0" b="0"/>
+      </a:effectRef>
+      <a:fontRef idx="minor"/>
+    </dgm:style>
+  </dgm:styleLbl>
+  <dgm:styleLbl name="fgAcc4">
+    <dgm:scene3d>
+      <a:camera prst="orthographicFront"/>
+      <a:lightRig rig="threePt" dir="t"/>
+    </dgm:scene3d>
+    <dgm:sp3d/>
+    <dgm:txPr/>
+    <dgm:style>
+      <a:lnRef idx="2">
+        <a:scrgbClr r="0" g="0" b="0"/>
+      </a:lnRef>
+      <a:fillRef idx="1">
+        <a:scrgbClr r="0" g="0" b="0"/>
+      </a:fillRef>
+      <a:effectRef idx="0">
+        <a:scrgbClr r="0" g="0" b="0"/>
+      </a:effectRef>
+      <a:fontRef idx="minor"/>
+    </dgm:style>
+  </dgm:styleLbl>
+  <dgm:styleLbl name="bgShp">
+    <dgm:scene3d>
+      <a:camera prst="orthographicFront"/>
+      <a:lightRig rig="threePt" dir="t"/>
+    </dgm:scene3d>
+    <dgm:sp3d/>
+    <dgm:txPr/>
+    <dgm:style>
+      <a:lnRef idx="0">
+        <a:scrgbClr r="0" g="0" b="0"/>
+      </a:lnRef>
+      <a:fillRef idx="1">
+        <a:scrgbClr r="0" g="0" b="0"/>
+      </a:fillRef>
+      <a:effectRef idx="0">
+        <a:scrgbClr r="0" g="0" b="0"/>
+      </a:effectRef>
+      <a:fontRef idx="minor"/>
+    </dgm:style>
+  </dgm:styleLbl>
+  <dgm:styleLbl name="dkBgShp">
+    <dgm:scene3d>
+      <a:camera prst="orthographicFront"/>
+      <a:lightRig rig="threePt" dir="t"/>
+    </dgm:scene3d>
+    <dgm:sp3d/>
+    <dgm:txPr/>
+    <dgm:style>
+      <a:lnRef idx="0">
+        <a:scrgbClr r="0" g="0" b="0"/>
+      </a:lnRef>
+      <a:fillRef idx="1">
+        <a:scrgbClr r="0" g="0" b="0"/>
+      </a:fillRef>
+      <a:effectRef idx="0">
+        <a:scrgbClr r="0" g="0" b="0"/>
+      </a:effectRef>
+      <a:fontRef idx="minor"/>
+    </dgm:style>
+  </dgm:styleLbl>
+  <dgm:styleLbl name="trBgShp">
+    <dgm:scene3d>
+      <a:camera prst="orthographicFront"/>
+      <a:lightRig rig="threePt" dir="t"/>
+    </dgm:scene3d>
+    <dgm:sp3d/>
+    <dgm:txPr/>
+    <dgm:style>
+      <a:lnRef idx="0">
+        <a:scrgbClr r="0" g="0" b="0"/>
+      </a:lnRef>
+      <a:fillRef idx="1">
+        <a:scrgbClr r="0" g="0" b="0"/>
+      </a:fillRef>
+      <a:effectRef idx="0">
+        <a:scrgbClr r="0" g="0" b="0"/>
+      </a:effectRef>
+      <a:fontRef idx="minor"/>
+    </dgm:style>
+  </dgm:styleLbl>
+  <dgm:styleLbl name="fgShp">
+    <dgm:scene3d>
+      <a:camera prst="orthographicFront"/>
+      <a:lightRig rig="threePt" dir="t"/>
+    </dgm:scene3d>
+    <dgm:sp3d/>
+    <dgm:txPr/>
+    <dgm:style>
+      <a:lnRef idx="3">
+        <a:scrgbClr r="0" g="0" b="0"/>
+      </a:lnRef>
+      <a:fillRef idx="1">
+        <a:scrgbClr r="0" g="0" b="0"/>
+      </a:fillRef>
+      <a:effectRef idx="1">
+        <a:scrgbClr r="0" g="0" b="0"/>
+      </a:effectRef>
+      <a:fontRef idx="minor"/>
+    </dgm:style>
+  </dgm:styleLbl>
+  <dgm:styleLbl name="revTx">
+    <dgm:scene3d>
+      <a:camera prst="orthographicFront"/>
+      <a:lightRig rig="threePt" dir="t"/>
+    </dgm:scene3d>
+    <dgm:sp3d/>
+    <dgm:txPr/>
+    <dgm:style>
+      <a:lnRef idx="0">
+        <a:scrgbClr r="0" g="0" b="0"/>
+      </a:lnRef>
+      <a:fillRef idx="0">
+        <a:scrgbClr r="0" g="0" b="0"/>
+      </a:fillRef>
+      <a:effectRef idx="0">
+        <a:scrgbClr r="0" g="0" b="0"/>
+      </a:effectRef>
+      <a:fontRef idx="minor"/>
+    </dgm:style>
+  </dgm:styleLbl>
+</dgm:styleDef>
 </file>
 
 <file path=ppt/slideLayouts/slideLayout1.xml><?xml version="1.0" encoding="utf-8"?>
@@ -5702,7 +8680,7 @@
           <a:p>
             <a:fld id="{FA1E3ED8-1BB4-4BD2-AB23-359644E070C2}" type="datetimeFigureOut">
               <a:rPr lang="zh-TW" altLang="en-US" smtClean="0"/>
-              <a:t>2020/6/9</a:t>
+              <a:t>2020/6/12</a:t>
             </a:fld>
             <a:endParaRPr lang="zh-TW" altLang="en-US"/>
           </a:p>
@@ -10899,7 +13877,15 @@
           <a:p>
             <a:r>
               <a:rPr lang="zh-TW" altLang="en-US" dirty="0"/>
-              <a:t>專題討論 </a:t>
+              <a:t>範例解說：如何根據</a:t>
+            </a:r>
+            <a:r>
+              <a:rPr lang="en-US" altLang="zh-TW" dirty="0"/>
+              <a:t>CSV</a:t>
+            </a:r>
+            <a:r>
+              <a:rPr lang="zh-TW" altLang="en-US" dirty="0"/>
+              <a:t>紀錄的座標複製物件</a:t>
             </a:r>
           </a:p>
         </p:txBody>
@@ -10932,7 +13918,7 @@
     </p:spTree>
     <p:extLst>
       <p:ext uri="{BB962C8B-B14F-4D97-AF65-F5344CB8AC3E}">
-        <p14:creationId xmlns:p14="http://schemas.microsoft.com/office/powerpoint/2010/main" val="929909194"/>
+        <p14:creationId xmlns:p14="http://schemas.microsoft.com/office/powerpoint/2010/main" val="2189207556"/>
       </p:ext>
     </p:extLst>
   </p:cSld>
@@ -10973,10 +13959,10 @@
       </p:grpSpPr>
       <p:sp>
         <p:nvSpPr>
-          <p:cNvPr id="5" name="內容版面配置區 4">
+          <p:cNvPr id="4" name="文字版面配置區 3">
             <a:extLst>
               <a:ext uri="{FF2B5EF4-FFF2-40B4-BE49-F238E27FC236}">
-                <a16:creationId xmlns:a16="http://schemas.microsoft.com/office/drawing/2014/main" id="{221EB24A-D4DB-45CB-BE7B-D41F7B493329}"/>
+                <a16:creationId xmlns:a16="http://schemas.microsoft.com/office/drawing/2014/main" id="{2FA54F75-D405-4104-B6BB-EA44A23A109A}"/>
               </a:ext>
             </a:extLst>
           </p:cNvPr>
@@ -10984,7 +13970,7 @@
             <a:spLocks noGrp="1"/>
           </p:cNvSpPr>
           <p:nvPr>
-            <p:ph idx="1"/>
+            <p:ph type="body" sz="quarter" idx="10"/>
           </p:nvPr>
         </p:nvSpPr>
         <p:spPr/>
@@ -10994,53 +13980,148 @@
           <a:p>
             <a:r>
               <a:rPr lang="zh-TW" altLang="en-US" dirty="0"/>
-              <a:t>題目</a:t>
+              <a:t>專題討論 </a:t>
+            </a:r>
+          </a:p>
+        </p:txBody>
+      </p:sp>
+      <p:sp>
+        <p:nvSpPr>
+          <p:cNvPr id="5" name="文字版面配置區 4">
+            <a:extLst>
+              <a:ext uri="{FF2B5EF4-FFF2-40B4-BE49-F238E27FC236}">
+                <a16:creationId xmlns:a16="http://schemas.microsoft.com/office/drawing/2014/main" id="{CEE2A55E-C73D-43FF-AA36-95C0FF95B7B1}"/>
+              </a:ext>
+            </a:extLst>
+          </p:cNvPr>
+          <p:cNvSpPr>
+            <a:spLocks noGrp="1"/>
+          </p:cNvSpPr>
+          <p:nvPr>
+            <p:ph type="body" sz="quarter" idx="12"/>
+          </p:nvPr>
+        </p:nvSpPr>
+        <p:spPr/>
+        <p:txBody>
+          <a:bodyPr/>
+          <a:lstStyle/>
+          <a:p>
+            <a:endParaRPr lang="zh-TW" altLang="en-US"/>
+          </a:p>
+        </p:txBody>
+      </p:sp>
+    </p:spTree>
+    <p:extLst>
+      <p:ext uri="{BB962C8B-B14F-4D97-AF65-F5344CB8AC3E}">
+        <p14:creationId xmlns:p14="http://schemas.microsoft.com/office/powerpoint/2010/main" val="929909194"/>
+      </p:ext>
+    </p:extLst>
+  </p:cSld>
+  <p:clrMapOvr>
+    <a:masterClrMapping/>
+  </p:clrMapOvr>
+  <mc:AlternateContent xmlns:mc="http://schemas.openxmlformats.org/markup-compatibility/2006" xmlns:p14="http://schemas.microsoft.com/office/powerpoint/2010/main">
+    <mc:Choice Requires="p14">
+      <p:transition p14:dur="250">
+        <p:fade/>
+      </p:transition>
+    </mc:Choice>
+    <mc:Fallback xmlns="">
+      <p:transition>
+        <p:fade/>
+      </p:transition>
+    </mc:Fallback>
+  </mc:AlternateContent>
+</p:sld>
+</file>
+
+<file path=ppt/slides/slide12.xml><?xml version="1.0" encoding="utf-8"?>
+<p:sld xmlns:a="http://schemas.openxmlformats.org/drawingml/2006/main" xmlns:r="http://schemas.openxmlformats.org/officeDocument/2006/relationships" xmlns:p="http://schemas.openxmlformats.org/presentationml/2006/main">
+  <p:cSld>
+    <p:spTree>
+      <p:nvGrpSpPr>
+        <p:cNvPr id="1" name=""/>
+        <p:cNvGrpSpPr/>
+        <p:nvPr/>
+      </p:nvGrpSpPr>
+      <p:grpSpPr>
+        <a:xfrm>
+          <a:off x="0" y="0"/>
+          <a:ext cx="0" cy="0"/>
+          <a:chOff x="0" y="0"/>
+          <a:chExt cx="0" cy="0"/>
+        </a:xfrm>
+      </p:grpSpPr>
+      <p:sp>
+        <p:nvSpPr>
+          <p:cNvPr id="28" name="Text Placeholder 1">
+            <a:extLst>
+              <a:ext uri="{FF2B5EF4-FFF2-40B4-BE49-F238E27FC236}">
+                <a16:creationId xmlns:a16="http://schemas.microsoft.com/office/drawing/2014/main" id="{01BE97AB-03A6-4BDD-9894-7482434E4EEC}"/>
+              </a:ext>
+            </a:extLst>
+          </p:cNvPr>
+          <p:cNvSpPr>
+            <a:spLocks noGrp="1"/>
+          </p:cNvSpPr>
+          <p:nvPr>
+            <p:ph type="body" sz="quarter" idx="13"/>
+          </p:nvPr>
+        </p:nvSpPr>
+        <p:spPr>
+          <a:xfrm>
+            <a:off x="609600" y="1371600"/>
+            <a:ext cx="5325374" cy="4835297"/>
+          </a:xfrm>
+        </p:spPr>
+        <p:txBody>
+          <a:bodyPr/>
+          <a:lstStyle/>
+          <a:p>
+            <a:r>
+              <a:rPr lang="zh-TW" altLang="en-US" dirty="0"/>
+              <a:t>分享想要透過自動化解決的題目及緣由，並設想輸入及輸出。</a:t>
+            </a:r>
+            <a:endParaRPr lang="en-US" altLang="zh-TW" dirty="0"/>
+          </a:p>
+          <a:p>
+            <a:r>
+              <a:rPr lang="zh-TW" altLang="en-US" dirty="0"/>
+              <a:t>每位</a:t>
             </a:r>
             <a:r>
               <a:rPr lang="en-US" altLang="zh-TW" dirty="0"/>
-              <a:t>:</a:t>
-            </a:r>
-          </a:p>
-          <a:p>
+              <a:t>5</a:t>
+            </a:r>
             <a:r>
               <a:rPr lang="zh-TW" altLang="en-US" dirty="0"/>
-              <a:t>緣由</a:t>
-            </a:r>
-            <a:r>
-              <a:rPr lang="en-US" altLang="zh-TW" dirty="0"/>
-              <a:t>:</a:t>
-            </a:r>
+              <a:t>分鐘時間並利用板書搭配口頭說明。</a:t>
+            </a:r>
+            <a:endParaRPr lang="en-US" altLang="zh-TW" dirty="0"/>
           </a:p>
           <a:p>
             <a:r>
               <a:rPr lang="zh-TW" altLang="en-US" dirty="0"/>
-              <a:t>輸入</a:t>
-            </a:r>
-            <a:r>
-              <a:rPr lang="en-US" altLang="zh-TW" dirty="0"/>
-              <a:t>:</a:t>
-            </a:r>
+              <a:t>講師針對題目給出建議及方向，並評估難易度。</a:t>
+            </a:r>
+            <a:endParaRPr lang="en-US" altLang="zh-TW" dirty="0"/>
           </a:p>
           <a:p>
             <a:r>
               <a:rPr lang="zh-TW" altLang="en-US" dirty="0"/>
-              <a:t>輸出</a:t>
-            </a:r>
-            <a:r>
-              <a:rPr lang="en-US" altLang="zh-TW" dirty="0"/>
-              <a:t>:</a:t>
-            </a:r>
+              <a:t>分享供所有學員參考，不一定為最後專題題目。</a:t>
+            </a:r>
+            <a:endParaRPr lang="en-US" altLang="zh-TW" dirty="0"/>
           </a:p>
           <a:p>
             <a:r>
               <a:rPr lang="zh-TW" altLang="en-US" dirty="0"/>
-              <a:t>該如何分解題目</a:t>
-            </a:r>
-            <a:r>
-              <a:rPr lang="en-US" altLang="zh-TW" dirty="0"/>
-              <a:t>:</a:t>
-            </a:r>
-            <a:endParaRPr lang="zh-TW" altLang="en-US" dirty="0"/>
+              <a:t>待第四周所有學員完成分享之後，再從當中選擇最後的專題題目。</a:t>
+            </a:r>
+            <a:endParaRPr lang="en-US" altLang="zh-TW" dirty="0"/>
+          </a:p>
+          <a:p>
+            <a:endParaRPr lang="en-US" dirty="0"/>
           </a:p>
         </p:txBody>
       </p:sp>
@@ -11060,9 +14141,16 @@
             <p:ph type="title"/>
           </p:nvPr>
         </p:nvSpPr>
-        <p:spPr/>
+        <p:spPr>
+          <a:xfrm>
+            <a:off x="609601" y="148581"/>
+            <a:ext cx="10972799" cy="845837"/>
+          </a:xfrm>
+        </p:spPr>
         <p:txBody>
-          <a:bodyPr/>
+          <a:bodyPr anchor="t">
+            <a:normAutofit/>
+          </a:bodyPr>
           <a:lstStyle/>
           <a:p>
             <a:r>
@@ -11072,6 +14160,32 @@
           </a:p>
         </p:txBody>
       </p:sp>
+      <p:graphicFrame>
+        <p:nvGraphicFramePr>
+          <p:cNvPr id="29" name="內容版面配置區 4">
+            <a:extLst>
+              <a:ext uri="{FF2B5EF4-FFF2-40B4-BE49-F238E27FC236}">
+                <a16:creationId xmlns:a16="http://schemas.microsoft.com/office/drawing/2014/main" id="{65ACC48E-E28C-4D76-B91A-BBF5321702F0}"/>
+              </a:ext>
+            </a:extLst>
+          </p:cNvPr>
+          <p:cNvGraphicFramePr>
+            <a:graphicFrameLocks noGrp="1"/>
+          </p:cNvGraphicFramePr>
+          <p:nvPr>
+            <p:ph type="media" sz="quarter" idx="14"/>
+          </p:nvPr>
+        </p:nvGraphicFramePr>
+        <p:xfrm>
+          <a:off x="6674253" y="994418"/>
+          <a:ext cx="4816132" cy="4660616"/>
+        </p:xfrm>
+        <a:graphic>
+          <a:graphicData uri="http://schemas.openxmlformats.org/drawingml/2006/diagram">
+            <dgm:relIds xmlns:dgm="http://schemas.openxmlformats.org/drawingml/2006/diagram" xmlns:r="http://schemas.openxmlformats.org/officeDocument/2006/relationships" r:dm="rId2" r:lo="rId3" r:qs="rId4" r:cs="rId5"/>
+          </a:graphicData>
+        </a:graphic>
+      </p:graphicFrame>
     </p:spTree>
     <p:extLst>
       <p:ext uri="{BB962C8B-B14F-4D97-AF65-F5344CB8AC3E}">
@@ -11562,10 +14676,10 @@
       </p:grpSpPr>
       <p:sp>
         <p:nvSpPr>
-          <p:cNvPr id="2" name="文字版面配置區 1">
+          <p:cNvPr id="2" name="內容版面配置區 1">
             <a:extLst>
               <a:ext uri="{FF2B5EF4-FFF2-40B4-BE49-F238E27FC236}">
-                <a16:creationId xmlns:a16="http://schemas.microsoft.com/office/drawing/2014/main" id="{A8BA54D6-C8F9-4AAC-8CAA-D399FA342724}"/>
+                <a16:creationId xmlns:a16="http://schemas.microsoft.com/office/drawing/2014/main" id="{2E969B95-2A73-4997-A380-20B1D9CB2A08}"/>
               </a:ext>
             </a:extLst>
           </p:cNvPr>
@@ -11573,7 +14687,7 @@
             <a:spLocks noGrp="1"/>
           </p:cNvSpPr>
           <p:nvPr>
-            <p:ph type="body" sz="quarter" idx="10"/>
+            <p:ph idx="1"/>
           </p:nvPr>
         </p:nvSpPr>
         <p:spPr/>
@@ -11581,19 +14695,126 @@
           <a:bodyPr/>
           <a:lstStyle/>
           <a:p>
+            <a:pPr marL="0" indent="0">
+              <a:buNone/>
+            </a:pPr>
             <a:r>
               <a:rPr lang="zh-TW" altLang="en-US" dirty="0"/>
-              <a:t>自動化程式開發流程</a:t>
-            </a:r>
+              <a:t>寫程式是不斷的嘗試及除錯，程式錯誤基本上可分成兩種：</a:t>
+            </a:r>
+            <a:endParaRPr lang="en-US" altLang="zh-TW" dirty="0"/>
+          </a:p>
+          <a:p>
+            <a:r>
+              <a:rPr lang="en-US" altLang="zh-TW" dirty="0"/>
+              <a:t>Syntax Error(</a:t>
+            </a:r>
+            <a:r>
+              <a:rPr lang="zh-TW" altLang="en-US" dirty="0"/>
+              <a:t>語法錯誤</a:t>
+            </a:r>
+            <a:r>
+              <a:rPr lang="en-US" altLang="zh-TW" dirty="0"/>
+              <a:t>)</a:t>
+            </a:r>
+          </a:p>
+          <a:p>
+            <a:r>
+              <a:rPr lang="en-US" altLang="zh-TW" dirty="0"/>
+              <a:t>Logic Error(</a:t>
+            </a:r>
+            <a:r>
+              <a:rPr lang="zh-TW" altLang="en-US" dirty="0"/>
+              <a:t>邏輯錯誤</a:t>
+            </a:r>
+            <a:r>
+              <a:rPr lang="en-US" altLang="zh-TW" dirty="0"/>
+              <a:t>)</a:t>
+            </a:r>
+          </a:p>
+          <a:p>
+            <a:pPr marL="0" indent="0">
+              <a:buNone/>
+            </a:pPr>
+            <a:endParaRPr lang="en-US" altLang="zh-TW" dirty="0"/>
+          </a:p>
+          <a:p>
+            <a:pPr marL="0" indent="0">
+              <a:buNone/>
+            </a:pPr>
+            <a:r>
+              <a:rPr lang="en-US" altLang="zh-TW" dirty="0"/>
+              <a:t>Syntax error</a:t>
+            </a:r>
+            <a:r>
+              <a:rPr lang="zh-TW" altLang="en-US" dirty="0"/>
+              <a:t>在執行過程便會被檢查出來，可以透過</a:t>
+            </a:r>
+            <a:r>
+              <a:rPr lang="en-US" altLang="zh-TW" dirty="0">
+                <a:hlinkClick r:id="rId2"/>
+              </a:rPr>
+              <a:t>Exception</a:t>
+            </a:r>
+            <a:r>
+              <a:rPr lang="zh-TW" altLang="en-US" dirty="0"/>
+              <a:t>推測發生的問題。修正之後既可繼續向下執行。</a:t>
+            </a:r>
+            <a:endParaRPr lang="en-US" altLang="zh-TW" dirty="0"/>
+          </a:p>
+          <a:p>
+            <a:pPr marL="0" indent="0">
+              <a:buNone/>
+            </a:pPr>
+            <a:endParaRPr lang="en-US" altLang="zh-TW" dirty="0"/>
+          </a:p>
+          <a:p>
+            <a:pPr marL="0" indent="0">
+              <a:buNone/>
+            </a:pPr>
+            <a:r>
+              <a:rPr lang="en-US" altLang="zh-TW" dirty="0"/>
+              <a:t>Logic Error</a:t>
+            </a:r>
+            <a:r>
+              <a:rPr lang="zh-TW" altLang="en-US" dirty="0"/>
+              <a:t>則是輸出結果不如預期，這個錯誤要修正則是困難許多。一般需要設定斷點觀察變量的變動來追蹤可能的邏輯錯誤。在</a:t>
+            </a:r>
+            <a:r>
+              <a:rPr lang="en-US" altLang="zh-TW" dirty="0"/>
+              <a:t>AEDT</a:t>
+            </a:r>
+            <a:r>
+              <a:rPr lang="zh-TW" altLang="en-US" dirty="0"/>
+              <a:t>當中只能透過輸出變數值或</a:t>
+            </a:r>
+            <a:r>
+              <a:rPr lang="en-US" altLang="zh-TW" dirty="0"/>
+              <a:t>log</a:t>
+            </a:r>
+            <a:r>
+              <a:rPr lang="zh-TW" altLang="en-US" dirty="0"/>
+              <a:t>檔來協助除錯。</a:t>
+            </a:r>
+            <a:endParaRPr lang="en-US" altLang="zh-TW" dirty="0"/>
+          </a:p>
+          <a:p>
+            <a:pPr marL="0" indent="0">
+              <a:buNone/>
+            </a:pPr>
+            <a:endParaRPr lang="en-US" altLang="zh-TW" dirty="0"/>
+          </a:p>
+          <a:p>
+            <a:endParaRPr lang="en-US" altLang="zh-TW" dirty="0"/>
           </a:p>
         </p:txBody>
       </p:sp>
       <p:sp>
         <p:nvSpPr>
-          <p:cNvPr id="3" name="文字版面配置區 2">
+          <p:cNvPr id="3" name="標題 2">
             <a:extLst>
               <a:ext uri="{FF2B5EF4-FFF2-40B4-BE49-F238E27FC236}">
-                <a16:creationId xmlns:a16="http://schemas.microsoft.com/office/drawing/2014/main" id="{E5826541-8182-4A3B-9B53-86E069C3337C}"/>
+                <a16:creationId xmlns:a16="http://schemas.microsoft.com/office/drawing/2014/main" id="{2A98E3D0-197E-4283-9374-014ACD4317AE}"/>
               </a:ext>
             </a:extLst>
           </p:cNvPr>
@@ -11601,7 +14822,7 @@
             <a:spLocks noGrp="1"/>
           </p:cNvSpPr>
           <p:nvPr>
-            <p:ph type="body" sz="quarter" idx="12"/>
+            <p:ph type="title"/>
           </p:nvPr>
         </p:nvSpPr>
         <p:spPr/>
@@ -11609,14 +14830,139 @@
           <a:bodyPr/>
           <a:lstStyle/>
           <a:p>
-            <a:endParaRPr lang="zh-TW" altLang="en-US"/>
+            <a:r>
+              <a:rPr lang="zh-TW" altLang="en-US" dirty="0"/>
+              <a:t>除錯 </a:t>
+            </a:r>
+            <a:r>
+              <a:rPr lang="en-US" altLang="zh-TW"/>
+              <a:t>(Debug)</a:t>
+            </a:r>
+            <a:endParaRPr lang="zh-TW" altLang="en-US" dirty="0"/>
           </a:p>
         </p:txBody>
       </p:sp>
+      <p:pic>
+        <p:nvPicPr>
+          <p:cNvPr id="5" name="圖形 4" descr="蟲">
+            <a:extLst>
+              <a:ext uri="{FF2B5EF4-FFF2-40B4-BE49-F238E27FC236}">
+                <a16:creationId xmlns:a16="http://schemas.microsoft.com/office/drawing/2014/main" id="{D60D42ED-7EAA-46F5-8FEB-C037CD4BE2AA}"/>
+              </a:ext>
+            </a:extLst>
+          </p:cNvPr>
+          <p:cNvPicPr>
+            <a:picLocks noChangeAspect="1"/>
+          </p:cNvPicPr>
+          <p:nvPr/>
+        </p:nvPicPr>
+        <p:blipFill>
+          <a:blip r:embed="rId3">
+            <a:extLst>
+              <a:ext uri="{28A0092B-C50C-407E-A947-70E740481C1C}">
+                <a14:useLocalDpi xmlns:a14="http://schemas.microsoft.com/office/drawing/2010/main" val="0"/>
+              </a:ext>
+              <a:ext uri="{96DAC541-7B7A-43D3-8B79-37D633B846F1}">
+                <asvg:svgBlip xmlns:asvg="http://schemas.microsoft.com/office/drawing/2016/SVG/main" r:embed="rId4"/>
+              </a:ext>
+            </a:extLst>
+          </a:blip>
+          <a:stretch>
+            <a:fillRect/>
+          </a:stretch>
+        </p:blipFill>
+        <p:spPr>
+          <a:xfrm>
+            <a:off x="9120995" y="457200"/>
+            <a:ext cx="914400" cy="914400"/>
+          </a:xfrm>
+          <a:prstGeom prst="rect">
+            <a:avLst/>
+          </a:prstGeom>
+        </p:spPr>
+      </p:pic>
+      <p:pic>
+        <p:nvPicPr>
+          <p:cNvPr id="6" name="圖形 5" descr="蟲">
+            <a:extLst>
+              <a:ext uri="{FF2B5EF4-FFF2-40B4-BE49-F238E27FC236}">
+                <a16:creationId xmlns:a16="http://schemas.microsoft.com/office/drawing/2014/main" id="{E4961178-589B-4EDB-984E-FC6AB21A8483}"/>
+              </a:ext>
+            </a:extLst>
+          </p:cNvPr>
+          <p:cNvPicPr>
+            <a:picLocks noChangeAspect="1"/>
+          </p:cNvPicPr>
+          <p:nvPr/>
+        </p:nvPicPr>
+        <p:blipFill>
+          <a:blip r:embed="rId3">
+            <a:extLst>
+              <a:ext uri="{28A0092B-C50C-407E-A947-70E740481C1C}">
+                <a14:useLocalDpi xmlns:a14="http://schemas.microsoft.com/office/drawing/2010/main" val="0"/>
+              </a:ext>
+              <a:ext uri="{96DAC541-7B7A-43D3-8B79-37D633B846F1}">
+                <asvg:svgBlip xmlns:asvg="http://schemas.microsoft.com/office/drawing/2016/SVG/main" r:embed="rId4"/>
+              </a:ext>
+            </a:extLst>
+          </a:blip>
+          <a:stretch>
+            <a:fillRect/>
+          </a:stretch>
+        </p:blipFill>
+        <p:spPr>
+          <a:xfrm>
+            <a:off x="10228771" y="1371600"/>
+            <a:ext cx="914400" cy="914400"/>
+          </a:xfrm>
+          <a:prstGeom prst="rect">
+            <a:avLst/>
+          </a:prstGeom>
+        </p:spPr>
+      </p:pic>
+      <p:pic>
+        <p:nvPicPr>
+          <p:cNvPr id="7" name="圖形 6" descr="蟲">
+            <a:extLst>
+              <a:ext uri="{FF2B5EF4-FFF2-40B4-BE49-F238E27FC236}">
+                <a16:creationId xmlns:a16="http://schemas.microsoft.com/office/drawing/2014/main" id="{0C51E3FF-8378-43AD-B331-3491724D4B4C}"/>
+              </a:ext>
+            </a:extLst>
+          </p:cNvPr>
+          <p:cNvPicPr>
+            <a:picLocks noChangeAspect="1"/>
+          </p:cNvPicPr>
+          <p:nvPr/>
+        </p:nvPicPr>
+        <p:blipFill>
+          <a:blip r:embed="rId3">
+            <a:extLst>
+              <a:ext uri="{28A0092B-C50C-407E-A947-70E740481C1C}">
+                <a14:useLocalDpi xmlns:a14="http://schemas.microsoft.com/office/drawing/2010/main" val="0"/>
+              </a:ext>
+              <a:ext uri="{96DAC541-7B7A-43D3-8B79-37D633B846F1}">
+                <asvg:svgBlip xmlns:asvg="http://schemas.microsoft.com/office/drawing/2016/SVG/main" r:embed="rId4"/>
+              </a:ext>
+            </a:extLst>
+          </a:blip>
+          <a:stretch>
+            <a:fillRect/>
+          </a:stretch>
+        </p:blipFill>
+        <p:spPr>
+          <a:xfrm>
+            <a:off x="8771984" y="1929651"/>
+            <a:ext cx="914400" cy="914400"/>
+          </a:xfrm>
+          <a:prstGeom prst="rect">
+            <a:avLst/>
+          </a:prstGeom>
+        </p:spPr>
+      </p:pic>
     </p:spTree>
     <p:extLst>
       <p:ext uri="{BB962C8B-B14F-4D97-AF65-F5344CB8AC3E}">
-        <p14:creationId xmlns:p14="http://schemas.microsoft.com/office/powerpoint/2010/main" val="888648973"/>
+        <p14:creationId xmlns:p14="http://schemas.microsoft.com/office/powerpoint/2010/main" val="1555247219"/>
       </p:ext>
     </p:extLst>
   </p:cSld>
@@ -11657,10 +15003,10 @@
       </p:grpSpPr>
       <p:sp>
         <p:nvSpPr>
-          <p:cNvPr id="2" name="內容版面配置區 1">
+          <p:cNvPr id="2" name="文字版面配置區 1">
             <a:extLst>
               <a:ext uri="{FF2B5EF4-FFF2-40B4-BE49-F238E27FC236}">
-                <a16:creationId xmlns:a16="http://schemas.microsoft.com/office/drawing/2014/main" id="{39ECB457-4D4F-4A33-A3B9-6B135073BD8A}"/>
+                <a16:creationId xmlns:a16="http://schemas.microsoft.com/office/drawing/2014/main" id="{A8BA54D6-C8F9-4AAC-8CAA-D399FA342724}"/>
               </a:ext>
             </a:extLst>
           </p:cNvPr>
@@ -11668,7 +15014,7 @@
             <a:spLocks noGrp="1"/>
           </p:cNvSpPr>
           <p:nvPr>
-            <p:ph idx="1"/>
+            <p:ph type="body" sz="quarter" idx="10"/>
           </p:nvPr>
         </p:nvSpPr>
         <p:spPr/>
@@ -11676,87 +15022,19 @@
           <a:bodyPr/>
           <a:lstStyle/>
           <a:p>
-            <a:pPr marL="0" indent="0">
-              <a:buNone/>
-            </a:pPr>
             <a:r>
               <a:rPr lang="zh-TW" altLang="en-US" dirty="0"/>
-              <a:t>首先試著在問題中加入明確的輸入及輸出。舉例來說，“如何更快的畫出</a:t>
-            </a:r>
-            <a:r>
-              <a:rPr lang="en-US" altLang="zh-TW" dirty="0"/>
-              <a:t>3D</a:t>
-            </a:r>
-            <a:r>
-              <a:rPr lang="zh-TW" altLang="en-US" dirty="0"/>
-              <a:t>結構”就是屬於一個大問題，沒有明確的輸入及輸出。加入輸出入的問題會像是這樣子：</a:t>
-            </a:r>
-            <a:endParaRPr lang="en-US" altLang="zh-TW" dirty="0"/>
-          </a:p>
-          <a:p>
-            <a:r>
-              <a:rPr lang="zh-TW" altLang="en-US" b="1" dirty="0"/>
-              <a:t>“如何給定一條曲線（輸入），沿著線產生等間距的</a:t>
-            </a:r>
-            <a:r>
-              <a:rPr lang="en-US" altLang="zh-TW" b="1" dirty="0"/>
-              <a:t>via</a:t>
-            </a:r>
-            <a:r>
-              <a:rPr lang="zh-TW" altLang="en-US" b="1" dirty="0"/>
-              <a:t>（輸出）</a:t>
-            </a:r>
-            <a:r>
-              <a:rPr lang="zh-TW" altLang="en-US" dirty="0"/>
-              <a:t>”，或是</a:t>
-            </a:r>
-            <a:endParaRPr lang="en-US" altLang="zh-TW" dirty="0"/>
-          </a:p>
-          <a:p>
-            <a:r>
-              <a:rPr lang="zh-TW" altLang="en-US" b="1" dirty="0"/>
-              <a:t>“如何給定座標點（輸入），將物件（輸入）複製到座標點上面（輸出）”</a:t>
-            </a:r>
-            <a:r>
-              <a:rPr lang="zh-TW" altLang="en-US" dirty="0"/>
-              <a:t>或是，</a:t>
-            </a:r>
-            <a:endParaRPr lang="en-US" altLang="zh-TW" dirty="0"/>
-          </a:p>
-          <a:p>
-            <a:r>
-              <a:rPr lang="zh-TW" altLang="en-US" b="1" dirty="0"/>
-              <a:t>“選擇焊片（輸入），如何在上面自動產生錫球（輸出）”</a:t>
-            </a:r>
-            <a:r>
-              <a:rPr lang="zh-TW" altLang="en-US" dirty="0"/>
-              <a:t>。</a:t>
-            </a:r>
-            <a:endParaRPr lang="en-US" altLang="zh-TW" dirty="0"/>
-          </a:p>
-          <a:p>
-            <a:pPr marL="0" indent="0">
-              <a:buNone/>
-            </a:pPr>
-            <a:endParaRPr lang="en-US" altLang="zh-TW" dirty="0"/>
-          </a:p>
-          <a:p>
-            <a:pPr marL="0" indent="0">
-              <a:buNone/>
-            </a:pPr>
-            <a:r>
-              <a:rPr lang="zh-TW" altLang="en-US" dirty="0"/>
-              <a:t>加入了輸入及輸出的描述讓整個問題變得具體也更容易理解。</a:t>
+              <a:t>自動化程式開發流程</a:t>
             </a:r>
           </a:p>
         </p:txBody>
       </p:sp>
       <p:sp>
         <p:nvSpPr>
-          <p:cNvPr id="4" name="標題 3">
+          <p:cNvPr id="3" name="文字版面配置區 2">
             <a:extLst>
               <a:ext uri="{FF2B5EF4-FFF2-40B4-BE49-F238E27FC236}">
-                <a16:creationId xmlns:a16="http://schemas.microsoft.com/office/drawing/2014/main" id="{A96425F9-195D-4693-9E6E-3A6A87237F5E}"/>
+                <a16:creationId xmlns:a16="http://schemas.microsoft.com/office/drawing/2014/main" id="{E5826541-8182-4A3B-9B53-86E069C3337C}"/>
               </a:ext>
             </a:extLst>
           </p:cNvPr>
@@ -11764,7 +15042,7 @@
             <a:spLocks noGrp="1"/>
           </p:cNvSpPr>
           <p:nvPr>
-            <p:ph type="title"/>
+            <p:ph type="body" sz="quarter" idx="12"/>
           </p:nvPr>
         </p:nvSpPr>
         <p:spPr/>
@@ -11772,17 +15050,14 @@
           <a:bodyPr/>
           <a:lstStyle/>
           <a:p>
-            <a:r>
-              <a:rPr lang="zh-TW" altLang="en-US" dirty="0"/>
-              <a:t>找出模擬工作的瓶頸並定義題目</a:t>
-            </a:r>
+            <a:endParaRPr lang="zh-TW" altLang="en-US"/>
           </a:p>
         </p:txBody>
       </p:sp>
     </p:spTree>
     <p:extLst>
       <p:ext uri="{BB962C8B-B14F-4D97-AF65-F5344CB8AC3E}">
-        <p14:creationId xmlns:p14="http://schemas.microsoft.com/office/powerpoint/2010/main" val="1061609012"/>
+        <p14:creationId xmlns:p14="http://schemas.microsoft.com/office/powerpoint/2010/main" val="888648973"/>
       </p:ext>
     </p:extLst>
   </p:cSld>
@@ -11826,7 +15101,7 @@
           <p:cNvPr id="2" name="內容版面配置區 1">
             <a:extLst>
               <a:ext uri="{FF2B5EF4-FFF2-40B4-BE49-F238E27FC236}">
-                <a16:creationId xmlns:a16="http://schemas.microsoft.com/office/drawing/2014/main" id="{9AB95A1D-731F-4754-8CC5-5B2A6DACC14C}"/>
+                <a16:creationId xmlns:a16="http://schemas.microsoft.com/office/drawing/2014/main" id="{39ECB457-4D4F-4A33-A3B9-6B135073BD8A}"/>
               </a:ext>
             </a:extLst>
           </p:cNvPr>
@@ -11847,83 +15122,52 @@
             </a:pPr>
             <a:r>
               <a:rPr lang="zh-TW" altLang="en-US" dirty="0"/>
-              <a:t>接下來要試著將上面的問題變成是（輸入</a:t>
+              <a:t>首先試著在問題中加入明確的輸入及輸出。舉例來說，“如何更快的畫出</a:t>
             </a:r>
             <a:r>
               <a:rPr lang="en-US" altLang="zh-TW" dirty="0"/>
-              <a:t>—</a:t>
+              <a:t>3D</a:t>
             </a:r>
             <a:r>
               <a:rPr lang="zh-TW" altLang="en-US" dirty="0"/>
-              <a:t>輸出）</a:t>
-            </a:r>
-            <a:r>
-              <a:rPr lang="en-US" altLang="zh-TW" dirty="0"/>
-              <a:t>—</a:t>
+              <a:t>結構”就是屬於一個大問題，沒有明確的輸入及輸出。加入輸出入的問題會像是這樣子：</a:t>
+            </a:r>
+            <a:endParaRPr lang="en-US" altLang="zh-TW" dirty="0"/>
+          </a:p>
+          <a:p>
+            <a:r>
+              <a:rPr lang="zh-TW" altLang="en-US" b="1" dirty="0"/>
+              <a:t>“如何給定一條曲線（輸入），沿著線產生等間距的</a:t>
+            </a:r>
+            <a:r>
+              <a:rPr lang="en-US" altLang="zh-TW" b="1" dirty="0"/>
+              <a:t>via</a:t>
+            </a:r>
+            <a:r>
+              <a:rPr lang="zh-TW" altLang="en-US" b="1" dirty="0"/>
+              <a:t>（輸出）</a:t>
             </a:r>
             <a:r>
               <a:rPr lang="zh-TW" altLang="en-US" dirty="0"/>
-              <a:t>（輸入</a:t>
-            </a:r>
-            <a:r>
-              <a:rPr lang="en-US" altLang="zh-TW" dirty="0"/>
-              <a:t>—</a:t>
+              <a:t>”，或是</a:t>
+            </a:r>
+            <a:endParaRPr lang="en-US" altLang="zh-TW" dirty="0"/>
+          </a:p>
+          <a:p>
+            <a:r>
+              <a:rPr lang="zh-TW" altLang="en-US" b="1" dirty="0"/>
+              <a:t>“如何給定座標點（輸入），將物件（輸入）複製到座標點上面（輸出）”</a:t>
             </a:r>
             <a:r>
               <a:rPr lang="zh-TW" altLang="en-US" dirty="0"/>
-              <a:t>輸出）</a:t>
-            </a:r>
-            <a:r>
-              <a:rPr lang="en-US" altLang="zh-TW" dirty="0"/>
-              <a:t>—</a:t>
-            </a:r>
-            <a:r>
-              <a:rPr lang="zh-TW" altLang="en-US" dirty="0"/>
-              <a:t>（輸入</a:t>
-            </a:r>
-            <a:r>
-              <a:rPr lang="en-US" altLang="zh-TW" dirty="0"/>
-              <a:t>—</a:t>
-            </a:r>
-            <a:r>
-              <a:rPr lang="zh-TW" altLang="en-US" dirty="0"/>
-              <a:t>輸出）的格式，拆解問題的同時也是在回答問題，如同抽絲剝繭一般，這時候已經開始進入了程式開發的工作。舉例來說，</a:t>
-            </a:r>
+              <a:t>或是，</a:t>
+            </a:r>
+            <a:endParaRPr lang="en-US" altLang="zh-TW" dirty="0"/>
+          </a:p>
+          <a:p>
             <a:r>
               <a:rPr lang="zh-TW" altLang="en-US" b="1" dirty="0"/>
-              <a:t>”如何給定座標點“</a:t>
-            </a:r>
-            <a:r>
-              <a:rPr lang="zh-TW" altLang="en-US" dirty="0"/>
-              <a:t>變成是</a:t>
-            </a:r>
-            <a:r>
-              <a:rPr lang="zh-TW" altLang="en-US" b="1" dirty="0"/>
-              <a:t>“如何將儲存在</a:t>
-            </a:r>
-            <a:r>
-              <a:rPr lang="en-US" altLang="zh-TW" b="1" dirty="0"/>
-              <a:t>csv</a:t>
-            </a:r>
-            <a:r>
-              <a:rPr lang="zh-TW" altLang="en-US" b="1" dirty="0"/>
-              <a:t>檔案的座標點讀到陣列當中“</a:t>
-            </a:r>
-            <a:r>
-              <a:rPr lang="zh-TW" altLang="en-US" dirty="0"/>
-              <a:t>以及</a:t>
-            </a:r>
-            <a:r>
-              <a:rPr lang="zh-TW" altLang="en-US" b="1" dirty="0"/>
-              <a:t>”如何將選擇的物件輸出名稱“</a:t>
-            </a:r>
-            <a:r>
-              <a:rPr lang="zh-TW" altLang="en-US" dirty="0"/>
-              <a:t>和</a:t>
-            </a:r>
-            <a:r>
-              <a:rPr lang="zh-TW" altLang="en-US" b="1" dirty="0"/>
-              <a:t>“如何將輸出物件根據陣列的座標位置進行複製”</a:t>
+              <a:t>“選擇焊片（輸入），如何在上面自動產生錫球（輸出）”</a:t>
             </a:r>
             <a:r>
               <a:rPr lang="zh-TW" altLang="en-US" dirty="0"/>
@@ -11943,17 +15187,17 @@
             </a:pPr>
             <a:r>
               <a:rPr lang="zh-TW" altLang="en-US" dirty="0"/>
-              <a:t>要注意的是，除非你已經是有經驗的開發者，否則這些問題並不是你在程式開發初期就可以想的出來的，而是在程式碼開發過程當中，透過不斷嘗試去摸索出來的。過程當中答案也可能會一變再變，不斷嘗試不同的小程式碼片段去解決其中一個小問題，直到找到答案為止。</a:t>
+              <a:t>加入了輸入及輸出的描述讓整個問題變得具體也更容易理解。</a:t>
             </a:r>
           </a:p>
         </p:txBody>
       </p:sp>
       <p:sp>
         <p:nvSpPr>
-          <p:cNvPr id="5" name="標題 4">
+          <p:cNvPr id="4" name="標題 3">
             <a:extLst>
               <a:ext uri="{FF2B5EF4-FFF2-40B4-BE49-F238E27FC236}">
-                <a16:creationId xmlns:a16="http://schemas.microsoft.com/office/drawing/2014/main" id="{D9BE9DE2-8245-4CD7-8644-BCDBABA8D1A8}"/>
+                <a16:creationId xmlns:a16="http://schemas.microsoft.com/office/drawing/2014/main" id="{A96425F9-195D-4693-9E6E-3A6A87237F5E}"/>
               </a:ext>
             </a:extLst>
           </p:cNvPr>
@@ -11971,7 +15215,7 @@
           <a:p>
             <a:r>
               <a:rPr lang="zh-TW" altLang="en-US" dirty="0"/>
-              <a:t>分析題目並拆解為更小的問題</a:t>
+              <a:t>找出模擬工作的瓶頸並定義題目</a:t>
             </a:r>
           </a:p>
         </p:txBody>
@@ -11979,7 +15223,7 @@
     </p:spTree>
     <p:extLst>
       <p:ext uri="{BB962C8B-B14F-4D97-AF65-F5344CB8AC3E}">
-        <p14:creationId xmlns:p14="http://schemas.microsoft.com/office/powerpoint/2010/main" val="2773999239"/>
+        <p14:creationId xmlns:p14="http://schemas.microsoft.com/office/powerpoint/2010/main" val="1061609012"/>
       </p:ext>
     </p:extLst>
   </p:cSld>
@@ -12023,7 +15267,7 @@
           <p:cNvPr id="2" name="內容版面配置區 1">
             <a:extLst>
               <a:ext uri="{FF2B5EF4-FFF2-40B4-BE49-F238E27FC236}">
-                <a16:creationId xmlns:a16="http://schemas.microsoft.com/office/drawing/2014/main" id="{F11FD2CA-F942-45B8-9174-40F6B5B42065}"/>
+                <a16:creationId xmlns:a16="http://schemas.microsoft.com/office/drawing/2014/main" id="{9AB95A1D-731F-4754-8CC5-5B2A6DACC14C}"/>
               </a:ext>
             </a:extLst>
           </p:cNvPr>
@@ -12034,16 +15278,9 @@
             <p:ph idx="1"/>
           </p:nvPr>
         </p:nvSpPr>
-        <p:spPr>
-          <a:xfrm>
-            <a:off x="609599" y="1371600"/>
-            <a:ext cx="6843624" cy="4762471"/>
-          </a:xfrm>
-        </p:spPr>
+        <p:spPr/>
         <p:txBody>
-          <a:bodyPr>
-            <a:normAutofit/>
-          </a:bodyPr>
+          <a:bodyPr/>
           <a:lstStyle/>
           <a:p>
             <a:pPr marL="0" indent="0">
@@ -12051,7 +15288,87 @@
             </a:pPr>
             <a:r>
               <a:rPr lang="zh-TW" altLang="en-US" dirty="0"/>
-              <a:t>等到把所有的拼圖碎片找齊，最後便是拼圖的工作。這個階段不斷進行拼湊程式碼，測試，除錯的工作循環。就像拼圖一樣，先拼出邊邊角角比較容易的部分。將四個邊角完成之後在設法將這些大塊連結起來。</a:t>
+              <a:t>接下來要試著將上面的問題變成是（輸入</a:t>
+            </a:r>
+            <a:r>
+              <a:rPr lang="en-US" altLang="zh-TW" dirty="0"/>
+              <a:t>—</a:t>
+            </a:r>
+            <a:r>
+              <a:rPr lang="zh-TW" altLang="en-US" dirty="0"/>
+              <a:t>輸出）</a:t>
+            </a:r>
+            <a:r>
+              <a:rPr lang="en-US" altLang="zh-TW" dirty="0"/>
+              <a:t>—</a:t>
+            </a:r>
+            <a:r>
+              <a:rPr lang="zh-TW" altLang="en-US" dirty="0"/>
+              <a:t>（輸入</a:t>
+            </a:r>
+            <a:r>
+              <a:rPr lang="en-US" altLang="zh-TW" dirty="0"/>
+              <a:t>—</a:t>
+            </a:r>
+            <a:r>
+              <a:rPr lang="zh-TW" altLang="en-US" dirty="0"/>
+              <a:t>輸出）</a:t>
+            </a:r>
+            <a:r>
+              <a:rPr lang="en-US" altLang="zh-TW" dirty="0"/>
+              <a:t>—</a:t>
+            </a:r>
+            <a:r>
+              <a:rPr lang="zh-TW" altLang="en-US" dirty="0"/>
+              <a:t>（輸入</a:t>
+            </a:r>
+            <a:r>
+              <a:rPr lang="en-US" altLang="zh-TW" dirty="0"/>
+              <a:t>—</a:t>
+            </a:r>
+            <a:r>
+              <a:rPr lang="zh-TW" altLang="en-US" dirty="0"/>
+              <a:t>輸出）的格式，拆解問題的同時也是在回答問題，如同抽絲剝繭一般，這時候已經開始進入了程式開發的工作。舉例來說，</a:t>
+            </a:r>
+            <a:r>
+              <a:rPr lang="zh-TW" altLang="en-US" b="1" dirty="0"/>
+              <a:t>”如何給定座標點“</a:t>
+            </a:r>
+            <a:r>
+              <a:rPr lang="zh-TW" altLang="en-US" dirty="0"/>
+              <a:t>變成是</a:t>
+            </a:r>
+            <a:r>
+              <a:rPr lang="zh-TW" altLang="en-US" b="1" dirty="0"/>
+              <a:t>“如何將儲存在</a:t>
+            </a:r>
+            <a:r>
+              <a:rPr lang="en-US" altLang="zh-TW" b="1" dirty="0"/>
+              <a:t>csv</a:t>
+            </a:r>
+            <a:r>
+              <a:rPr lang="zh-TW" altLang="en-US" b="1" dirty="0"/>
+              <a:t>檔案的座標點讀到陣列當中“</a:t>
+            </a:r>
+            <a:r>
+              <a:rPr lang="zh-TW" altLang="en-US" dirty="0"/>
+              <a:t>以及</a:t>
+            </a:r>
+            <a:r>
+              <a:rPr lang="zh-TW" altLang="en-US" b="1" dirty="0"/>
+              <a:t>”如何將選擇的物件輸出名稱“</a:t>
+            </a:r>
+            <a:r>
+              <a:rPr lang="zh-TW" altLang="en-US" dirty="0"/>
+              <a:t>和</a:t>
+            </a:r>
+            <a:r>
+              <a:rPr lang="zh-TW" altLang="en-US" b="1" dirty="0"/>
+              <a:t>“如何將輸出物件根據陣列的座標位置進行複製”</a:t>
+            </a:r>
+            <a:r>
+              <a:rPr lang="zh-TW" altLang="en-US" dirty="0"/>
+              <a:t>。</a:t>
             </a:r>
             <a:endParaRPr lang="en-US" altLang="zh-TW" dirty="0"/>
           </a:p>
@@ -12067,17 +15384,17 @@
             </a:pPr>
             <a:r>
               <a:rPr lang="zh-TW" altLang="en-US" dirty="0"/>
-              <a:t>開發自動化程式很少是一氣呵成，一筆而就的。實際的過程更像是摸著石子過河，走到半途退回去另尋他路更是常有的事。就算是百轉千折，只要最終能到達對岸就是成功的達成任務，這也是學習程式開發的必經階段。至於對有開發經驗的設計師來說，可以快速的找出最短路徑，加上手上現有的工具，很快就能完成開發的工作。</a:t>
+              <a:t>要注意的是，除非你已經是有經驗的開發者，否則這些問題並不是你在程式開發初期就可以想的出來的，而是在程式碼開發過程當中，透過不斷嘗試去摸索出來的。過程當中答案也可能會一變再變，不斷嘗試不同的小程式碼片段去解決其中一個小問題，直到找到答案為止。</a:t>
             </a:r>
           </a:p>
         </p:txBody>
       </p:sp>
       <p:sp>
         <p:nvSpPr>
-          <p:cNvPr id="3" name="標題 2">
+          <p:cNvPr id="5" name="標題 4">
             <a:extLst>
               <a:ext uri="{FF2B5EF4-FFF2-40B4-BE49-F238E27FC236}">
-                <a16:creationId xmlns:a16="http://schemas.microsoft.com/office/drawing/2014/main" id="{FDA2CCF4-8156-43AA-A2A5-BCE09F7AF6E8}"/>
+                <a16:creationId xmlns:a16="http://schemas.microsoft.com/office/drawing/2014/main" id="{D9BE9DE2-8245-4CD7-8644-BCDBABA8D1A8}"/>
               </a:ext>
             </a:extLst>
           </p:cNvPr>
@@ -12095,56 +15412,15 @@
           <a:p>
             <a:r>
               <a:rPr lang="zh-TW" altLang="en-US" dirty="0"/>
-              <a:t>將所有的代碼拼湊出來</a:t>
+              <a:t>分析題目並拆解為更小的問題</a:t>
             </a:r>
           </a:p>
         </p:txBody>
       </p:sp>
-      <p:pic>
-        <p:nvPicPr>
-          <p:cNvPr id="4" name="圖片 3">
-            <a:extLst>
-              <a:ext uri="{FF2B5EF4-FFF2-40B4-BE49-F238E27FC236}">
-                <a16:creationId xmlns:a16="http://schemas.microsoft.com/office/drawing/2014/main" id="{6FB5FDE6-1EF5-4D36-B4AB-3539895B20C5}"/>
-              </a:ext>
-            </a:extLst>
-          </p:cNvPr>
-          <p:cNvPicPr>
-            <a:picLocks noChangeAspect="1"/>
-          </p:cNvPicPr>
-          <p:nvPr/>
-        </p:nvPicPr>
-        <p:blipFill>
-          <a:blip r:embed="rId2">
-            <a:clrChange>
-              <a:clrFrom>
-                <a:srgbClr val="FBFBFB"/>
-              </a:clrFrom>
-              <a:clrTo>
-                <a:srgbClr val="FBFBFB">
-                  <a:alpha val="0"/>
-                </a:srgbClr>
-              </a:clrTo>
-            </a:clrChange>
-          </a:blip>
-          <a:stretch>
-            <a:fillRect/>
-          </a:stretch>
-        </p:blipFill>
-        <p:spPr>
-          <a:xfrm>
-            <a:off x="7542193" y="2178051"/>
-            <a:ext cx="4454275" cy="2743437"/>
-          </a:xfrm>
-          <a:prstGeom prst="rect">
-            <a:avLst/>
-          </a:prstGeom>
-        </p:spPr>
-      </p:pic>
     </p:spTree>
     <p:extLst>
       <p:ext uri="{BB962C8B-B14F-4D97-AF65-F5344CB8AC3E}">
-        <p14:creationId xmlns:p14="http://schemas.microsoft.com/office/powerpoint/2010/main" val="101432508"/>
+        <p14:creationId xmlns:p14="http://schemas.microsoft.com/office/powerpoint/2010/main" val="2773999239"/>
       </p:ext>
     </p:extLst>
   </p:cSld>
@@ -12185,10 +15461,10 @@
       </p:grpSpPr>
       <p:sp>
         <p:nvSpPr>
-          <p:cNvPr id="4" name="文字版面配置區 3">
+          <p:cNvPr id="2" name="內容版面配置區 1">
             <a:extLst>
               <a:ext uri="{FF2B5EF4-FFF2-40B4-BE49-F238E27FC236}">
-                <a16:creationId xmlns:a16="http://schemas.microsoft.com/office/drawing/2014/main" id="{2FA54F75-D405-4104-B6BB-EA44A23A109A}"/>
+                <a16:creationId xmlns:a16="http://schemas.microsoft.com/office/drawing/2014/main" id="{F11FD2CA-F942-45B8-9174-40F6B5B42065}"/>
               </a:ext>
             </a:extLst>
           </p:cNvPr>
@@ -12196,7 +15472,61 @@
             <a:spLocks noGrp="1"/>
           </p:cNvSpPr>
           <p:nvPr>
-            <p:ph type="body" sz="quarter" idx="10"/>
+            <p:ph idx="1"/>
+          </p:nvPr>
+        </p:nvSpPr>
+        <p:spPr>
+          <a:xfrm>
+            <a:off x="609599" y="1371600"/>
+            <a:ext cx="6843624" cy="4762471"/>
+          </a:xfrm>
+        </p:spPr>
+        <p:txBody>
+          <a:bodyPr>
+            <a:normAutofit/>
+          </a:bodyPr>
+          <a:lstStyle/>
+          <a:p>
+            <a:pPr marL="0" indent="0">
+              <a:buNone/>
+            </a:pPr>
+            <a:r>
+              <a:rPr lang="zh-TW" altLang="en-US" dirty="0"/>
+              <a:t>等到把所有的拼圖碎片找齊，最後便是拼圖的工作。這個階段不斷進行拼湊程式碼，測試，除錯的工作循環。就像拼圖一樣，先拼出邊邊角角比較容易的部分。將四個邊角完成之後在設法將這些大塊連結起來。</a:t>
+            </a:r>
+            <a:endParaRPr lang="en-US" altLang="zh-TW" dirty="0"/>
+          </a:p>
+          <a:p>
+            <a:pPr marL="0" indent="0">
+              <a:buNone/>
+            </a:pPr>
+            <a:endParaRPr lang="en-US" altLang="zh-TW" dirty="0"/>
+          </a:p>
+          <a:p>
+            <a:pPr marL="0" indent="0">
+              <a:buNone/>
+            </a:pPr>
+            <a:r>
+              <a:rPr lang="zh-TW" altLang="en-US" dirty="0"/>
+              <a:t>開發自動化程式很少是一氣呵成，一筆而就的。實際的過程更像是摸著石子過河，走到半途退回去另尋他路更是常有的事。就算是百轉千折，只要最終能到達對岸就是成功的達成任務，這也是學習程式開發的必經階段。至於對有開發經驗的設計師來說，可以快速的找出最短路徑，加上手上現有的工具，很快就能完成開發的工作。</a:t>
+            </a:r>
+          </a:p>
+        </p:txBody>
+      </p:sp>
+      <p:sp>
+        <p:nvSpPr>
+          <p:cNvPr id="3" name="標題 2">
+            <a:extLst>
+              <a:ext uri="{FF2B5EF4-FFF2-40B4-BE49-F238E27FC236}">
+                <a16:creationId xmlns:a16="http://schemas.microsoft.com/office/drawing/2014/main" id="{FDA2CCF4-8156-43AA-A2A5-BCE09F7AF6E8}"/>
+              </a:ext>
+            </a:extLst>
+          </p:cNvPr>
+          <p:cNvSpPr>
+            <a:spLocks noGrp="1"/>
+          </p:cNvSpPr>
+          <p:nvPr>
+            <p:ph type="title"/>
           </p:nvPr>
         </p:nvSpPr>
         <p:spPr/>
@@ -12206,48 +15536,56 @@
           <a:p>
             <a:r>
               <a:rPr lang="zh-TW" altLang="en-US" dirty="0"/>
-              <a:t>範例解說：如何根據</a:t>
-            </a:r>
-            <a:r>
-              <a:rPr lang="en-US" altLang="zh-TW" dirty="0"/>
-              <a:t>CSV</a:t>
-            </a:r>
-            <a:r>
-              <a:rPr lang="zh-TW" altLang="en-US" dirty="0"/>
-              <a:t>紀錄的座標複製物件</a:t>
+              <a:t>將所有的代碼拼湊出來</a:t>
             </a:r>
           </a:p>
         </p:txBody>
       </p:sp>
-      <p:sp>
-        <p:nvSpPr>
-          <p:cNvPr id="5" name="文字版面配置區 4">
+      <p:pic>
+        <p:nvPicPr>
+          <p:cNvPr id="4" name="圖片 3">
             <a:extLst>
               <a:ext uri="{FF2B5EF4-FFF2-40B4-BE49-F238E27FC236}">
-                <a16:creationId xmlns:a16="http://schemas.microsoft.com/office/drawing/2014/main" id="{CEE2A55E-C73D-43FF-AA36-95C0FF95B7B1}"/>
+                <a16:creationId xmlns:a16="http://schemas.microsoft.com/office/drawing/2014/main" id="{6FB5FDE6-1EF5-4D36-B4AB-3539895B20C5}"/>
               </a:ext>
             </a:extLst>
           </p:cNvPr>
-          <p:cNvSpPr>
-            <a:spLocks noGrp="1"/>
-          </p:cNvSpPr>
-          <p:nvPr>
-            <p:ph type="body" sz="quarter" idx="12"/>
-          </p:nvPr>
-        </p:nvSpPr>
-        <p:spPr/>
-        <p:txBody>
-          <a:bodyPr/>
-          <a:lstStyle/>
-          <a:p>
-            <a:endParaRPr lang="zh-TW" altLang="en-US"/>
-          </a:p>
-        </p:txBody>
-      </p:sp>
+          <p:cNvPicPr>
+            <a:picLocks noChangeAspect="1"/>
+          </p:cNvPicPr>
+          <p:nvPr/>
+        </p:nvPicPr>
+        <p:blipFill>
+          <a:blip r:embed="rId2">
+            <a:clrChange>
+              <a:clrFrom>
+                <a:srgbClr val="FBFBFB"/>
+              </a:clrFrom>
+              <a:clrTo>
+                <a:srgbClr val="FBFBFB">
+                  <a:alpha val="0"/>
+                </a:srgbClr>
+              </a:clrTo>
+            </a:clrChange>
+          </a:blip>
+          <a:stretch>
+            <a:fillRect/>
+          </a:stretch>
+        </p:blipFill>
+        <p:spPr>
+          <a:xfrm>
+            <a:off x="7542193" y="2178051"/>
+            <a:ext cx="4454275" cy="2743437"/>
+          </a:xfrm>
+          <a:prstGeom prst="rect">
+            <a:avLst/>
+          </a:prstGeom>
+        </p:spPr>
+      </p:pic>
     </p:spTree>
     <p:extLst>
       <p:ext uri="{BB962C8B-B14F-4D97-AF65-F5344CB8AC3E}">
-        <p14:creationId xmlns:p14="http://schemas.microsoft.com/office/powerpoint/2010/main" val="2189207556"/>
+        <p14:creationId xmlns:p14="http://schemas.microsoft.com/office/powerpoint/2010/main" val="101432508"/>
       </p:ext>
     </p:extLst>
   </p:cSld>
